--- a/session1/A1-ER_modeling.pptx
+++ b/session1/A1-ER_modeling.pptx
@@ -258,7 +258,7 @@
                 <a:ea typeface="Arial Unicode MS" panose="020B0604020202020204" pitchFamily="34" charset="-128"/>
                 <a:cs typeface="Arial Unicode MS" panose="020B0604020202020204" pitchFamily="34" charset="-128"/>
               </a:rPr>
-              <a:t>5/26/2019</a:t>
+              <a:t>5/20/2021</a:t>
             </a:fld>
             <a:endParaRPr lang="en-US" dirty="0">
               <a:latin typeface="Arial Unicode MS" panose="020B0604020202020204" pitchFamily="34" charset="-128"/>
@@ -1736,7 +1736,7 @@
           <a:p>
             <a:fld id="{E9385586-C094-4874-A3EB-1898CF456001}" type="datetimeFigureOut">
               <a:rPr lang="en-US" smtClean="0"/>
-              <a:t>5/26/2019</a:t>
+              <a:t>5/20/2021</a:t>
             </a:fld>
             <a:endParaRPr lang="en-US"/>
           </a:p>
@@ -1905,7 +1905,7 @@
           <a:p>
             <a:fld id="{E9385586-C094-4874-A3EB-1898CF456001}" type="datetimeFigureOut">
               <a:rPr lang="en-US" smtClean="0"/>
-              <a:t>5/26/2019</a:t>
+              <a:t>5/20/2021</a:t>
             </a:fld>
             <a:endParaRPr lang="en-US"/>
           </a:p>
@@ -2084,7 +2084,7 @@
           <a:p>
             <a:fld id="{E9385586-C094-4874-A3EB-1898CF456001}" type="datetimeFigureOut">
               <a:rPr lang="en-US" smtClean="0"/>
-              <a:t>5/26/2019</a:t>
+              <a:t>5/20/2021</a:t>
             </a:fld>
             <a:endParaRPr lang="en-US"/>
           </a:p>
@@ -2284,7 +2284,7 @@
           <a:p>
             <a:fld id="{E9385586-C094-4874-A3EB-1898CF456001}" type="datetimeFigureOut">
               <a:rPr lang="en-US" smtClean="0"/>
-              <a:t>5/26/2019</a:t>
+              <a:t>5/20/2021</a:t>
             </a:fld>
             <a:endParaRPr lang="en-US"/>
           </a:p>
@@ -2529,7 +2529,7 @@
           <a:p>
             <a:fld id="{E9385586-C094-4874-A3EB-1898CF456001}" type="datetimeFigureOut">
               <a:rPr lang="en-US" smtClean="0"/>
-              <a:t>5/26/2019</a:t>
+              <a:t>5/20/2021</a:t>
             </a:fld>
             <a:endParaRPr lang="en-US"/>
           </a:p>
@@ -2759,7 +2759,7 @@
           <a:p>
             <a:fld id="{E9385586-C094-4874-A3EB-1898CF456001}" type="datetimeFigureOut">
               <a:rPr lang="en-US" smtClean="0"/>
-              <a:t>5/26/2019</a:t>
+              <a:t>5/20/2021</a:t>
             </a:fld>
             <a:endParaRPr lang="en-US"/>
           </a:p>
@@ -3124,7 +3124,7 @@
           <a:p>
             <a:fld id="{E9385586-C094-4874-A3EB-1898CF456001}" type="datetimeFigureOut">
               <a:rPr lang="en-US" smtClean="0"/>
-              <a:t>5/26/2019</a:t>
+              <a:t>5/20/2021</a:t>
             </a:fld>
             <a:endParaRPr lang="en-US"/>
           </a:p>
@@ -3242,7 +3242,7 @@
           <a:p>
             <a:fld id="{E9385586-C094-4874-A3EB-1898CF456001}" type="datetimeFigureOut">
               <a:rPr lang="en-US" smtClean="0"/>
-              <a:t>5/26/2019</a:t>
+              <a:t>5/20/2021</a:t>
             </a:fld>
             <a:endParaRPr lang="en-US"/>
           </a:p>
@@ -3337,7 +3337,7 @@
           <a:p>
             <a:fld id="{E9385586-C094-4874-A3EB-1898CF456001}" type="datetimeFigureOut">
               <a:rPr lang="en-US" smtClean="0"/>
-              <a:t>5/26/2019</a:t>
+              <a:t>5/20/2021</a:t>
             </a:fld>
             <a:endParaRPr lang="en-US"/>
           </a:p>
@@ -3613,7 +3613,7 @@
           <a:p>
             <a:fld id="{E9385586-C094-4874-A3EB-1898CF456001}" type="datetimeFigureOut">
               <a:rPr lang="en-US" smtClean="0"/>
-              <a:t>5/26/2019</a:t>
+              <a:t>5/20/2021</a:t>
             </a:fld>
             <a:endParaRPr lang="en-US"/>
           </a:p>
@@ -3866,7 +3866,7 @@
           <a:p>
             <a:fld id="{E9385586-C094-4874-A3EB-1898CF456001}" type="datetimeFigureOut">
               <a:rPr lang="en-US" smtClean="0"/>
-              <a:t>5/26/2019</a:t>
+              <a:t>5/20/2021</a:t>
             </a:fld>
             <a:endParaRPr lang="en-US"/>
           </a:p>
@@ -4082,7 +4082,7 @@
             <a:fld id="{E9385586-C094-4874-A3EB-1898CF456001}" type="datetimeFigureOut">
               <a:rPr lang="en-US" smtClean="0"/>
               <a:pPr/>
-              <a:t>5/26/2019</a:t>
+              <a:t>5/20/2021</a:t>
             </a:fld>
             <a:endParaRPr lang="en-US" dirty="0"/>
           </a:p>
@@ -4514,7 +4514,7 @@
           </a:ln>
           <a:extLst>
             <a:ext uri="{C572A759-6A51-4108-AA02-DFA0A04FC94B}">
-              <ma14:wrappingTextBoxFlag xmlns:ma14="http://schemas.microsoft.com/office/mac/drawingml/2011/main" xmlns="" val="1"/>
+              <ma14:wrappingTextBoxFlag xmlns="" xmlns:ma14="http://schemas.microsoft.com/office/mac/drawingml/2011/main" val="1"/>
             </a:ext>
           </a:extLst>
         </p:spPr>
@@ -4602,7 +4602,7 @@
           </a:ln>
           <a:extLst>
             <a:ext uri="{C572A759-6A51-4108-AA02-DFA0A04FC94B}">
-              <ma14:wrappingTextBoxFlag xmlns:ma14="http://schemas.microsoft.com/office/mac/drawingml/2011/main" xmlns="" val="1"/>
+              <ma14:wrappingTextBoxFlag xmlns="" xmlns:ma14="http://schemas.microsoft.com/office/mac/drawingml/2011/main" val="1"/>
             </a:ext>
           </a:extLst>
         </p:spPr>
@@ -4713,7 +4713,7 @@
           </a:ln>
           <a:extLst>
             <a:ext uri="{C572A759-6A51-4108-AA02-DFA0A04FC94B}">
-              <ma14:wrappingTextBoxFlag xmlns:ma14="http://schemas.microsoft.com/office/mac/drawingml/2011/main" xmlns="" val="1"/>
+              <ma14:wrappingTextBoxFlag xmlns="" xmlns:ma14="http://schemas.microsoft.com/office/mac/drawingml/2011/main" val="1"/>
             </a:ext>
           </a:extLst>
         </p:spPr>
@@ -4861,9 +4861,7 @@
         <p:nvGraphicFramePr>
           <p:cNvPr id="386" name="Table 386"/>
           <p:cNvGraphicFramePr/>
-          <p:nvPr>
-            <p:extLst/>
-          </p:nvPr>
+          <p:nvPr/>
         </p:nvGraphicFramePr>
         <p:xfrm>
           <a:off x="4873680" y="2798064"/>
@@ -5093,9 +5091,7 @@
         <p:nvGraphicFramePr>
           <p:cNvPr id="387" name="Table 387"/>
           <p:cNvGraphicFramePr/>
-          <p:nvPr>
-            <p:extLst/>
-          </p:nvPr>
+          <p:nvPr/>
         </p:nvGraphicFramePr>
         <p:xfrm>
           <a:off x="7555523" y="2798064"/>
@@ -5554,7 +5550,7 @@
           </a:ln>
           <a:extLst>
             <a:ext uri="{C572A759-6A51-4108-AA02-DFA0A04FC94B}">
-              <ma14:wrappingTextBoxFlag xmlns:ma14="http://schemas.microsoft.com/office/mac/drawingml/2011/main" xmlns="" val="1"/>
+              <ma14:wrappingTextBoxFlag xmlns="" xmlns:ma14="http://schemas.microsoft.com/office/mac/drawingml/2011/main" val="1"/>
             </a:ext>
           </a:extLst>
         </p:spPr>
@@ -5766,9 +5762,7 @@
             </a:extLst>
           </p:cNvPr>
           <p:cNvGraphicFramePr/>
-          <p:nvPr>
-            <p:extLst/>
-          </p:nvPr>
+          <p:nvPr/>
         </p:nvGraphicFramePr>
         <p:xfrm>
           <a:off x="2421789" y="2840101"/>
@@ -6234,9 +6228,7 @@
             </a:extLst>
           </p:cNvPr>
           <p:cNvGraphicFramePr/>
-          <p:nvPr>
-            <p:extLst/>
-          </p:nvPr>
+          <p:nvPr/>
         </p:nvGraphicFramePr>
         <p:xfrm>
           <a:off x="353123" y="2825448"/>
@@ -6620,7 +6612,7 @@
           </a:ln>
           <a:extLst>
             <a:ext uri="{C572A759-6A51-4108-AA02-DFA0A04FC94B}">
-              <ma14:wrappingTextBoxFlag xmlns:ma14="http://schemas.microsoft.com/office/mac/drawingml/2011/main" xmlns="" val="1"/>
+              <ma14:wrappingTextBoxFlag xmlns="" xmlns:ma14="http://schemas.microsoft.com/office/mac/drawingml/2011/main" val="1"/>
             </a:ext>
           </a:extLst>
         </p:spPr>
@@ -8311,7 +8303,7 @@
           </a:ln>
           <a:extLst>
             <a:ext uri="{C572A759-6A51-4108-AA02-DFA0A04FC94B}">
-              <ma14:wrappingTextBoxFlag xmlns:ma14="http://schemas.microsoft.com/office/mac/drawingml/2011/main" xmlns="" val="1"/>
+              <ma14:wrappingTextBoxFlag xmlns="" xmlns:ma14="http://schemas.microsoft.com/office/mac/drawingml/2011/main" val="1"/>
             </a:ext>
           </a:extLst>
         </p:spPr>
@@ -8446,9 +8438,7 @@
             <p:nvPr/>
           </p:nvPicPr>
           <p:blipFill>
-            <a:blip r:embed="rId3">
-              <a:extLst/>
-            </a:blip>
+            <a:blip r:embed="rId3"/>
             <a:stretch>
               <a:fillRect/>
             </a:stretch>
@@ -8612,7 +8602,7 @@
           </a:ln>
           <a:extLst>
             <a:ext uri="{C572A759-6A51-4108-AA02-DFA0A04FC94B}">
-              <ma14:wrappingTextBoxFlag xmlns:ma14="http://schemas.microsoft.com/office/mac/drawingml/2011/main" xmlns="" val="1"/>
+              <ma14:wrappingTextBoxFlag xmlns="" xmlns:ma14="http://schemas.microsoft.com/office/mac/drawingml/2011/main" val="1"/>
             </a:ext>
           </a:extLst>
         </p:spPr>
@@ -8678,7 +8668,7 @@
           </a:ln>
           <a:extLst>
             <a:ext uri="{C572A759-6A51-4108-AA02-DFA0A04FC94B}">
-              <ma14:wrappingTextBoxFlag xmlns:ma14="http://schemas.microsoft.com/office/mac/drawingml/2011/main" xmlns="" val="1"/>
+              <ma14:wrappingTextBoxFlag xmlns="" xmlns:ma14="http://schemas.microsoft.com/office/mac/drawingml/2011/main" val="1"/>
             </a:ext>
           </a:extLst>
         </p:spPr>
@@ -9779,7 +9769,7 @@
           </a:ln>
           <a:extLst>
             <a:ext uri="{C572A759-6A51-4108-AA02-DFA0A04FC94B}">
-              <ma14:wrappingTextBoxFlag xmlns:ma14="http://schemas.microsoft.com/office/mac/drawingml/2011/main" xmlns="" val="1"/>
+              <ma14:wrappingTextBoxFlag xmlns="" xmlns:ma14="http://schemas.microsoft.com/office/mac/drawingml/2011/main" val="1"/>
             </a:ext>
           </a:extLst>
         </p:spPr>
@@ -9845,7 +9835,7 @@
           </a:ln>
           <a:extLst>
             <a:ext uri="{C572A759-6A51-4108-AA02-DFA0A04FC94B}">
-              <ma14:wrappingTextBoxFlag xmlns:ma14="http://schemas.microsoft.com/office/mac/drawingml/2011/main" xmlns="" val="1"/>
+              <ma14:wrappingTextBoxFlag xmlns="" xmlns:ma14="http://schemas.microsoft.com/office/mac/drawingml/2011/main" val="1"/>
             </a:ext>
           </a:extLst>
         </p:spPr>
@@ -10170,7 +10160,7 @@
               <a:effectLst/>
               <a:extLst>
                 <a:ext uri="{C572A759-6A51-4108-AA02-DFA0A04FC94B}">
-                  <ma14:wrappingTextBoxFlag xmlns:ma14="http://schemas.microsoft.com/office/mac/drawingml/2011/main" xmlns="" val="1"/>
+                  <ma14:wrappingTextBoxFlag xmlns="" xmlns:ma14="http://schemas.microsoft.com/office/mac/drawingml/2011/main" val="1"/>
                 </a:ext>
               </a:extLst>
             </p:spPr>
@@ -10290,7 +10280,7 @@
               <a:effectLst/>
               <a:extLst>
                 <a:ext uri="{C572A759-6A51-4108-AA02-DFA0A04FC94B}">
-                  <ma14:wrappingTextBoxFlag xmlns:ma14="http://schemas.microsoft.com/office/mac/drawingml/2011/main" xmlns="" val="1"/>
+                  <ma14:wrappingTextBoxFlag xmlns="" xmlns:ma14="http://schemas.microsoft.com/office/mac/drawingml/2011/main" val="1"/>
                 </a:ext>
               </a:extLst>
             </p:spPr>
@@ -10421,7 +10411,7 @@
             <a:effectLst/>
             <a:extLst>
               <a:ext uri="{C572A759-6A51-4108-AA02-DFA0A04FC94B}">
-                <ma14:wrappingTextBoxFlag xmlns:ma14="http://schemas.microsoft.com/office/mac/drawingml/2011/main" xmlns="" val="1"/>
+                <ma14:wrappingTextBoxFlag xmlns="" xmlns:ma14="http://schemas.microsoft.com/office/mac/drawingml/2011/main" val="1"/>
               </a:ext>
             </a:extLst>
           </p:spPr>
@@ -10555,7 +10545,7 @@
               <a:effectLst/>
               <a:extLst>
                 <a:ext uri="{C572A759-6A51-4108-AA02-DFA0A04FC94B}">
-                  <ma14:wrappingTextBoxFlag xmlns:ma14="http://schemas.microsoft.com/office/mac/drawingml/2011/main" xmlns="" val="1"/>
+                  <ma14:wrappingTextBoxFlag xmlns="" xmlns:ma14="http://schemas.microsoft.com/office/mac/drawingml/2011/main" val="1"/>
                 </a:ext>
               </a:extLst>
             </p:spPr>
@@ -10686,7 +10676,7 @@
               <a:effectLst/>
               <a:extLst>
                 <a:ext uri="{C572A759-6A51-4108-AA02-DFA0A04FC94B}">
-                  <ma14:wrappingTextBoxFlag xmlns:ma14="http://schemas.microsoft.com/office/mac/drawingml/2011/main" xmlns="" val="1"/>
+                  <ma14:wrappingTextBoxFlag xmlns="" xmlns:ma14="http://schemas.microsoft.com/office/mac/drawingml/2011/main" val="1"/>
                 </a:ext>
               </a:extLst>
             </p:spPr>
@@ -10764,7 +10754,7 @@
             <a:effectLst/>
             <a:extLst>
               <a:ext uri="{C572A759-6A51-4108-AA02-DFA0A04FC94B}">
-                <ma14:wrappingTextBoxFlag xmlns:ma14="http://schemas.microsoft.com/office/mac/drawingml/2011/main" xmlns="" val="1"/>
+                <ma14:wrappingTextBoxFlag xmlns="" xmlns:ma14="http://schemas.microsoft.com/office/mac/drawingml/2011/main" val="1"/>
               </a:ext>
             </a:extLst>
           </p:spPr>
@@ -10830,7 +10820,7 @@
             <a:effectLst/>
             <a:extLst>
               <a:ext uri="{C572A759-6A51-4108-AA02-DFA0A04FC94B}">
-                <ma14:wrappingTextBoxFlag xmlns:ma14="http://schemas.microsoft.com/office/mac/drawingml/2011/main" xmlns="" val="1"/>
+                <ma14:wrappingTextBoxFlag xmlns="" xmlns:ma14="http://schemas.microsoft.com/office/mac/drawingml/2011/main" val="1"/>
               </a:ext>
             </a:extLst>
           </p:spPr>
@@ -10896,7 +10886,7 @@
             <a:effectLst/>
             <a:extLst>
               <a:ext uri="{C572A759-6A51-4108-AA02-DFA0A04FC94B}">
-                <ma14:wrappingTextBoxFlag xmlns:ma14="http://schemas.microsoft.com/office/mac/drawingml/2011/main" xmlns="" val="1"/>
+                <ma14:wrappingTextBoxFlag xmlns="" xmlns:ma14="http://schemas.microsoft.com/office/mac/drawingml/2011/main" val="1"/>
               </a:ext>
             </a:extLst>
           </p:spPr>
@@ -11094,7 +11084,7 @@
           </a:ln>
           <a:extLst>
             <a:ext uri="{C572A759-6A51-4108-AA02-DFA0A04FC94B}">
-              <ma14:wrappingTextBoxFlag xmlns:ma14="http://schemas.microsoft.com/office/mac/drawingml/2011/main" xmlns="" val="1"/>
+              <ma14:wrappingTextBoxFlag xmlns="" xmlns:ma14="http://schemas.microsoft.com/office/mac/drawingml/2011/main" val="1"/>
             </a:ext>
           </a:extLst>
         </p:spPr>
@@ -11160,7 +11150,7 @@
           </a:ln>
           <a:extLst>
             <a:ext uri="{C572A759-6A51-4108-AA02-DFA0A04FC94B}">
-              <ma14:wrappingTextBoxFlag xmlns:ma14="http://schemas.microsoft.com/office/mac/drawingml/2011/main" xmlns="" val="1"/>
+              <ma14:wrappingTextBoxFlag xmlns="" xmlns:ma14="http://schemas.microsoft.com/office/mac/drawingml/2011/main" val="1"/>
             </a:ext>
           </a:extLst>
         </p:spPr>
@@ -11558,7 +11548,7 @@
             <a:effectLst/>
             <a:extLst>
               <a:ext uri="{C572A759-6A51-4108-AA02-DFA0A04FC94B}">
-                <ma14:wrappingTextBoxFlag xmlns:ma14="http://schemas.microsoft.com/office/mac/drawingml/2011/main" xmlns="" val="1"/>
+                <ma14:wrappingTextBoxFlag xmlns="" xmlns:ma14="http://schemas.microsoft.com/office/mac/drawingml/2011/main" val="1"/>
               </a:ext>
             </a:extLst>
           </p:spPr>
@@ -11678,7 +11668,7 @@
             <a:effectLst/>
             <a:extLst>
               <a:ext uri="{C572A759-6A51-4108-AA02-DFA0A04FC94B}">
-                <ma14:wrappingTextBoxFlag xmlns:ma14="http://schemas.microsoft.com/office/mac/drawingml/2011/main" xmlns="" val="1"/>
+                <ma14:wrappingTextBoxFlag xmlns="" xmlns:ma14="http://schemas.microsoft.com/office/mac/drawingml/2011/main" val="1"/>
               </a:ext>
             </a:extLst>
           </p:spPr>
@@ -11800,7 +11790,7 @@
           </a:ln>
           <a:extLst>
             <a:ext uri="{C572A759-6A51-4108-AA02-DFA0A04FC94B}">
-              <ma14:wrappingTextBoxFlag xmlns:ma14="http://schemas.microsoft.com/office/mac/drawingml/2011/main" xmlns="" val="1"/>
+              <ma14:wrappingTextBoxFlag xmlns="" xmlns:ma14="http://schemas.microsoft.com/office/mac/drawingml/2011/main" val="1"/>
             </a:ext>
           </a:extLst>
         </p:spPr>
@@ -11934,7 +11924,7 @@
             <a:effectLst/>
             <a:extLst>
               <a:ext uri="{C572A759-6A51-4108-AA02-DFA0A04FC94B}">
-                <ma14:wrappingTextBoxFlag xmlns:ma14="http://schemas.microsoft.com/office/mac/drawingml/2011/main" xmlns="" val="1"/>
+                <ma14:wrappingTextBoxFlag xmlns="" xmlns:ma14="http://schemas.microsoft.com/office/mac/drawingml/2011/main" val="1"/>
               </a:ext>
             </a:extLst>
           </p:spPr>
@@ -12054,7 +12044,7 @@
             <a:effectLst/>
             <a:extLst>
               <a:ext uri="{C572A759-6A51-4108-AA02-DFA0A04FC94B}">
-                <ma14:wrappingTextBoxFlag xmlns:ma14="http://schemas.microsoft.com/office/mac/drawingml/2011/main" xmlns="" val="1"/>
+                <ma14:wrappingTextBoxFlag xmlns="" xmlns:ma14="http://schemas.microsoft.com/office/mac/drawingml/2011/main" val="1"/>
               </a:ext>
             </a:extLst>
           </p:spPr>
@@ -12129,7 +12119,7 @@
           </a:ln>
           <a:extLst>
             <a:ext uri="{C572A759-6A51-4108-AA02-DFA0A04FC94B}">
-              <ma14:wrappingTextBoxFlag xmlns:ma14="http://schemas.microsoft.com/office/mac/drawingml/2011/main" xmlns="" val="1"/>
+              <ma14:wrappingTextBoxFlag xmlns="" xmlns:ma14="http://schemas.microsoft.com/office/mac/drawingml/2011/main" val="1"/>
             </a:ext>
           </a:extLst>
         </p:spPr>
@@ -12192,7 +12182,7 @@
           </a:ln>
           <a:extLst>
             <a:ext uri="{C572A759-6A51-4108-AA02-DFA0A04FC94B}">
-              <ma14:wrappingTextBoxFlag xmlns:ma14="http://schemas.microsoft.com/office/mac/drawingml/2011/main" xmlns="" val="1"/>
+              <ma14:wrappingTextBoxFlag xmlns="" xmlns:ma14="http://schemas.microsoft.com/office/mac/drawingml/2011/main" val="1"/>
             </a:ext>
           </a:extLst>
         </p:spPr>
@@ -12255,7 +12245,7 @@
           </a:ln>
           <a:extLst>
             <a:ext uri="{C572A759-6A51-4108-AA02-DFA0A04FC94B}">
-              <ma14:wrappingTextBoxFlag xmlns:ma14="http://schemas.microsoft.com/office/mac/drawingml/2011/main" xmlns="" val="1"/>
+              <ma14:wrappingTextBoxFlag xmlns="" xmlns:ma14="http://schemas.microsoft.com/office/mac/drawingml/2011/main" val="1"/>
             </a:ext>
           </a:extLst>
         </p:spPr>
@@ -12627,7 +12617,7 @@
           </a:ln>
           <a:extLst>
             <a:ext uri="{C572A759-6A51-4108-AA02-DFA0A04FC94B}">
-              <ma14:wrappingTextBoxFlag xmlns:ma14="http://schemas.microsoft.com/office/mac/drawingml/2011/main" xmlns="" val="1"/>
+              <ma14:wrappingTextBoxFlag xmlns="" xmlns:ma14="http://schemas.microsoft.com/office/mac/drawingml/2011/main" val="1"/>
             </a:ext>
           </a:extLst>
         </p:spPr>
@@ -12693,7 +12683,7 @@
           </a:ln>
           <a:extLst>
             <a:ext uri="{C572A759-6A51-4108-AA02-DFA0A04FC94B}">
-              <ma14:wrappingTextBoxFlag xmlns:ma14="http://schemas.microsoft.com/office/mac/drawingml/2011/main" xmlns="" val="1"/>
+              <ma14:wrappingTextBoxFlag xmlns="" xmlns:ma14="http://schemas.microsoft.com/office/mac/drawingml/2011/main" val="1"/>
             </a:ext>
           </a:extLst>
         </p:spPr>
@@ -12917,7 +12907,7 @@
           </a:ln>
           <a:extLst>
             <a:ext uri="{C572A759-6A51-4108-AA02-DFA0A04FC94B}">
-              <ma14:wrappingTextBoxFlag xmlns:ma14="http://schemas.microsoft.com/office/mac/drawingml/2011/main" xmlns="" val="1"/>
+              <ma14:wrappingTextBoxFlag xmlns="" xmlns:ma14="http://schemas.microsoft.com/office/mac/drawingml/2011/main" val="1"/>
             </a:ext>
           </a:extLst>
         </p:spPr>
@@ -13026,7 +13016,7 @@
           </a:ln>
           <a:extLst>
             <a:ext uri="{C572A759-6A51-4108-AA02-DFA0A04FC94B}">
-              <ma14:wrappingTextBoxFlag xmlns:ma14="http://schemas.microsoft.com/office/mac/drawingml/2011/main" xmlns="" val="1"/>
+              <ma14:wrappingTextBoxFlag xmlns="" xmlns:ma14="http://schemas.microsoft.com/office/mac/drawingml/2011/main" val="1"/>
             </a:ext>
           </a:extLst>
         </p:spPr>
@@ -13094,7 +13084,7 @@
           </a:ln>
           <a:extLst>
             <a:ext uri="{C572A759-6A51-4108-AA02-DFA0A04FC94B}">
-              <ma14:wrappingTextBoxFlag xmlns:ma14="http://schemas.microsoft.com/office/mac/drawingml/2011/main" xmlns="" val="1"/>
+              <ma14:wrappingTextBoxFlag xmlns="" xmlns:ma14="http://schemas.microsoft.com/office/mac/drawingml/2011/main" val="1"/>
             </a:ext>
           </a:extLst>
         </p:spPr>
@@ -13228,7 +13218,7 @@
           </a:ln>
           <a:extLst>
             <a:ext uri="{C572A759-6A51-4108-AA02-DFA0A04FC94B}">
-              <ma14:wrappingTextBoxFlag xmlns:ma14="http://schemas.microsoft.com/office/mac/drawingml/2011/main" xmlns="" val="1"/>
+              <ma14:wrappingTextBoxFlag xmlns="" xmlns:ma14="http://schemas.microsoft.com/office/mac/drawingml/2011/main" val="1"/>
             </a:ext>
           </a:extLst>
         </p:spPr>
@@ -13602,7 +13592,7 @@
           </a:ln>
           <a:extLst>
             <a:ext uri="{C572A759-6A51-4108-AA02-DFA0A04FC94B}">
-              <ma14:wrappingTextBoxFlag xmlns:ma14="http://schemas.microsoft.com/office/mac/drawingml/2011/main" xmlns="" val="1"/>
+              <ma14:wrappingTextBoxFlag xmlns="" xmlns:ma14="http://schemas.microsoft.com/office/mac/drawingml/2011/main" val="1"/>
             </a:ext>
           </a:extLst>
         </p:spPr>
@@ -13947,7 +13937,7 @@
           </a:ln>
           <a:extLst>
             <a:ext uri="{C572A759-6A51-4108-AA02-DFA0A04FC94B}">
-              <ma14:wrappingTextBoxFlag xmlns:ma14="http://schemas.microsoft.com/office/mac/drawingml/2011/main" xmlns="" val="1"/>
+              <ma14:wrappingTextBoxFlag xmlns="" xmlns:ma14="http://schemas.microsoft.com/office/mac/drawingml/2011/main" val="1"/>
             </a:ext>
           </a:extLst>
         </p:spPr>
@@ -14013,7 +14003,7 @@
           </a:ln>
           <a:extLst>
             <a:ext uri="{C572A759-6A51-4108-AA02-DFA0A04FC94B}">
-              <ma14:wrappingTextBoxFlag xmlns:ma14="http://schemas.microsoft.com/office/mac/drawingml/2011/main" xmlns="" val="1"/>
+              <ma14:wrappingTextBoxFlag xmlns="" xmlns:ma14="http://schemas.microsoft.com/office/mac/drawingml/2011/main" val="1"/>
             </a:ext>
           </a:extLst>
         </p:spPr>
@@ -14294,7 +14284,7 @@
           </a:ln>
           <a:extLst>
             <a:ext uri="{C572A759-6A51-4108-AA02-DFA0A04FC94B}">
-              <ma14:wrappingTextBoxFlag xmlns:ma14="http://schemas.microsoft.com/office/mac/drawingml/2011/main" xmlns="" val="1"/>
+              <ma14:wrappingTextBoxFlag xmlns="" xmlns:ma14="http://schemas.microsoft.com/office/mac/drawingml/2011/main" val="1"/>
             </a:ext>
           </a:extLst>
         </p:spPr>
@@ -14431,7 +14421,7 @@
           </a:ln>
           <a:extLst>
             <a:ext uri="{C572A759-6A51-4108-AA02-DFA0A04FC94B}">
-              <ma14:wrappingTextBoxFlag xmlns:ma14="http://schemas.microsoft.com/office/mac/drawingml/2011/main" xmlns="" val="1"/>
+              <ma14:wrappingTextBoxFlag xmlns="" xmlns:ma14="http://schemas.microsoft.com/office/mac/drawingml/2011/main" val="1"/>
             </a:ext>
           </a:extLst>
         </p:spPr>
@@ -14583,7 +14573,7 @@
           </a:ln>
           <a:extLst>
             <a:ext uri="{C572A759-6A51-4108-AA02-DFA0A04FC94B}">
-              <ma14:wrappingTextBoxFlag xmlns:ma14="http://schemas.microsoft.com/office/mac/drawingml/2011/main" xmlns="" val="1"/>
+              <ma14:wrappingTextBoxFlag xmlns="" xmlns:ma14="http://schemas.microsoft.com/office/mac/drawingml/2011/main" val="1"/>
             </a:ext>
           </a:extLst>
         </p:spPr>
@@ -14730,7 +14720,7 @@
           </a:ln>
           <a:extLst>
             <a:ext uri="{C572A759-6A51-4108-AA02-DFA0A04FC94B}">
-              <ma14:wrappingTextBoxFlag xmlns:ma14="http://schemas.microsoft.com/office/mac/drawingml/2011/main" xmlns="" val="1"/>
+              <ma14:wrappingTextBoxFlag xmlns="" xmlns:ma14="http://schemas.microsoft.com/office/mac/drawingml/2011/main" val="1"/>
             </a:ext>
           </a:extLst>
         </p:spPr>
@@ -14841,7 +14831,7 @@
           </a:ln>
           <a:extLst>
             <a:ext uri="{C572A759-6A51-4108-AA02-DFA0A04FC94B}">
-              <ma14:wrappingTextBoxFlag xmlns:ma14="http://schemas.microsoft.com/office/mac/drawingml/2011/main" xmlns="" val="1"/>
+              <ma14:wrappingTextBoxFlag xmlns="" xmlns:ma14="http://schemas.microsoft.com/office/mac/drawingml/2011/main" val="1"/>
             </a:ext>
           </a:extLst>
         </p:spPr>
@@ -15065,7 +15055,7 @@
           </a:ln>
           <a:extLst>
             <a:ext uri="{C572A759-6A51-4108-AA02-DFA0A04FC94B}">
-              <ma14:wrappingTextBoxFlag xmlns:ma14="http://schemas.microsoft.com/office/mac/drawingml/2011/main" xmlns="" val="1"/>
+              <ma14:wrappingTextBoxFlag xmlns="" xmlns:ma14="http://schemas.microsoft.com/office/mac/drawingml/2011/main" val="1"/>
             </a:ext>
           </a:extLst>
         </p:spPr>
@@ -15308,7 +15298,7 @@
           </a:ln>
           <a:extLst>
             <a:ext uri="{C572A759-6A51-4108-AA02-DFA0A04FC94B}">
-              <ma14:wrappingTextBoxFlag xmlns:ma14="http://schemas.microsoft.com/office/mac/drawingml/2011/main" xmlns="" val="1"/>
+              <ma14:wrappingTextBoxFlag xmlns="" xmlns:ma14="http://schemas.microsoft.com/office/mac/drawingml/2011/main" val="1"/>
             </a:ext>
           </a:extLst>
         </p:spPr>
@@ -15414,7 +15404,7 @@
           </a:ln>
           <a:extLst>
             <a:ext uri="{C572A759-6A51-4108-AA02-DFA0A04FC94B}">
-              <ma14:wrappingTextBoxFlag xmlns:ma14="http://schemas.microsoft.com/office/mac/drawingml/2011/main" xmlns="" val="1"/>
+              <ma14:wrappingTextBoxFlag xmlns="" xmlns:ma14="http://schemas.microsoft.com/office/mac/drawingml/2011/main" val="1"/>
             </a:ext>
           </a:extLst>
         </p:spPr>
@@ -15683,7 +15673,7 @@
           </a:ln>
           <a:extLst>
             <a:ext uri="{C572A759-6A51-4108-AA02-DFA0A04FC94B}">
-              <ma14:wrappingTextBoxFlag xmlns:ma14="http://schemas.microsoft.com/office/mac/drawingml/2011/main" xmlns="" val="1"/>
+              <ma14:wrappingTextBoxFlag xmlns="" xmlns:ma14="http://schemas.microsoft.com/office/mac/drawingml/2011/main" val="1"/>
             </a:ext>
           </a:extLst>
         </p:spPr>
@@ -15745,7 +15735,7 @@
           </a:ln>
           <a:extLst>
             <a:ext uri="{C572A759-6A51-4108-AA02-DFA0A04FC94B}">
-              <ma14:wrappingTextBoxFlag xmlns:ma14="http://schemas.microsoft.com/office/mac/drawingml/2011/main" xmlns="" val="1"/>
+              <ma14:wrappingTextBoxFlag xmlns="" xmlns:ma14="http://schemas.microsoft.com/office/mac/drawingml/2011/main" val="1"/>
             </a:ext>
           </a:extLst>
         </p:spPr>
@@ -16312,7 +16302,7 @@
           </a:ln>
           <a:extLst>
             <a:ext uri="{C572A759-6A51-4108-AA02-DFA0A04FC94B}">
-              <ma14:wrappingTextBoxFlag xmlns:ma14="http://schemas.microsoft.com/office/mac/drawingml/2011/main" xmlns="" val="1"/>
+              <ma14:wrappingTextBoxFlag xmlns="" xmlns:ma14="http://schemas.microsoft.com/office/mac/drawingml/2011/main" val="1"/>
             </a:ext>
           </a:extLst>
         </p:spPr>
@@ -16486,7 +16476,7 @@
           </a:ln>
           <a:extLst>
             <a:ext uri="{C572A759-6A51-4108-AA02-DFA0A04FC94B}">
-              <ma14:wrappingTextBoxFlag xmlns:ma14="http://schemas.microsoft.com/office/mac/drawingml/2011/main" xmlns="" val="1"/>
+              <ma14:wrappingTextBoxFlag xmlns="" xmlns:ma14="http://schemas.microsoft.com/office/mac/drawingml/2011/main" val="1"/>
             </a:ext>
           </a:extLst>
         </p:spPr>
@@ -16590,7 +16580,7 @@
           </a:ln>
           <a:extLst>
             <a:ext uri="{C572A759-6A51-4108-AA02-DFA0A04FC94B}">
-              <ma14:wrappingTextBoxFlag xmlns:ma14="http://schemas.microsoft.com/office/mac/drawingml/2011/main" xmlns="" val="1"/>
+              <ma14:wrappingTextBoxFlag xmlns="" xmlns:ma14="http://schemas.microsoft.com/office/mac/drawingml/2011/main" val="1"/>
             </a:ext>
           </a:extLst>
         </p:spPr>
@@ -16656,7 +16646,7 @@
           </a:ln>
           <a:extLst>
             <a:ext uri="{C572A759-6A51-4108-AA02-DFA0A04FC94B}">
-              <ma14:wrappingTextBoxFlag xmlns:ma14="http://schemas.microsoft.com/office/mac/drawingml/2011/main" xmlns="" val="1"/>
+              <ma14:wrappingTextBoxFlag xmlns="" xmlns:ma14="http://schemas.microsoft.com/office/mac/drawingml/2011/main" val="1"/>
             </a:ext>
           </a:extLst>
         </p:spPr>
@@ -16980,7 +16970,7 @@
           </a:ln>
           <a:extLst>
             <a:ext uri="{C572A759-6A51-4108-AA02-DFA0A04FC94B}">
-              <ma14:wrappingTextBoxFlag xmlns:ma14="http://schemas.microsoft.com/office/mac/drawingml/2011/main" xmlns="" val="1"/>
+              <ma14:wrappingTextBoxFlag xmlns="" xmlns:ma14="http://schemas.microsoft.com/office/mac/drawingml/2011/main" val="1"/>
             </a:ext>
           </a:extLst>
         </p:spPr>
@@ -17045,7 +17035,7 @@
           </a:ln>
           <a:extLst>
             <a:ext uri="{C572A759-6A51-4108-AA02-DFA0A04FC94B}">
-              <ma14:wrappingTextBoxFlag xmlns:ma14="http://schemas.microsoft.com/office/mac/drawingml/2011/main" xmlns="" val="1"/>
+              <ma14:wrappingTextBoxFlag xmlns="" xmlns:ma14="http://schemas.microsoft.com/office/mac/drawingml/2011/main" val="1"/>
             </a:ext>
           </a:extLst>
         </p:spPr>
@@ -17191,7 +17181,7 @@
           </a:ln>
           <a:extLst>
             <a:ext uri="{C572A759-6A51-4108-AA02-DFA0A04FC94B}">
-              <ma14:wrappingTextBoxFlag xmlns:ma14="http://schemas.microsoft.com/office/mac/drawingml/2011/main" xmlns="" val="1"/>
+              <ma14:wrappingTextBoxFlag xmlns="" xmlns:ma14="http://schemas.microsoft.com/office/mac/drawingml/2011/main" val="1"/>
             </a:ext>
           </a:extLst>
         </p:spPr>
@@ -17259,7 +17249,7 @@
           </a:ln>
           <a:extLst>
             <a:ext uri="{C572A759-6A51-4108-AA02-DFA0A04FC94B}">
-              <ma14:wrappingTextBoxFlag xmlns:ma14="http://schemas.microsoft.com/office/mac/drawingml/2011/main" xmlns="" val="1"/>
+              <ma14:wrappingTextBoxFlag xmlns="" xmlns:ma14="http://schemas.microsoft.com/office/mac/drawingml/2011/main" val="1"/>
             </a:ext>
           </a:extLst>
         </p:spPr>
@@ -17393,7 +17383,7 @@
           </a:ln>
           <a:extLst>
             <a:ext uri="{C572A759-6A51-4108-AA02-DFA0A04FC94B}">
-              <ma14:wrappingTextBoxFlag xmlns:ma14="http://schemas.microsoft.com/office/mac/drawingml/2011/main" xmlns="" val="1"/>
+              <ma14:wrappingTextBoxFlag xmlns="" xmlns:ma14="http://schemas.microsoft.com/office/mac/drawingml/2011/main" val="1"/>
             </a:ext>
           </a:extLst>
         </p:spPr>
@@ -17511,7 +17501,7 @@
           </a:ln>
           <a:extLst>
             <a:ext uri="{C572A759-6A51-4108-AA02-DFA0A04FC94B}">
-              <ma14:wrappingTextBoxFlag xmlns:ma14="http://schemas.microsoft.com/office/mac/drawingml/2011/main" xmlns="" val="1"/>
+              <ma14:wrappingTextBoxFlag xmlns="" xmlns:ma14="http://schemas.microsoft.com/office/mac/drawingml/2011/main" val="1"/>
             </a:ext>
           </a:extLst>
         </p:spPr>
@@ -17709,7 +17699,7 @@
           </a:ln>
           <a:extLst>
             <a:ext uri="{C572A759-6A51-4108-AA02-DFA0A04FC94B}">
-              <ma14:wrappingTextBoxFlag xmlns:ma14="http://schemas.microsoft.com/office/mac/drawingml/2011/main" xmlns="" val="1"/>
+              <ma14:wrappingTextBoxFlag xmlns="" xmlns:ma14="http://schemas.microsoft.com/office/mac/drawingml/2011/main" val="1"/>
             </a:ext>
           </a:extLst>
         </p:spPr>
@@ -17765,7 +17755,7 @@
         <p:spPr>
           <a:xfrm>
             <a:off x="469900" y="1306086"/>
-            <a:ext cx="7590195" cy="889987"/>
+            <a:ext cx="7590195" cy="1290097"/>
           </a:xfrm>
           <a:prstGeom prst="rect">
             <a:avLst/>
@@ -17775,7 +17765,7 @@
           </a:ln>
           <a:extLst>
             <a:ext uri="{C572A759-6A51-4108-AA02-DFA0A04FC94B}">
-              <ma14:wrappingTextBoxFlag xmlns:ma14="http://schemas.microsoft.com/office/mac/drawingml/2011/main" xmlns="" val="1"/>
+              <ma14:wrappingTextBoxFlag xmlns="" xmlns:ma14="http://schemas.microsoft.com/office/mac/drawingml/2011/main" val="1"/>
             </a:ext>
           </a:extLst>
         </p:spPr>
@@ -17846,7 +17836,7 @@
               <a:t>Students </a:t>
             </a:r>
             <a:r>
-              <a:rPr sz="2600" b="1" dirty="0">
+              <a:rPr lang="en-US" sz="2600" b="1" dirty="0">
                 <a:solidFill>
                   <a:schemeClr val="tx1"/>
                 </a:solidFill>
@@ -17858,7 +17848,7 @@
                 <a:cs typeface="Arial Unicode MS" panose="020B0604020202020204" pitchFamily="34" charset="-128"/>
                 <a:sym typeface="Iowan Old Style Roman"/>
               </a:rPr>
-              <a:t>take</a:t>
+              <a:t>enrolls in</a:t>
             </a:r>
             <a:r>
               <a:rPr sz="2600" dirty="0">
@@ -17873,7 +17863,37 @@
                 <a:cs typeface="Arial Unicode MS" panose="020B0604020202020204" pitchFamily="34" charset="-128"/>
                 <a:sym typeface="Iowan Old Style Roman"/>
               </a:rPr>
-              <a:t> courses (take is a relationship) </a:t>
+              <a:t> courses (</a:t>
+            </a:r>
+            <a:r>
+              <a:rPr lang="en-US" sz="2600" dirty="0">
+                <a:solidFill>
+                  <a:schemeClr val="tx1"/>
+                </a:solidFill>
+                <a:uFill>
+                  <a:solidFill/>
+                </a:uFill>
+                <a:latin typeface="Arial Unicode MS" panose="020B0604020202020204" pitchFamily="34" charset="-128"/>
+                <a:ea typeface="Arial Unicode MS" panose="020B0604020202020204" pitchFamily="34" charset="-128"/>
+                <a:cs typeface="Arial Unicode MS" panose="020B0604020202020204" pitchFamily="34" charset="-128"/>
+                <a:sym typeface="Iowan Old Style Roman"/>
+              </a:rPr>
+              <a:t>enrolls</a:t>
+            </a:r>
+            <a:r>
+              <a:rPr sz="2600" dirty="0">
+                <a:solidFill>
+                  <a:schemeClr val="tx1"/>
+                </a:solidFill>
+                <a:uFill>
+                  <a:solidFill/>
+                </a:uFill>
+                <a:latin typeface="Arial Unicode MS" panose="020B0604020202020204" pitchFamily="34" charset="-128"/>
+                <a:ea typeface="Arial Unicode MS" panose="020B0604020202020204" pitchFamily="34" charset="-128"/>
+                <a:cs typeface="Arial Unicode MS" panose="020B0604020202020204" pitchFamily="34" charset="-128"/>
+                <a:sym typeface="Iowan Old Style Roman"/>
+              </a:rPr>
+              <a:t> is a relationship) </a:t>
             </a:r>
           </a:p>
         </p:txBody>
@@ -17903,7 +17923,7 @@
           </a:ln>
           <a:extLst>
             <a:ext uri="{C572A759-6A51-4108-AA02-DFA0A04FC94B}">
-              <ma14:wrappingTextBoxFlag xmlns:ma14="http://schemas.microsoft.com/office/mac/drawingml/2011/main" xmlns="" val="1"/>
+              <ma14:wrappingTextBoxFlag xmlns="" xmlns:ma14="http://schemas.microsoft.com/office/mac/drawingml/2011/main" val="1"/>
             </a:ext>
           </a:extLst>
         </p:spPr>
@@ -17982,7 +18002,7 @@
               </a:defRPr>
             </a:pPr>
             <a:r>
-              <a:rPr dirty="0">
+              <a:rPr lang="en-US" dirty="0">
                 <a:solidFill>
                   <a:schemeClr val="tx1"/>
                 </a:solidFill>
@@ -17994,7 +18014,22 @@
                 <a:cs typeface="Arial Unicode MS" panose="020B0604020202020204" pitchFamily="34" charset="-128"/>
                 <a:sym typeface="Arial"/>
               </a:rPr>
-              <a:t>Age </a:t>
+              <a:t>DOB</a:t>
+            </a:r>
+            <a:r>
+              <a:rPr dirty="0">
+                <a:solidFill>
+                  <a:schemeClr val="tx1"/>
+                </a:solidFill>
+                <a:uFill>
+                  <a:solidFill/>
+                </a:uFill>
+                <a:latin typeface="Arial Unicode MS" panose="020B0604020202020204" pitchFamily="34" charset="-128"/>
+                <a:ea typeface="Arial Unicode MS" panose="020B0604020202020204" pitchFamily="34" charset="-128"/>
+                <a:cs typeface="Arial Unicode MS" panose="020B0604020202020204" pitchFamily="34" charset="-128"/>
+                <a:sym typeface="Arial"/>
+              </a:rPr>
+              <a:t> </a:t>
             </a:r>
           </a:p>
           <a:p>
@@ -18049,7 +18084,7 @@
           </a:ln>
           <a:extLst>
             <a:ext uri="{C572A759-6A51-4108-AA02-DFA0A04FC94B}">
-              <ma14:wrappingTextBoxFlag xmlns:ma14="http://schemas.microsoft.com/office/mac/drawingml/2011/main" xmlns="" val="1"/>
+              <ma14:wrappingTextBoxFlag xmlns="" xmlns:ma14="http://schemas.microsoft.com/office/mac/drawingml/2011/main" val="1"/>
             </a:ext>
           </a:extLst>
         </p:spPr>
@@ -18117,7 +18152,7 @@
           </a:ln>
           <a:extLst>
             <a:ext uri="{C572A759-6A51-4108-AA02-DFA0A04FC94B}">
-              <ma14:wrappingTextBoxFlag xmlns:ma14="http://schemas.microsoft.com/office/mac/drawingml/2011/main" xmlns="" val="1"/>
+              <ma14:wrappingTextBoxFlag xmlns="" xmlns:ma14="http://schemas.microsoft.com/office/mac/drawingml/2011/main" val="1"/>
             </a:ext>
           </a:extLst>
         </p:spPr>
@@ -18251,7 +18286,7 @@
           </a:ln>
           <a:extLst>
             <a:ext uri="{C572A759-6A51-4108-AA02-DFA0A04FC94B}">
-              <ma14:wrappingTextBoxFlag xmlns:ma14="http://schemas.microsoft.com/office/mac/drawingml/2011/main" xmlns="" val="1"/>
+              <ma14:wrappingTextBoxFlag xmlns="" xmlns:ma14="http://schemas.microsoft.com/office/mac/drawingml/2011/main" val="1"/>
             </a:ext>
           </a:extLst>
         </p:spPr>
@@ -18368,7 +18403,7 @@
           </a:ln>
           <a:extLst>
             <a:ext uri="{C572A759-6A51-4108-AA02-DFA0A04FC94B}">
-              <ma14:wrappingTextBoxFlag xmlns:ma14="http://schemas.microsoft.com/office/mac/drawingml/2011/main" xmlns="" val="1"/>
+              <ma14:wrappingTextBoxFlag xmlns="" xmlns:ma14="http://schemas.microsoft.com/office/mac/drawingml/2011/main" val="1"/>
             </a:ext>
           </a:extLst>
         </p:spPr>
@@ -18457,8 +18492,8 @@
         </p:nvSpPr>
         <p:spPr>
           <a:xfrm>
-            <a:off x="3508130" y="3120907"/>
-            <a:ext cx="1345223" cy="637077"/>
+            <a:off x="3245438" y="3120907"/>
+            <a:ext cx="1905000" cy="637077"/>
           </a:xfrm>
           <a:prstGeom prst="diamond">
             <a:avLst/>
@@ -18487,7 +18522,7 @@
             <a:pPr algn="ctr"/>
             <a:r>
               <a:rPr lang="en-US" dirty="0"/>
-              <a:t>Take</a:t>
+              <a:t>Enrolls</a:t>
             </a:r>
           </a:p>
         </p:txBody>
@@ -18537,7 +18572,7 @@
           </a:ln>
           <a:extLst>
             <a:ext uri="{C572A759-6A51-4108-AA02-DFA0A04FC94B}">
-              <ma14:wrappingTextBoxFlag xmlns:ma14="http://schemas.microsoft.com/office/mac/drawingml/2011/main" xmlns="" val="1"/>
+              <ma14:wrappingTextBoxFlag xmlns="" xmlns:ma14="http://schemas.microsoft.com/office/mac/drawingml/2011/main" val="1"/>
             </a:ext>
           </a:extLst>
         </p:spPr>
@@ -18622,7 +18657,7 @@
         <p:spPr>
           <a:xfrm>
             <a:off x="477725" y="1022847"/>
-            <a:ext cx="7590195" cy="1379865"/>
+            <a:ext cx="7590195" cy="1779974"/>
           </a:xfrm>
           <a:prstGeom prst="rect">
             <a:avLst/>
@@ -18632,7 +18667,7 @@
           </a:ln>
           <a:extLst>
             <a:ext uri="{C572A759-6A51-4108-AA02-DFA0A04FC94B}">
-              <ma14:wrappingTextBoxFlag xmlns:ma14="http://schemas.microsoft.com/office/mac/drawingml/2011/main" xmlns="" val="1"/>
+              <ma14:wrappingTextBoxFlag xmlns="" xmlns:ma14="http://schemas.microsoft.com/office/mac/drawingml/2011/main" val="1"/>
             </a:ext>
           </a:extLst>
         </p:spPr>
@@ -18733,7 +18768,7 @@
               <a:t>Students </a:t>
             </a:r>
             <a:r>
-              <a:rPr sz="2600" b="1" dirty="0">
+              <a:rPr lang="en-US" sz="2600" b="1" dirty="0">
                 <a:solidFill>
                   <a:schemeClr val="tx1"/>
                 </a:solidFill>
@@ -18745,7 +18780,7 @@
                 <a:cs typeface="Arial Unicode MS" panose="020B0604020202020204" pitchFamily="34" charset="-128"/>
                 <a:sym typeface="Iowan Old Style Roman"/>
               </a:rPr>
-              <a:t>take</a:t>
+              <a:t>enrolls in</a:t>
             </a:r>
             <a:r>
               <a:rPr sz="2600" dirty="0">
@@ -18760,7 +18795,37 @@
                 <a:cs typeface="Arial Unicode MS" panose="020B0604020202020204" pitchFamily="34" charset="-128"/>
                 <a:sym typeface="Iowan Old Style Roman"/>
               </a:rPr>
-              <a:t> courses (take is a relationship)</a:t>
+              <a:t> courses (</a:t>
+            </a:r>
+            <a:r>
+              <a:rPr lang="en-US" sz="2600" dirty="0">
+                <a:solidFill>
+                  <a:schemeClr val="tx1"/>
+                </a:solidFill>
+                <a:uFill>
+                  <a:solidFill/>
+                </a:uFill>
+                <a:latin typeface="Arial Unicode MS" panose="020B0604020202020204" pitchFamily="34" charset="-128"/>
+                <a:ea typeface="Arial Unicode MS" panose="020B0604020202020204" pitchFamily="34" charset="-128"/>
+                <a:cs typeface="Arial Unicode MS" panose="020B0604020202020204" pitchFamily="34" charset="-128"/>
+                <a:sym typeface="Iowan Old Style Roman"/>
+              </a:rPr>
+              <a:t>enrolls</a:t>
+            </a:r>
+            <a:r>
+              <a:rPr sz="2600" dirty="0">
+                <a:solidFill>
+                  <a:schemeClr val="tx1"/>
+                </a:solidFill>
+                <a:uFill>
+                  <a:solidFill/>
+                </a:uFill>
+                <a:latin typeface="Arial Unicode MS" panose="020B0604020202020204" pitchFamily="34" charset="-128"/>
+                <a:ea typeface="Arial Unicode MS" panose="020B0604020202020204" pitchFamily="34" charset="-128"/>
+                <a:cs typeface="Arial Unicode MS" panose="020B0604020202020204" pitchFamily="34" charset="-128"/>
+                <a:sym typeface="Iowan Old Style Roman"/>
+              </a:rPr>
+              <a:t> is a relationship)</a:t>
             </a:r>
             <a:endParaRPr lang="en-US" sz="2600" dirty="0">
               <a:solidFill>
@@ -18844,7 +18909,7 @@
           </a:ln>
           <a:extLst>
             <a:ext uri="{C572A759-6A51-4108-AA02-DFA0A04FC94B}">
-              <ma14:wrappingTextBoxFlag xmlns:ma14="http://schemas.microsoft.com/office/mac/drawingml/2011/main" xmlns="" val="1"/>
+              <ma14:wrappingTextBoxFlag xmlns="" xmlns:ma14="http://schemas.microsoft.com/office/mac/drawingml/2011/main" val="1"/>
             </a:ext>
           </a:extLst>
         </p:spPr>
@@ -18923,7 +18988,7 @@
               </a:defRPr>
             </a:pPr>
             <a:r>
-              <a:rPr dirty="0">
+              <a:rPr lang="en-US" dirty="0">
                 <a:solidFill>
                   <a:schemeClr val="tx1"/>
                 </a:solidFill>
@@ -18935,7 +19000,22 @@
                 <a:cs typeface="Arial Unicode MS" panose="020B0604020202020204" pitchFamily="34" charset="-128"/>
                 <a:sym typeface="Arial"/>
               </a:rPr>
-              <a:t>Age </a:t>
+              <a:t>DOB</a:t>
+            </a:r>
+            <a:r>
+              <a:rPr dirty="0">
+                <a:solidFill>
+                  <a:schemeClr val="tx1"/>
+                </a:solidFill>
+                <a:uFill>
+                  <a:solidFill/>
+                </a:uFill>
+                <a:latin typeface="Arial Unicode MS" panose="020B0604020202020204" pitchFamily="34" charset="-128"/>
+                <a:ea typeface="Arial Unicode MS" panose="020B0604020202020204" pitchFamily="34" charset="-128"/>
+                <a:cs typeface="Arial Unicode MS" panose="020B0604020202020204" pitchFamily="34" charset="-128"/>
+                <a:sym typeface="Arial"/>
+              </a:rPr>
+              <a:t> </a:t>
             </a:r>
           </a:p>
           <a:p>
@@ -18990,7 +19070,7 @@
           </a:ln>
           <a:extLst>
             <a:ext uri="{C572A759-6A51-4108-AA02-DFA0A04FC94B}">
-              <ma14:wrappingTextBoxFlag xmlns:ma14="http://schemas.microsoft.com/office/mac/drawingml/2011/main" xmlns="" val="1"/>
+              <ma14:wrappingTextBoxFlag xmlns="" xmlns:ma14="http://schemas.microsoft.com/office/mac/drawingml/2011/main" val="1"/>
             </a:ext>
           </a:extLst>
         </p:spPr>
@@ -19058,7 +19138,7 @@
           </a:ln>
           <a:extLst>
             <a:ext uri="{C572A759-6A51-4108-AA02-DFA0A04FC94B}">
-              <ma14:wrappingTextBoxFlag xmlns:ma14="http://schemas.microsoft.com/office/mac/drawingml/2011/main" xmlns="" val="1"/>
+              <ma14:wrappingTextBoxFlag xmlns="" xmlns:ma14="http://schemas.microsoft.com/office/mac/drawingml/2011/main" val="1"/>
             </a:ext>
           </a:extLst>
         </p:spPr>
@@ -19192,7 +19272,7 @@
           </a:ln>
           <a:extLst>
             <a:ext uri="{C572A759-6A51-4108-AA02-DFA0A04FC94B}">
-              <ma14:wrappingTextBoxFlag xmlns:ma14="http://schemas.microsoft.com/office/mac/drawingml/2011/main" xmlns="" val="1"/>
+              <ma14:wrappingTextBoxFlag xmlns="" xmlns:ma14="http://schemas.microsoft.com/office/mac/drawingml/2011/main" val="1"/>
             </a:ext>
           </a:extLst>
         </p:spPr>
@@ -19304,8 +19384,8 @@
         </p:nvSpPr>
         <p:spPr>
           <a:xfrm>
-            <a:off x="3508130" y="4017552"/>
-            <a:ext cx="1345223" cy="637077"/>
+            <a:off x="3228241" y="3996660"/>
+            <a:ext cx="1905000" cy="637077"/>
           </a:xfrm>
           <a:prstGeom prst="diamond">
             <a:avLst/>
@@ -19334,7 +19414,7 @@
             <a:pPr algn="ctr"/>
             <a:r>
               <a:rPr lang="en-US" dirty="0"/>
-              <a:t>Take</a:t>
+              <a:t>Enrolls</a:t>
             </a:r>
           </a:p>
         </p:txBody>
@@ -19353,8 +19433,8 @@
         </p:nvSpPr>
         <p:spPr>
           <a:xfrm>
-            <a:off x="3182003" y="4964767"/>
-            <a:ext cx="1997476" cy="365388"/>
+            <a:off x="2799616" y="5309903"/>
+            <a:ext cx="2762250" cy="637073"/>
           </a:xfrm>
           <a:prstGeom prst="rect">
             <a:avLst/>
@@ -19383,7 +19463,14 @@
             <a:pPr algn="ctr"/>
             <a:r>
               <a:rPr lang="en-US" dirty="0"/>
-              <a:t>Registration Date</a:t>
+              <a:t>Semester</a:t>
+            </a:r>
+          </a:p>
+          <a:p>
+            <a:pPr algn="ctr"/>
+            <a:r>
+              <a:rPr lang="en-US" dirty="0"/>
+              <a:t>Grade</a:t>
             </a:r>
           </a:p>
         </p:txBody>
@@ -19405,9 +19492,9 @@
           <p:nvPr/>
         </p:nvCxnSpPr>
         <p:spPr>
-          <a:xfrm flipH="1">
-            <a:off x="4180741" y="4654629"/>
-            <a:ext cx="1" cy="310138"/>
+          <a:xfrm>
+            <a:off x="4180741" y="4633737"/>
+            <a:ext cx="0" cy="676166"/>
           </a:xfrm>
           <a:prstGeom prst="line">
             <a:avLst/>
@@ -19478,7 +19565,7 @@
           </a:ln>
           <a:extLst>
             <a:ext uri="{C572A759-6A51-4108-AA02-DFA0A04FC94B}">
-              <ma14:wrappingTextBoxFlag xmlns:ma14="http://schemas.microsoft.com/office/mac/drawingml/2011/main" xmlns="" val="1"/>
+              <ma14:wrappingTextBoxFlag xmlns="" xmlns:ma14="http://schemas.microsoft.com/office/mac/drawingml/2011/main" val="1"/>
             </a:ext>
           </a:extLst>
         </p:spPr>
@@ -19589,7 +19676,7 @@
           </a:ln>
           <a:extLst>
             <a:ext uri="{C572A759-6A51-4108-AA02-DFA0A04FC94B}">
-              <ma14:wrappingTextBoxFlag xmlns:ma14="http://schemas.microsoft.com/office/mac/drawingml/2011/main" xmlns="" val="1"/>
+              <ma14:wrappingTextBoxFlag xmlns="" xmlns:ma14="http://schemas.microsoft.com/office/mac/drawingml/2011/main" val="1"/>
             </a:ext>
           </a:extLst>
         </p:spPr>
@@ -20362,7 +20449,7 @@
           </a:ln>
           <a:extLst>
             <a:ext uri="{C572A759-6A51-4108-AA02-DFA0A04FC94B}">
-              <ma14:wrappingTextBoxFlag xmlns:ma14="http://schemas.microsoft.com/office/mac/drawingml/2011/main" xmlns="" val="1"/>
+              <ma14:wrappingTextBoxFlag xmlns="" xmlns:ma14="http://schemas.microsoft.com/office/mac/drawingml/2011/main" val="1"/>
             </a:ext>
           </a:extLst>
         </p:spPr>
@@ -21419,7 +21506,7 @@
           </a:ln>
           <a:extLst>
             <a:ext uri="{C572A759-6A51-4108-AA02-DFA0A04FC94B}">
-              <ma14:wrappingTextBoxFlag xmlns:ma14="http://schemas.microsoft.com/office/mac/drawingml/2011/main" xmlns="" val="1"/>
+              <ma14:wrappingTextBoxFlag xmlns="" xmlns:ma14="http://schemas.microsoft.com/office/mac/drawingml/2011/main" val="1"/>
             </a:ext>
           </a:extLst>
         </p:spPr>
@@ -21530,7 +21617,7 @@
           </a:ln>
           <a:extLst>
             <a:ext uri="{C572A759-6A51-4108-AA02-DFA0A04FC94B}">
-              <ma14:wrappingTextBoxFlag xmlns:ma14="http://schemas.microsoft.com/office/mac/drawingml/2011/main" xmlns="" val="1"/>
+              <ma14:wrappingTextBoxFlag xmlns="" xmlns:ma14="http://schemas.microsoft.com/office/mac/drawingml/2011/main" val="1"/>
             </a:ext>
           </a:extLst>
         </p:spPr>
@@ -21914,9 +22001,7 @@
         <p:nvGraphicFramePr>
           <p:cNvPr id="387" name="Table 387"/>
           <p:cNvGraphicFramePr/>
-          <p:nvPr>
-            <p:extLst/>
-          </p:nvPr>
+          <p:nvPr/>
         </p:nvGraphicFramePr>
         <p:xfrm>
           <a:off x="7555523" y="2798064"/>
@@ -22375,7 +22460,7 @@
           </a:ln>
           <a:extLst>
             <a:ext uri="{C572A759-6A51-4108-AA02-DFA0A04FC94B}">
-              <ma14:wrappingTextBoxFlag xmlns:ma14="http://schemas.microsoft.com/office/mac/drawingml/2011/main" xmlns="" val="1"/>
+              <ma14:wrappingTextBoxFlag xmlns="" xmlns:ma14="http://schemas.microsoft.com/office/mac/drawingml/2011/main" val="1"/>
             </a:ext>
           </a:extLst>
         </p:spPr>

--- a/session1/A1-ER_modeling.pptx
+++ b/session1/A1-ER_modeling.pptx
@@ -12672,8 +12672,8 @@
         </p:nvSpPr>
         <p:spPr>
           <a:xfrm>
-            <a:off x="776902" y="4211232"/>
-            <a:ext cx="7590196" cy="1241365"/>
+            <a:off x="386308" y="4211232"/>
+            <a:ext cx="7980790" cy="1241365"/>
           </a:xfrm>
           <a:prstGeom prst="rect">
             <a:avLst/>
@@ -12688,7 +12688,7 @@
           </a:extLst>
         </p:spPr>
         <p:txBody>
-          <a:bodyPr lIns="0" tIns="0" rIns="0" bIns="0">
+          <a:bodyPr wrap="square" lIns="0" tIns="0" rIns="0" bIns="0">
             <a:spAutoFit/>
           </a:bodyPr>
           <a:lstStyle>
@@ -12748,7 +12748,35 @@
                 <a:ea typeface="Arial Unicode MS" panose="020B0604020202020204" pitchFamily="34" charset="-128"/>
                 <a:cs typeface="Arial Unicode MS" panose="020B0604020202020204" pitchFamily="34" charset="-128"/>
               </a:rPr>
-              <a:t>Many-to-many, e.g., many students take many courses:</a:t>
+              <a:t>Many-to-many, e.g., many students </a:t>
+            </a:r>
+            <a:r>
+              <a:rPr lang="en-US" sz="2300" dirty="0">
+                <a:solidFill>
+                  <a:schemeClr val="tx1"/>
+                </a:solidFill>
+                <a:uFill>
+                  <a:solidFill/>
+                </a:uFill>
+                <a:latin typeface="Arial Unicode MS" panose="020B0604020202020204" pitchFamily="34" charset="-128"/>
+                <a:ea typeface="Arial Unicode MS" panose="020B0604020202020204" pitchFamily="34" charset="-128"/>
+                <a:cs typeface="Arial Unicode MS" panose="020B0604020202020204" pitchFamily="34" charset="-128"/>
+              </a:rPr>
+              <a:t>enroll in</a:t>
+            </a:r>
+            <a:r>
+              <a:rPr sz="2300" dirty="0">
+                <a:solidFill>
+                  <a:schemeClr val="tx1"/>
+                </a:solidFill>
+                <a:uFill>
+                  <a:solidFill/>
+                </a:uFill>
+                <a:latin typeface="Arial Unicode MS" panose="020B0604020202020204" pitchFamily="34" charset="-128"/>
+                <a:ea typeface="Arial Unicode MS" panose="020B0604020202020204" pitchFamily="34" charset="-128"/>
+                <a:cs typeface="Arial Unicode MS" panose="020B0604020202020204" pitchFamily="34" charset="-128"/>
+              </a:rPr>
+              <a:t> many courses:</a:t>
             </a:r>
           </a:p>
           <a:p>
@@ -13582,7 +13610,7 @@
         <p:spPr>
           <a:xfrm>
             <a:off x="3881467" y="2093714"/>
-            <a:ext cx="570669" cy="307777"/>
+            <a:ext cx="785471" cy="307777"/>
           </a:xfrm>
           <a:prstGeom prst="rect">
             <a:avLst/>
@@ -13619,7 +13647,7 @@
               </a:defRPr>
             </a:pPr>
             <a:r>
-              <a:rPr sz="2000" dirty="0">
+              <a:rPr lang="en-US" sz="2000" dirty="0">
                 <a:solidFill>
                   <a:schemeClr val="tx1"/>
                 </a:solidFill>
@@ -13630,8 +13658,19 @@
                 <a:ea typeface="Arial Unicode MS" panose="020B0604020202020204" pitchFamily="34" charset="-128"/>
                 <a:cs typeface="Arial Unicode MS" panose="020B0604020202020204" pitchFamily="34" charset="-128"/>
               </a:rPr>
-              <a:t>Take</a:t>
-            </a:r>
+              <a:t>Enrolls</a:t>
+            </a:r>
+            <a:endParaRPr sz="2000" dirty="0">
+              <a:solidFill>
+                <a:schemeClr val="tx1"/>
+              </a:solidFill>
+              <a:uFill>
+                <a:solidFill/>
+              </a:uFill>
+              <a:latin typeface="Arial Unicode MS" panose="020B0604020202020204" pitchFamily="34" charset="-128"/>
+              <a:ea typeface="Arial Unicode MS" panose="020B0604020202020204" pitchFamily="34" charset="-128"/>
+              <a:cs typeface="Arial Unicode MS" panose="020B0604020202020204" pitchFamily="34" charset="-128"/>
+            </a:endParaRPr>
           </a:p>
         </p:txBody>
       </p:sp>
@@ -14044,9 +14083,9 @@
               <a:t>An </a:t>
             </a:r>
             <a:r>
-              <a:rPr sz="1900" u="sng" dirty="0">
-                <a:solidFill>
-                  <a:schemeClr val="tx1"/>
+              <a:rPr sz="1900" b="1" u="sng" dirty="0">
+                <a:solidFill>
+                  <a:srgbClr val="C00000"/>
                 </a:solidFill>
                 <a:uFill>
                   <a:solidFill/>
@@ -14191,7 +14230,37 @@
                 <a:cs typeface="Arial Unicode MS" panose="020B0604020202020204" pitchFamily="34" charset="-128"/>
                 <a:sym typeface="Iowan Old Style Roman"/>
               </a:rPr>
-              <a:t>Students (student name, student id, age, sex, etc. ) </a:t>
+              <a:t>Students (student name, student id, </a:t>
+            </a:r>
+            <a:r>
+              <a:rPr lang="en-US" sz="1900" dirty="0">
+                <a:solidFill>
+                  <a:schemeClr val="tx1"/>
+                </a:solidFill>
+                <a:uFill>
+                  <a:solidFill/>
+                </a:uFill>
+                <a:latin typeface="Arial Unicode MS" panose="020B0604020202020204" pitchFamily="34" charset="-128"/>
+                <a:ea typeface="Arial Unicode MS" panose="020B0604020202020204" pitchFamily="34" charset="-128"/>
+                <a:cs typeface="Arial Unicode MS" panose="020B0604020202020204" pitchFamily="34" charset="-128"/>
+                <a:sym typeface="Iowan Old Style Roman"/>
+              </a:rPr>
+              <a:t>dob</a:t>
+            </a:r>
+            <a:r>
+              <a:rPr sz="1900" dirty="0">
+                <a:solidFill>
+                  <a:schemeClr val="tx1"/>
+                </a:solidFill>
+                <a:uFill>
+                  <a:solidFill/>
+                </a:uFill>
+                <a:latin typeface="Arial Unicode MS" panose="020B0604020202020204" pitchFamily="34" charset="-128"/>
+                <a:ea typeface="Arial Unicode MS" panose="020B0604020202020204" pitchFamily="34" charset="-128"/>
+                <a:cs typeface="Arial Unicode MS" panose="020B0604020202020204" pitchFamily="34" charset="-128"/>
+                <a:sym typeface="Iowan Old Style Roman"/>
+              </a:rPr>
+              <a:t>, sex, etc. ) </a:t>
             </a:r>
           </a:p>
           <a:p>
@@ -14322,7 +14391,37 @@
                 <a:cs typeface="Arial Unicode MS" panose="020B0604020202020204" pitchFamily="34" charset="-128"/>
                 <a:sym typeface="Iowan Old Style Roman"/>
               </a:rPr>
-              <a:t>A primary key is an </a:t>
+              <a:t>A </a:t>
+            </a:r>
+            <a:r>
+              <a:rPr sz="1900" b="1" u="sng" dirty="0">
+                <a:solidFill>
+                  <a:srgbClr val="C00000"/>
+                </a:solidFill>
+                <a:uFill>
+                  <a:solidFill/>
+                </a:uFill>
+                <a:latin typeface="Arial Unicode MS" panose="020B0604020202020204" pitchFamily="34" charset="-128"/>
+                <a:ea typeface="Arial Unicode MS" panose="020B0604020202020204" pitchFamily="34" charset="-128"/>
+                <a:cs typeface="Arial Unicode MS" panose="020B0604020202020204" pitchFamily="34" charset="-128"/>
+                <a:sym typeface="Iowan Old Style Roman"/>
+              </a:rPr>
+              <a:t>primary key</a:t>
+            </a:r>
+            <a:r>
+              <a:rPr sz="1900" dirty="0">
+                <a:solidFill>
+                  <a:schemeClr val="tx1"/>
+                </a:solidFill>
+                <a:uFill>
+                  <a:solidFill/>
+                </a:uFill>
+                <a:latin typeface="Arial Unicode MS" panose="020B0604020202020204" pitchFamily="34" charset="-128"/>
+                <a:ea typeface="Arial Unicode MS" panose="020B0604020202020204" pitchFamily="34" charset="-128"/>
+                <a:cs typeface="Arial Unicode MS" panose="020B0604020202020204" pitchFamily="34" charset="-128"/>
+                <a:sym typeface="Iowan Old Style Roman"/>
+              </a:rPr>
+              <a:t> is an </a:t>
             </a:r>
             <a:r>
               <a:rPr sz="1900" u="sng" dirty="0">
@@ -14462,9 +14561,9 @@
               <a:t>A </a:t>
             </a:r>
             <a:r>
-              <a:rPr sz="1900" u="sng" dirty="0">
-                <a:solidFill>
-                  <a:schemeClr val="tx1"/>
+              <a:rPr sz="1900" b="1" u="sng" dirty="0">
+                <a:solidFill>
+                  <a:srgbClr val="C00000"/>
                 </a:solidFill>
                 <a:uFill>
                   <a:solidFill/>
@@ -14522,7 +14621,7 @@
               <a:t>Students </a:t>
             </a:r>
             <a:r>
-              <a:rPr sz="1900" b="1" dirty="0">
+              <a:rPr lang="en-US" sz="1900" b="1" dirty="0">
                 <a:solidFill>
                   <a:schemeClr val="tx1"/>
                 </a:solidFill>
@@ -14534,7 +14633,7 @@
                 <a:cs typeface="Arial Unicode MS" panose="020B0604020202020204" pitchFamily="34" charset="-128"/>
                 <a:sym typeface="Iowan Old Style Roman"/>
               </a:rPr>
-              <a:t>take</a:t>
+              <a:t>enrolls in</a:t>
             </a:r>
             <a:r>
               <a:rPr sz="1900" dirty="0">
@@ -14549,7 +14648,37 @@
                 <a:cs typeface="Arial Unicode MS" panose="020B0604020202020204" pitchFamily="34" charset="-128"/>
                 <a:sym typeface="Iowan Old Style Roman"/>
               </a:rPr>
-              <a:t>  courses (take is a relationship) </a:t>
+              <a:t> courses (</a:t>
+            </a:r>
+            <a:r>
+              <a:rPr lang="en-US" sz="1900" dirty="0">
+                <a:solidFill>
+                  <a:schemeClr val="tx1"/>
+                </a:solidFill>
+                <a:uFill>
+                  <a:solidFill/>
+                </a:uFill>
+                <a:latin typeface="Arial Unicode MS" panose="020B0604020202020204" pitchFamily="34" charset="-128"/>
+                <a:ea typeface="Arial Unicode MS" panose="020B0604020202020204" pitchFamily="34" charset="-128"/>
+                <a:cs typeface="Arial Unicode MS" panose="020B0604020202020204" pitchFamily="34" charset="-128"/>
+                <a:sym typeface="Iowan Old Style Roman"/>
+              </a:rPr>
+              <a:t>enrolls</a:t>
+            </a:r>
+            <a:r>
+              <a:rPr sz="1900" dirty="0">
+                <a:solidFill>
+                  <a:schemeClr val="tx1"/>
+                </a:solidFill>
+                <a:uFill>
+                  <a:solidFill/>
+                </a:uFill>
+                <a:latin typeface="Arial Unicode MS" panose="020B0604020202020204" pitchFamily="34" charset="-128"/>
+                <a:ea typeface="Arial Unicode MS" panose="020B0604020202020204" pitchFamily="34" charset="-128"/>
+                <a:cs typeface="Arial Unicode MS" panose="020B0604020202020204" pitchFamily="34" charset="-128"/>
+                <a:sym typeface="Iowan Old Style Roman"/>
+              </a:rPr>
+              <a:t> is a relationship) </a:t>
             </a:r>
           </a:p>
         </p:txBody>
@@ -14599,9 +14728,9 @@
               </a:defRPr>
             </a:pPr>
             <a:r>
-              <a:rPr sz="1900" u="sng" dirty="0">
-                <a:solidFill>
-                  <a:schemeClr val="tx1"/>
+              <a:rPr sz="1900" b="1" u="sng" dirty="0">
+                <a:solidFill>
+                  <a:srgbClr val="C00000"/>
                 </a:solidFill>
                 <a:uFill>
                   <a:solidFill/>
@@ -14988,7 +15117,7 @@
                 <a:cs typeface="Arial Unicode MS" panose="020B0604020202020204" pitchFamily="34" charset="-128"/>
                 <a:sym typeface="Iowan Old Style Roman"/>
               </a:rPr>
-              <a:t>Try variations in the cardinalities among the entities, and see the resulting differences in semantics. </a:t>
+              <a:t>Try variations in the cardinalities among the entities and see the resulting differences in semantics. </a:t>
             </a:r>
             <a:endParaRPr sz="2600" b="1" i="1" dirty="0">
               <a:solidFill>

--- a/session1/A1-ER_modeling.pptx
+++ b/session1/A1-ER_modeling.pptx
@@ -258,7 +258,7 @@
                 <a:ea typeface="Arial Unicode MS" panose="020B0604020202020204" pitchFamily="34" charset="-128"/>
                 <a:cs typeface="Arial Unicode MS" panose="020B0604020202020204" pitchFamily="34" charset="-128"/>
               </a:rPr>
-              <a:t>5/20/2021</a:t>
+              <a:t>10/21/2022</a:t>
             </a:fld>
             <a:endParaRPr lang="en-US" dirty="0">
               <a:latin typeface="Arial Unicode MS" panose="020B0604020202020204" pitchFamily="34" charset="-128"/>
@@ -1736,7 +1736,7 @@
           <a:p>
             <a:fld id="{E9385586-C094-4874-A3EB-1898CF456001}" type="datetimeFigureOut">
               <a:rPr lang="en-US" smtClean="0"/>
-              <a:t>5/20/2021</a:t>
+              <a:t>10/21/2022</a:t>
             </a:fld>
             <a:endParaRPr lang="en-US"/>
           </a:p>
@@ -1905,7 +1905,7 @@
           <a:p>
             <a:fld id="{E9385586-C094-4874-A3EB-1898CF456001}" type="datetimeFigureOut">
               <a:rPr lang="en-US" smtClean="0"/>
-              <a:t>5/20/2021</a:t>
+              <a:t>10/21/2022</a:t>
             </a:fld>
             <a:endParaRPr lang="en-US"/>
           </a:p>
@@ -2084,7 +2084,7 @@
           <a:p>
             <a:fld id="{E9385586-C094-4874-A3EB-1898CF456001}" type="datetimeFigureOut">
               <a:rPr lang="en-US" smtClean="0"/>
-              <a:t>5/20/2021</a:t>
+              <a:t>10/21/2022</a:t>
             </a:fld>
             <a:endParaRPr lang="en-US"/>
           </a:p>
@@ -2284,7 +2284,7 @@
           <a:p>
             <a:fld id="{E9385586-C094-4874-A3EB-1898CF456001}" type="datetimeFigureOut">
               <a:rPr lang="en-US" smtClean="0"/>
-              <a:t>5/20/2021</a:t>
+              <a:t>10/21/2022</a:t>
             </a:fld>
             <a:endParaRPr lang="en-US"/>
           </a:p>
@@ -2529,7 +2529,7 @@
           <a:p>
             <a:fld id="{E9385586-C094-4874-A3EB-1898CF456001}" type="datetimeFigureOut">
               <a:rPr lang="en-US" smtClean="0"/>
-              <a:t>5/20/2021</a:t>
+              <a:t>10/21/2022</a:t>
             </a:fld>
             <a:endParaRPr lang="en-US"/>
           </a:p>
@@ -2759,7 +2759,7 @@
           <a:p>
             <a:fld id="{E9385586-C094-4874-A3EB-1898CF456001}" type="datetimeFigureOut">
               <a:rPr lang="en-US" smtClean="0"/>
-              <a:t>5/20/2021</a:t>
+              <a:t>10/21/2022</a:t>
             </a:fld>
             <a:endParaRPr lang="en-US"/>
           </a:p>
@@ -3124,7 +3124,7 @@
           <a:p>
             <a:fld id="{E9385586-C094-4874-A3EB-1898CF456001}" type="datetimeFigureOut">
               <a:rPr lang="en-US" smtClean="0"/>
-              <a:t>5/20/2021</a:t>
+              <a:t>10/21/2022</a:t>
             </a:fld>
             <a:endParaRPr lang="en-US"/>
           </a:p>
@@ -3242,7 +3242,7 @@
           <a:p>
             <a:fld id="{E9385586-C094-4874-A3EB-1898CF456001}" type="datetimeFigureOut">
               <a:rPr lang="en-US" smtClean="0"/>
-              <a:t>5/20/2021</a:t>
+              <a:t>10/21/2022</a:t>
             </a:fld>
             <a:endParaRPr lang="en-US"/>
           </a:p>
@@ -3337,7 +3337,7 @@
           <a:p>
             <a:fld id="{E9385586-C094-4874-A3EB-1898CF456001}" type="datetimeFigureOut">
               <a:rPr lang="en-US" smtClean="0"/>
-              <a:t>5/20/2021</a:t>
+              <a:t>10/21/2022</a:t>
             </a:fld>
             <a:endParaRPr lang="en-US"/>
           </a:p>
@@ -3613,7 +3613,7 @@
           <a:p>
             <a:fld id="{E9385586-C094-4874-A3EB-1898CF456001}" type="datetimeFigureOut">
               <a:rPr lang="en-US" smtClean="0"/>
-              <a:t>5/20/2021</a:t>
+              <a:t>10/21/2022</a:t>
             </a:fld>
             <a:endParaRPr lang="en-US"/>
           </a:p>
@@ -3866,7 +3866,7 @@
           <a:p>
             <a:fld id="{E9385586-C094-4874-A3EB-1898CF456001}" type="datetimeFigureOut">
               <a:rPr lang="en-US" smtClean="0"/>
-              <a:t>5/20/2021</a:t>
+              <a:t>10/21/2022</a:t>
             </a:fld>
             <a:endParaRPr lang="en-US"/>
           </a:p>
@@ -4082,7 +4082,7 @@
             <a:fld id="{E9385586-C094-4874-A3EB-1898CF456001}" type="datetimeFigureOut">
               <a:rPr lang="en-US" smtClean="0"/>
               <a:pPr/>
-              <a:t>5/20/2021</a:t>
+              <a:t>10/21/2022</a:t>
             </a:fld>
             <a:endParaRPr lang="en-US" dirty="0"/>
           </a:p>
@@ -4514,7 +4514,7 @@
           </a:ln>
           <a:extLst>
             <a:ext uri="{C572A759-6A51-4108-AA02-DFA0A04FC94B}">
-              <ma14:wrappingTextBoxFlag xmlns="" xmlns:ma14="http://schemas.microsoft.com/office/mac/drawingml/2011/main" val="1"/>
+              <ma14:wrappingTextBoxFlag xmlns:ma14="http://schemas.microsoft.com/office/mac/drawingml/2011/main" xmlns="" val="1"/>
             </a:ext>
           </a:extLst>
         </p:spPr>
@@ -4602,7 +4602,7 @@
           </a:ln>
           <a:extLst>
             <a:ext uri="{C572A759-6A51-4108-AA02-DFA0A04FC94B}">
-              <ma14:wrappingTextBoxFlag xmlns="" xmlns:ma14="http://schemas.microsoft.com/office/mac/drawingml/2011/main" val="1"/>
+              <ma14:wrappingTextBoxFlag xmlns:ma14="http://schemas.microsoft.com/office/mac/drawingml/2011/main" xmlns="" val="1"/>
             </a:ext>
           </a:extLst>
         </p:spPr>
@@ -4713,7 +4713,7 @@
           </a:ln>
           <a:extLst>
             <a:ext uri="{C572A759-6A51-4108-AA02-DFA0A04FC94B}">
-              <ma14:wrappingTextBoxFlag xmlns="" xmlns:ma14="http://schemas.microsoft.com/office/mac/drawingml/2011/main" val="1"/>
+              <ma14:wrappingTextBoxFlag xmlns:ma14="http://schemas.microsoft.com/office/mac/drawingml/2011/main" xmlns="" val="1"/>
             </a:ext>
           </a:extLst>
         </p:spPr>
@@ -5550,7 +5550,7 @@
           </a:ln>
           <a:extLst>
             <a:ext uri="{C572A759-6A51-4108-AA02-DFA0A04FC94B}">
-              <ma14:wrappingTextBoxFlag xmlns="" xmlns:ma14="http://schemas.microsoft.com/office/mac/drawingml/2011/main" val="1"/>
+              <ma14:wrappingTextBoxFlag xmlns:ma14="http://schemas.microsoft.com/office/mac/drawingml/2011/main" xmlns="" val="1"/>
             </a:ext>
           </a:extLst>
         </p:spPr>
@@ -6612,7 +6612,7 @@
           </a:ln>
           <a:extLst>
             <a:ext uri="{C572A759-6A51-4108-AA02-DFA0A04FC94B}">
-              <ma14:wrappingTextBoxFlag xmlns="" xmlns:ma14="http://schemas.microsoft.com/office/mac/drawingml/2011/main" val="1"/>
+              <ma14:wrappingTextBoxFlag xmlns:ma14="http://schemas.microsoft.com/office/mac/drawingml/2011/main" xmlns="" val="1"/>
             </a:ext>
           </a:extLst>
         </p:spPr>
@@ -8303,7 +8303,7 @@
           </a:ln>
           <a:extLst>
             <a:ext uri="{C572A759-6A51-4108-AA02-DFA0A04FC94B}">
-              <ma14:wrappingTextBoxFlag xmlns="" xmlns:ma14="http://schemas.microsoft.com/office/mac/drawingml/2011/main" val="1"/>
+              <ma14:wrappingTextBoxFlag xmlns:ma14="http://schemas.microsoft.com/office/mac/drawingml/2011/main" xmlns="" val="1"/>
             </a:ext>
           </a:extLst>
         </p:spPr>
@@ -8602,7 +8602,7 @@
           </a:ln>
           <a:extLst>
             <a:ext uri="{C572A759-6A51-4108-AA02-DFA0A04FC94B}">
-              <ma14:wrappingTextBoxFlag xmlns="" xmlns:ma14="http://schemas.microsoft.com/office/mac/drawingml/2011/main" val="1"/>
+              <ma14:wrappingTextBoxFlag xmlns:ma14="http://schemas.microsoft.com/office/mac/drawingml/2011/main" xmlns="" val="1"/>
             </a:ext>
           </a:extLst>
         </p:spPr>
@@ -8668,7 +8668,7 @@
           </a:ln>
           <a:extLst>
             <a:ext uri="{C572A759-6A51-4108-AA02-DFA0A04FC94B}">
-              <ma14:wrappingTextBoxFlag xmlns="" xmlns:ma14="http://schemas.microsoft.com/office/mac/drawingml/2011/main" val="1"/>
+              <ma14:wrappingTextBoxFlag xmlns:ma14="http://schemas.microsoft.com/office/mac/drawingml/2011/main" xmlns="" val="1"/>
             </a:ext>
           </a:extLst>
         </p:spPr>
@@ -9769,7 +9769,7 @@
           </a:ln>
           <a:extLst>
             <a:ext uri="{C572A759-6A51-4108-AA02-DFA0A04FC94B}">
-              <ma14:wrappingTextBoxFlag xmlns="" xmlns:ma14="http://schemas.microsoft.com/office/mac/drawingml/2011/main" val="1"/>
+              <ma14:wrappingTextBoxFlag xmlns:ma14="http://schemas.microsoft.com/office/mac/drawingml/2011/main" xmlns="" val="1"/>
             </a:ext>
           </a:extLst>
         </p:spPr>
@@ -9835,7 +9835,7 @@
           </a:ln>
           <a:extLst>
             <a:ext uri="{C572A759-6A51-4108-AA02-DFA0A04FC94B}">
-              <ma14:wrappingTextBoxFlag xmlns="" xmlns:ma14="http://schemas.microsoft.com/office/mac/drawingml/2011/main" val="1"/>
+              <ma14:wrappingTextBoxFlag xmlns:ma14="http://schemas.microsoft.com/office/mac/drawingml/2011/main" xmlns="" val="1"/>
             </a:ext>
           </a:extLst>
         </p:spPr>
@@ -10160,7 +10160,7 @@
               <a:effectLst/>
               <a:extLst>
                 <a:ext uri="{C572A759-6A51-4108-AA02-DFA0A04FC94B}">
-                  <ma14:wrappingTextBoxFlag xmlns="" xmlns:ma14="http://schemas.microsoft.com/office/mac/drawingml/2011/main" val="1"/>
+                  <ma14:wrappingTextBoxFlag xmlns:ma14="http://schemas.microsoft.com/office/mac/drawingml/2011/main" xmlns="" val="1"/>
                 </a:ext>
               </a:extLst>
             </p:spPr>
@@ -10280,7 +10280,7 @@
               <a:effectLst/>
               <a:extLst>
                 <a:ext uri="{C572A759-6A51-4108-AA02-DFA0A04FC94B}">
-                  <ma14:wrappingTextBoxFlag xmlns="" xmlns:ma14="http://schemas.microsoft.com/office/mac/drawingml/2011/main" val="1"/>
+                  <ma14:wrappingTextBoxFlag xmlns:ma14="http://schemas.microsoft.com/office/mac/drawingml/2011/main" xmlns="" val="1"/>
                 </a:ext>
               </a:extLst>
             </p:spPr>
@@ -10411,7 +10411,7 @@
             <a:effectLst/>
             <a:extLst>
               <a:ext uri="{C572A759-6A51-4108-AA02-DFA0A04FC94B}">
-                <ma14:wrappingTextBoxFlag xmlns="" xmlns:ma14="http://schemas.microsoft.com/office/mac/drawingml/2011/main" val="1"/>
+                <ma14:wrappingTextBoxFlag xmlns:ma14="http://schemas.microsoft.com/office/mac/drawingml/2011/main" xmlns="" val="1"/>
               </a:ext>
             </a:extLst>
           </p:spPr>
@@ -10545,7 +10545,7 @@
               <a:effectLst/>
               <a:extLst>
                 <a:ext uri="{C572A759-6A51-4108-AA02-DFA0A04FC94B}">
-                  <ma14:wrappingTextBoxFlag xmlns="" xmlns:ma14="http://schemas.microsoft.com/office/mac/drawingml/2011/main" val="1"/>
+                  <ma14:wrappingTextBoxFlag xmlns:ma14="http://schemas.microsoft.com/office/mac/drawingml/2011/main" xmlns="" val="1"/>
                 </a:ext>
               </a:extLst>
             </p:spPr>
@@ -10676,7 +10676,7 @@
               <a:effectLst/>
               <a:extLst>
                 <a:ext uri="{C572A759-6A51-4108-AA02-DFA0A04FC94B}">
-                  <ma14:wrappingTextBoxFlag xmlns="" xmlns:ma14="http://schemas.microsoft.com/office/mac/drawingml/2011/main" val="1"/>
+                  <ma14:wrappingTextBoxFlag xmlns:ma14="http://schemas.microsoft.com/office/mac/drawingml/2011/main" xmlns="" val="1"/>
                 </a:ext>
               </a:extLst>
             </p:spPr>
@@ -10754,7 +10754,7 @@
             <a:effectLst/>
             <a:extLst>
               <a:ext uri="{C572A759-6A51-4108-AA02-DFA0A04FC94B}">
-                <ma14:wrappingTextBoxFlag xmlns="" xmlns:ma14="http://schemas.microsoft.com/office/mac/drawingml/2011/main" val="1"/>
+                <ma14:wrappingTextBoxFlag xmlns:ma14="http://schemas.microsoft.com/office/mac/drawingml/2011/main" xmlns="" val="1"/>
               </a:ext>
             </a:extLst>
           </p:spPr>
@@ -10820,7 +10820,7 @@
             <a:effectLst/>
             <a:extLst>
               <a:ext uri="{C572A759-6A51-4108-AA02-DFA0A04FC94B}">
-                <ma14:wrappingTextBoxFlag xmlns="" xmlns:ma14="http://schemas.microsoft.com/office/mac/drawingml/2011/main" val="1"/>
+                <ma14:wrappingTextBoxFlag xmlns:ma14="http://schemas.microsoft.com/office/mac/drawingml/2011/main" xmlns="" val="1"/>
               </a:ext>
             </a:extLst>
           </p:spPr>
@@ -10886,7 +10886,7 @@
             <a:effectLst/>
             <a:extLst>
               <a:ext uri="{C572A759-6A51-4108-AA02-DFA0A04FC94B}">
-                <ma14:wrappingTextBoxFlag xmlns="" xmlns:ma14="http://schemas.microsoft.com/office/mac/drawingml/2011/main" val="1"/>
+                <ma14:wrappingTextBoxFlag xmlns:ma14="http://schemas.microsoft.com/office/mac/drawingml/2011/main" xmlns="" val="1"/>
               </a:ext>
             </a:extLst>
           </p:spPr>
@@ -11084,7 +11084,7 @@
           </a:ln>
           <a:extLst>
             <a:ext uri="{C572A759-6A51-4108-AA02-DFA0A04FC94B}">
-              <ma14:wrappingTextBoxFlag xmlns="" xmlns:ma14="http://schemas.microsoft.com/office/mac/drawingml/2011/main" val="1"/>
+              <ma14:wrappingTextBoxFlag xmlns:ma14="http://schemas.microsoft.com/office/mac/drawingml/2011/main" xmlns="" val="1"/>
             </a:ext>
           </a:extLst>
         </p:spPr>
@@ -11150,7 +11150,7 @@
           </a:ln>
           <a:extLst>
             <a:ext uri="{C572A759-6A51-4108-AA02-DFA0A04FC94B}">
-              <ma14:wrappingTextBoxFlag xmlns="" xmlns:ma14="http://schemas.microsoft.com/office/mac/drawingml/2011/main" val="1"/>
+              <ma14:wrappingTextBoxFlag xmlns:ma14="http://schemas.microsoft.com/office/mac/drawingml/2011/main" xmlns="" val="1"/>
             </a:ext>
           </a:extLst>
         </p:spPr>
@@ -11548,7 +11548,7 @@
             <a:effectLst/>
             <a:extLst>
               <a:ext uri="{C572A759-6A51-4108-AA02-DFA0A04FC94B}">
-                <ma14:wrappingTextBoxFlag xmlns="" xmlns:ma14="http://schemas.microsoft.com/office/mac/drawingml/2011/main" val="1"/>
+                <ma14:wrappingTextBoxFlag xmlns:ma14="http://schemas.microsoft.com/office/mac/drawingml/2011/main" xmlns="" val="1"/>
               </a:ext>
             </a:extLst>
           </p:spPr>
@@ -11668,7 +11668,7 @@
             <a:effectLst/>
             <a:extLst>
               <a:ext uri="{C572A759-6A51-4108-AA02-DFA0A04FC94B}">
-                <ma14:wrappingTextBoxFlag xmlns="" xmlns:ma14="http://schemas.microsoft.com/office/mac/drawingml/2011/main" val="1"/>
+                <ma14:wrappingTextBoxFlag xmlns:ma14="http://schemas.microsoft.com/office/mac/drawingml/2011/main" xmlns="" val="1"/>
               </a:ext>
             </a:extLst>
           </p:spPr>
@@ -11790,7 +11790,7 @@
           </a:ln>
           <a:extLst>
             <a:ext uri="{C572A759-6A51-4108-AA02-DFA0A04FC94B}">
-              <ma14:wrappingTextBoxFlag xmlns="" xmlns:ma14="http://schemas.microsoft.com/office/mac/drawingml/2011/main" val="1"/>
+              <ma14:wrappingTextBoxFlag xmlns:ma14="http://schemas.microsoft.com/office/mac/drawingml/2011/main" xmlns="" val="1"/>
             </a:ext>
           </a:extLst>
         </p:spPr>
@@ -11924,7 +11924,7 @@
             <a:effectLst/>
             <a:extLst>
               <a:ext uri="{C572A759-6A51-4108-AA02-DFA0A04FC94B}">
-                <ma14:wrappingTextBoxFlag xmlns="" xmlns:ma14="http://schemas.microsoft.com/office/mac/drawingml/2011/main" val="1"/>
+                <ma14:wrappingTextBoxFlag xmlns:ma14="http://schemas.microsoft.com/office/mac/drawingml/2011/main" xmlns="" val="1"/>
               </a:ext>
             </a:extLst>
           </p:spPr>
@@ -12044,7 +12044,7 @@
             <a:effectLst/>
             <a:extLst>
               <a:ext uri="{C572A759-6A51-4108-AA02-DFA0A04FC94B}">
-                <ma14:wrappingTextBoxFlag xmlns="" xmlns:ma14="http://schemas.microsoft.com/office/mac/drawingml/2011/main" val="1"/>
+                <ma14:wrappingTextBoxFlag xmlns:ma14="http://schemas.microsoft.com/office/mac/drawingml/2011/main" xmlns="" val="1"/>
               </a:ext>
             </a:extLst>
           </p:spPr>
@@ -12119,7 +12119,7 @@
           </a:ln>
           <a:extLst>
             <a:ext uri="{C572A759-6A51-4108-AA02-DFA0A04FC94B}">
-              <ma14:wrappingTextBoxFlag xmlns="" xmlns:ma14="http://schemas.microsoft.com/office/mac/drawingml/2011/main" val="1"/>
+              <ma14:wrappingTextBoxFlag xmlns:ma14="http://schemas.microsoft.com/office/mac/drawingml/2011/main" xmlns="" val="1"/>
             </a:ext>
           </a:extLst>
         </p:spPr>
@@ -12182,7 +12182,7 @@
           </a:ln>
           <a:extLst>
             <a:ext uri="{C572A759-6A51-4108-AA02-DFA0A04FC94B}">
-              <ma14:wrappingTextBoxFlag xmlns="" xmlns:ma14="http://schemas.microsoft.com/office/mac/drawingml/2011/main" val="1"/>
+              <ma14:wrappingTextBoxFlag xmlns:ma14="http://schemas.microsoft.com/office/mac/drawingml/2011/main" xmlns="" val="1"/>
             </a:ext>
           </a:extLst>
         </p:spPr>
@@ -12245,7 +12245,7 @@
           </a:ln>
           <a:extLst>
             <a:ext uri="{C572A759-6A51-4108-AA02-DFA0A04FC94B}">
-              <ma14:wrappingTextBoxFlag xmlns="" xmlns:ma14="http://schemas.microsoft.com/office/mac/drawingml/2011/main" val="1"/>
+              <ma14:wrappingTextBoxFlag xmlns:ma14="http://schemas.microsoft.com/office/mac/drawingml/2011/main" xmlns="" val="1"/>
             </a:ext>
           </a:extLst>
         </p:spPr>
@@ -12617,7 +12617,7 @@
           </a:ln>
           <a:extLst>
             <a:ext uri="{C572A759-6A51-4108-AA02-DFA0A04FC94B}">
-              <ma14:wrappingTextBoxFlag xmlns="" xmlns:ma14="http://schemas.microsoft.com/office/mac/drawingml/2011/main" val="1"/>
+              <ma14:wrappingTextBoxFlag xmlns:ma14="http://schemas.microsoft.com/office/mac/drawingml/2011/main" xmlns="" val="1"/>
             </a:ext>
           </a:extLst>
         </p:spPr>
@@ -12683,7 +12683,7 @@
           </a:ln>
           <a:extLst>
             <a:ext uri="{C572A759-6A51-4108-AA02-DFA0A04FC94B}">
-              <ma14:wrappingTextBoxFlag xmlns="" xmlns:ma14="http://schemas.microsoft.com/office/mac/drawingml/2011/main" val="1"/>
+              <ma14:wrappingTextBoxFlag xmlns:ma14="http://schemas.microsoft.com/office/mac/drawingml/2011/main" xmlns="" val="1"/>
             </a:ext>
           </a:extLst>
         </p:spPr>
@@ -12935,7 +12935,7 @@
           </a:ln>
           <a:extLst>
             <a:ext uri="{C572A759-6A51-4108-AA02-DFA0A04FC94B}">
-              <ma14:wrappingTextBoxFlag xmlns="" xmlns:ma14="http://schemas.microsoft.com/office/mac/drawingml/2011/main" val="1"/>
+              <ma14:wrappingTextBoxFlag xmlns:ma14="http://schemas.microsoft.com/office/mac/drawingml/2011/main" xmlns="" val="1"/>
             </a:ext>
           </a:extLst>
         </p:spPr>
@@ -13044,7 +13044,7 @@
           </a:ln>
           <a:extLst>
             <a:ext uri="{C572A759-6A51-4108-AA02-DFA0A04FC94B}">
-              <ma14:wrappingTextBoxFlag xmlns="" xmlns:ma14="http://schemas.microsoft.com/office/mac/drawingml/2011/main" val="1"/>
+              <ma14:wrappingTextBoxFlag xmlns:ma14="http://schemas.microsoft.com/office/mac/drawingml/2011/main" xmlns="" val="1"/>
             </a:ext>
           </a:extLst>
         </p:spPr>
@@ -13112,7 +13112,7 @@
           </a:ln>
           <a:extLst>
             <a:ext uri="{C572A759-6A51-4108-AA02-DFA0A04FC94B}">
-              <ma14:wrappingTextBoxFlag xmlns="" xmlns:ma14="http://schemas.microsoft.com/office/mac/drawingml/2011/main" val="1"/>
+              <ma14:wrappingTextBoxFlag xmlns:ma14="http://schemas.microsoft.com/office/mac/drawingml/2011/main" xmlns="" val="1"/>
             </a:ext>
           </a:extLst>
         </p:spPr>
@@ -13246,7 +13246,7 @@
           </a:ln>
           <a:extLst>
             <a:ext uri="{C572A759-6A51-4108-AA02-DFA0A04FC94B}">
-              <ma14:wrappingTextBoxFlag xmlns="" xmlns:ma14="http://schemas.microsoft.com/office/mac/drawingml/2011/main" val="1"/>
+              <ma14:wrappingTextBoxFlag xmlns:ma14="http://schemas.microsoft.com/office/mac/drawingml/2011/main" xmlns="" val="1"/>
             </a:ext>
           </a:extLst>
         </p:spPr>
@@ -13620,7 +13620,7 @@
           </a:ln>
           <a:extLst>
             <a:ext uri="{C572A759-6A51-4108-AA02-DFA0A04FC94B}">
-              <ma14:wrappingTextBoxFlag xmlns="" xmlns:ma14="http://schemas.microsoft.com/office/mac/drawingml/2011/main" val="1"/>
+              <ma14:wrappingTextBoxFlag xmlns:ma14="http://schemas.microsoft.com/office/mac/drawingml/2011/main" xmlns="" val="1"/>
             </a:ext>
           </a:extLst>
         </p:spPr>
@@ -13976,7 +13976,7 @@
           </a:ln>
           <a:extLst>
             <a:ext uri="{C572A759-6A51-4108-AA02-DFA0A04FC94B}">
-              <ma14:wrappingTextBoxFlag xmlns="" xmlns:ma14="http://schemas.microsoft.com/office/mac/drawingml/2011/main" val="1"/>
+              <ma14:wrappingTextBoxFlag xmlns:ma14="http://schemas.microsoft.com/office/mac/drawingml/2011/main" xmlns="" val="1"/>
             </a:ext>
           </a:extLst>
         </p:spPr>
@@ -14042,7 +14042,7 @@
           </a:ln>
           <a:extLst>
             <a:ext uri="{C572A759-6A51-4108-AA02-DFA0A04FC94B}">
-              <ma14:wrappingTextBoxFlag xmlns="" xmlns:ma14="http://schemas.microsoft.com/office/mac/drawingml/2011/main" val="1"/>
+              <ma14:wrappingTextBoxFlag xmlns:ma14="http://schemas.microsoft.com/office/mac/drawingml/2011/main" xmlns="" val="1"/>
             </a:ext>
           </a:extLst>
         </p:spPr>
@@ -14353,7 +14353,7 @@
           </a:ln>
           <a:extLst>
             <a:ext uri="{C572A759-6A51-4108-AA02-DFA0A04FC94B}">
-              <ma14:wrappingTextBoxFlag xmlns="" xmlns:ma14="http://schemas.microsoft.com/office/mac/drawingml/2011/main" val="1"/>
+              <ma14:wrappingTextBoxFlag xmlns:ma14="http://schemas.microsoft.com/office/mac/drawingml/2011/main" xmlns="" val="1"/>
             </a:ext>
           </a:extLst>
         </p:spPr>
@@ -14520,7 +14520,7 @@
           </a:ln>
           <a:extLst>
             <a:ext uri="{C572A759-6A51-4108-AA02-DFA0A04FC94B}">
-              <ma14:wrappingTextBoxFlag xmlns="" xmlns:ma14="http://schemas.microsoft.com/office/mac/drawingml/2011/main" val="1"/>
+              <ma14:wrappingTextBoxFlag xmlns:ma14="http://schemas.microsoft.com/office/mac/drawingml/2011/main" xmlns="" val="1"/>
             </a:ext>
           </a:extLst>
         </p:spPr>
@@ -14702,7 +14702,7 @@
           </a:ln>
           <a:extLst>
             <a:ext uri="{C572A759-6A51-4108-AA02-DFA0A04FC94B}">
-              <ma14:wrappingTextBoxFlag xmlns="" xmlns:ma14="http://schemas.microsoft.com/office/mac/drawingml/2011/main" val="1"/>
+              <ma14:wrappingTextBoxFlag xmlns:ma14="http://schemas.microsoft.com/office/mac/drawingml/2011/main" xmlns="" val="1"/>
             </a:ext>
           </a:extLst>
         </p:spPr>
@@ -14849,7 +14849,7 @@
           </a:ln>
           <a:extLst>
             <a:ext uri="{C572A759-6A51-4108-AA02-DFA0A04FC94B}">
-              <ma14:wrappingTextBoxFlag xmlns="" xmlns:ma14="http://schemas.microsoft.com/office/mac/drawingml/2011/main" val="1"/>
+              <ma14:wrappingTextBoxFlag xmlns:ma14="http://schemas.microsoft.com/office/mac/drawingml/2011/main" xmlns="" val="1"/>
             </a:ext>
           </a:extLst>
         </p:spPr>
@@ -14960,7 +14960,7 @@
           </a:ln>
           <a:extLst>
             <a:ext uri="{C572A759-6A51-4108-AA02-DFA0A04FC94B}">
-              <ma14:wrappingTextBoxFlag xmlns="" xmlns:ma14="http://schemas.microsoft.com/office/mac/drawingml/2011/main" val="1"/>
+              <ma14:wrappingTextBoxFlag xmlns:ma14="http://schemas.microsoft.com/office/mac/drawingml/2011/main" xmlns="" val="1"/>
             </a:ext>
           </a:extLst>
         </p:spPr>
@@ -15184,7 +15184,7 @@
           </a:ln>
           <a:extLst>
             <a:ext uri="{C572A759-6A51-4108-AA02-DFA0A04FC94B}">
-              <ma14:wrappingTextBoxFlag xmlns="" xmlns:ma14="http://schemas.microsoft.com/office/mac/drawingml/2011/main" val="1"/>
+              <ma14:wrappingTextBoxFlag xmlns:ma14="http://schemas.microsoft.com/office/mac/drawingml/2011/main" xmlns="" val="1"/>
             </a:ext>
           </a:extLst>
         </p:spPr>
@@ -15408,6 +15408,66 @@
           <a:chExt cx="0" cy="0"/>
         </a:xfrm>
       </p:grpSpPr>
+      <p:pic>
+        <p:nvPicPr>
+          <p:cNvPr id="11" name="Picture 10">
+            <a:extLst>
+              <a:ext uri="{FF2B5EF4-FFF2-40B4-BE49-F238E27FC236}">
+                <a16:creationId xmlns:a16="http://schemas.microsoft.com/office/drawing/2014/main" id="{2610076F-9519-5A55-0325-49C565054A76}"/>
+              </a:ext>
+            </a:extLst>
+          </p:cNvPr>
+          <p:cNvPicPr>
+            <a:picLocks noChangeAspect="1"/>
+          </p:cNvPicPr>
+          <p:nvPr/>
+        </p:nvPicPr>
+        <p:blipFill>
+          <a:blip r:embed="rId3"/>
+          <a:stretch>
+            <a:fillRect/>
+          </a:stretch>
+        </p:blipFill>
+        <p:spPr>
+          <a:xfrm>
+            <a:off x="5313905" y="3594588"/>
+            <a:ext cx="3287670" cy="1471405"/>
+          </a:xfrm>
+          <a:prstGeom prst="rect">
+            <a:avLst/>
+          </a:prstGeom>
+        </p:spPr>
+      </p:pic>
+      <p:pic>
+        <p:nvPicPr>
+          <p:cNvPr id="7" name="Picture 6">
+            <a:extLst>
+              <a:ext uri="{FF2B5EF4-FFF2-40B4-BE49-F238E27FC236}">
+                <a16:creationId xmlns:a16="http://schemas.microsoft.com/office/drawing/2014/main" id="{472B416E-4B64-39AA-9A9C-ADBAC749F634}"/>
+              </a:ext>
+            </a:extLst>
+          </p:cNvPr>
+          <p:cNvPicPr>
+            <a:picLocks noChangeAspect="1"/>
+          </p:cNvPicPr>
+          <p:nvPr/>
+        </p:nvPicPr>
+        <p:blipFill>
+          <a:blip r:embed="rId4"/>
+          <a:stretch>
+            <a:fillRect/>
+          </a:stretch>
+        </p:blipFill>
+        <p:spPr>
+          <a:xfrm>
+            <a:off x="47359" y="3280632"/>
+            <a:ext cx="4388286" cy="1862470"/>
+          </a:xfrm>
+          <a:prstGeom prst="rect">
+            <a:avLst/>
+          </a:prstGeom>
+        </p:spPr>
+      </p:pic>
       <p:sp>
         <p:nvSpPr>
           <p:cNvPr id="304" name="Shape 304"/>
@@ -15427,7 +15487,7 @@
           </a:ln>
           <a:extLst>
             <a:ext uri="{C572A759-6A51-4108-AA02-DFA0A04FC94B}">
-              <ma14:wrappingTextBoxFlag xmlns="" xmlns:ma14="http://schemas.microsoft.com/office/mac/drawingml/2011/main" val="1"/>
+              <ma14:wrappingTextBoxFlag xmlns:ma14="http://schemas.microsoft.com/office/mac/drawingml/2011/main" xmlns="" val="1"/>
             </a:ext>
           </a:extLst>
         </p:spPr>
@@ -15522,8 +15582,8 @@
         </p:nvSpPr>
         <p:spPr>
           <a:xfrm>
-            <a:off x="114301" y="1224234"/>
-            <a:ext cx="8872532" cy="1395254"/>
+            <a:off x="200369" y="781375"/>
+            <a:ext cx="8872532" cy="1887696"/>
           </a:xfrm>
           <a:prstGeom prst="rect">
             <a:avLst/>
@@ -15533,7 +15593,7 @@
           </a:ln>
           <a:extLst>
             <a:ext uri="{C572A759-6A51-4108-AA02-DFA0A04FC94B}">
-              <ma14:wrappingTextBoxFlag xmlns="" xmlns:ma14="http://schemas.microsoft.com/office/mac/drawingml/2011/main" val="1"/>
+              <ma14:wrappingTextBoxFlag xmlns:ma14="http://schemas.microsoft.com/office/mac/drawingml/2011/main" xmlns="" val="1"/>
             </a:ext>
           </a:extLst>
         </p:spPr>
@@ -15549,7 +15609,7 @@
               </a:spcBef>
               <a:buSzPct val="50000"/>
               <a:buBlip>
-                <a:blip r:embed="rId3"/>
+                <a:blip r:embed="rId5"/>
               </a:buBlip>
               <a:defRPr sz="1800">
                 <a:solidFill>
@@ -15626,7 +15686,7 @@
               </a:spcBef>
               <a:buSzPct val="50000"/>
               <a:buBlip>
-                <a:blip r:embed="rId3"/>
+                <a:blip r:embed="rId5"/>
               </a:buBlip>
               <a:defRPr sz="1800">
                 <a:solidFill>
@@ -15667,7 +15727,7 @@
               </a:spcBef>
               <a:buSzPct val="50000"/>
               <a:buBlip>
-                <a:blip r:embed="rId3"/>
+                <a:blip r:embed="rId5"/>
               </a:buBlip>
               <a:defRPr sz="1800">
                 <a:solidFill>
@@ -15722,7 +15782,31 @@
                 <a:cs typeface="Arial Unicode MS" panose="020B0604020202020204" pitchFamily="34" charset="-128"/>
                 <a:sym typeface="Iowan Old Style Roman"/>
               </a:rPr>
-              <a:t>Common domains are “text”, “number”, “date”, but sometimes it may have a some lightweight structure as well</a:t>
+              <a:t>Common generic domains (</a:t>
+            </a:r>
+            <a:r>
+              <a:rPr lang="en-US" sz="1600" i="1" dirty="0" err="1">
+                <a:solidFill>
+                  <a:schemeClr val="tx1"/>
+                </a:solidFill>
+                <a:latin typeface="Arial Unicode MS" panose="020B0604020202020204" pitchFamily="34" charset="-128"/>
+                <a:ea typeface="Arial Unicode MS" panose="020B0604020202020204" pitchFamily="34" charset="-128"/>
+                <a:cs typeface="Arial Unicode MS" panose="020B0604020202020204" pitchFamily="34" charset="-128"/>
+                <a:sym typeface="Iowan Old Style Roman"/>
+              </a:rPr>
+              <a:t>ie</a:t>
+            </a:r>
+            <a:r>
+              <a:rPr lang="en-US" sz="1600" i="1" dirty="0">
+                <a:solidFill>
+                  <a:schemeClr val="tx1"/>
+                </a:solidFill>
+                <a:latin typeface="Arial Unicode MS" panose="020B0604020202020204" pitchFamily="34" charset="-128"/>
+                <a:ea typeface="Arial Unicode MS" panose="020B0604020202020204" pitchFamily="34" charset="-128"/>
+                <a:cs typeface="Arial Unicode MS" panose="020B0604020202020204" pitchFamily="34" charset="-128"/>
+                <a:sym typeface="Iowan Old Style Roman"/>
+              </a:rPr>
+              <a:t> data types) are “text”, “number”, “date”; often though domains have restricted values, and sometimes the domain may have a lightweight structure as well (e.g., “address” being “street-city-state-zip”).</a:t>
             </a:r>
             <a:endParaRPr lang="en-US" sz="2100" i="1" dirty="0">
               <a:solidFill>
@@ -15744,13 +15828,13 @@
         </p:nvSpPr>
         <p:spPr>
           <a:xfrm>
-            <a:off x="2010654" y="3215104"/>
-            <a:ext cx="5427638" cy="847867"/>
+            <a:off x="207655" y="3559033"/>
+            <a:ext cx="4259208" cy="847867"/>
           </a:xfrm>
           <a:prstGeom prst="rect">
             <a:avLst/>
           </a:prstGeom>
-          <a:ln w="38100">
+          <a:ln w="9525">
             <a:solidFill>
               <a:srgbClr val="57068C"/>
             </a:solidFill>
@@ -15791,7 +15875,7 @@
         </p:nvSpPr>
         <p:spPr>
           <a:xfrm>
-            <a:off x="7101488" y="2834451"/>
+            <a:off x="5041847" y="2951899"/>
             <a:ext cx="1598950" cy="307777"/>
           </a:xfrm>
           <a:prstGeom prst="rect">
@@ -15802,7 +15886,7 @@
           </a:ln>
           <a:extLst>
             <a:ext uri="{C572A759-6A51-4108-AA02-DFA0A04FC94B}">
-              <ma14:wrappingTextBoxFlag xmlns="" xmlns:ma14="http://schemas.microsoft.com/office/mac/drawingml/2011/main" val="1"/>
+              <ma14:wrappingTextBoxFlag xmlns:ma14="http://schemas.microsoft.com/office/mac/drawingml/2011/main" xmlns="" val="1"/>
             </a:ext>
           </a:extLst>
         </p:spPr>
@@ -15853,7 +15937,7 @@
         </p:nvSpPr>
         <p:spPr>
           <a:xfrm>
-            <a:off x="0" y="4838197"/>
+            <a:off x="0" y="5736270"/>
             <a:ext cx="9144000" cy="1010533"/>
           </a:xfrm>
           <a:prstGeom prst="rect">
@@ -15864,7 +15948,7 @@
           </a:ln>
           <a:extLst>
             <a:ext uri="{C572A759-6A51-4108-AA02-DFA0A04FC94B}">
-              <ma14:wrappingTextBoxFlag xmlns="" xmlns:ma14="http://schemas.microsoft.com/office/mac/drawingml/2011/main" val="1"/>
+              <ma14:wrappingTextBoxFlag xmlns:ma14="http://schemas.microsoft.com/office/mac/drawingml/2011/main" xmlns="" val="1"/>
             </a:ext>
           </a:extLst>
         </p:spPr>
@@ -15880,7 +15964,7 @@
               </a:spcBef>
               <a:buSzPct val="50000"/>
               <a:buBlip>
-                <a:blip r:embed="rId3"/>
+                <a:blip r:embed="rId5"/>
               </a:buBlip>
               <a:defRPr sz="1800">
                 <a:solidFill>
@@ -16320,88 +16404,6 @@
                 <a:sym typeface="Iowan Old Style Roman"/>
               </a:rPr>
               <a:t>)</a:t>
-            </a:r>
-          </a:p>
-        </p:txBody>
-      </p:sp>
-      <p:sp>
-        <p:nvSpPr>
-          <p:cNvPr id="3" name="Rectangle 2">
-            <a:extLst>
-              <a:ext uri="{FF2B5EF4-FFF2-40B4-BE49-F238E27FC236}">
-                <a16:creationId xmlns:a16="http://schemas.microsoft.com/office/drawing/2014/main" id="{2C119984-3B98-4028-860D-8578B8E3B2EC}"/>
-              </a:ext>
-            </a:extLst>
-          </p:cNvPr>
-          <p:cNvSpPr/>
-          <p:nvPr/>
-        </p:nvSpPr>
-        <p:spPr>
-          <a:xfrm>
-            <a:off x="155385" y="3247117"/>
-            <a:ext cx="8872532" cy="828432"/>
-          </a:xfrm>
-          <a:prstGeom prst="rect">
-            <a:avLst/>
-          </a:prstGeom>
-        </p:spPr>
-        <p:txBody>
-          <a:bodyPr wrap="square">
-            <a:spAutoFit/>
-          </a:bodyPr>
-          <a:lstStyle/>
-          <a:p>
-            <a:pPr marL="627184" lvl="1" indent="-246184">
-              <a:spcBef>
-                <a:spcPts val="700"/>
-              </a:spcBef>
-              <a:buSzPct val="100000"/>
-              <a:buChar char="•"/>
-              <a:defRPr sz="1800">
-                <a:solidFill>
-                  <a:srgbClr val="000000"/>
-                </a:solidFill>
-                <a:uFillTx/>
-              </a:defRPr>
-            </a:pPr>
-            <a:r>
-              <a:rPr lang="en-US" sz="2100" dirty="0">
-                <a:solidFill>
-                  <a:schemeClr val="tx1"/>
-                </a:solidFill>
-                <a:latin typeface="Arial Unicode MS" panose="020B0604020202020204" pitchFamily="34" charset="-128"/>
-                <a:ea typeface="Arial Unicode MS" panose="020B0604020202020204" pitchFamily="34" charset="-128"/>
-                <a:cs typeface="Arial Unicode MS" panose="020B0604020202020204" pitchFamily="34" charset="-128"/>
-                <a:sym typeface="Iowan Old Style Roman"/>
-              </a:rPr>
-              <a:t>Students  (first name, last name, year of birth, gender) </a:t>
-            </a:r>
-          </a:p>
-          <a:p>
-            <a:pPr marL="627184" lvl="1" indent="-246184">
-              <a:spcBef>
-                <a:spcPts val="700"/>
-              </a:spcBef>
-              <a:buSzPct val="100000"/>
-              <a:buChar char="•"/>
-              <a:defRPr sz="1800">
-                <a:solidFill>
-                  <a:srgbClr val="000000"/>
-                </a:solidFill>
-                <a:uFillTx/>
-              </a:defRPr>
-            </a:pPr>
-            <a:r>
-              <a:rPr lang="en-US" sz="2100" dirty="0">
-                <a:solidFill>
-                  <a:schemeClr val="tx1"/>
-                </a:solidFill>
-                <a:latin typeface="Arial Unicode MS" panose="020B0604020202020204" pitchFamily="34" charset="-128"/>
-                <a:ea typeface="Arial Unicode MS" panose="020B0604020202020204" pitchFamily="34" charset="-128"/>
-                <a:cs typeface="Arial Unicode MS" panose="020B0604020202020204" pitchFamily="34" charset="-128"/>
-                <a:sym typeface="Iowan Old Style Roman"/>
-              </a:rPr>
-              <a:t>Courses   (course name, course description, credits)</a:t>
             </a:r>
           </a:p>
         </p:txBody>
@@ -16420,8 +16422,8 @@
         </p:nvSpPr>
         <p:spPr>
           <a:xfrm>
-            <a:off x="6815094" y="4455040"/>
-            <a:ext cx="2171739" cy="307777"/>
+            <a:off x="289167" y="2895544"/>
+            <a:ext cx="2020514" cy="246221"/>
           </a:xfrm>
           <a:prstGeom prst="rect">
             <a:avLst/>
@@ -16431,7 +16433,7 @@
           </a:ln>
           <a:extLst>
             <a:ext uri="{C572A759-6A51-4108-AA02-DFA0A04FC94B}">
-              <ma14:wrappingTextBoxFlag xmlns="" xmlns:ma14="http://schemas.microsoft.com/office/mac/drawingml/2011/main" val="1"/>
+              <ma14:wrappingTextBoxFlag xmlns:ma14="http://schemas.microsoft.com/office/mac/drawingml/2011/main" xmlns="" val="1"/>
             </a:ext>
           </a:extLst>
         </p:spPr>
@@ -16458,7 +16460,7 @@
               </a:defRPr>
             </a:pPr>
             <a:r>
-              <a:rPr lang="en-US" sz="2000" b="1" dirty="0">
+              <a:rPr lang="en-US" sz="1600" b="1" dirty="0">
                 <a:solidFill>
                   <a:srgbClr val="57068C"/>
                 </a:solidFill>
@@ -16469,9 +16471,23 @@
                 <a:ea typeface="Arial Unicode MS" panose="020B0604020202020204" pitchFamily="34" charset="-128"/>
                 <a:cs typeface="Arial Unicode MS" panose="020B0604020202020204" pitchFamily="34" charset="-128"/>
               </a:rPr>
-              <a:t>Domain: Integer</a:t>
-            </a:r>
-            <a:endParaRPr sz="2000" b="1" dirty="0">
+              <a:t>Domain</a:t>
+            </a:r>
+            <a:r>
+              <a:rPr lang="en-US" sz="1600" dirty="0">
+                <a:solidFill>
+                  <a:srgbClr val="57068C"/>
+                </a:solidFill>
+                <a:uFill>
+                  <a:solidFill/>
+                </a:uFill>
+                <a:latin typeface="Arial Unicode MS" panose="020B0604020202020204" pitchFamily="34" charset="-128"/>
+                <a:ea typeface="Arial Unicode MS" panose="020B0604020202020204" pitchFamily="34" charset="-128"/>
+                <a:cs typeface="Arial Unicode MS" panose="020B0604020202020204" pitchFamily="34" charset="-128"/>
+              </a:rPr>
+              <a:t>: 1940…2010</a:t>
+            </a:r>
+            <a:endParaRPr sz="1600" dirty="0">
               <a:solidFill>
                 <a:srgbClr val="57068C"/>
               </a:solidFill>
@@ -16494,13 +16510,16 @@
               </a:ext>
             </a:extLst>
           </p:cNvPr>
-          <p:cNvCxnSpPr/>
+          <p:cNvCxnSpPr>
+            <a:cxnSpLocks/>
+            <a:stCxn id="14" idx="3"/>
+          </p:cNvCxnSpPr>
           <p:nvPr/>
         </p:nvCxnSpPr>
         <p:spPr>
-          <a:xfrm flipH="1" flipV="1">
-            <a:off x="6409592" y="3956538"/>
-            <a:ext cx="202223" cy="624254"/>
+          <a:xfrm flipV="1">
+            <a:off x="4941896" y="4819153"/>
+            <a:ext cx="1491691" cy="385996"/>
           </a:xfrm>
           <a:prstGeom prst="straightConnector1">
             <a:avLst/>
@@ -16529,10 +16548,10 @@
       </p:cxnSp>
       <p:sp>
         <p:nvSpPr>
-          <p:cNvPr id="13" name="Shape 306">
+          <p:cNvPr id="14" name="Shape 308">
             <a:extLst>
               <a:ext uri="{FF2B5EF4-FFF2-40B4-BE49-F238E27FC236}">
-                <a16:creationId xmlns:a16="http://schemas.microsoft.com/office/drawing/2014/main" id="{FC8C3025-B030-4729-9615-A46B73091236}"/>
+                <a16:creationId xmlns:a16="http://schemas.microsoft.com/office/drawing/2014/main" id="{013F9B74-8715-4249-BF09-2419E2057786}"/>
               </a:ext>
             </a:extLst>
           </p:cNvPr>
@@ -16541,13 +16560,137 @@
         </p:nvSpPr>
         <p:spPr>
           <a:xfrm>
-            <a:off x="782515" y="3200241"/>
-            <a:ext cx="1146227" cy="879114"/>
+            <a:off x="3991830" y="5051260"/>
+            <a:ext cx="950066" cy="307777"/>
           </a:xfrm>
           <a:prstGeom prst="rect">
             <a:avLst/>
           </a:prstGeom>
-          <a:ln w="38100">
+          <a:ln w="12700">
+            <a:miter lim="400000"/>
+          </a:ln>
+          <a:extLst>
+            <a:ext uri="{C572A759-6A51-4108-AA02-DFA0A04FC94B}">
+              <ma14:wrappingTextBoxFlag xmlns:ma14="http://schemas.microsoft.com/office/mac/drawingml/2011/main" xmlns="" val="1"/>
+            </a:ext>
+          </a:extLst>
+        </p:spPr>
+        <p:txBody>
+          <a:bodyPr wrap="square" lIns="0" tIns="0" rIns="0" bIns="0">
+            <a:spAutoFit/>
+          </a:bodyPr>
+          <a:lstStyle>
+            <a:lvl1pPr>
+              <a:defRPr>
+                <a:solidFill>
+                  <a:srgbClr val="FF2600"/>
+                </a:solidFill>
+              </a:defRPr>
+            </a:lvl1pPr>
+          </a:lstStyle>
+          <a:p>
+            <a:pPr lvl="0">
+              <a:defRPr sz="1800">
+                <a:solidFill>
+                  <a:srgbClr val="000000"/>
+                </a:solidFill>
+                <a:uFillTx/>
+              </a:defRPr>
+            </a:pPr>
+            <a:r>
+              <a:rPr lang="en-US" sz="2000" b="1" dirty="0">
+                <a:solidFill>
+                  <a:srgbClr val="57068C"/>
+                </a:solidFill>
+                <a:uFill>
+                  <a:solidFill/>
+                </a:uFill>
+                <a:latin typeface="Arial Unicode MS" panose="020B0604020202020204" pitchFamily="34" charset="-128"/>
+                <a:ea typeface="Arial Unicode MS" panose="020B0604020202020204" pitchFamily="34" charset="-128"/>
+                <a:cs typeface="Arial Unicode MS" panose="020B0604020202020204" pitchFamily="34" charset="-128"/>
+              </a:rPr>
+              <a:t>Entities</a:t>
+            </a:r>
+            <a:endParaRPr sz="2000" b="1" dirty="0">
+              <a:solidFill>
+                <a:srgbClr val="57068C"/>
+              </a:solidFill>
+              <a:uFill>
+                <a:solidFill/>
+              </a:uFill>
+              <a:latin typeface="Arial Unicode MS" panose="020B0604020202020204" pitchFamily="34" charset="-128"/>
+              <a:ea typeface="Arial Unicode MS" panose="020B0604020202020204" pitchFamily="34" charset="-128"/>
+              <a:cs typeface="Arial Unicode MS" panose="020B0604020202020204" pitchFamily="34" charset="-128"/>
+            </a:endParaRPr>
+          </a:p>
+        </p:txBody>
+      </p:sp>
+      <p:cxnSp>
+        <p:nvCxnSpPr>
+          <p:cNvPr id="8" name="Straight Arrow Connector 7">
+            <a:extLst>
+              <a:ext uri="{FF2B5EF4-FFF2-40B4-BE49-F238E27FC236}">
+                <a16:creationId xmlns:a16="http://schemas.microsoft.com/office/drawing/2014/main" id="{69DBD878-E3EB-273D-053C-FA49526BFC6E}"/>
+              </a:ext>
+            </a:extLst>
+          </p:cNvPr>
+          <p:cNvCxnSpPr>
+            <a:cxnSpLocks/>
+            <a:stCxn id="14" idx="1"/>
+          </p:cNvCxnSpPr>
+          <p:nvPr/>
+        </p:nvCxnSpPr>
+        <p:spPr>
+          <a:xfrm flipH="1" flipV="1">
+            <a:off x="2539190" y="4865358"/>
+            <a:ext cx="1452640" cy="339791"/>
+          </a:xfrm>
+          <a:prstGeom prst="straightConnector1">
+            <a:avLst/>
+          </a:prstGeom>
+          <a:ln w="28575">
+            <a:solidFill>
+              <a:srgbClr val="57068C"/>
+            </a:solidFill>
+            <a:tailEnd type="triangle"/>
+          </a:ln>
+        </p:spPr>
+        <p:style>
+          <a:lnRef idx="1">
+            <a:schemeClr val="accent1"/>
+          </a:lnRef>
+          <a:fillRef idx="0">
+            <a:schemeClr val="accent1"/>
+          </a:fillRef>
+          <a:effectRef idx="0">
+            <a:schemeClr val="accent1"/>
+          </a:effectRef>
+          <a:fontRef idx="minor">
+            <a:schemeClr val="tx1"/>
+          </a:fontRef>
+        </p:style>
+      </p:cxnSp>
+      <p:sp>
+        <p:nvSpPr>
+          <p:cNvPr id="17" name="Shape 306">
+            <a:extLst>
+              <a:ext uri="{FF2B5EF4-FFF2-40B4-BE49-F238E27FC236}">
+                <a16:creationId xmlns:a16="http://schemas.microsoft.com/office/drawing/2014/main" id="{902D248A-C667-BE53-910C-34DFFD349A0C}"/>
+              </a:ext>
+            </a:extLst>
+          </p:cNvPr>
+          <p:cNvSpPr/>
+          <p:nvPr/>
+        </p:nvSpPr>
+        <p:spPr>
+          <a:xfrm>
+            <a:off x="5205886" y="3671697"/>
+            <a:ext cx="3580334" cy="648929"/>
+          </a:xfrm>
+          <a:prstGeom prst="rect">
+            <a:avLst/>
+          </a:prstGeom>
+          <a:ln w="9525">
             <a:solidFill>
               <a:srgbClr val="57068C"/>
             </a:solidFill>
@@ -16580,12 +16723,57 @@
           </a:p>
         </p:txBody>
       </p:sp>
+      <p:cxnSp>
+        <p:nvCxnSpPr>
+          <p:cNvPr id="23" name="Straight Arrow Connector 22">
+            <a:extLst>
+              <a:ext uri="{FF2B5EF4-FFF2-40B4-BE49-F238E27FC236}">
+                <a16:creationId xmlns:a16="http://schemas.microsoft.com/office/drawing/2014/main" id="{B32E9369-A323-90F5-C06B-ABC25965B20E}"/>
+              </a:ext>
+            </a:extLst>
+          </p:cNvPr>
+          <p:cNvCxnSpPr>
+            <a:cxnSpLocks/>
+            <a:stCxn id="10" idx="2"/>
+          </p:cNvCxnSpPr>
+          <p:nvPr/>
+        </p:nvCxnSpPr>
+        <p:spPr>
+          <a:xfrm>
+            <a:off x="1299424" y="3141765"/>
+            <a:ext cx="1334485" cy="585460"/>
+          </a:xfrm>
+          <a:prstGeom prst="straightConnector1">
+            <a:avLst/>
+          </a:prstGeom>
+          <a:ln w="28575">
+            <a:solidFill>
+              <a:srgbClr val="57068C"/>
+            </a:solidFill>
+            <a:tailEnd type="triangle"/>
+          </a:ln>
+        </p:spPr>
+        <p:style>
+          <a:lnRef idx="1">
+            <a:schemeClr val="accent1"/>
+          </a:lnRef>
+          <a:fillRef idx="0">
+            <a:schemeClr val="accent1"/>
+          </a:fillRef>
+          <a:effectRef idx="0">
+            <a:schemeClr val="accent1"/>
+          </a:effectRef>
+          <a:fontRef idx="minor">
+            <a:schemeClr val="tx1"/>
+          </a:fontRef>
+        </p:style>
+      </p:cxnSp>
       <p:sp>
         <p:nvSpPr>
-          <p:cNvPr id="14" name="Shape 308">
+          <p:cNvPr id="29" name="Shape 308">
             <a:extLst>
               <a:ext uri="{FF2B5EF4-FFF2-40B4-BE49-F238E27FC236}">
-                <a16:creationId xmlns:a16="http://schemas.microsoft.com/office/drawing/2014/main" id="{013F9B74-8715-4249-BF09-2419E2057786}"/>
+                <a16:creationId xmlns:a16="http://schemas.microsoft.com/office/drawing/2014/main" id="{162382C0-EC78-DB1A-D454-8B2637756820}"/>
               </a:ext>
             </a:extLst>
           </p:cNvPr>
@@ -16594,8 +16782,8 @@
         </p:nvSpPr>
         <p:spPr>
           <a:xfrm>
-            <a:off x="155385" y="2795881"/>
-            <a:ext cx="1598950" cy="307777"/>
+            <a:off x="2921382" y="3081883"/>
+            <a:ext cx="2020514" cy="246221"/>
           </a:xfrm>
           <a:prstGeom prst="rect">
             <a:avLst/>
@@ -16605,12 +16793,12 @@
           </a:ln>
           <a:extLst>
             <a:ext uri="{C572A759-6A51-4108-AA02-DFA0A04FC94B}">
-              <ma14:wrappingTextBoxFlag xmlns="" xmlns:ma14="http://schemas.microsoft.com/office/mac/drawingml/2011/main" val="1"/>
+              <ma14:wrappingTextBoxFlag xmlns:ma14="http://schemas.microsoft.com/office/mac/drawingml/2011/main" xmlns="" val="1"/>
             </a:ext>
           </a:extLst>
         </p:spPr>
         <p:txBody>
-          <a:bodyPr lIns="0" tIns="0" rIns="0" bIns="0">
+          <a:bodyPr wrap="square" lIns="0" tIns="0" rIns="0" bIns="0">
             <a:spAutoFit/>
           </a:bodyPr>
           <a:lstStyle>
@@ -16632,7 +16820,7 @@
               </a:defRPr>
             </a:pPr>
             <a:r>
-              <a:rPr lang="en-US" sz="2000" b="1" dirty="0">
+              <a:rPr lang="en-US" sz="1600" b="1" dirty="0">
                 <a:solidFill>
                   <a:srgbClr val="57068C"/>
                 </a:solidFill>
@@ -16643,9 +16831,23 @@
                 <a:ea typeface="Arial Unicode MS" panose="020B0604020202020204" pitchFamily="34" charset="-128"/>
                 <a:cs typeface="Arial Unicode MS" panose="020B0604020202020204" pitchFamily="34" charset="-128"/>
               </a:rPr>
-              <a:t>Entities</a:t>
-            </a:r>
-            <a:endParaRPr sz="2000" b="1" dirty="0">
+              <a:t>Domain</a:t>
+            </a:r>
+            <a:r>
+              <a:rPr lang="en-US" sz="1600" dirty="0">
+                <a:solidFill>
+                  <a:srgbClr val="57068C"/>
+                </a:solidFill>
+                <a:uFill>
+                  <a:solidFill/>
+                </a:uFill>
+                <a:latin typeface="Arial Unicode MS" panose="020B0604020202020204" pitchFamily="34" charset="-128"/>
+                <a:ea typeface="Arial Unicode MS" panose="020B0604020202020204" pitchFamily="34" charset="-128"/>
+                <a:cs typeface="Arial Unicode MS" panose="020B0604020202020204" pitchFamily="34" charset="-128"/>
+              </a:rPr>
+              <a:t>: M, F, X</a:t>
+            </a:r>
+            <a:endParaRPr sz="1600" dirty="0">
               <a:solidFill>
                 <a:srgbClr val="57068C"/>
               </a:solidFill>
@@ -16659,6 +16861,143 @@
           </a:p>
         </p:txBody>
       </p:sp>
+      <p:cxnSp>
+        <p:nvCxnSpPr>
+          <p:cNvPr id="30" name="Straight Arrow Connector 29">
+            <a:extLst>
+              <a:ext uri="{FF2B5EF4-FFF2-40B4-BE49-F238E27FC236}">
+                <a16:creationId xmlns:a16="http://schemas.microsoft.com/office/drawing/2014/main" id="{120F9BA4-199F-D3FC-684A-64CF73FA1CA7}"/>
+              </a:ext>
+            </a:extLst>
+          </p:cNvPr>
+          <p:cNvCxnSpPr>
+            <a:cxnSpLocks/>
+            <a:stCxn id="29" idx="2"/>
+          </p:cNvCxnSpPr>
+          <p:nvPr/>
+        </p:nvCxnSpPr>
+        <p:spPr>
+          <a:xfrm>
+            <a:off x="3931639" y="3328104"/>
+            <a:ext cx="9801" cy="559005"/>
+          </a:xfrm>
+          <a:prstGeom prst="straightConnector1">
+            <a:avLst/>
+          </a:prstGeom>
+          <a:ln w="28575">
+            <a:solidFill>
+              <a:srgbClr val="57068C"/>
+            </a:solidFill>
+            <a:tailEnd type="triangle"/>
+          </a:ln>
+        </p:spPr>
+        <p:style>
+          <a:lnRef idx="1">
+            <a:schemeClr val="accent1"/>
+          </a:lnRef>
+          <a:fillRef idx="0">
+            <a:schemeClr val="accent1"/>
+          </a:fillRef>
+          <a:effectRef idx="0">
+            <a:schemeClr val="accent1"/>
+          </a:effectRef>
+          <a:fontRef idx="minor">
+            <a:schemeClr val="tx1"/>
+          </a:fontRef>
+        </p:style>
+      </p:cxnSp>
+      <p:cxnSp>
+        <p:nvCxnSpPr>
+          <p:cNvPr id="33" name="Straight Arrow Connector 32">
+            <a:extLst>
+              <a:ext uri="{FF2B5EF4-FFF2-40B4-BE49-F238E27FC236}">
+                <a16:creationId xmlns:a16="http://schemas.microsoft.com/office/drawing/2014/main" id="{9CC06245-0397-80D6-8DD7-9274DCCBE158}"/>
+              </a:ext>
+            </a:extLst>
+          </p:cNvPr>
+          <p:cNvCxnSpPr>
+            <a:cxnSpLocks/>
+            <a:stCxn id="308" idx="2"/>
+            <a:endCxn id="306" idx="3"/>
+          </p:cNvCxnSpPr>
+          <p:nvPr/>
+        </p:nvCxnSpPr>
+        <p:spPr>
+          <a:xfrm flipH="1">
+            <a:off x="4466863" y="3259676"/>
+            <a:ext cx="1374459" cy="723291"/>
+          </a:xfrm>
+          <a:prstGeom prst="straightConnector1">
+            <a:avLst/>
+          </a:prstGeom>
+          <a:ln w="28575">
+            <a:solidFill>
+              <a:srgbClr val="57068C"/>
+            </a:solidFill>
+            <a:tailEnd type="triangle"/>
+          </a:ln>
+        </p:spPr>
+        <p:style>
+          <a:lnRef idx="1">
+            <a:schemeClr val="accent1"/>
+          </a:lnRef>
+          <a:fillRef idx="0">
+            <a:schemeClr val="accent1"/>
+          </a:fillRef>
+          <a:effectRef idx="0">
+            <a:schemeClr val="accent1"/>
+          </a:effectRef>
+          <a:fontRef idx="minor">
+            <a:schemeClr val="tx1"/>
+          </a:fontRef>
+        </p:style>
+      </p:cxnSp>
+      <p:cxnSp>
+        <p:nvCxnSpPr>
+          <p:cNvPr id="37" name="Straight Arrow Connector 36">
+            <a:extLst>
+              <a:ext uri="{FF2B5EF4-FFF2-40B4-BE49-F238E27FC236}">
+                <a16:creationId xmlns:a16="http://schemas.microsoft.com/office/drawing/2014/main" id="{A17A9C4D-7AAA-263A-5ED0-739BB9FBB830}"/>
+              </a:ext>
+            </a:extLst>
+          </p:cNvPr>
+          <p:cNvCxnSpPr>
+            <a:cxnSpLocks/>
+            <a:stCxn id="308" idx="2"/>
+            <a:endCxn id="11" idx="0"/>
+          </p:cNvCxnSpPr>
+          <p:nvPr/>
+        </p:nvCxnSpPr>
+        <p:spPr>
+          <a:xfrm>
+            <a:off x="5841322" y="3259676"/>
+            <a:ext cx="1116418" cy="334912"/>
+          </a:xfrm>
+          <a:prstGeom prst="straightConnector1">
+            <a:avLst/>
+          </a:prstGeom>
+          <a:ln w="28575">
+            <a:solidFill>
+              <a:srgbClr val="57068C"/>
+            </a:solidFill>
+            <a:tailEnd type="triangle"/>
+          </a:ln>
+        </p:spPr>
+        <p:style>
+          <a:lnRef idx="1">
+            <a:schemeClr val="accent1"/>
+          </a:lnRef>
+          <a:fillRef idx="0">
+            <a:schemeClr val="accent1"/>
+          </a:fillRef>
+          <a:effectRef idx="0">
+            <a:schemeClr val="accent1"/>
+          </a:effectRef>
+          <a:fontRef idx="minor">
+            <a:schemeClr val="tx1"/>
+          </a:fontRef>
+        </p:style>
+      </p:cxnSp>
     </p:spTree>
     <p:extLst>
       <p:ext uri="{BB962C8B-B14F-4D97-AF65-F5344CB8AC3E}">
@@ -16709,7 +17048,7 @@
           </a:ln>
           <a:extLst>
             <a:ext uri="{C572A759-6A51-4108-AA02-DFA0A04FC94B}">
-              <ma14:wrappingTextBoxFlag xmlns="" xmlns:ma14="http://schemas.microsoft.com/office/mac/drawingml/2011/main" val="1"/>
+              <ma14:wrappingTextBoxFlag xmlns:ma14="http://schemas.microsoft.com/office/mac/drawingml/2011/main" xmlns="" val="1"/>
             </a:ext>
           </a:extLst>
         </p:spPr>
@@ -16764,8 +17103,8 @@
         </p:nvSpPr>
         <p:spPr>
           <a:xfrm>
-            <a:off x="245637" y="895059"/>
-            <a:ext cx="5480249" cy="5893921"/>
+            <a:off x="67154" y="1714740"/>
+            <a:ext cx="4116474" cy="3772828"/>
           </a:xfrm>
           <a:prstGeom prst="rect">
             <a:avLst/>
@@ -16775,7 +17114,7 @@
           </a:ln>
           <a:extLst>
             <a:ext uri="{C572A759-6A51-4108-AA02-DFA0A04FC94B}">
-              <ma14:wrappingTextBoxFlag xmlns="" xmlns:ma14="http://schemas.microsoft.com/office/mac/drawingml/2011/main" val="1"/>
+              <ma14:wrappingTextBoxFlag xmlns:ma14="http://schemas.microsoft.com/office/mac/drawingml/2011/main" xmlns="" val="1"/>
             </a:ext>
           </a:extLst>
         </p:spPr>
@@ -16801,7 +17140,7 @@
               </a:defRPr>
             </a:pPr>
             <a:r>
-              <a:rPr sz="2600" dirty="0">
+              <a:rPr dirty="0">
                 <a:solidFill>
                   <a:schemeClr val="tx1"/>
                 </a:solidFill>
@@ -16816,7 +17155,7 @@
               <a:t>An attribute whose value is unique </a:t>
             </a:r>
             <a:r>
-              <a:rPr lang="en-US" sz="2600" dirty="0">
+              <a:rPr lang="en-US" dirty="0">
                 <a:solidFill>
                   <a:schemeClr val="tx1"/>
                 </a:solidFill>
@@ -16831,7 +17170,7 @@
               <a:t>for</a:t>
             </a:r>
             <a:r>
-              <a:rPr sz="2600" dirty="0">
+              <a:rPr dirty="0">
                 <a:solidFill>
                   <a:schemeClr val="tx1"/>
                 </a:solidFill>
@@ -16846,7 +17185,7 @@
               <a:t> each </a:t>
             </a:r>
             <a:r>
-              <a:rPr lang="en-US" sz="2600" dirty="0">
+              <a:rPr lang="en-US" dirty="0">
                 <a:solidFill>
                   <a:schemeClr val="tx1"/>
                 </a:solidFill>
@@ -16861,7 +17200,7 @@
               <a:t>separate </a:t>
             </a:r>
             <a:r>
-              <a:rPr sz="2600" dirty="0">
+              <a:rPr dirty="0">
                 <a:solidFill>
                   <a:schemeClr val="tx1"/>
                 </a:solidFill>
@@ -16891,7 +17230,7 @@
               </a:defRPr>
             </a:pPr>
             <a:r>
-              <a:rPr sz="2600" b="1" dirty="0">
+              <a:rPr b="1" dirty="0">
                 <a:solidFill>
                   <a:schemeClr val="tx1"/>
                 </a:solidFill>
@@ -16906,7 +17245,7 @@
               <a:t>Student id </a:t>
             </a:r>
             <a:r>
-              <a:rPr sz="2600" dirty="0">
+              <a:rPr dirty="0">
                 <a:solidFill>
                   <a:schemeClr val="tx1"/>
                 </a:solidFill>
@@ -16920,7 +17259,7 @@
               </a:rPr>
               <a:t>in the students entity </a:t>
             </a:r>
-            <a:endParaRPr lang="en-US" sz="2600" dirty="0">
+            <a:endParaRPr lang="en-US" dirty="0">
               <a:solidFill>
                 <a:schemeClr val="tx1"/>
               </a:solidFill>
@@ -16947,7 +17286,7 @@
                 <a:uFillTx/>
               </a:defRPr>
             </a:pPr>
-            <a:endParaRPr lang="en-US" sz="2600" dirty="0">
+            <a:endParaRPr lang="en-US" dirty="0">
               <a:solidFill>
                 <a:schemeClr val="tx1"/>
               </a:solidFill>
@@ -16977,7 +17316,7 @@
               </a:defRPr>
             </a:pPr>
             <a:r>
-              <a:rPr lang="en-US" sz="2600" dirty="0">
+              <a:rPr lang="en-US" dirty="0">
                 <a:solidFill>
                   <a:schemeClr val="tx1"/>
                 </a:solidFill>
@@ -17004,7 +17343,7 @@
               </a:defRPr>
             </a:pPr>
             <a:r>
-              <a:rPr lang="en-US" sz="2600" b="1" dirty="0">
+              <a:rPr lang="en-US" b="1" dirty="0">
                 <a:solidFill>
                   <a:schemeClr val="tx1"/>
                 </a:solidFill>
@@ -17016,7 +17355,7 @@
               <a:t>Course id  and section id </a:t>
             </a:r>
             <a:r>
-              <a:rPr lang="en-US" sz="2600" dirty="0">
+              <a:rPr lang="en-US" dirty="0">
                 <a:solidFill>
                   <a:schemeClr val="tx1"/>
                 </a:solidFill>
@@ -17042,7 +17381,7 @@
                 <a:uFillTx/>
               </a:defRPr>
             </a:pPr>
-            <a:endParaRPr lang="en-US" sz="2600" dirty="0">
+            <a:endParaRPr lang="en-US" dirty="0">
               <a:solidFill>
                 <a:schemeClr val="tx1"/>
               </a:solidFill>
@@ -17051,32 +17390,6 @@
               <a:cs typeface="Arial Unicode MS" panose="020B0604020202020204" pitchFamily="34" charset="-128"/>
               <a:sym typeface="Iowan Old Style Roman"/>
             </a:endParaRPr>
-          </a:p>
-          <a:p>
-            <a:pPr marL="381000" algn="ctr">
-              <a:spcBef>
-                <a:spcPts val="700"/>
-              </a:spcBef>
-              <a:buSzPct val="100000"/>
-              <a:defRPr sz="1800">
-                <a:solidFill>
-                  <a:srgbClr val="000000"/>
-                </a:solidFill>
-                <a:uFillTx/>
-              </a:defRPr>
-            </a:pPr>
-            <a:r>
-              <a:rPr lang="en-US" sz="3600" b="1" dirty="0">
-                <a:solidFill>
-                  <a:srgbClr val="57068C"/>
-                </a:solidFill>
-                <a:latin typeface="Arial Unicode MS" panose="020B0604020202020204" pitchFamily="34" charset="-128"/>
-                <a:ea typeface="Arial Unicode MS" panose="020B0604020202020204" pitchFamily="34" charset="-128"/>
-                <a:cs typeface="Arial Unicode MS" panose="020B0604020202020204" pitchFamily="34" charset="-128"/>
-                <a:sym typeface="Iowan Old Style Roman"/>
-              </a:rPr>
-              <a:t>Other Examples?</a:t>
-            </a:r>
           </a:p>
         </p:txBody>
       </p:sp>
@@ -17099,7 +17412,7 @@
           </a:ln>
           <a:extLst>
             <a:ext uri="{C572A759-6A51-4108-AA02-DFA0A04FC94B}">
-              <ma14:wrappingTextBoxFlag xmlns="" xmlns:ma14="http://schemas.microsoft.com/office/mac/drawingml/2011/main" val="1"/>
+              <ma14:wrappingTextBoxFlag xmlns:ma14="http://schemas.microsoft.com/office/mac/drawingml/2011/main" xmlns="" val="1"/>
             </a:ext>
           </a:extLst>
         </p:spPr>
@@ -17135,478 +17448,6 @@
               <a:ea typeface="Arial Unicode MS" panose="020B0604020202020204" pitchFamily="34" charset="-128"/>
               <a:cs typeface="Arial Unicode MS" panose="020B0604020202020204" pitchFamily="34" charset="-128"/>
               <a:sym typeface="Iowan Old Style Roman"/>
-            </a:endParaRPr>
-          </a:p>
-        </p:txBody>
-      </p:sp>
-      <p:sp>
-        <p:nvSpPr>
-          <p:cNvPr id="5" name="Shape 330"/>
-          <p:cNvSpPr/>
-          <p:nvPr/>
-        </p:nvSpPr>
-        <p:spPr>
-          <a:xfrm>
-            <a:off x="6401482" y="2229082"/>
-            <a:ext cx="1905001" cy="1168336"/>
-          </a:xfrm>
-          <a:prstGeom prst="rect">
-            <a:avLst/>
-          </a:prstGeom>
-          <a:solidFill>
-            <a:srgbClr val="EBEBEB"/>
-          </a:solidFill>
-          <a:ln w="25400">
-            <a:solidFill>
-              <a:srgbClr val="011993"/>
-            </a:solidFill>
-            <a:round/>
-          </a:ln>
-          <a:extLst>
-            <a:ext uri="{C572A759-6A51-4108-AA02-DFA0A04FC94B}">
-              <ma14:wrappingTextBoxFlag xmlns="" xmlns:ma14="http://schemas.microsoft.com/office/mac/drawingml/2011/main" val="1"/>
-            </a:ext>
-          </a:extLst>
-        </p:spPr>
-        <p:txBody>
-          <a:bodyPr lIns="0" tIns="0" rIns="0" bIns="0"/>
-          <a:lstStyle/>
-          <a:p>
-            <a:pPr lvl="0">
-              <a:defRPr sz="1800">
-                <a:solidFill>
-                  <a:srgbClr val="000000"/>
-                </a:solidFill>
-                <a:uFillTx/>
-              </a:defRPr>
-            </a:pPr>
-            <a:r>
-              <a:rPr u="sng" dirty="0">
-                <a:solidFill>
-                  <a:schemeClr val="tx1"/>
-                </a:solidFill>
-                <a:uFill>
-                  <a:solidFill/>
-                </a:uFill>
-                <a:latin typeface="Arial Unicode MS" panose="020B0604020202020204" pitchFamily="34" charset="-128"/>
-                <a:ea typeface="Arial Unicode MS" panose="020B0604020202020204" pitchFamily="34" charset="-128"/>
-                <a:cs typeface="Arial Unicode MS" panose="020B0604020202020204" pitchFamily="34" charset="-128"/>
-                <a:sym typeface="Arial"/>
-              </a:rPr>
-              <a:t>Student Id</a:t>
-            </a:r>
-          </a:p>
-          <a:p>
-            <a:pPr lvl="0">
-              <a:defRPr sz="1800">
-                <a:solidFill>
-                  <a:srgbClr val="000000"/>
-                </a:solidFill>
-                <a:uFillTx/>
-              </a:defRPr>
-            </a:pPr>
-            <a:r>
-              <a:rPr dirty="0">
-                <a:solidFill>
-                  <a:schemeClr val="tx1"/>
-                </a:solidFill>
-                <a:uFill>
-                  <a:solidFill/>
-                </a:uFill>
-                <a:latin typeface="Arial Unicode MS" panose="020B0604020202020204" pitchFamily="34" charset="-128"/>
-                <a:ea typeface="Arial Unicode MS" panose="020B0604020202020204" pitchFamily="34" charset="-128"/>
-                <a:cs typeface="Arial Unicode MS" panose="020B0604020202020204" pitchFamily="34" charset="-128"/>
-                <a:sym typeface="Arial"/>
-              </a:rPr>
-              <a:t>Student name </a:t>
-            </a:r>
-            <a:endParaRPr lang="en-US" dirty="0">
-              <a:solidFill>
-                <a:schemeClr val="tx1"/>
-              </a:solidFill>
-              <a:uFill>
-                <a:solidFill/>
-              </a:uFill>
-              <a:latin typeface="Arial Unicode MS" panose="020B0604020202020204" pitchFamily="34" charset="-128"/>
-              <a:ea typeface="Arial Unicode MS" panose="020B0604020202020204" pitchFamily="34" charset="-128"/>
-              <a:cs typeface="Arial Unicode MS" panose="020B0604020202020204" pitchFamily="34" charset="-128"/>
-              <a:sym typeface="Arial"/>
-            </a:endParaRPr>
-          </a:p>
-          <a:p>
-            <a:pPr lvl="0">
-              <a:defRPr sz="1800">
-                <a:solidFill>
-                  <a:srgbClr val="000000"/>
-                </a:solidFill>
-                <a:uFillTx/>
-              </a:defRPr>
-            </a:pPr>
-            <a:r>
-              <a:rPr dirty="0">
-                <a:solidFill>
-                  <a:schemeClr val="tx1"/>
-                </a:solidFill>
-                <a:uFill>
-                  <a:solidFill/>
-                </a:uFill>
-                <a:latin typeface="Arial Unicode MS" panose="020B0604020202020204" pitchFamily="34" charset="-128"/>
-                <a:ea typeface="Arial Unicode MS" panose="020B0604020202020204" pitchFamily="34" charset="-128"/>
-                <a:cs typeface="Arial Unicode MS" panose="020B0604020202020204" pitchFamily="34" charset="-128"/>
-                <a:sym typeface="Arial"/>
-              </a:rPr>
-              <a:t>Age </a:t>
-            </a:r>
-          </a:p>
-          <a:p>
-            <a:pPr lvl="0">
-              <a:defRPr sz="1800">
-                <a:solidFill>
-                  <a:srgbClr val="000000"/>
-                </a:solidFill>
-                <a:uFillTx/>
-              </a:defRPr>
-            </a:pPr>
-            <a:r>
-              <a:rPr dirty="0">
-                <a:solidFill>
-                  <a:schemeClr val="tx1"/>
-                </a:solidFill>
-                <a:uFill>
-                  <a:solidFill/>
-                </a:uFill>
-                <a:latin typeface="Arial Unicode MS" panose="020B0604020202020204" pitchFamily="34" charset="-128"/>
-                <a:ea typeface="Arial Unicode MS" panose="020B0604020202020204" pitchFamily="34" charset="-128"/>
-                <a:cs typeface="Arial Unicode MS" panose="020B0604020202020204" pitchFamily="34" charset="-128"/>
-                <a:sym typeface="Arial"/>
-              </a:rPr>
-              <a:t>Sex</a:t>
-            </a:r>
-          </a:p>
-        </p:txBody>
-      </p:sp>
-      <p:sp>
-        <p:nvSpPr>
-          <p:cNvPr id="6" name="Shape 331"/>
-          <p:cNvSpPr/>
-          <p:nvPr/>
-        </p:nvSpPr>
-        <p:spPr>
-          <a:xfrm>
-            <a:off x="6401482" y="1878289"/>
-            <a:ext cx="1905001" cy="349820"/>
-          </a:xfrm>
-          <a:prstGeom prst="rect">
-            <a:avLst/>
-          </a:prstGeom>
-          <a:solidFill>
-            <a:srgbClr val="C0C0C0"/>
-          </a:solidFill>
-          <a:ln w="25400">
-            <a:solidFill>
-              <a:srgbClr val="011993"/>
-            </a:solidFill>
-            <a:round/>
-          </a:ln>
-          <a:extLst>
-            <a:ext uri="{C572A759-6A51-4108-AA02-DFA0A04FC94B}">
-              <ma14:wrappingTextBoxFlag xmlns="" xmlns:ma14="http://schemas.microsoft.com/office/mac/drawingml/2011/main" val="1"/>
-            </a:ext>
-          </a:extLst>
-        </p:spPr>
-        <p:txBody>
-          <a:bodyPr lIns="0" tIns="0" rIns="0" bIns="0"/>
-          <a:lstStyle>
-            <a:lvl1pPr algn="ctr">
-              <a:defRPr sz="1800">
-                <a:solidFill>
-                  <a:srgbClr val="011993"/>
-                </a:solidFill>
-                <a:latin typeface="+mn-lt"/>
-                <a:ea typeface="+mn-ea"/>
-                <a:cs typeface="+mn-cs"/>
-                <a:sym typeface="Arial"/>
-              </a:defRPr>
-            </a:lvl1pPr>
-          </a:lstStyle>
-          <a:p>
-            <a:pPr lvl="0">
-              <a:defRPr>
-                <a:solidFill>
-                  <a:srgbClr val="000000"/>
-                </a:solidFill>
-                <a:uFillTx/>
-              </a:defRPr>
-            </a:pPr>
-            <a:r>
-              <a:rPr dirty="0">
-                <a:solidFill>
-                  <a:schemeClr val="tx1"/>
-                </a:solidFill>
-                <a:uFill>
-                  <a:solidFill/>
-                </a:uFill>
-                <a:latin typeface="Arial Unicode MS" panose="020B0604020202020204" pitchFamily="34" charset="-128"/>
-              </a:rPr>
-              <a:t>Students</a:t>
-            </a:r>
-          </a:p>
-        </p:txBody>
-      </p:sp>
-      <p:sp>
-        <p:nvSpPr>
-          <p:cNvPr id="7" name="Shape 332"/>
-          <p:cNvSpPr/>
-          <p:nvPr/>
-        </p:nvSpPr>
-        <p:spPr>
-          <a:xfrm>
-            <a:off x="6299882" y="4781374"/>
-            <a:ext cx="2108201" cy="1168336"/>
-          </a:xfrm>
-          <a:prstGeom prst="rect">
-            <a:avLst/>
-          </a:prstGeom>
-          <a:solidFill>
-            <a:srgbClr val="EBEBEB"/>
-          </a:solidFill>
-          <a:ln w="25400">
-            <a:solidFill>
-              <a:srgbClr val="011993"/>
-            </a:solidFill>
-            <a:round/>
-          </a:ln>
-          <a:extLst>
-            <a:ext uri="{C572A759-6A51-4108-AA02-DFA0A04FC94B}">
-              <ma14:wrappingTextBoxFlag xmlns="" xmlns:ma14="http://schemas.microsoft.com/office/mac/drawingml/2011/main" val="1"/>
-            </a:ext>
-          </a:extLst>
-        </p:spPr>
-        <p:txBody>
-          <a:bodyPr lIns="0" tIns="0" rIns="0" bIns="0"/>
-          <a:lstStyle/>
-          <a:p>
-            <a:pPr lvl="0">
-              <a:defRPr sz="1800">
-                <a:solidFill>
-                  <a:srgbClr val="000000"/>
-                </a:solidFill>
-                <a:uFillTx/>
-              </a:defRPr>
-            </a:pPr>
-            <a:r>
-              <a:rPr u="sng" dirty="0">
-                <a:solidFill>
-                  <a:schemeClr val="tx1"/>
-                </a:solidFill>
-                <a:uFill>
-                  <a:solidFill/>
-                </a:uFill>
-                <a:latin typeface="Arial Unicode MS" panose="020B0604020202020204" pitchFamily="34" charset="-128"/>
-                <a:ea typeface="Arial Unicode MS" panose="020B0604020202020204" pitchFamily="34" charset="-128"/>
-                <a:cs typeface="Arial Unicode MS" panose="020B0604020202020204" pitchFamily="34" charset="-128"/>
-                <a:sym typeface="Arial"/>
-              </a:rPr>
-              <a:t>Course Id</a:t>
-            </a:r>
-          </a:p>
-          <a:p>
-            <a:pPr lvl="0">
-              <a:defRPr sz="1800">
-                <a:solidFill>
-                  <a:srgbClr val="000000"/>
-                </a:solidFill>
-                <a:uFillTx/>
-              </a:defRPr>
-            </a:pPr>
-            <a:r>
-              <a:rPr u="sng" dirty="0">
-                <a:solidFill>
-                  <a:schemeClr val="tx1"/>
-                </a:solidFill>
-                <a:uFill>
-                  <a:solidFill/>
-                </a:uFill>
-                <a:latin typeface="Arial Unicode MS" panose="020B0604020202020204" pitchFamily="34" charset="-128"/>
-                <a:ea typeface="Arial Unicode MS" panose="020B0604020202020204" pitchFamily="34" charset="-128"/>
-                <a:cs typeface="Arial Unicode MS" panose="020B0604020202020204" pitchFamily="34" charset="-128"/>
-                <a:sym typeface="Arial"/>
-              </a:rPr>
-              <a:t>Section Id</a:t>
-            </a:r>
-          </a:p>
-          <a:p>
-            <a:pPr lvl="0">
-              <a:defRPr sz="1800">
-                <a:solidFill>
-                  <a:srgbClr val="000000"/>
-                </a:solidFill>
-                <a:uFillTx/>
-              </a:defRPr>
-            </a:pPr>
-            <a:r>
-              <a:rPr dirty="0">
-                <a:solidFill>
-                  <a:schemeClr val="tx1"/>
-                </a:solidFill>
-                <a:uFill>
-                  <a:solidFill/>
-                </a:uFill>
-                <a:latin typeface="Arial Unicode MS" panose="020B0604020202020204" pitchFamily="34" charset="-128"/>
-                <a:ea typeface="Arial Unicode MS" panose="020B0604020202020204" pitchFamily="34" charset="-128"/>
-                <a:cs typeface="Arial Unicode MS" panose="020B0604020202020204" pitchFamily="34" charset="-128"/>
-                <a:sym typeface="Arial"/>
-              </a:rPr>
-              <a:t>Course Description</a:t>
-            </a:r>
-          </a:p>
-          <a:p>
-            <a:pPr lvl="0">
-              <a:defRPr sz="1800">
-                <a:solidFill>
-                  <a:srgbClr val="000000"/>
-                </a:solidFill>
-                <a:uFillTx/>
-              </a:defRPr>
-            </a:pPr>
-            <a:r>
-              <a:rPr dirty="0">
-                <a:solidFill>
-                  <a:schemeClr val="tx1"/>
-                </a:solidFill>
-                <a:uFill>
-                  <a:solidFill/>
-                </a:uFill>
-                <a:latin typeface="Arial Unicode MS" panose="020B0604020202020204" pitchFamily="34" charset="-128"/>
-                <a:ea typeface="Arial Unicode MS" panose="020B0604020202020204" pitchFamily="34" charset="-128"/>
-                <a:cs typeface="Arial Unicode MS" panose="020B0604020202020204" pitchFamily="34" charset="-128"/>
-                <a:sym typeface="Arial"/>
-              </a:rPr>
-              <a:t>Location</a:t>
-            </a:r>
-          </a:p>
-        </p:txBody>
-      </p:sp>
-      <p:sp>
-        <p:nvSpPr>
-          <p:cNvPr id="8" name="Shape 333"/>
-          <p:cNvSpPr/>
-          <p:nvPr/>
-        </p:nvSpPr>
-        <p:spPr>
-          <a:xfrm>
-            <a:off x="6299882" y="4430581"/>
-            <a:ext cx="2108201" cy="349820"/>
-          </a:xfrm>
-          <a:prstGeom prst="rect">
-            <a:avLst/>
-          </a:prstGeom>
-          <a:solidFill>
-            <a:srgbClr val="C0C0C0"/>
-          </a:solidFill>
-          <a:ln w="25400">
-            <a:solidFill>
-              <a:srgbClr val="011993"/>
-            </a:solidFill>
-            <a:round/>
-          </a:ln>
-          <a:extLst>
-            <a:ext uri="{C572A759-6A51-4108-AA02-DFA0A04FC94B}">
-              <ma14:wrappingTextBoxFlag xmlns="" xmlns:ma14="http://schemas.microsoft.com/office/mac/drawingml/2011/main" val="1"/>
-            </a:ext>
-          </a:extLst>
-        </p:spPr>
-        <p:txBody>
-          <a:bodyPr lIns="0" tIns="0" rIns="0" bIns="0"/>
-          <a:lstStyle>
-            <a:lvl1pPr algn="ctr">
-              <a:defRPr sz="1800">
-                <a:solidFill>
-                  <a:srgbClr val="011993"/>
-                </a:solidFill>
-                <a:latin typeface="+mn-lt"/>
-                <a:ea typeface="+mn-ea"/>
-                <a:cs typeface="+mn-cs"/>
-                <a:sym typeface="Arial"/>
-              </a:defRPr>
-            </a:lvl1pPr>
-          </a:lstStyle>
-          <a:p>
-            <a:pPr lvl="0">
-              <a:defRPr>
-                <a:solidFill>
-                  <a:srgbClr val="000000"/>
-                </a:solidFill>
-                <a:uFillTx/>
-              </a:defRPr>
-            </a:pPr>
-            <a:r>
-              <a:rPr dirty="0">
-                <a:solidFill>
-                  <a:schemeClr val="tx1"/>
-                </a:solidFill>
-                <a:uFill>
-                  <a:solidFill/>
-                </a:uFill>
-                <a:latin typeface="Arial Unicode MS" panose="020B0604020202020204" pitchFamily="34" charset="-128"/>
-              </a:rPr>
-              <a:t>Courses</a:t>
-            </a:r>
-          </a:p>
-        </p:txBody>
-      </p:sp>
-      <p:sp>
-        <p:nvSpPr>
-          <p:cNvPr id="11" name="Shape 339"/>
-          <p:cNvSpPr/>
-          <p:nvPr/>
-        </p:nvSpPr>
-        <p:spPr>
-          <a:xfrm flipH="1" flipV="1">
-            <a:off x="7608374" y="5273335"/>
-            <a:ext cx="621225" cy="874444"/>
-          </a:xfrm>
-          <a:prstGeom prst="line">
-            <a:avLst/>
-          </a:prstGeom>
-          <a:ln w="25400">
-            <a:solidFill>
-              <a:srgbClr val="011993"/>
-            </a:solidFill>
-            <a:round/>
-            <a:tailEnd type="triangle"/>
-          </a:ln>
-          <a:effectLst>
-            <a:outerShdw blurRad="38100" dist="20000" dir="5400000" rotWithShape="0">
-              <a:srgbClr val="000000">
-                <a:alpha val="38000"/>
-              </a:srgbClr>
-            </a:outerShdw>
-          </a:effectLst>
-        </p:spPr>
-        <p:txBody>
-          <a:bodyPr lIns="0" tIns="0" rIns="0" bIns="0"/>
-          <a:lstStyle/>
-          <a:p>
-            <a:pPr lvl="0" defTabSz="457200">
-              <a:defRPr sz="1200">
-                <a:solidFill>
-                  <a:srgbClr val="000000"/>
-                </a:solidFill>
-                <a:uFillTx/>
-                <a:latin typeface="+mj-lt"/>
-                <a:ea typeface="+mj-ea"/>
-                <a:cs typeface="+mj-cs"/>
-                <a:sym typeface="Helvetica"/>
-              </a:defRPr>
-            </a:pPr>
-            <a:endParaRPr dirty="0">
-              <a:solidFill>
-                <a:schemeClr val="tx1"/>
-              </a:solidFill>
-              <a:latin typeface="Arial Unicode MS" panose="020B0604020202020204" pitchFamily="34" charset="-128"/>
-              <a:ea typeface="Arial Unicode MS" panose="020B0604020202020204" pitchFamily="34" charset="-128"/>
-              <a:cs typeface="Arial Unicode MS" panose="020B0604020202020204" pitchFamily="34" charset="-128"/>
             </a:endParaRPr>
           </a:p>
         </p:txBody>
@@ -17630,7 +17471,7 @@
           </a:ln>
           <a:extLst>
             <a:ext uri="{C572A759-6A51-4108-AA02-DFA0A04FC94B}">
-              <ma14:wrappingTextBoxFlag xmlns="" xmlns:ma14="http://schemas.microsoft.com/office/mac/drawingml/2011/main" val="1"/>
+              <ma14:wrappingTextBoxFlag xmlns:ma14="http://schemas.microsoft.com/office/mac/drawingml/2011/main" xmlns="" val="1"/>
             </a:ext>
           </a:extLst>
         </p:spPr>
@@ -17691,98 +17532,121 @@
           </a:p>
         </p:txBody>
       </p:sp>
+      <p:pic>
+        <p:nvPicPr>
+          <p:cNvPr id="3" name="Picture 2">
+            <a:extLst>
+              <a:ext uri="{FF2B5EF4-FFF2-40B4-BE49-F238E27FC236}">
+                <a16:creationId xmlns:a16="http://schemas.microsoft.com/office/drawing/2014/main" id="{BD0CF40A-C8B7-FEE3-30DB-2802FE6AFDCB}"/>
+              </a:ext>
+            </a:extLst>
+          </p:cNvPr>
+          <p:cNvPicPr>
+            <a:picLocks noChangeAspect="1"/>
+          </p:cNvPicPr>
+          <p:nvPr/>
+        </p:nvPicPr>
+        <p:blipFill>
+          <a:blip r:embed="rId4"/>
+          <a:stretch>
+            <a:fillRect/>
+          </a:stretch>
+        </p:blipFill>
+        <p:spPr>
+          <a:xfrm>
+            <a:off x="4540595" y="609161"/>
+            <a:ext cx="4463996" cy="1995669"/>
+          </a:xfrm>
+          <a:prstGeom prst="rect">
+            <a:avLst/>
+          </a:prstGeom>
+        </p:spPr>
+      </p:pic>
       <p:sp>
         <p:nvSpPr>
-          <p:cNvPr id="13" name="Shape 341"/>
-          <p:cNvSpPr/>
+          <p:cNvPr id="9" name="TextBox 8">
+            <a:extLst>
+              <a:ext uri="{FF2B5EF4-FFF2-40B4-BE49-F238E27FC236}">
+                <a16:creationId xmlns:a16="http://schemas.microsoft.com/office/drawing/2014/main" id="{BB231F9F-7AAF-C08D-F9C4-1AF6DA68D6BE}"/>
+              </a:ext>
+            </a:extLst>
+          </p:cNvPr>
+          <p:cNvSpPr txBox="1"/>
           <p:nvPr/>
         </p:nvSpPr>
         <p:spPr>
           <a:xfrm>
-            <a:off x="5956917" y="4764797"/>
-            <a:ext cx="1674886" cy="647267"/>
+            <a:off x="-365213" y="6147779"/>
+            <a:ext cx="4573820" cy="400110"/>
           </a:xfrm>
-          <a:custGeom>
+          <a:prstGeom prst="rect">
             <a:avLst/>
-            <a:gdLst/>
-            <a:ahLst/>
-            <a:cxnLst>
-              <a:cxn ang="0">
-                <a:pos x="wd2" y="hd2"/>
-              </a:cxn>
-              <a:cxn ang="5400000">
-                <a:pos x="wd2" y="hd2"/>
-              </a:cxn>
-              <a:cxn ang="10800000">
-                <a:pos x="wd2" y="hd2"/>
-              </a:cxn>
-              <a:cxn ang="16200000">
-                <a:pos x="wd2" y="hd2"/>
-              </a:cxn>
-            </a:cxnLst>
-            <a:rect l="0" t="0" r="r" b="b"/>
-            <a:pathLst>
-              <a:path w="19679" h="19679" extrusionOk="0">
-                <a:moveTo>
-                  <a:pt x="16796" y="2882"/>
-                </a:moveTo>
-                <a:cubicBezTo>
-                  <a:pt x="20639" y="6724"/>
-                  <a:pt x="20639" y="12954"/>
-                  <a:pt x="16796" y="16796"/>
-                </a:cubicBezTo>
-                <a:cubicBezTo>
-                  <a:pt x="12954" y="20639"/>
-                  <a:pt x="6724" y="20639"/>
-                  <a:pt x="2882" y="16796"/>
-                </a:cubicBezTo>
-                <a:cubicBezTo>
-                  <a:pt x="-961" y="12954"/>
-                  <a:pt x="-961" y="6724"/>
-                  <a:pt x="2882" y="2882"/>
-                </a:cubicBezTo>
-                <a:cubicBezTo>
-                  <a:pt x="6724" y="-961"/>
-                  <a:pt x="12954" y="-961"/>
-                  <a:pt x="16796" y="2882"/>
-                </a:cubicBezTo>
-                <a:close/>
-              </a:path>
-            </a:pathLst>
-          </a:custGeom>
-          <a:ln w="25400">
-            <a:solidFill>
-              <a:srgbClr val="011993"/>
-            </a:solidFill>
-            <a:round/>
-          </a:ln>
+          </a:prstGeom>
+          <a:noFill/>
         </p:spPr>
         <p:txBody>
-          <a:bodyPr lIns="0" tIns="0" rIns="0" bIns="0"/>
+          <a:bodyPr wrap="square">
+            <a:spAutoFit/>
+          </a:bodyPr>
           <a:lstStyle/>
           <a:p>
-            <a:pPr lvl="0">
+            <a:pPr marL="381000" algn="ctr">
+              <a:spcBef>
+                <a:spcPts val="700"/>
+              </a:spcBef>
+              <a:buSzPct val="100000"/>
               <a:defRPr sz="1800">
                 <a:solidFill>
                   <a:srgbClr val="000000"/>
                 </a:solidFill>
-                <a:latin typeface="+mn-lt"/>
-                <a:ea typeface="+mn-ea"/>
-                <a:cs typeface="+mn-cs"/>
-                <a:sym typeface="Arial"/>
+                <a:uFillTx/>
               </a:defRPr>
             </a:pPr>
-            <a:endParaRPr dirty="0">
-              <a:solidFill>
-                <a:schemeClr val="tx1"/>
-              </a:solidFill>
-              <a:latin typeface="Arial Unicode MS" panose="020B0604020202020204" pitchFamily="34" charset="-128"/>
-              <a:ea typeface="Arial Unicode MS" panose="020B0604020202020204" pitchFamily="34" charset="-128"/>
-              <a:cs typeface="Arial Unicode MS" panose="020B0604020202020204" pitchFamily="34" charset="-128"/>
-            </a:endParaRPr>
+            <a:r>
+              <a:rPr lang="en-US" sz="2000" b="1" dirty="0">
+                <a:solidFill>
+                  <a:srgbClr val="57068C"/>
+                </a:solidFill>
+                <a:latin typeface="Arial Unicode MS" panose="020B0604020202020204" pitchFamily="34" charset="-128"/>
+                <a:ea typeface="Arial Unicode MS" panose="020B0604020202020204" pitchFamily="34" charset="-128"/>
+                <a:cs typeface="Arial Unicode MS" panose="020B0604020202020204" pitchFamily="34" charset="-128"/>
+                <a:sym typeface="Iowan Old Style Roman"/>
+              </a:rPr>
+              <a:t>Other Examples?</a:t>
+            </a:r>
           </a:p>
         </p:txBody>
       </p:sp>
+      <p:pic>
+        <p:nvPicPr>
+          <p:cNvPr id="14" name="Picture 13">
+            <a:extLst>
+              <a:ext uri="{FF2B5EF4-FFF2-40B4-BE49-F238E27FC236}">
+                <a16:creationId xmlns:a16="http://schemas.microsoft.com/office/drawing/2014/main" id="{4787FCCF-0C2D-B00B-AC66-FFAFEC5C5414}"/>
+              </a:ext>
+            </a:extLst>
+          </p:cNvPr>
+          <p:cNvPicPr>
+            <a:picLocks noChangeAspect="1"/>
+          </p:cNvPicPr>
+          <p:nvPr/>
+        </p:nvPicPr>
+        <p:blipFill>
+          <a:blip r:embed="rId5"/>
+          <a:stretch>
+            <a:fillRect/>
+          </a:stretch>
+        </p:blipFill>
+        <p:spPr>
+          <a:xfrm>
+            <a:off x="4362111" y="3227735"/>
+            <a:ext cx="4677747" cy="1995669"/>
+          </a:xfrm>
+          <a:prstGeom prst="rect">
+            <a:avLst/>
+          </a:prstGeom>
+        </p:spPr>
+      </p:pic>
     </p:spTree>
   </p:cSld>
   <p:clrMapOvr>
@@ -17809,6 +17673,36 @@
           <a:chExt cx="0" cy="0"/>
         </a:xfrm>
       </p:grpSpPr>
+      <p:pic>
+        <p:nvPicPr>
+          <p:cNvPr id="4" name="Picture 3">
+            <a:extLst>
+              <a:ext uri="{FF2B5EF4-FFF2-40B4-BE49-F238E27FC236}">
+                <a16:creationId xmlns:a16="http://schemas.microsoft.com/office/drawing/2014/main" id="{4F16526B-445F-CFF3-D256-13572DEE5263}"/>
+              </a:ext>
+            </a:extLst>
+          </p:cNvPr>
+          <p:cNvPicPr>
+            <a:picLocks noChangeAspect="1"/>
+          </p:cNvPicPr>
+          <p:nvPr/>
+        </p:nvPicPr>
+        <p:blipFill>
+          <a:blip r:embed="rId3"/>
+          <a:stretch>
+            <a:fillRect/>
+          </a:stretch>
+        </p:blipFill>
+        <p:spPr>
+          <a:xfrm>
+            <a:off x="105648" y="2621129"/>
+            <a:ext cx="8812484" cy="2544189"/>
+          </a:xfrm>
+          <a:prstGeom prst="rect">
+            <a:avLst/>
+          </a:prstGeom>
+        </p:spPr>
+      </p:pic>
       <p:sp>
         <p:nvSpPr>
           <p:cNvPr id="354" name="Shape 354"/>
@@ -17828,7 +17722,7 @@
           </a:ln>
           <a:extLst>
             <a:ext uri="{C572A759-6A51-4108-AA02-DFA0A04FC94B}">
-              <ma14:wrappingTextBoxFlag xmlns="" xmlns:ma14="http://schemas.microsoft.com/office/mac/drawingml/2011/main" val="1"/>
+              <ma14:wrappingTextBoxFlag xmlns:ma14="http://schemas.microsoft.com/office/mac/drawingml/2011/main" xmlns="" val="1"/>
             </a:ext>
           </a:extLst>
         </p:spPr>
@@ -17894,7 +17788,7 @@
           </a:ln>
           <a:extLst>
             <a:ext uri="{C572A759-6A51-4108-AA02-DFA0A04FC94B}">
-              <ma14:wrappingTextBoxFlag xmlns="" xmlns:ma14="http://schemas.microsoft.com/office/mac/drawingml/2011/main" val="1"/>
+              <ma14:wrappingTextBoxFlag xmlns:ma14="http://schemas.microsoft.com/office/mac/drawingml/2011/main" xmlns="" val="1"/>
             </a:ext>
           </a:extLst>
         </p:spPr>
@@ -17910,7 +17804,7 @@
               </a:spcBef>
               <a:buSzPct val="50000"/>
               <a:buBlip>
-                <a:blip r:embed="rId3"/>
+                <a:blip r:embed="rId4"/>
               </a:buBlip>
               <a:defRPr sz="1800">
                 <a:solidFill>
@@ -18024,492 +17918,6 @@
               </a:rPr>
               <a:t> is a relationship) </a:t>
             </a:r>
-          </a:p>
-        </p:txBody>
-      </p:sp>
-      <p:sp>
-        <p:nvSpPr>
-          <p:cNvPr id="356" name="Shape 356"/>
-          <p:cNvSpPr/>
-          <p:nvPr/>
-        </p:nvSpPr>
-        <p:spPr>
-          <a:xfrm>
-            <a:off x="689340" y="3004868"/>
-            <a:ext cx="1905001" cy="1168336"/>
-          </a:xfrm>
-          <a:prstGeom prst="rect">
-            <a:avLst/>
-          </a:prstGeom>
-          <a:solidFill>
-            <a:srgbClr val="EBEBEB"/>
-          </a:solidFill>
-          <a:ln w="25400">
-            <a:solidFill>
-              <a:srgbClr val="011993"/>
-            </a:solidFill>
-            <a:round/>
-          </a:ln>
-          <a:extLst>
-            <a:ext uri="{C572A759-6A51-4108-AA02-DFA0A04FC94B}">
-              <ma14:wrappingTextBoxFlag xmlns="" xmlns:ma14="http://schemas.microsoft.com/office/mac/drawingml/2011/main" val="1"/>
-            </a:ext>
-          </a:extLst>
-        </p:spPr>
-        <p:txBody>
-          <a:bodyPr lIns="0" tIns="0" rIns="0" bIns="0"/>
-          <a:lstStyle/>
-          <a:p>
-            <a:pPr lvl="0">
-              <a:defRPr sz="1800">
-                <a:solidFill>
-                  <a:srgbClr val="000000"/>
-                </a:solidFill>
-                <a:uFillTx/>
-              </a:defRPr>
-            </a:pPr>
-            <a:r>
-              <a:rPr u="sng" dirty="0">
-                <a:solidFill>
-                  <a:schemeClr val="tx1"/>
-                </a:solidFill>
-                <a:uFill>
-                  <a:solidFill/>
-                </a:uFill>
-                <a:latin typeface="Arial Unicode MS" panose="020B0604020202020204" pitchFamily="34" charset="-128"/>
-                <a:ea typeface="Arial Unicode MS" panose="020B0604020202020204" pitchFamily="34" charset="-128"/>
-                <a:cs typeface="Arial Unicode MS" panose="020B0604020202020204" pitchFamily="34" charset="-128"/>
-                <a:sym typeface="Arial"/>
-              </a:rPr>
-              <a:t>Student Id</a:t>
-            </a:r>
-          </a:p>
-          <a:p>
-            <a:pPr lvl="0">
-              <a:defRPr sz="1800">
-                <a:solidFill>
-                  <a:srgbClr val="000000"/>
-                </a:solidFill>
-                <a:uFillTx/>
-              </a:defRPr>
-            </a:pPr>
-            <a:r>
-              <a:rPr dirty="0">
-                <a:solidFill>
-                  <a:schemeClr val="tx1"/>
-                </a:solidFill>
-                <a:uFill>
-                  <a:solidFill/>
-                </a:uFill>
-                <a:latin typeface="Arial Unicode MS" panose="020B0604020202020204" pitchFamily="34" charset="-128"/>
-                <a:ea typeface="Arial Unicode MS" panose="020B0604020202020204" pitchFamily="34" charset="-128"/>
-                <a:cs typeface="Arial Unicode MS" panose="020B0604020202020204" pitchFamily="34" charset="-128"/>
-                <a:sym typeface="Arial"/>
-              </a:rPr>
-              <a:t>Student name </a:t>
-            </a:r>
-            <a:endParaRPr lang="en-US" dirty="0">
-              <a:solidFill>
-                <a:schemeClr val="tx1"/>
-              </a:solidFill>
-              <a:uFill>
-                <a:solidFill/>
-              </a:uFill>
-              <a:latin typeface="Arial Unicode MS" panose="020B0604020202020204" pitchFamily="34" charset="-128"/>
-              <a:ea typeface="Arial Unicode MS" panose="020B0604020202020204" pitchFamily="34" charset="-128"/>
-              <a:cs typeface="Arial Unicode MS" panose="020B0604020202020204" pitchFamily="34" charset="-128"/>
-              <a:sym typeface="Arial"/>
-            </a:endParaRPr>
-          </a:p>
-          <a:p>
-            <a:pPr lvl="0">
-              <a:defRPr sz="1800">
-                <a:solidFill>
-                  <a:srgbClr val="000000"/>
-                </a:solidFill>
-                <a:uFillTx/>
-              </a:defRPr>
-            </a:pPr>
-            <a:r>
-              <a:rPr lang="en-US" dirty="0">
-                <a:solidFill>
-                  <a:schemeClr val="tx1"/>
-                </a:solidFill>
-                <a:uFill>
-                  <a:solidFill/>
-                </a:uFill>
-                <a:latin typeface="Arial Unicode MS" panose="020B0604020202020204" pitchFamily="34" charset="-128"/>
-                <a:ea typeface="Arial Unicode MS" panose="020B0604020202020204" pitchFamily="34" charset="-128"/>
-                <a:cs typeface="Arial Unicode MS" panose="020B0604020202020204" pitchFamily="34" charset="-128"/>
-                <a:sym typeface="Arial"/>
-              </a:rPr>
-              <a:t>DOB</a:t>
-            </a:r>
-            <a:r>
-              <a:rPr dirty="0">
-                <a:solidFill>
-                  <a:schemeClr val="tx1"/>
-                </a:solidFill>
-                <a:uFill>
-                  <a:solidFill/>
-                </a:uFill>
-                <a:latin typeface="Arial Unicode MS" panose="020B0604020202020204" pitchFamily="34" charset="-128"/>
-                <a:ea typeface="Arial Unicode MS" panose="020B0604020202020204" pitchFamily="34" charset="-128"/>
-                <a:cs typeface="Arial Unicode MS" panose="020B0604020202020204" pitchFamily="34" charset="-128"/>
-                <a:sym typeface="Arial"/>
-              </a:rPr>
-              <a:t> </a:t>
-            </a:r>
-          </a:p>
-          <a:p>
-            <a:pPr lvl="0">
-              <a:defRPr sz="1800">
-                <a:solidFill>
-                  <a:srgbClr val="000000"/>
-                </a:solidFill>
-                <a:uFillTx/>
-              </a:defRPr>
-            </a:pPr>
-            <a:r>
-              <a:rPr dirty="0">
-                <a:solidFill>
-                  <a:schemeClr val="tx1"/>
-                </a:solidFill>
-                <a:uFill>
-                  <a:solidFill/>
-                </a:uFill>
-                <a:latin typeface="Arial Unicode MS" panose="020B0604020202020204" pitchFamily="34" charset="-128"/>
-                <a:ea typeface="Arial Unicode MS" panose="020B0604020202020204" pitchFamily="34" charset="-128"/>
-                <a:cs typeface="Arial Unicode MS" panose="020B0604020202020204" pitchFamily="34" charset="-128"/>
-                <a:sym typeface="Arial"/>
-              </a:rPr>
-              <a:t>Sex</a:t>
-            </a:r>
-          </a:p>
-        </p:txBody>
-      </p:sp>
-      <p:sp>
-        <p:nvSpPr>
-          <p:cNvPr id="357" name="Shape 357"/>
-          <p:cNvSpPr/>
-          <p:nvPr/>
-        </p:nvSpPr>
-        <p:spPr>
-          <a:xfrm>
-            <a:off x="689340" y="2654075"/>
-            <a:ext cx="1905001" cy="349820"/>
-          </a:xfrm>
-          <a:prstGeom prst="rect">
-            <a:avLst/>
-          </a:prstGeom>
-          <a:solidFill>
-            <a:srgbClr val="C0C0C0"/>
-          </a:solidFill>
-          <a:ln w="25400">
-            <a:solidFill>
-              <a:srgbClr val="011993"/>
-            </a:solidFill>
-            <a:round/>
-          </a:ln>
-          <a:extLst>
-            <a:ext uri="{C572A759-6A51-4108-AA02-DFA0A04FC94B}">
-              <ma14:wrappingTextBoxFlag xmlns="" xmlns:ma14="http://schemas.microsoft.com/office/mac/drawingml/2011/main" val="1"/>
-            </a:ext>
-          </a:extLst>
-        </p:spPr>
-        <p:txBody>
-          <a:bodyPr lIns="0" tIns="0" rIns="0" bIns="0"/>
-          <a:lstStyle>
-            <a:lvl1pPr algn="ctr">
-              <a:defRPr sz="1800">
-                <a:solidFill>
-                  <a:srgbClr val="011993"/>
-                </a:solidFill>
-                <a:latin typeface="+mn-lt"/>
-                <a:ea typeface="+mn-ea"/>
-                <a:cs typeface="+mn-cs"/>
-                <a:sym typeface="Arial"/>
-              </a:defRPr>
-            </a:lvl1pPr>
-          </a:lstStyle>
-          <a:p>
-            <a:pPr lvl="0">
-              <a:defRPr>
-                <a:solidFill>
-                  <a:srgbClr val="000000"/>
-                </a:solidFill>
-                <a:uFillTx/>
-              </a:defRPr>
-            </a:pPr>
-            <a:r>
-              <a:rPr dirty="0">
-                <a:solidFill>
-                  <a:schemeClr val="tx1"/>
-                </a:solidFill>
-                <a:uFill>
-                  <a:solidFill/>
-                </a:uFill>
-                <a:latin typeface="Arial Unicode MS" panose="020B0604020202020204" pitchFamily="34" charset="-128"/>
-              </a:rPr>
-              <a:t>Students</a:t>
-            </a:r>
-          </a:p>
-        </p:txBody>
-      </p:sp>
-      <p:sp>
-        <p:nvSpPr>
-          <p:cNvPr id="358" name="Shape 358"/>
-          <p:cNvSpPr/>
-          <p:nvPr/>
-        </p:nvSpPr>
-        <p:spPr>
-          <a:xfrm>
-            <a:off x="5898564" y="2971376"/>
-            <a:ext cx="2108201" cy="1168336"/>
-          </a:xfrm>
-          <a:prstGeom prst="rect">
-            <a:avLst/>
-          </a:prstGeom>
-          <a:solidFill>
-            <a:srgbClr val="EBEBEB"/>
-          </a:solidFill>
-          <a:ln w="25400">
-            <a:solidFill>
-              <a:srgbClr val="011993"/>
-            </a:solidFill>
-            <a:round/>
-          </a:ln>
-          <a:extLst>
-            <a:ext uri="{C572A759-6A51-4108-AA02-DFA0A04FC94B}">
-              <ma14:wrappingTextBoxFlag xmlns="" xmlns:ma14="http://schemas.microsoft.com/office/mac/drawingml/2011/main" val="1"/>
-            </a:ext>
-          </a:extLst>
-        </p:spPr>
-        <p:txBody>
-          <a:bodyPr lIns="0" tIns="0" rIns="0" bIns="0"/>
-          <a:lstStyle/>
-          <a:p>
-            <a:pPr lvl="0">
-              <a:defRPr sz="1800">
-                <a:solidFill>
-                  <a:srgbClr val="000000"/>
-                </a:solidFill>
-                <a:uFillTx/>
-              </a:defRPr>
-            </a:pPr>
-            <a:r>
-              <a:rPr u="sng" dirty="0">
-                <a:solidFill>
-                  <a:schemeClr val="tx1"/>
-                </a:solidFill>
-                <a:uFill>
-                  <a:solidFill/>
-                </a:uFill>
-                <a:latin typeface="Arial Unicode MS" panose="020B0604020202020204" pitchFamily="34" charset="-128"/>
-                <a:ea typeface="Arial Unicode MS" panose="020B0604020202020204" pitchFamily="34" charset="-128"/>
-                <a:cs typeface="Arial Unicode MS" panose="020B0604020202020204" pitchFamily="34" charset="-128"/>
-                <a:sym typeface="Arial"/>
-              </a:rPr>
-              <a:t>Course Id</a:t>
-            </a:r>
-          </a:p>
-          <a:p>
-            <a:pPr lvl="0">
-              <a:defRPr sz="1800">
-                <a:solidFill>
-                  <a:srgbClr val="000000"/>
-                </a:solidFill>
-                <a:uFillTx/>
-              </a:defRPr>
-            </a:pPr>
-            <a:r>
-              <a:rPr u="sng" dirty="0">
-                <a:solidFill>
-                  <a:schemeClr val="tx1"/>
-                </a:solidFill>
-                <a:uFill>
-                  <a:solidFill/>
-                </a:uFill>
-                <a:latin typeface="Arial Unicode MS" panose="020B0604020202020204" pitchFamily="34" charset="-128"/>
-                <a:ea typeface="Arial Unicode MS" panose="020B0604020202020204" pitchFamily="34" charset="-128"/>
-                <a:cs typeface="Arial Unicode MS" panose="020B0604020202020204" pitchFamily="34" charset="-128"/>
-                <a:sym typeface="Arial"/>
-              </a:rPr>
-              <a:t>Section Id</a:t>
-            </a:r>
-          </a:p>
-          <a:p>
-            <a:pPr lvl="0">
-              <a:defRPr sz="1800">
-                <a:solidFill>
-                  <a:srgbClr val="000000"/>
-                </a:solidFill>
-                <a:uFillTx/>
-              </a:defRPr>
-            </a:pPr>
-            <a:r>
-              <a:rPr dirty="0">
-                <a:solidFill>
-                  <a:schemeClr val="tx1"/>
-                </a:solidFill>
-                <a:uFill>
-                  <a:solidFill/>
-                </a:uFill>
-                <a:latin typeface="Arial Unicode MS" panose="020B0604020202020204" pitchFamily="34" charset="-128"/>
-                <a:ea typeface="Arial Unicode MS" panose="020B0604020202020204" pitchFamily="34" charset="-128"/>
-                <a:cs typeface="Arial Unicode MS" panose="020B0604020202020204" pitchFamily="34" charset="-128"/>
-                <a:sym typeface="Arial"/>
-              </a:rPr>
-              <a:t>Course Description</a:t>
-            </a:r>
-          </a:p>
-          <a:p>
-            <a:pPr lvl="0">
-              <a:defRPr sz="1800">
-                <a:solidFill>
-                  <a:srgbClr val="000000"/>
-                </a:solidFill>
-                <a:uFillTx/>
-              </a:defRPr>
-            </a:pPr>
-            <a:r>
-              <a:rPr dirty="0">
-                <a:solidFill>
-                  <a:schemeClr val="tx1"/>
-                </a:solidFill>
-                <a:uFill>
-                  <a:solidFill/>
-                </a:uFill>
-                <a:latin typeface="Arial Unicode MS" panose="020B0604020202020204" pitchFamily="34" charset="-128"/>
-                <a:ea typeface="Arial Unicode MS" panose="020B0604020202020204" pitchFamily="34" charset="-128"/>
-                <a:cs typeface="Arial Unicode MS" panose="020B0604020202020204" pitchFamily="34" charset="-128"/>
-                <a:sym typeface="Arial"/>
-              </a:rPr>
-              <a:t>Location</a:t>
-            </a:r>
-          </a:p>
-        </p:txBody>
-      </p:sp>
-      <p:sp>
-        <p:nvSpPr>
-          <p:cNvPr id="359" name="Shape 359"/>
-          <p:cNvSpPr/>
-          <p:nvPr/>
-        </p:nvSpPr>
-        <p:spPr>
-          <a:xfrm>
-            <a:off x="5898564" y="2620583"/>
-            <a:ext cx="2108201" cy="349819"/>
-          </a:xfrm>
-          <a:prstGeom prst="rect">
-            <a:avLst/>
-          </a:prstGeom>
-          <a:solidFill>
-            <a:srgbClr val="C0C0C0"/>
-          </a:solidFill>
-          <a:ln w="25400">
-            <a:solidFill>
-              <a:srgbClr val="011993"/>
-            </a:solidFill>
-            <a:round/>
-          </a:ln>
-          <a:extLst>
-            <a:ext uri="{C572A759-6A51-4108-AA02-DFA0A04FC94B}">
-              <ma14:wrappingTextBoxFlag xmlns="" xmlns:ma14="http://schemas.microsoft.com/office/mac/drawingml/2011/main" val="1"/>
-            </a:ext>
-          </a:extLst>
-        </p:spPr>
-        <p:txBody>
-          <a:bodyPr lIns="0" tIns="0" rIns="0" bIns="0"/>
-          <a:lstStyle>
-            <a:lvl1pPr algn="ctr">
-              <a:defRPr sz="1800">
-                <a:solidFill>
-                  <a:srgbClr val="011993"/>
-                </a:solidFill>
-                <a:latin typeface="+mn-lt"/>
-                <a:ea typeface="+mn-ea"/>
-                <a:cs typeface="+mn-cs"/>
-                <a:sym typeface="Arial"/>
-              </a:defRPr>
-            </a:lvl1pPr>
-          </a:lstStyle>
-          <a:p>
-            <a:pPr lvl="0">
-              <a:defRPr>
-                <a:solidFill>
-                  <a:srgbClr val="000000"/>
-                </a:solidFill>
-                <a:uFillTx/>
-              </a:defRPr>
-            </a:pPr>
-            <a:r>
-              <a:rPr dirty="0">
-                <a:solidFill>
-                  <a:schemeClr val="tx1"/>
-                </a:solidFill>
-                <a:uFill>
-                  <a:solidFill/>
-                </a:uFill>
-                <a:latin typeface="Arial Unicode MS" panose="020B0604020202020204" pitchFamily="34" charset="-128"/>
-              </a:rPr>
-              <a:t>Courses</a:t>
-            </a:r>
-          </a:p>
-        </p:txBody>
-      </p:sp>
-      <p:sp>
-        <p:nvSpPr>
-          <p:cNvPr id="360" name="Shape 360"/>
-          <p:cNvSpPr/>
-          <p:nvPr/>
-        </p:nvSpPr>
-        <p:spPr>
-          <a:xfrm>
-            <a:off x="2594342" y="3418554"/>
-            <a:ext cx="3304222" cy="0"/>
-          </a:xfrm>
-          <a:prstGeom prst="line">
-            <a:avLst/>
-          </a:prstGeom>
-          <a:ln w="25400">
-            <a:solidFill>
-              <a:srgbClr val="011993"/>
-            </a:solidFill>
-            <a:round/>
-          </a:ln>
-          <a:effectLst>
-            <a:outerShdw blurRad="38100" dist="20000" dir="5400000" rotWithShape="0">
-              <a:srgbClr val="000000">
-                <a:alpha val="38000"/>
-              </a:srgbClr>
-            </a:outerShdw>
-          </a:effectLst>
-        </p:spPr>
-        <p:txBody>
-          <a:bodyPr lIns="0" tIns="0" rIns="0" bIns="0"/>
-          <a:lstStyle/>
-          <a:p>
-            <a:pPr lvl="0" defTabSz="457200">
-              <a:defRPr sz="1200">
-                <a:solidFill>
-                  <a:srgbClr val="000000"/>
-                </a:solidFill>
-                <a:uFillTx/>
-                <a:latin typeface="+mj-lt"/>
-                <a:ea typeface="+mj-ea"/>
-                <a:cs typeface="+mj-cs"/>
-                <a:sym typeface="Helvetica"/>
-              </a:defRPr>
-            </a:pPr>
-            <a:endParaRPr dirty="0">
-              <a:solidFill>
-                <a:schemeClr val="tx1"/>
-              </a:solidFill>
-              <a:latin typeface="Arial Unicode MS" panose="020B0604020202020204" pitchFamily="34" charset="-128"/>
-              <a:ea typeface="Arial Unicode MS" panose="020B0604020202020204" pitchFamily="34" charset="-128"/>
-              <a:cs typeface="Arial Unicode MS" panose="020B0604020202020204" pitchFamily="34" charset="-128"/>
-            </a:endParaRPr>
           </a:p>
         </p:txBody>
       </p:sp>
@@ -18532,7 +17940,7 @@
           </a:ln>
           <a:extLst>
             <a:ext uri="{C572A759-6A51-4108-AA02-DFA0A04FC94B}">
-              <ma14:wrappingTextBoxFlag xmlns="" xmlns:ma14="http://schemas.microsoft.com/office/mac/drawingml/2011/main" val="1"/>
+              <ma14:wrappingTextBoxFlag xmlns:ma14="http://schemas.microsoft.com/office/mac/drawingml/2011/main" xmlns="" val="1"/>
             </a:ext>
           </a:extLst>
         </p:spPr>
@@ -18548,7 +17956,7 @@
               </a:spcBef>
               <a:buSzPct val="50000"/>
               <a:buBlip>
-                <a:blip r:embed="rId3"/>
+                <a:blip r:embed="rId4"/>
               </a:buBlip>
               <a:defRPr sz="1800">
                 <a:solidFill>
@@ -18570,7 +17978,37 @@
                 <a:cs typeface="Arial Unicode MS" panose="020B0604020202020204" pitchFamily="34" charset="-128"/>
                 <a:sym typeface="Iowan Old Style Roman"/>
               </a:rPr>
-              <a:t>A relationship is shown as a line connecting the associated entities, labeled with the name of the relationship</a:t>
+              <a:t>A relationship is shown as a line connecting the associated entities, </a:t>
+            </a:r>
+            <a:r>
+              <a:rPr lang="en-US" sz="2400" dirty="0">
+                <a:solidFill>
+                  <a:schemeClr val="tx1"/>
+                </a:solidFill>
+                <a:uFill>
+                  <a:solidFill/>
+                </a:uFill>
+                <a:latin typeface="Arial Unicode MS" panose="020B0604020202020204" pitchFamily="34" charset="-128"/>
+                <a:ea typeface="Arial Unicode MS" panose="020B0604020202020204" pitchFamily="34" charset="-128"/>
+                <a:cs typeface="Arial Unicode MS" panose="020B0604020202020204" pitchFamily="34" charset="-128"/>
+                <a:sym typeface="Iowan Old Style Roman"/>
+              </a:rPr>
+              <a:t>with a diamond in the middle, </a:t>
+            </a:r>
+            <a:r>
+              <a:rPr sz="2400" dirty="0">
+                <a:solidFill>
+                  <a:schemeClr val="tx1"/>
+                </a:solidFill>
+                <a:uFill>
+                  <a:solidFill/>
+                </a:uFill>
+                <a:latin typeface="Arial Unicode MS" panose="020B0604020202020204" pitchFamily="34" charset="-128"/>
+                <a:ea typeface="Arial Unicode MS" panose="020B0604020202020204" pitchFamily="34" charset="-128"/>
+                <a:cs typeface="Arial Unicode MS" panose="020B0604020202020204" pitchFamily="34" charset="-128"/>
+                <a:sym typeface="Iowan Old Style Roman"/>
+              </a:rPr>
+              <a:t>labeled with the name of the relationship</a:t>
             </a:r>
           </a:p>
           <a:p>
@@ -18580,7 +18018,7 @@
               </a:spcBef>
               <a:buSzPct val="50000"/>
               <a:buBlip>
-                <a:blip r:embed="rId3"/>
+                <a:blip r:embed="rId4"/>
               </a:buBlip>
               <a:defRPr sz="1800">
                 <a:solidFill>
@@ -18609,10 +18047,10 @@
       </p:sp>
       <p:sp>
         <p:nvSpPr>
-          <p:cNvPr id="2" name="Diamond 1">
+          <p:cNvPr id="5" name="Shape 306">
             <a:extLst>
               <a:ext uri="{FF2B5EF4-FFF2-40B4-BE49-F238E27FC236}">
-                <a16:creationId xmlns:a16="http://schemas.microsoft.com/office/drawing/2014/main" id="{A9E2A266-B9A5-466F-9D71-F4DDEC659BCD}"/>
+                <a16:creationId xmlns:a16="http://schemas.microsoft.com/office/drawing/2014/main" id="{55ADCCE4-4942-7CFE-59DB-C775B37DF14B}"/>
               </a:ext>
             </a:extLst>
           </p:cNvPr>
@@ -18621,38 +18059,42 @@
         </p:nvSpPr>
         <p:spPr>
           <a:xfrm>
-            <a:off x="3245438" y="3120907"/>
-            <a:ext cx="1905000" cy="637077"/>
+            <a:off x="3785105" y="3722699"/>
+            <a:ext cx="1526429" cy="648929"/>
           </a:xfrm>
-          <a:prstGeom prst="diamond">
+          <a:prstGeom prst="rect">
             <a:avLst/>
           </a:prstGeom>
+          <a:ln w="38100">
+            <a:solidFill>
+              <a:srgbClr val="57068C"/>
+            </a:solidFill>
+            <a:round/>
+          </a:ln>
         </p:spPr>
-        <p:style>
-          <a:lnRef idx="2">
-            <a:schemeClr val="accent1">
-              <a:shade val="50000"/>
-            </a:schemeClr>
-          </a:lnRef>
-          <a:fillRef idx="1">
-            <a:schemeClr val="accent1"/>
-          </a:fillRef>
-          <a:effectRef idx="0">
-            <a:schemeClr val="accent1"/>
-          </a:effectRef>
-          <a:fontRef idx="minor">
-            <a:schemeClr val="lt1"/>
-          </a:fontRef>
-        </p:style>
         <p:txBody>
-          <a:bodyPr rtlCol="0" anchor="ctr"/>
+          <a:bodyPr lIns="0" tIns="0" rIns="0" bIns="0"/>
           <a:lstStyle/>
           <a:p>
-            <a:pPr algn="ctr"/>
-            <a:r>
-              <a:rPr lang="en-US" dirty="0"/>
-              <a:t>Enrolls</a:t>
-            </a:r>
+            <a:pPr lvl="0">
+              <a:defRPr sz="1800">
+                <a:solidFill>
+                  <a:srgbClr val="000000"/>
+                </a:solidFill>
+                <a:latin typeface="+mn-lt"/>
+                <a:ea typeface="+mn-ea"/>
+                <a:cs typeface="+mn-cs"/>
+                <a:sym typeface="Arial"/>
+              </a:defRPr>
+            </a:pPr>
+            <a:endParaRPr dirty="0">
+              <a:solidFill>
+                <a:srgbClr val="57068C"/>
+              </a:solidFill>
+              <a:latin typeface="Arial Unicode MS" panose="020B0604020202020204" pitchFamily="34" charset="-128"/>
+              <a:ea typeface="Arial Unicode MS" panose="020B0604020202020204" pitchFamily="34" charset="-128"/>
+              <a:cs typeface="Arial Unicode MS" panose="020B0604020202020204" pitchFamily="34" charset="-128"/>
+            </a:endParaRPr>
           </a:p>
         </p:txBody>
       </p:sp>
@@ -18701,7 +18143,7 @@
           </a:ln>
           <a:extLst>
             <a:ext uri="{C572A759-6A51-4108-AA02-DFA0A04FC94B}">
-              <ma14:wrappingTextBoxFlag xmlns="" xmlns:ma14="http://schemas.microsoft.com/office/mac/drawingml/2011/main" val="1"/>
+              <ma14:wrappingTextBoxFlag xmlns:ma14="http://schemas.microsoft.com/office/mac/drawingml/2011/main" xmlns="" val="1"/>
             </a:ext>
           </a:extLst>
         </p:spPr>
@@ -18786,7 +18228,7 @@
         <p:spPr>
           <a:xfrm>
             <a:off x="477725" y="1022847"/>
-            <a:ext cx="7590195" cy="1779974"/>
+            <a:ext cx="8096163" cy="2180084"/>
           </a:xfrm>
           <a:prstGeom prst="rect">
             <a:avLst/>
@@ -18796,12 +18238,12 @@
           </a:ln>
           <a:extLst>
             <a:ext uri="{C572A759-6A51-4108-AA02-DFA0A04FC94B}">
-              <ma14:wrappingTextBoxFlag xmlns="" xmlns:ma14="http://schemas.microsoft.com/office/mac/drawingml/2011/main" val="1"/>
+              <ma14:wrappingTextBoxFlag xmlns:ma14="http://schemas.microsoft.com/office/mac/drawingml/2011/main" xmlns="" val="1"/>
             </a:ext>
           </a:extLst>
         </p:spPr>
         <p:txBody>
-          <a:bodyPr lIns="0" tIns="0" rIns="0" bIns="0">
+          <a:bodyPr wrap="square" lIns="0" tIns="0" rIns="0" bIns="0">
             <a:spAutoFit/>
           </a:bodyPr>
           <a:lstStyle/>
@@ -18993,7 +18435,7 @@
                 <a:cs typeface="Arial Unicode MS" panose="020B0604020202020204" pitchFamily="34" charset="-128"/>
                 <a:sym typeface="Iowan Old Style Roman"/>
               </a:rPr>
-              <a:t>Each registration has a registration date</a:t>
+              <a:t>Each enrollment has a registration semester and a grade that the student received for the course</a:t>
             </a:r>
             <a:r>
               <a:rPr sz="2600" dirty="0">
@@ -19013,498 +18455,42 @@
           </a:p>
         </p:txBody>
       </p:sp>
-      <p:sp>
-        <p:nvSpPr>
-          <p:cNvPr id="356" name="Shape 356"/>
-          <p:cNvSpPr/>
+      <p:pic>
+        <p:nvPicPr>
+          <p:cNvPr id="6" name="Picture 5">
+            <a:extLst>
+              <a:ext uri="{FF2B5EF4-FFF2-40B4-BE49-F238E27FC236}">
+                <a16:creationId xmlns:a16="http://schemas.microsoft.com/office/drawing/2014/main" id="{DF143D22-4B2F-CAD1-4194-054F16900F3E}"/>
+              </a:ext>
+            </a:extLst>
+          </p:cNvPr>
+          <p:cNvPicPr>
+            <a:picLocks noChangeAspect="1"/>
+          </p:cNvPicPr>
           <p:nvPr/>
-        </p:nvSpPr>
+        </p:nvPicPr>
+        <p:blipFill>
+          <a:blip r:embed="rId4"/>
+          <a:stretch>
+            <a:fillRect/>
+          </a:stretch>
+        </p:blipFill>
         <p:spPr>
           <a:xfrm>
-            <a:off x="689340" y="3901513"/>
-            <a:ext cx="1905001" cy="1168336"/>
+            <a:off x="79244" y="3177357"/>
+            <a:ext cx="9064756" cy="2657796"/>
           </a:xfrm>
           <a:prstGeom prst="rect">
             <a:avLst/>
           </a:prstGeom>
-          <a:solidFill>
-            <a:srgbClr val="EBEBEB"/>
-          </a:solidFill>
-          <a:ln w="25400">
-            <a:solidFill>
-              <a:srgbClr val="011993"/>
-            </a:solidFill>
-            <a:round/>
-          </a:ln>
-          <a:extLst>
-            <a:ext uri="{C572A759-6A51-4108-AA02-DFA0A04FC94B}">
-              <ma14:wrappingTextBoxFlag xmlns="" xmlns:ma14="http://schemas.microsoft.com/office/mac/drawingml/2011/main" val="1"/>
-            </a:ext>
-          </a:extLst>
         </p:spPr>
-        <p:txBody>
-          <a:bodyPr lIns="0" tIns="0" rIns="0" bIns="0"/>
-          <a:lstStyle/>
-          <a:p>
-            <a:pPr lvl="0">
-              <a:defRPr sz="1800">
-                <a:solidFill>
-                  <a:srgbClr val="000000"/>
-                </a:solidFill>
-                <a:uFillTx/>
-              </a:defRPr>
-            </a:pPr>
-            <a:r>
-              <a:rPr u="sng" dirty="0">
-                <a:solidFill>
-                  <a:schemeClr val="tx1"/>
-                </a:solidFill>
-                <a:uFill>
-                  <a:solidFill/>
-                </a:uFill>
-                <a:latin typeface="Arial Unicode MS" panose="020B0604020202020204" pitchFamily="34" charset="-128"/>
-                <a:ea typeface="Arial Unicode MS" panose="020B0604020202020204" pitchFamily="34" charset="-128"/>
-                <a:cs typeface="Arial Unicode MS" panose="020B0604020202020204" pitchFamily="34" charset="-128"/>
-                <a:sym typeface="Arial"/>
-              </a:rPr>
-              <a:t>Student Id</a:t>
-            </a:r>
-          </a:p>
-          <a:p>
-            <a:pPr lvl="0">
-              <a:defRPr sz="1800">
-                <a:solidFill>
-                  <a:srgbClr val="000000"/>
-                </a:solidFill>
-                <a:uFillTx/>
-              </a:defRPr>
-            </a:pPr>
-            <a:r>
-              <a:rPr dirty="0">
-                <a:solidFill>
-                  <a:schemeClr val="tx1"/>
-                </a:solidFill>
-                <a:uFill>
-                  <a:solidFill/>
-                </a:uFill>
-                <a:latin typeface="Arial Unicode MS" panose="020B0604020202020204" pitchFamily="34" charset="-128"/>
-                <a:ea typeface="Arial Unicode MS" panose="020B0604020202020204" pitchFamily="34" charset="-128"/>
-                <a:cs typeface="Arial Unicode MS" panose="020B0604020202020204" pitchFamily="34" charset="-128"/>
-                <a:sym typeface="Arial"/>
-              </a:rPr>
-              <a:t>Student name </a:t>
-            </a:r>
-            <a:endParaRPr lang="en-US" dirty="0">
-              <a:solidFill>
-                <a:schemeClr val="tx1"/>
-              </a:solidFill>
-              <a:uFill>
-                <a:solidFill/>
-              </a:uFill>
-              <a:latin typeface="Arial Unicode MS" panose="020B0604020202020204" pitchFamily="34" charset="-128"/>
-              <a:ea typeface="Arial Unicode MS" panose="020B0604020202020204" pitchFamily="34" charset="-128"/>
-              <a:cs typeface="Arial Unicode MS" panose="020B0604020202020204" pitchFamily="34" charset="-128"/>
-              <a:sym typeface="Arial"/>
-            </a:endParaRPr>
-          </a:p>
-          <a:p>
-            <a:pPr lvl="0">
-              <a:defRPr sz="1800">
-                <a:solidFill>
-                  <a:srgbClr val="000000"/>
-                </a:solidFill>
-                <a:uFillTx/>
-              </a:defRPr>
-            </a:pPr>
-            <a:r>
-              <a:rPr lang="en-US" dirty="0">
-                <a:solidFill>
-                  <a:schemeClr val="tx1"/>
-                </a:solidFill>
-                <a:uFill>
-                  <a:solidFill/>
-                </a:uFill>
-                <a:latin typeface="Arial Unicode MS" panose="020B0604020202020204" pitchFamily="34" charset="-128"/>
-                <a:ea typeface="Arial Unicode MS" panose="020B0604020202020204" pitchFamily="34" charset="-128"/>
-                <a:cs typeface="Arial Unicode MS" panose="020B0604020202020204" pitchFamily="34" charset="-128"/>
-                <a:sym typeface="Arial"/>
-              </a:rPr>
-              <a:t>DOB</a:t>
-            </a:r>
-            <a:r>
-              <a:rPr dirty="0">
-                <a:solidFill>
-                  <a:schemeClr val="tx1"/>
-                </a:solidFill>
-                <a:uFill>
-                  <a:solidFill/>
-                </a:uFill>
-                <a:latin typeface="Arial Unicode MS" panose="020B0604020202020204" pitchFamily="34" charset="-128"/>
-                <a:ea typeface="Arial Unicode MS" panose="020B0604020202020204" pitchFamily="34" charset="-128"/>
-                <a:cs typeface="Arial Unicode MS" panose="020B0604020202020204" pitchFamily="34" charset="-128"/>
-                <a:sym typeface="Arial"/>
-              </a:rPr>
-              <a:t> </a:t>
-            </a:r>
-          </a:p>
-          <a:p>
-            <a:pPr lvl="0">
-              <a:defRPr sz="1800">
-                <a:solidFill>
-                  <a:srgbClr val="000000"/>
-                </a:solidFill>
-                <a:uFillTx/>
-              </a:defRPr>
-            </a:pPr>
-            <a:r>
-              <a:rPr dirty="0">
-                <a:solidFill>
-                  <a:schemeClr val="tx1"/>
-                </a:solidFill>
-                <a:uFill>
-                  <a:solidFill/>
-                </a:uFill>
-                <a:latin typeface="Arial Unicode MS" panose="020B0604020202020204" pitchFamily="34" charset="-128"/>
-                <a:ea typeface="Arial Unicode MS" panose="020B0604020202020204" pitchFamily="34" charset="-128"/>
-                <a:cs typeface="Arial Unicode MS" panose="020B0604020202020204" pitchFamily="34" charset="-128"/>
-                <a:sym typeface="Arial"/>
-              </a:rPr>
-              <a:t>Sex</a:t>
-            </a:r>
-          </a:p>
-        </p:txBody>
-      </p:sp>
+      </p:pic>
       <p:sp>
         <p:nvSpPr>
-          <p:cNvPr id="357" name="Shape 357"/>
-          <p:cNvSpPr/>
-          <p:nvPr/>
-        </p:nvSpPr>
-        <p:spPr>
-          <a:xfrm>
-            <a:off x="689340" y="3550720"/>
-            <a:ext cx="1905001" cy="349820"/>
-          </a:xfrm>
-          <a:prstGeom prst="rect">
-            <a:avLst/>
-          </a:prstGeom>
-          <a:solidFill>
-            <a:srgbClr val="C0C0C0"/>
-          </a:solidFill>
-          <a:ln w="25400">
-            <a:solidFill>
-              <a:srgbClr val="011993"/>
-            </a:solidFill>
-            <a:round/>
-          </a:ln>
-          <a:extLst>
-            <a:ext uri="{C572A759-6A51-4108-AA02-DFA0A04FC94B}">
-              <ma14:wrappingTextBoxFlag xmlns="" xmlns:ma14="http://schemas.microsoft.com/office/mac/drawingml/2011/main" val="1"/>
-            </a:ext>
-          </a:extLst>
-        </p:spPr>
-        <p:txBody>
-          <a:bodyPr lIns="0" tIns="0" rIns="0" bIns="0"/>
-          <a:lstStyle>
-            <a:lvl1pPr algn="ctr">
-              <a:defRPr sz="1800">
-                <a:solidFill>
-                  <a:srgbClr val="011993"/>
-                </a:solidFill>
-                <a:latin typeface="+mn-lt"/>
-                <a:ea typeface="+mn-ea"/>
-                <a:cs typeface="+mn-cs"/>
-                <a:sym typeface="Arial"/>
-              </a:defRPr>
-            </a:lvl1pPr>
-          </a:lstStyle>
-          <a:p>
-            <a:pPr lvl="0">
-              <a:defRPr>
-                <a:solidFill>
-                  <a:srgbClr val="000000"/>
-                </a:solidFill>
-                <a:uFillTx/>
-              </a:defRPr>
-            </a:pPr>
-            <a:r>
-              <a:rPr dirty="0">
-                <a:solidFill>
-                  <a:schemeClr val="tx1"/>
-                </a:solidFill>
-                <a:uFill>
-                  <a:solidFill/>
-                </a:uFill>
-                <a:latin typeface="Arial Unicode MS" panose="020B0604020202020204" pitchFamily="34" charset="-128"/>
-              </a:rPr>
-              <a:t>Students</a:t>
-            </a:r>
-          </a:p>
-        </p:txBody>
-      </p:sp>
-      <p:sp>
-        <p:nvSpPr>
-          <p:cNvPr id="358" name="Shape 358"/>
-          <p:cNvSpPr/>
-          <p:nvPr/>
-        </p:nvSpPr>
-        <p:spPr>
-          <a:xfrm>
-            <a:off x="5898564" y="3868021"/>
-            <a:ext cx="2108201" cy="1168336"/>
-          </a:xfrm>
-          <a:prstGeom prst="rect">
-            <a:avLst/>
-          </a:prstGeom>
-          <a:solidFill>
-            <a:srgbClr val="EBEBEB"/>
-          </a:solidFill>
-          <a:ln w="25400">
-            <a:solidFill>
-              <a:srgbClr val="011993"/>
-            </a:solidFill>
-            <a:round/>
-          </a:ln>
-          <a:extLst>
-            <a:ext uri="{C572A759-6A51-4108-AA02-DFA0A04FC94B}">
-              <ma14:wrappingTextBoxFlag xmlns="" xmlns:ma14="http://schemas.microsoft.com/office/mac/drawingml/2011/main" val="1"/>
-            </a:ext>
-          </a:extLst>
-        </p:spPr>
-        <p:txBody>
-          <a:bodyPr lIns="0" tIns="0" rIns="0" bIns="0"/>
-          <a:lstStyle/>
-          <a:p>
-            <a:pPr lvl="0">
-              <a:defRPr sz="1800">
-                <a:solidFill>
-                  <a:srgbClr val="000000"/>
-                </a:solidFill>
-                <a:uFillTx/>
-              </a:defRPr>
-            </a:pPr>
-            <a:r>
-              <a:rPr u="sng" dirty="0">
-                <a:solidFill>
-                  <a:schemeClr val="tx1"/>
-                </a:solidFill>
-                <a:uFill>
-                  <a:solidFill/>
-                </a:uFill>
-                <a:latin typeface="Arial Unicode MS" panose="020B0604020202020204" pitchFamily="34" charset="-128"/>
-                <a:ea typeface="Arial Unicode MS" panose="020B0604020202020204" pitchFamily="34" charset="-128"/>
-                <a:cs typeface="Arial Unicode MS" panose="020B0604020202020204" pitchFamily="34" charset="-128"/>
-                <a:sym typeface="Arial"/>
-              </a:rPr>
-              <a:t>Course Id</a:t>
-            </a:r>
-          </a:p>
-          <a:p>
-            <a:pPr lvl="0">
-              <a:defRPr sz="1800">
-                <a:solidFill>
-                  <a:srgbClr val="000000"/>
-                </a:solidFill>
-                <a:uFillTx/>
-              </a:defRPr>
-            </a:pPr>
-            <a:r>
-              <a:rPr u="sng" dirty="0">
-                <a:solidFill>
-                  <a:schemeClr val="tx1"/>
-                </a:solidFill>
-                <a:uFill>
-                  <a:solidFill/>
-                </a:uFill>
-                <a:latin typeface="Arial Unicode MS" panose="020B0604020202020204" pitchFamily="34" charset="-128"/>
-                <a:ea typeface="Arial Unicode MS" panose="020B0604020202020204" pitchFamily="34" charset="-128"/>
-                <a:cs typeface="Arial Unicode MS" panose="020B0604020202020204" pitchFamily="34" charset="-128"/>
-                <a:sym typeface="Arial"/>
-              </a:rPr>
-              <a:t>Section Id</a:t>
-            </a:r>
-          </a:p>
-          <a:p>
-            <a:pPr lvl="0">
-              <a:defRPr sz="1800">
-                <a:solidFill>
-                  <a:srgbClr val="000000"/>
-                </a:solidFill>
-                <a:uFillTx/>
-              </a:defRPr>
-            </a:pPr>
-            <a:r>
-              <a:rPr dirty="0">
-                <a:solidFill>
-                  <a:schemeClr val="tx1"/>
-                </a:solidFill>
-                <a:uFill>
-                  <a:solidFill/>
-                </a:uFill>
-                <a:latin typeface="Arial Unicode MS" panose="020B0604020202020204" pitchFamily="34" charset="-128"/>
-                <a:ea typeface="Arial Unicode MS" panose="020B0604020202020204" pitchFamily="34" charset="-128"/>
-                <a:cs typeface="Arial Unicode MS" panose="020B0604020202020204" pitchFamily="34" charset="-128"/>
-                <a:sym typeface="Arial"/>
-              </a:rPr>
-              <a:t>Course Description</a:t>
-            </a:r>
-          </a:p>
-          <a:p>
-            <a:pPr lvl="0">
-              <a:defRPr sz="1800">
-                <a:solidFill>
-                  <a:srgbClr val="000000"/>
-                </a:solidFill>
-                <a:uFillTx/>
-              </a:defRPr>
-            </a:pPr>
-            <a:r>
-              <a:rPr dirty="0">
-                <a:solidFill>
-                  <a:schemeClr val="tx1"/>
-                </a:solidFill>
-                <a:uFill>
-                  <a:solidFill/>
-                </a:uFill>
-                <a:latin typeface="Arial Unicode MS" panose="020B0604020202020204" pitchFamily="34" charset="-128"/>
-                <a:ea typeface="Arial Unicode MS" panose="020B0604020202020204" pitchFamily="34" charset="-128"/>
-                <a:cs typeface="Arial Unicode MS" panose="020B0604020202020204" pitchFamily="34" charset="-128"/>
-                <a:sym typeface="Arial"/>
-              </a:rPr>
-              <a:t>Location</a:t>
-            </a:r>
-          </a:p>
-        </p:txBody>
-      </p:sp>
-      <p:sp>
-        <p:nvSpPr>
-          <p:cNvPr id="359" name="Shape 359"/>
-          <p:cNvSpPr/>
-          <p:nvPr/>
-        </p:nvSpPr>
-        <p:spPr>
-          <a:xfrm>
-            <a:off x="5898564" y="3517228"/>
-            <a:ext cx="2108201" cy="349819"/>
-          </a:xfrm>
-          <a:prstGeom prst="rect">
-            <a:avLst/>
-          </a:prstGeom>
-          <a:solidFill>
-            <a:srgbClr val="C0C0C0"/>
-          </a:solidFill>
-          <a:ln w="25400">
-            <a:solidFill>
-              <a:srgbClr val="011993"/>
-            </a:solidFill>
-            <a:round/>
-          </a:ln>
-          <a:extLst>
-            <a:ext uri="{C572A759-6A51-4108-AA02-DFA0A04FC94B}">
-              <ma14:wrappingTextBoxFlag xmlns="" xmlns:ma14="http://schemas.microsoft.com/office/mac/drawingml/2011/main" val="1"/>
-            </a:ext>
-          </a:extLst>
-        </p:spPr>
-        <p:txBody>
-          <a:bodyPr lIns="0" tIns="0" rIns="0" bIns="0"/>
-          <a:lstStyle>
-            <a:lvl1pPr algn="ctr">
-              <a:defRPr sz="1800">
-                <a:solidFill>
-                  <a:srgbClr val="011993"/>
-                </a:solidFill>
-                <a:latin typeface="+mn-lt"/>
-                <a:ea typeface="+mn-ea"/>
-                <a:cs typeface="+mn-cs"/>
-                <a:sym typeface="Arial"/>
-              </a:defRPr>
-            </a:lvl1pPr>
-          </a:lstStyle>
-          <a:p>
-            <a:pPr lvl="0">
-              <a:defRPr>
-                <a:solidFill>
-                  <a:srgbClr val="000000"/>
-                </a:solidFill>
-                <a:uFillTx/>
-              </a:defRPr>
-            </a:pPr>
-            <a:r>
-              <a:rPr dirty="0">
-                <a:solidFill>
-                  <a:schemeClr val="tx1"/>
-                </a:solidFill>
-                <a:uFill>
-                  <a:solidFill/>
-                </a:uFill>
-                <a:latin typeface="Arial Unicode MS" panose="020B0604020202020204" pitchFamily="34" charset="-128"/>
-              </a:rPr>
-              <a:t>Courses</a:t>
-            </a:r>
-          </a:p>
-        </p:txBody>
-      </p:sp>
-      <p:sp>
-        <p:nvSpPr>
-          <p:cNvPr id="360" name="Shape 360"/>
-          <p:cNvSpPr/>
-          <p:nvPr/>
-        </p:nvSpPr>
-        <p:spPr>
-          <a:xfrm>
-            <a:off x="2594342" y="4315199"/>
-            <a:ext cx="3304222" cy="0"/>
-          </a:xfrm>
-          <a:prstGeom prst="line">
-            <a:avLst/>
-          </a:prstGeom>
-          <a:ln w="25400">
-            <a:solidFill>
-              <a:srgbClr val="011993"/>
-            </a:solidFill>
-            <a:round/>
-          </a:ln>
-          <a:effectLst>
-            <a:outerShdw blurRad="38100" dist="20000" dir="5400000" rotWithShape="0">
-              <a:srgbClr val="000000">
-                <a:alpha val="38000"/>
-              </a:srgbClr>
-            </a:outerShdw>
-          </a:effectLst>
-        </p:spPr>
-        <p:txBody>
-          <a:bodyPr lIns="0" tIns="0" rIns="0" bIns="0"/>
-          <a:lstStyle/>
-          <a:p>
-            <a:pPr lvl="0" defTabSz="457200">
-              <a:defRPr sz="1200">
-                <a:solidFill>
-                  <a:srgbClr val="000000"/>
-                </a:solidFill>
-                <a:uFillTx/>
-                <a:latin typeface="+mj-lt"/>
-                <a:ea typeface="+mj-ea"/>
-                <a:cs typeface="+mj-cs"/>
-                <a:sym typeface="Helvetica"/>
-              </a:defRPr>
-            </a:pPr>
-            <a:endParaRPr dirty="0">
-              <a:solidFill>
-                <a:schemeClr val="tx1"/>
-              </a:solidFill>
-              <a:latin typeface="Arial Unicode MS" panose="020B0604020202020204" pitchFamily="34" charset="-128"/>
-              <a:ea typeface="Arial Unicode MS" panose="020B0604020202020204" pitchFamily="34" charset="-128"/>
-              <a:cs typeface="Arial Unicode MS" panose="020B0604020202020204" pitchFamily="34" charset="-128"/>
-            </a:endParaRPr>
-          </a:p>
-        </p:txBody>
-      </p:sp>
-      <p:sp>
-        <p:nvSpPr>
-          <p:cNvPr id="2" name="Diamond 1">
+          <p:cNvPr id="7" name="Shape 306">
             <a:extLst>
               <a:ext uri="{FF2B5EF4-FFF2-40B4-BE49-F238E27FC236}">
-                <a16:creationId xmlns:a16="http://schemas.microsoft.com/office/drawing/2014/main" id="{A9E2A266-B9A5-466F-9D71-F4DDEC659BCD}"/>
+                <a16:creationId xmlns:a16="http://schemas.microsoft.com/office/drawing/2014/main" id="{50E06391-BC2C-6A7B-BB96-F7D8B6AED767}"/>
               </a:ext>
             </a:extLst>
           </p:cNvPr>
@@ -19513,137 +18499,45 @@
         </p:nvSpPr>
         <p:spPr>
           <a:xfrm>
-            <a:off x="3228241" y="3996660"/>
-            <a:ext cx="1905000" cy="637077"/>
-          </a:xfrm>
-          <a:prstGeom prst="diamond">
-            <a:avLst/>
-          </a:prstGeom>
-        </p:spPr>
-        <p:style>
-          <a:lnRef idx="2">
-            <a:schemeClr val="accent1">
-              <a:shade val="50000"/>
-            </a:schemeClr>
-          </a:lnRef>
-          <a:fillRef idx="1">
-            <a:schemeClr val="accent1"/>
-          </a:fillRef>
-          <a:effectRef idx="0">
-            <a:schemeClr val="accent1"/>
-          </a:effectRef>
-          <a:fontRef idx="minor">
-            <a:schemeClr val="lt1"/>
-          </a:fontRef>
-        </p:style>
-        <p:txBody>
-          <a:bodyPr rtlCol="0" anchor="ctr"/>
-          <a:lstStyle/>
-          <a:p>
-            <a:pPr algn="ctr"/>
-            <a:r>
-              <a:rPr lang="en-US" dirty="0"/>
-              <a:t>Enrolls</a:t>
-            </a:r>
-          </a:p>
-        </p:txBody>
-      </p:sp>
-      <p:sp>
-        <p:nvSpPr>
-          <p:cNvPr id="3" name="Rectangle 2">
-            <a:extLst>
-              <a:ext uri="{FF2B5EF4-FFF2-40B4-BE49-F238E27FC236}">
-                <a16:creationId xmlns:a16="http://schemas.microsoft.com/office/drawing/2014/main" id="{C2FAB8FF-7DE5-4118-9DBB-241A362D1D01}"/>
-              </a:ext>
-            </a:extLst>
-          </p:cNvPr>
-          <p:cNvSpPr/>
-          <p:nvPr/>
-        </p:nvSpPr>
-        <p:spPr>
-          <a:xfrm>
-            <a:off x="2799616" y="5309903"/>
-            <a:ext cx="2762250" cy="637073"/>
+            <a:off x="3252013" y="4985089"/>
+            <a:ext cx="2745266" cy="719730"/>
           </a:xfrm>
           <a:prstGeom prst="rect">
             <a:avLst/>
           </a:prstGeom>
+          <a:ln w="38100">
+            <a:solidFill>
+              <a:srgbClr val="57068C"/>
+            </a:solidFill>
+            <a:round/>
+          </a:ln>
         </p:spPr>
-        <p:style>
-          <a:lnRef idx="2">
-            <a:schemeClr val="accent1">
-              <a:shade val="50000"/>
-            </a:schemeClr>
-          </a:lnRef>
-          <a:fillRef idx="1">
-            <a:schemeClr val="accent1"/>
-          </a:fillRef>
-          <a:effectRef idx="0">
-            <a:schemeClr val="accent1"/>
-          </a:effectRef>
-          <a:fontRef idx="minor">
-            <a:schemeClr val="lt1"/>
-          </a:fontRef>
-        </p:style>
         <p:txBody>
-          <a:bodyPr rtlCol="0" anchor="ctr"/>
+          <a:bodyPr lIns="0" tIns="0" rIns="0" bIns="0"/>
           <a:lstStyle/>
           <a:p>
-            <a:pPr algn="ctr"/>
-            <a:r>
-              <a:rPr lang="en-US" dirty="0"/>
-              <a:t>Semester</a:t>
-            </a:r>
-          </a:p>
-          <a:p>
-            <a:pPr algn="ctr"/>
-            <a:r>
-              <a:rPr lang="en-US" dirty="0"/>
-              <a:t>Grade</a:t>
-            </a:r>
+            <a:pPr lvl="0">
+              <a:defRPr sz="1800">
+                <a:solidFill>
+                  <a:srgbClr val="000000"/>
+                </a:solidFill>
+                <a:latin typeface="+mn-lt"/>
+                <a:ea typeface="+mn-ea"/>
+                <a:cs typeface="+mn-cs"/>
+                <a:sym typeface="Arial"/>
+              </a:defRPr>
+            </a:pPr>
+            <a:endParaRPr dirty="0">
+              <a:solidFill>
+                <a:srgbClr val="57068C"/>
+              </a:solidFill>
+              <a:latin typeface="Arial Unicode MS" panose="020B0604020202020204" pitchFamily="34" charset="-128"/>
+              <a:ea typeface="Arial Unicode MS" panose="020B0604020202020204" pitchFamily="34" charset="-128"/>
+              <a:cs typeface="Arial Unicode MS" panose="020B0604020202020204" pitchFamily="34" charset="-128"/>
+            </a:endParaRPr>
           </a:p>
         </p:txBody>
       </p:sp>
-      <p:cxnSp>
-        <p:nvCxnSpPr>
-          <p:cNvPr id="5" name="Straight Connector 4">
-            <a:extLst>
-              <a:ext uri="{FF2B5EF4-FFF2-40B4-BE49-F238E27FC236}">
-                <a16:creationId xmlns:a16="http://schemas.microsoft.com/office/drawing/2014/main" id="{2534750A-AA09-4580-957B-BCAC7D81FF3B}"/>
-              </a:ext>
-            </a:extLst>
-          </p:cNvPr>
-          <p:cNvCxnSpPr>
-            <a:cxnSpLocks/>
-            <a:stCxn id="2" idx="2"/>
-            <a:endCxn id="3" idx="0"/>
-          </p:cNvCxnSpPr>
-          <p:nvPr/>
-        </p:nvCxnSpPr>
-        <p:spPr>
-          <a:xfrm>
-            <a:off x="4180741" y="4633737"/>
-            <a:ext cx="0" cy="676166"/>
-          </a:xfrm>
-          <a:prstGeom prst="line">
-            <a:avLst/>
-          </a:prstGeom>
-        </p:spPr>
-        <p:style>
-          <a:lnRef idx="1">
-            <a:schemeClr val="accent1"/>
-          </a:lnRef>
-          <a:fillRef idx="0">
-            <a:schemeClr val="accent1"/>
-          </a:fillRef>
-          <a:effectRef idx="0">
-            <a:schemeClr val="accent1"/>
-          </a:effectRef>
-          <a:fontRef idx="minor">
-            <a:schemeClr val="tx1"/>
-          </a:fontRef>
-        </p:style>
-      </p:cxnSp>
     </p:spTree>
     <p:extLst>
       <p:ext uri="{BB962C8B-B14F-4D97-AF65-F5344CB8AC3E}">
@@ -19694,7 +18588,7 @@
           </a:ln>
           <a:extLst>
             <a:ext uri="{C572A759-6A51-4108-AA02-DFA0A04FC94B}">
-              <ma14:wrappingTextBoxFlag xmlns="" xmlns:ma14="http://schemas.microsoft.com/office/mac/drawingml/2011/main" val="1"/>
+              <ma14:wrappingTextBoxFlag xmlns:ma14="http://schemas.microsoft.com/office/mac/drawingml/2011/main" xmlns="" val="1"/>
             </a:ext>
           </a:extLst>
         </p:spPr>
@@ -19805,7 +18699,7 @@
           </a:ln>
           <a:extLst>
             <a:ext uri="{C572A759-6A51-4108-AA02-DFA0A04FC94B}">
-              <ma14:wrappingTextBoxFlag xmlns="" xmlns:ma14="http://schemas.microsoft.com/office/mac/drawingml/2011/main" val="1"/>
+              <ma14:wrappingTextBoxFlag xmlns:ma14="http://schemas.microsoft.com/office/mac/drawingml/2011/main" xmlns="" val="1"/>
             </a:ext>
           </a:extLst>
         </p:spPr>
@@ -20578,7 +19472,7 @@
           </a:ln>
           <a:extLst>
             <a:ext uri="{C572A759-6A51-4108-AA02-DFA0A04FC94B}">
-              <ma14:wrappingTextBoxFlag xmlns="" xmlns:ma14="http://schemas.microsoft.com/office/mac/drawingml/2011/main" val="1"/>
+              <ma14:wrappingTextBoxFlag xmlns:ma14="http://schemas.microsoft.com/office/mac/drawingml/2011/main" xmlns="" val="1"/>
             </a:ext>
           </a:extLst>
         </p:spPr>
@@ -21635,7 +20529,7 @@
           </a:ln>
           <a:extLst>
             <a:ext uri="{C572A759-6A51-4108-AA02-DFA0A04FC94B}">
-              <ma14:wrappingTextBoxFlag xmlns="" xmlns:ma14="http://schemas.microsoft.com/office/mac/drawingml/2011/main" val="1"/>
+              <ma14:wrappingTextBoxFlag xmlns:ma14="http://schemas.microsoft.com/office/mac/drawingml/2011/main" xmlns="" val="1"/>
             </a:ext>
           </a:extLst>
         </p:spPr>
@@ -21746,7 +20640,7 @@
           </a:ln>
           <a:extLst>
             <a:ext uri="{C572A759-6A51-4108-AA02-DFA0A04FC94B}">
-              <ma14:wrappingTextBoxFlag xmlns="" xmlns:ma14="http://schemas.microsoft.com/office/mac/drawingml/2011/main" val="1"/>
+              <ma14:wrappingTextBoxFlag xmlns:ma14="http://schemas.microsoft.com/office/mac/drawingml/2011/main" xmlns="" val="1"/>
             </a:ext>
           </a:extLst>
         </p:spPr>
@@ -22589,7 +21483,7 @@
           </a:ln>
           <a:extLst>
             <a:ext uri="{C572A759-6A51-4108-AA02-DFA0A04FC94B}">
-              <ma14:wrappingTextBoxFlag xmlns="" xmlns:ma14="http://schemas.microsoft.com/office/mac/drawingml/2011/main" val="1"/>
+              <ma14:wrappingTextBoxFlag xmlns:ma14="http://schemas.microsoft.com/office/mac/drawingml/2011/main" xmlns="" val="1"/>
             </a:ext>
           </a:extLst>
         </p:spPr>

--- a/session1/A1-ER_modeling.pptx
+++ b/session1/A1-ER_modeling.pptx
@@ -258,7 +258,7 @@
                 <a:ea typeface="Arial Unicode MS" panose="020B0604020202020204" pitchFamily="34" charset="-128"/>
                 <a:cs typeface="Arial Unicode MS" panose="020B0604020202020204" pitchFamily="34" charset="-128"/>
               </a:rPr>
-              <a:t>10/21/2022</a:t>
+              <a:t>1/17/2023</a:t>
             </a:fld>
             <a:endParaRPr lang="en-US" dirty="0">
               <a:latin typeface="Arial Unicode MS" panose="020B0604020202020204" pitchFamily="34" charset="-128"/>
@@ -1736,7 +1736,7 @@
           <a:p>
             <a:fld id="{E9385586-C094-4874-A3EB-1898CF456001}" type="datetimeFigureOut">
               <a:rPr lang="en-US" smtClean="0"/>
-              <a:t>10/21/2022</a:t>
+              <a:t>1/17/2023</a:t>
             </a:fld>
             <a:endParaRPr lang="en-US"/>
           </a:p>
@@ -1905,7 +1905,7 @@
           <a:p>
             <a:fld id="{E9385586-C094-4874-A3EB-1898CF456001}" type="datetimeFigureOut">
               <a:rPr lang="en-US" smtClean="0"/>
-              <a:t>10/21/2022</a:t>
+              <a:t>1/17/2023</a:t>
             </a:fld>
             <a:endParaRPr lang="en-US"/>
           </a:p>
@@ -2084,7 +2084,7 @@
           <a:p>
             <a:fld id="{E9385586-C094-4874-A3EB-1898CF456001}" type="datetimeFigureOut">
               <a:rPr lang="en-US" smtClean="0"/>
-              <a:t>10/21/2022</a:t>
+              <a:t>1/17/2023</a:t>
             </a:fld>
             <a:endParaRPr lang="en-US"/>
           </a:p>
@@ -2284,7 +2284,7 @@
           <a:p>
             <a:fld id="{E9385586-C094-4874-A3EB-1898CF456001}" type="datetimeFigureOut">
               <a:rPr lang="en-US" smtClean="0"/>
-              <a:t>10/21/2022</a:t>
+              <a:t>1/17/2023</a:t>
             </a:fld>
             <a:endParaRPr lang="en-US"/>
           </a:p>
@@ -2529,7 +2529,7 @@
           <a:p>
             <a:fld id="{E9385586-C094-4874-A3EB-1898CF456001}" type="datetimeFigureOut">
               <a:rPr lang="en-US" smtClean="0"/>
-              <a:t>10/21/2022</a:t>
+              <a:t>1/17/2023</a:t>
             </a:fld>
             <a:endParaRPr lang="en-US"/>
           </a:p>
@@ -2759,7 +2759,7 @@
           <a:p>
             <a:fld id="{E9385586-C094-4874-A3EB-1898CF456001}" type="datetimeFigureOut">
               <a:rPr lang="en-US" smtClean="0"/>
-              <a:t>10/21/2022</a:t>
+              <a:t>1/17/2023</a:t>
             </a:fld>
             <a:endParaRPr lang="en-US"/>
           </a:p>
@@ -3124,7 +3124,7 @@
           <a:p>
             <a:fld id="{E9385586-C094-4874-A3EB-1898CF456001}" type="datetimeFigureOut">
               <a:rPr lang="en-US" smtClean="0"/>
-              <a:t>10/21/2022</a:t>
+              <a:t>1/17/2023</a:t>
             </a:fld>
             <a:endParaRPr lang="en-US"/>
           </a:p>
@@ -3242,7 +3242,7 @@
           <a:p>
             <a:fld id="{E9385586-C094-4874-A3EB-1898CF456001}" type="datetimeFigureOut">
               <a:rPr lang="en-US" smtClean="0"/>
-              <a:t>10/21/2022</a:t>
+              <a:t>1/17/2023</a:t>
             </a:fld>
             <a:endParaRPr lang="en-US"/>
           </a:p>
@@ -3337,7 +3337,7 @@
           <a:p>
             <a:fld id="{E9385586-C094-4874-A3EB-1898CF456001}" type="datetimeFigureOut">
               <a:rPr lang="en-US" smtClean="0"/>
-              <a:t>10/21/2022</a:t>
+              <a:t>1/17/2023</a:t>
             </a:fld>
             <a:endParaRPr lang="en-US"/>
           </a:p>
@@ -3613,7 +3613,7 @@
           <a:p>
             <a:fld id="{E9385586-C094-4874-A3EB-1898CF456001}" type="datetimeFigureOut">
               <a:rPr lang="en-US" smtClean="0"/>
-              <a:t>10/21/2022</a:t>
+              <a:t>1/17/2023</a:t>
             </a:fld>
             <a:endParaRPr lang="en-US"/>
           </a:p>
@@ -3866,7 +3866,7 @@
           <a:p>
             <a:fld id="{E9385586-C094-4874-A3EB-1898CF456001}" type="datetimeFigureOut">
               <a:rPr lang="en-US" smtClean="0"/>
-              <a:t>10/21/2022</a:t>
+              <a:t>1/17/2023</a:t>
             </a:fld>
             <a:endParaRPr lang="en-US"/>
           </a:p>
@@ -4082,7 +4082,7 @@
             <a:fld id="{E9385586-C094-4874-A3EB-1898CF456001}" type="datetimeFigureOut">
               <a:rPr lang="en-US" smtClean="0"/>
               <a:pPr/>
-              <a:t>10/21/2022</a:t>
+              <a:t>1/17/2023</a:t>
             </a:fld>
             <a:endParaRPr lang="en-US" dirty="0"/>
           </a:p>
@@ -4514,7 +4514,7 @@
           </a:ln>
           <a:extLst>
             <a:ext uri="{C572A759-6A51-4108-AA02-DFA0A04FC94B}">
-              <ma14:wrappingTextBoxFlag xmlns:ma14="http://schemas.microsoft.com/office/mac/drawingml/2011/main" xmlns="" val="1"/>
+              <ma14:wrappingTextBoxFlag xmlns="" xmlns:ma14="http://schemas.microsoft.com/office/mac/drawingml/2011/main" val="1"/>
             </a:ext>
           </a:extLst>
         </p:spPr>
@@ -4602,7 +4602,7 @@
           </a:ln>
           <a:extLst>
             <a:ext uri="{C572A759-6A51-4108-AA02-DFA0A04FC94B}">
-              <ma14:wrappingTextBoxFlag xmlns:ma14="http://schemas.microsoft.com/office/mac/drawingml/2011/main" xmlns="" val="1"/>
+              <ma14:wrappingTextBoxFlag xmlns="" xmlns:ma14="http://schemas.microsoft.com/office/mac/drawingml/2011/main" val="1"/>
             </a:ext>
           </a:extLst>
         </p:spPr>
@@ -4713,7 +4713,7 @@
           </a:ln>
           <a:extLst>
             <a:ext uri="{C572A759-6A51-4108-AA02-DFA0A04FC94B}">
-              <ma14:wrappingTextBoxFlag xmlns:ma14="http://schemas.microsoft.com/office/mac/drawingml/2011/main" xmlns="" val="1"/>
+              <ma14:wrappingTextBoxFlag xmlns="" xmlns:ma14="http://schemas.microsoft.com/office/mac/drawingml/2011/main" val="1"/>
             </a:ext>
           </a:extLst>
         </p:spPr>
@@ -5550,7 +5550,7 @@
           </a:ln>
           <a:extLst>
             <a:ext uri="{C572A759-6A51-4108-AA02-DFA0A04FC94B}">
-              <ma14:wrappingTextBoxFlag xmlns:ma14="http://schemas.microsoft.com/office/mac/drawingml/2011/main" xmlns="" val="1"/>
+              <ma14:wrappingTextBoxFlag xmlns="" xmlns:ma14="http://schemas.microsoft.com/office/mac/drawingml/2011/main" val="1"/>
             </a:ext>
           </a:extLst>
         </p:spPr>
@@ -6612,7 +6612,7 @@
           </a:ln>
           <a:extLst>
             <a:ext uri="{C572A759-6A51-4108-AA02-DFA0A04FC94B}">
-              <ma14:wrappingTextBoxFlag xmlns:ma14="http://schemas.microsoft.com/office/mac/drawingml/2011/main" xmlns="" val="1"/>
+              <ma14:wrappingTextBoxFlag xmlns="" xmlns:ma14="http://schemas.microsoft.com/office/mac/drawingml/2011/main" val="1"/>
             </a:ext>
           </a:extLst>
         </p:spPr>
@@ -8284,6 +8284,41 @@
           <a:chExt cx="0" cy="0"/>
         </a:xfrm>
       </p:grpSpPr>
+      <p:pic>
+        <p:nvPicPr>
+          <p:cNvPr id="29" name="Picture 28" descr="Diagram&#10;&#10;Description automatically generated">
+            <a:extLst>
+              <a:ext uri="{FF2B5EF4-FFF2-40B4-BE49-F238E27FC236}">
+                <a16:creationId xmlns:a16="http://schemas.microsoft.com/office/drawing/2014/main" id="{A0C54447-A259-3DAD-ADDE-24CC937CF4BF}"/>
+              </a:ext>
+            </a:extLst>
+          </p:cNvPr>
+          <p:cNvPicPr>
+            <a:picLocks noChangeAspect="1"/>
+          </p:cNvPicPr>
+          <p:nvPr/>
+        </p:nvPicPr>
+        <p:blipFill rotWithShape="1">
+          <a:blip r:embed="rId3" cstate="print">
+            <a:extLst>
+              <a:ext uri="{28A0092B-C50C-407E-A947-70E740481C1C}">
+                <a14:useLocalDpi xmlns:a14="http://schemas.microsoft.com/office/drawing/2010/main" val="0"/>
+              </a:ext>
+            </a:extLst>
+          </a:blip>
+          <a:srcRect l="314" r="21687"/>
+          <a:stretch/>
+        </p:blipFill>
+        <p:spPr>
+          <a:xfrm>
+            <a:off x="484139" y="1519128"/>
+            <a:ext cx="8144752" cy="2109493"/>
+          </a:xfrm>
+          <a:prstGeom prst="rect">
+            <a:avLst/>
+          </a:prstGeom>
+        </p:spPr>
+      </p:pic>
       <p:sp>
         <p:nvSpPr>
           <p:cNvPr id="417" name="Shape 417"/>
@@ -8303,7 +8338,7 @@
           </a:ln>
           <a:extLst>
             <a:ext uri="{C572A759-6A51-4108-AA02-DFA0A04FC94B}">
-              <ma14:wrappingTextBoxFlag xmlns:ma14="http://schemas.microsoft.com/office/mac/drawingml/2011/main" xmlns="" val="1"/>
+              <ma14:wrappingTextBoxFlag xmlns="" xmlns:ma14="http://schemas.microsoft.com/office/mac/drawingml/2011/main" val="1"/>
             </a:ext>
           </a:extLst>
         </p:spPr>
@@ -8366,99 +8401,6 @@
           </a:p>
         </p:txBody>
       </p:sp>
-      <p:grpSp>
-        <p:nvGrpSpPr>
-          <p:cNvPr id="420" name="Group 420"/>
-          <p:cNvGrpSpPr/>
-          <p:nvPr/>
-        </p:nvGrpSpPr>
-        <p:grpSpPr>
-          <a:xfrm>
-            <a:off x="810986" y="881743"/>
-            <a:ext cx="7467600" cy="3411539"/>
-            <a:chOff x="0" y="0"/>
-            <a:chExt cx="7467600" cy="3411538"/>
-          </a:xfrm>
-        </p:grpSpPr>
-        <p:sp>
-          <p:nvSpPr>
-            <p:cNvPr id="418" name="Shape 418"/>
-            <p:cNvSpPr/>
-            <p:nvPr/>
-          </p:nvSpPr>
-          <p:spPr>
-            <a:xfrm>
-              <a:off x="0" y="0"/>
-              <a:ext cx="7467600" cy="3411538"/>
-            </a:xfrm>
-            <a:prstGeom prst="rect">
-              <a:avLst/>
-            </a:prstGeom>
-            <a:solidFill>
-              <a:srgbClr val="FFFFFF"/>
-            </a:solidFill>
-            <a:ln w="12700" cap="flat">
-              <a:noFill/>
-              <a:miter lim="400000"/>
-            </a:ln>
-            <a:effectLst/>
-          </p:spPr>
-          <p:txBody>
-            <a:bodyPr wrap="square" lIns="0" tIns="0" rIns="0" bIns="0" numCol="1" anchor="t">
-              <a:noAutofit/>
-            </a:bodyPr>
-            <a:lstStyle/>
-            <a:p>
-              <a:pPr lvl="0">
-                <a:defRPr sz="1800">
-                  <a:solidFill>
-                    <a:srgbClr val="000000"/>
-                  </a:solidFill>
-                  <a:latin typeface="+mn-lt"/>
-                  <a:ea typeface="+mn-ea"/>
-                  <a:cs typeface="+mn-cs"/>
-                  <a:sym typeface="Arial"/>
-                </a:defRPr>
-              </a:pPr>
-              <a:endParaRPr dirty="0">
-                <a:solidFill>
-                  <a:schemeClr val="tx1"/>
-                </a:solidFill>
-                <a:latin typeface="Arial Unicode MS" panose="020B0604020202020204" pitchFamily="34" charset="-128"/>
-                <a:ea typeface="Arial Unicode MS" panose="020B0604020202020204" pitchFamily="34" charset="-128"/>
-                <a:cs typeface="Arial Unicode MS" panose="020B0604020202020204" pitchFamily="34" charset="-128"/>
-              </a:endParaRPr>
-            </a:p>
-          </p:txBody>
-        </p:sp>
-        <p:pic>
-          <p:nvPicPr>
-            <p:cNvPr id="419" name="image.pdf"/>
-            <p:cNvPicPr/>
-            <p:nvPr/>
-          </p:nvPicPr>
-          <p:blipFill>
-            <a:blip r:embed="rId3"/>
-            <a:stretch>
-              <a:fillRect/>
-            </a:stretch>
-          </p:blipFill>
-          <p:spPr>
-            <a:xfrm>
-              <a:off x="0" y="0"/>
-              <a:ext cx="7467600" cy="3411538"/>
-            </a:xfrm>
-            <a:prstGeom prst="rect">
-              <a:avLst/>
-            </a:prstGeom>
-            <a:ln w="12700" cap="flat">
-              <a:noFill/>
-              <a:miter lim="400000"/>
-            </a:ln>
-            <a:effectLst/>
-          </p:spPr>
-        </p:pic>
-      </p:grpSp>
       <p:sp>
         <p:nvSpPr>
           <p:cNvPr id="2" name="TextBox 1"/>
@@ -8550,6 +8492,744 @@
               <a:solidFill>
                 <a:schemeClr val="tx1"/>
               </a:solidFill>
+              <a:latin typeface="Arial Unicode MS" panose="020B0604020202020204" pitchFamily="34" charset="-128"/>
+              <a:ea typeface="Arial Unicode MS" panose="020B0604020202020204" pitchFamily="34" charset="-128"/>
+              <a:cs typeface="Arial Unicode MS" panose="020B0604020202020204" pitchFamily="34" charset="-128"/>
+            </a:endParaRPr>
+          </a:p>
+        </p:txBody>
+      </p:sp>
+      <p:sp>
+        <p:nvSpPr>
+          <p:cNvPr id="5" name="Shape 308">
+            <a:extLst>
+              <a:ext uri="{FF2B5EF4-FFF2-40B4-BE49-F238E27FC236}">
+                <a16:creationId xmlns:a16="http://schemas.microsoft.com/office/drawing/2014/main" id="{F60B1880-4D45-66CC-A73D-FCCE000F6428}"/>
+              </a:ext>
+            </a:extLst>
+          </p:cNvPr>
+          <p:cNvSpPr/>
+          <p:nvPr/>
+        </p:nvSpPr>
+        <p:spPr>
+          <a:xfrm>
+            <a:off x="2686098" y="1039037"/>
+            <a:ext cx="1899142" cy="492443"/>
+          </a:xfrm>
+          <a:prstGeom prst="rect">
+            <a:avLst/>
+          </a:prstGeom>
+          <a:ln w="12700">
+            <a:miter lim="400000"/>
+          </a:ln>
+          <a:extLst>
+            <a:ext uri="{C572A759-6A51-4108-AA02-DFA0A04FC94B}">
+              <ma14:wrappingTextBoxFlag xmlns="" xmlns:ma14="http://schemas.microsoft.com/office/mac/drawingml/2011/main" val="1"/>
+            </a:ext>
+          </a:extLst>
+        </p:spPr>
+        <p:txBody>
+          <a:bodyPr wrap="square" lIns="0" tIns="0" rIns="0" bIns="0">
+            <a:spAutoFit/>
+          </a:bodyPr>
+          <a:lstStyle>
+            <a:lvl1pPr>
+              <a:defRPr>
+                <a:solidFill>
+                  <a:srgbClr val="FF2600"/>
+                </a:solidFill>
+              </a:defRPr>
+            </a:lvl1pPr>
+          </a:lstStyle>
+          <a:p>
+            <a:pPr lvl="0" algn="ctr">
+              <a:defRPr sz="1800">
+                <a:solidFill>
+                  <a:srgbClr val="000000"/>
+                </a:solidFill>
+                <a:uFillTx/>
+              </a:defRPr>
+            </a:pPr>
+            <a:r>
+              <a:rPr lang="en-US" sz="1600" b="1" dirty="0">
+                <a:solidFill>
+                  <a:srgbClr val="57068C"/>
+                </a:solidFill>
+                <a:uFill>
+                  <a:solidFill/>
+                </a:uFill>
+                <a:latin typeface="Arial Unicode MS" panose="020B0604020202020204" pitchFamily="34" charset="-128"/>
+                <a:ea typeface="Arial Unicode MS" panose="020B0604020202020204" pitchFamily="34" charset="-128"/>
+                <a:cs typeface="Arial Unicode MS" panose="020B0604020202020204" pitchFamily="34" charset="-128"/>
+              </a:rPr>
+              <a:t>Inside symbol </a:t>
+            </a:r>
+            <a:r>
+              <a:rPr lang="en-US" sz="1600" dirty="0">
+                <a:solidFill>
+                  <a:srgbClr val="57068C"/>
+                </a:solidFill>
+                <a:uFill>
+                  <a:solidFill/>
+                </a:uFill>
+                <a:latin typeface="Arial Unicode MS" panose="020B0604020202020204" pitchFamily="34" charset="-128"/>
+                <a:ea typeface="Arial Unicode MS" panose="020B0604020202020204" pitchFamily="34" charset="-128"/>
+                <a:cs typeface="Arial Unicode MS" panose="020B0604020202020204" pitchFamily="34" charset="-128"/>
+              </a:rPr>
+              <a:t>Minimum cardinality</a:t>
+            </a:r>
+            <a:endParaRPr sz="1600" dirty="0">
+              <a:solidFill>
+                <a:srgbClr val="57068C"/>
+              </a:solidFill>
+              <a:uFill>
+                <a:solidFill/>
+              </a:uFill>
+              <a:latin typeface="Arial Unicode MS" panose="020B0604020202020204" pitchFamily="34" charset="-128"/>
+              <a:ea typeface="Arial Unicode MS" panose="020B0604020202020204" pitchFamily="34" charset="-128"/>
+              <a:cs typeface="Arial Unicode MS" panose="020B0604020202020204" pitchFamily="34" charset="-128"/>
+            </a:endParaRPr>
+          </a:p>
+        </p:txBody>
+      </p:sp>
+      <p:cxnSp>
+        <p:nvCxnSpPr>
+          <p:cNvPr id="6" name="Straight Arrow Connector 5">
+            <a:extLst>
+              <a:ext uri="{FF2B5EF4-FFF2-40B4-BE49-F238E27FC236}">
+                <a16:creationId xmlns:a16="http://schemas.microsoft.com/office/drawing/2014/main" id="{B3A57559-BBFF-FF2D-F62D-D49DD0764B19}"/>
+              </a:ext>
+            </a:extLst>
+          </p:cNvPr>
+          <p:cNvCxnSpPr>
+            <a:cxnSpLocks/>
+            <a:stCxn id="5" idx="2"/>
+          </p:cNvCxnSpPr>
+          <p:nvPr/>
+        </p:nvCxnSpPr>
+        <p:spPr>
+          <a:xfrm flipH="1">
+            <a:off x="3517751" y="1531480"/>
+            <a:ext cx="117918" cy="985809"/>
+          </a:xfrm>
+          <a:prstGeom prst="straightConnector1">
+            <a:avLst/>
+          </a:prstGeom>
+          <a:ln w="28575">
+            <a:solidFill>
+              <a:srgbClr val="57068C"/>
+            </a:solidFill>
+            <a:tailEnd type="triangle"/>
+          </a:ln>
+        </p:spPr>
+        <p:style>
+          <a:lnRef idx="1">
+            <a:schemeClr val="accent1"/>
+          </a:lnRef>
+          <a:fillRef idx="0">
+            <a:schemeClr val="accent1"/>
+          </a:fillRef>
+          <a:effectRef idx="0">
+            <a:schemeClr val="accent1"/>
+          </a:effectRef>
+          <a:fontRef idx="minor">
+            <a:schemeClr val="tx1"/>
+          </a:fontRef>
+        </p:style>
+      </p:cxnSp>
+      <p:sp>
+        <p:nvSpPr>
+          <p:cNvPr id="10" name="Shape 308">
+            <a:extLst>
+              <a:ext uri="{FF2B5EF4-FFF2-40B4-BE49-F238E27FC236}">
+                <a16:creationId xmlns:a16="http://schemas.microsoft.com/office/drawing/2014/main" id="{5505EFB6-A8E0-5AFB-EBB4-EE66B9B13714}"/>
+              </a:ext>
+            </a:extLst>
+          </p:cNvPr>
+          <p:cNvSpPr/>
+          <p:nvPr/>
+        </p:nvSpPr>
+        <p:spPr>
+          <a:xfrm>
+            <a:off x="2447032" y="3838114"/>
+            <a:ext cx="1899142" cy="492443"/>
+          </a:xfrm>
+          <a:prstGeom prst="rect">
+            <a:avLst/>
+          </a:prstGeom>
+          <a:ln w="12700">
+            <a:miter lim="400000"/>
+          </a:ln>
+          <a:extLst>
+            <a:ext uri="{C572A759-6A51-4108-AA02-DFA0A04FC94B}">
+              <ma14:wrappingTextBoxFlag xmlns="" xmlns:ma14="http://schemas.microsoft.com/office/mac/drawingml/2011/main" val="1"/>
+            </a:ext>
+          </a:extLst>
+        </p:spPr>
+        <p:txBody>
+          <a:bodyPr wrap="square" lIns="0" tIns="0" rIns="0" bIns="0">
+            <a:spAutoFit/>
+          </a:bodyPr>
+          <a:lstStyle>
+            <a:lvl1pPr>
+              <a:defRPr>
+                <a:solidFill>
+                  <a:srgbClr val="FF2600"/>
+                </a:solidFill>
+              </a:defRPr>
+            </a:lvl1pPr>
+          </a:lstStyle>
+          <a:p>
+            <a:pPr lvl="0" algn="ctr">
+              <a:defRPr sz="1800">
+                <a:solidFill>
+                  <a:srgbClr val="000000"/>
+                </a:solidFill>
+                <a:uFillTx/>
+              </a:defRPr>
+            </a:pPr>
+            <a:r>
+              <a:rPr lang="en-US" sz="1600" b="1" dirty="0">
+                <a:solidFill>
+                  <a:srgbClr val="57068C"/>
+                </a:solidFill>
+                <a:uFill>
+                  <a:solidFill/>
+                </a:uFill>
+                <a:latin typeface="Arial Unicode MS" panose="020B0604020202020204" pitchFamily="34" charset="-128"/>
+                <a:ea typeface="Arial Unicode MS" panose="020B0604020202020204" pitchFamily="34" charset="-128"/>
+                <a:cs typeface="Arial Unicode MS" panose="020B0604020202020204" pitchFamily="34" charset="-128"/>
+              </a:rPr>
+              <a:t>Outside symbol </a:t>
+            </a:r>
+            <a:r>
+              <a:rPr lang="en-US" sz="1600" dirty="0">
+                <a:solidFill>
+                  <a:srgbClr val="57068C"/>
+                </a:solidFill>
+                <a:uFill>
+                  <a:solidFill/>
+                </a:uFill>
+                <a:latin typeface="Arial Unicode MS" panose="020B0604020202020204" pitchFamily="34" charset="-128"/>
+                <a:ea typeface="Arial Unicode MS" panose="020B0604020202020204" pitchFamily="34" charset="-128"/>
+                <a:cs typeface="Arial Unicode MS" panose="020B0604020202020204" pitchFamily="34" charset="-128"/>
+              </a:rPr>
+              <a:t>Maximum cardinality</a:t>
+            </a:r>
+            <a:endParaRPr sz="1600" dirty="0">
+              <a:solidFill>
+                <a:srgbClr val="57068C"/>
+              </a:solidFill>
+              <a:uFill>
+                <a:solidFill/>
+              </a:uFill>
+              <a:latin typeface="Arial Unicode MS" panose="020B0604020202020204" pitchFamily="34" charset="-128"/>
+              <a:ea typeface="Arial Unicode MS" panose="020B0604020202020204" pitchFamily="34" charset="-128"/>
+              <a:cs typeface="Arial Unicode MS" panose="020B0604020202020204" pitchFamily="34" charset="-128"/>
+            </a:endParaRPr>
+          </a:p>
+        </p:txBody>
+      </p:sp>
+      <p:cxnSp>
+        <p:nvCxnSpPr>
+          <p:cNvPr id="12" name="Straight Arrow Connector 11">
+            <a:extLst>
+              <a:ext uri="{FF2B5EF4-FFF2-40B4-BE49-F238E27FC236}">
+                <a16:creationId xmlns:a16="http://schemas.microsoft.com/office/drawing/2014/main" id="{7C6E2B59-D584-1DD4-03EE-FC36899371C4}"/>
+              </a:ext>
+            </a:extLst>
+          </p:cNvPr>
+          <p:cNvCxnSpPr>
+            <a:cxnSpLocks/>
+          </p:cNvCxnSpPr>
+          <p:nvPr/>
+        </p:nvCxnSpPr>
+        <p:spPr>
+          <a:xfrm flipV="1">
+            <a:off x="3396603" y="2715394"/>
+            <a:ext cx="0" cy="1152685"/>
+          </a:xfrm>
+          <a:prstGeom prst="straightConnector1">
+            <a:avLst/>
+          </a:prstGeom>
+          <a:ln w="28575">
+            <a:solidFill>
+              <a:srgbClr val="57068C"/>
+            </a:solidFill>
+            <a:tailEnd type="triangle"/>
+          </a:ln>
+        </p:spPr>
+        <p:style>
+          <a:lnRef idx="1">
+            <a:schemeClr val="accent1"/>
+          </a:lnRef>
+          <a:fillRef idx="0">
+            <a:schemeClr val="accent1"/>
+          </a:fillRef>
+          <a:effectRef idx="0">
+            <a:schemeClr val="accent1"/>
+          </a:effectRef>
+          <a:fontRef idx="minor">
+            <a:schemeClr val="tx1"/>
+          </a:fontRef>
+        </p:style>
+      </p:cxnSp>
+      <p:sp>
+        <p:nvSpPr>
+          <p:cNvPr id="32" name="Shape 308">
+            <a:extLst>
+              <a:ext uri="{FF2B5EF4-FFF2-40B4-BE49-F238E27FC236}">
+                <a16:creationId xmlns:a16="http://schemas.microsoft.com/office/drawing/2014/main" id="{D3550E72-5A71-72C0-DE90-854CEBD9AF71}"/>
+              </a:ext>
+            </a:extLst>
+          </p:cNvPr>
+          <p:cNvSpPr/>
+          <p:nvPr/>
+        </p:nvSpPr>
+        <p:spPr>
+          <a:xfrm>
+            <a:off x="4707923" y="1160319"/>
+            <a:ext cx="1899142" cy="492443"/>
+          </a:xfrm>
+          <a:prstGeom prst="rect">
+            <a:avLst/>
+          </a:prstGeom>
+          <a:ln w="12700">
+            <a:miter lim="400000"/>
+          </a:ln>
+          <a:extLst>
+            <a:ext uri="{C572A759-6A51-4108-AA02-DFA0A04FC94B}">
+              <ma14:wrappingTextBoxFlag xmlns="" xmlns:ma14="http://schemas.microsoft.com/office/mac/drawingml/2011/main" val="1"/>
+            </a:ext>
+          </a:extLst>
+        </p:spPr>
+        <p:txBody>
+          <a:bodyPr wrap="square" lIns="0" tIns="0" rIns="0" bIns="0">
+            <a:spAutoFit/>
+          </a:bodyPr>
+          <a:lstStyle>
+            <a:lvl1pPr>
+              <a:defRPr>
+                <a:solidFill>
+                  <a:srgbClr val="FF2600"/>
+                </a:solidFill>
+              </a:defRPr>
+            </a:lvl1pPr>
+          </a:lstStyle>
+          <a:p>
+            <a:pPr lvl="0" algn="ctr">
+              <a:defRPr sz="1800">
+                <a:solidFill>
+                  <a:srgbClr val="000000"/>
+                </a:solidFill>
+                <a:uFillTx/>
+              </a:defRPr>
+            </a:pPr>
+            <a:r>
+              <a:rPr lang="en-US" sz="1600" b="1" dirty="0">
+                <a:solidFill>
+                  <a:srgbClr val="57068C"/>
+                </a:solidFill>
+                <a:uFill>
+                  <a:solidFill/>
+                </a:uFill>
+                <a:latin typeface="Arial Unicode MS" panose="020B0604020202020204" pitchFamily="34" charset="-128"/>
+                <a:ea typeface="Arial Unicode MS" panose="020B0604020202020204" pitchFamily="34" charset="-128"/>
+                <a:cs typeface="Arial Unicode MS" panose="020B0604020202020204" pitchFamily="34" charset="-128"/>
+              </a:rPr>
+              <a:t>“Crow’s foot” </a:t>
+            </a:r>
+            <a:br>
+              <a:rPr lang="en-US" sz="1600" b="1" dirty="0">
+                <a:solidFill>
+                  <a:srgbClr val="57068C"/>
+                </a:solidFill>
+                <a:uFill>
+                  <a:solidFill/>
+                </a:uFill>
+                <a:latin typeface="Arial Unicode MS" panose="020B0604020202020204" pitchFamily="34" charset="-128"/>
+                <a:ea typeface="Arial Unicode MS" panose="020B0604020202020204" pitchFamily="34" charset="-128"/>
+                <a:cs typeface="Arial Unicode MS" panose="020B0604020202020204" pitchFamily="34" charset="-128"/>
+              </a:rPr>
+            </a:br>
+            <a:r>
+              <a:rPr lang="en-US" sz="1600" dirty="0">
+                <a:solidFill>
+                  <a:srgbClr val="57068C"/>
+                </a:solidFill>
+                <a:uFill>
+                  <a:solidFill/>
+                </a:uFill>
+                <a:latin typeface="Arial Unicode MS" panose="020B0604020202020204" pitchFamily="34" charset="-128"/>
+                <a:ea typeface="Arial Unicode MS" panose="020B0604020202020204" pitchFamily="34" charset="-128"/>
+                <a:cs typeface="Arial Unicode MS" panose="020B0604020202020204" pitchFamily="34" charset="-128"/>
+              </a:rPr>
+              <a:t>Cardinality: Many</a:t>
+            </a:r>
+            <a:endParaRPr sz="1600" dirty="0">
+              <a:solidFill>
+                <a:srgbClr val="57068C"/>
+              </a:solidFill>
+              <a:uFill>
+                <a:solidFill/>
+              </a:uFill>
+              <a:latin typeface="Arial Unicode MS" panose="020B0604020202020204" pitchFamily="34" charset="-128"/>
+              <a:ea typeface="Arial Unicode MS" panose="020B0604020202020204" pitchFamily="34" charset="-128"/>
+              <a:cs typeface="Arial Unicode MS" panose="020B0604020202020204" pitchFamily="34" charset="-128"/>
+            </a:endParaRPr>
+          </a:p>
+        </p:txBody>
+      </p:sp>
+      <p:cxnSp>
+        <p:nvCxnSpPr>
+          <p:cNvPr id="33" name="Straight Arrow Connector 32">
+            <a:extLst>
+              <a:ext uri="{FF2B5EF4-FFF2-40B4-BE49-F238E27FC236}">
+                <a16:creationId xmlns:a16="http://schemas.microsoft.com/office/drawing/2014/main" id="{14B5FDA9-BD39-4B00-BCDF-8E703A99BD6C}"/>
+              </a:ext>
+            </a:extLst>
+          </p:cNvPr>
+          <p:cNvCxnSpPr>
+            <a:cxnSpLocks/>
+            <a:stCxn id="32" idx="2"/>
+          </p:cNvCxnSpPr>
+          <p:nvPr/>
+        </p:nvCxnSpPr>
+        <p:spPr>
+          <a:xfrm>
+            <a:off x="5657494" y="1652762"/>
+            <a:ext cx="38680" cy="809118"/>
+          </a:xfrm>
+          <a:prstGeom prst="straightConnector1">
+            <a:avLst/>
+          </a:prstGeom>
+          <a:ln w="28575">
+            <a:solidFill>
+              <a:srgbClr val="57068C"/>
+            </a:solidFill>
+            <a:tailEnd type="triangle"/>
+          </a:ln>
+        </p:spPr>
+        <p:style>
+          <a:lnRef idx="1">
+            <a:schemeClr val="accent1"/>
+          </a:lnRef>
+          <a:fillRef idx="0">
+            <a:schemeClr val="accent1"/>
+          </a:fillRef>
+          <a:effectRef idx="0">
+            <a:schemeClr val="accent1"/>
+          </a:effectRef>
+          <a:fontRef idx="minor">
+            <a:schemeClr val="tx1"/>
+          </a:fontRef>
+        </p:style>
+      </p:cxnSp>
+      <p:sp>
+        <p:nvSpPr>
+          <p:cNvPr id="38" name="Shape 308">
+            <a:extLst>
+              <a:ext uri="{FF2B5EF4-FFF2-40B4-BE49-F238E27FC236}">
+                <a16:creationId xmlns:a16="http://schemas.microsoft.com/office/drawing/2014/main" id="{5CA81781-B84F-083D-1883-4C8A418190E3}"/>
+              </a:ext>
+            </a:extLst>
+          </p:cNvPr>
+          <p:cNvSpPr/>
+          <p:nvPr/>
+        </p:nvSpPr>
+        <p:spPr>
+          <a:xfrm>
+            <a:off x="4456469" y="3223195"/>
+            <a:ext cx="1899142" cy="492443"/>
+          </a:xfrm>
+          <a:prstGeom prst="rect">
+            <a:avLst/>
+          </a:prstGeom>
+          <a:ln w="12700">
+            <a:miter lim="400000"/>
+          </a:ln>
+          <a:extLst>
+            <a:ext uri="{C572A759-6A51-4108-AA02-DFA0A04FC94B}">
+              <ma14:wrappingTextBoxFlag xmlns="" xmlns:ma14="http://schemas.microsoft.com/office/mac/drawingml/2011/main" val="1"/>
+            </a:ext>
+          </a:extLst>
+        </p:spPr>
+        <p:txBody>
+          <a:bodyPr wrap="square" lIns="0" tIns="0" rIns="0" bIns="0">
+            <a:spAutoFit/>
+          </a:bodyPr>
+          <a:lstStyle>
+            <a:lvl1pPr>
+              <a:defRPr>
+                <a:solidFill>
+                  <a:srgbClr val="FF2600"/>
+                </a:solidFill>
+              </a:defRPr>
+            </a:lvl1pPr>
+          </a:lstStyle>
+          <a:p>
+            <a:pPr lvl="0" algn="ctr">
+              <a:defRPr sz="1800">
+                <a:solidFill>
+                  <a:srgbClr val="000000"/>
+                </a:solidFill>
+                <a:uFillTx/>
+              </a:defRPr>
+            </a:pPr>
+            <a:r>
+              <a:rPr lang="en-US" sz="1600" b="1" dirty="0">
+                <a:solidFill>
+                  <a:srgbClr val="57068C"/>
+                </a:solidFill>
+                <a:uFill>
+                  <a:solidFill/>
+                </a:uFill>
+                <a:latin typeface="Arial Unicode MS" panose="020B0604020202020204" pitchFamily="34" charset="-128"/>
+                <a:ea typeface="Arial Unicode MS" panose="020B0604020202020204" pitchFamily="34" charset="-128"/>
+                <a:cs typeface="Arial Unicode MS" panose="020B0604020202020204" pitchFamily="34" charset="-128"/>
+              </a:rPr>
+              <a:t>Circle</a:t>
+            </a:r>
+            <a:br>
+              <a:rPr lang="en-US" sz="1600" b="1" dirty="0">
+                <a:solidFill>
+                  <a:srgbClr val="57068C"/>
+                </a:solidFill>
+                <a:uFill>
+                  <a:solidFill/>
+                </a:uFill>
+                <a:latin typeface="Arial Unicode MS" panose="020B0604020202020204" pitchFamily="34" charset="-128"/>
+                <a:ea typeface="Arial Unicode MS" panose="020B0604020202020204" pitchFamily="34" charset="-128"/>
+                <a:cs typeface="Arial Unicode MS" panose="020B0604020202020204" pitchFamily="34" charset="-128"/>
+              </a:rPr>
+            </a:br>
+            <a:r>
+              <a:rPr lang="en-US" sz="1600" dirty="0">
+                <a:solidFill>
+                  <a:srgbClr val="57068C"/>
+                </a:solidFill>
+                <a:uFill>
+                  <a:solidFill/>
+                </a:uFill>
+                <a:latin typeface="Arial Unicode MS" panose="020B0604020202020204" pitchFamily="34" charset="-128"/>
+                <a:ea typeface="Arial Unicode MS" panose="020B0604020202020204" pitchFamily="34" charset="-128"/>
+                <a:cs typeface="Arial Unicode MS" panose="020B0604020202020204" pitchFamily="34" charset="-128"/>
+              </a:rPr>
+              <a:t>Cardinality: Zero</a:t>
+            </a:r>
+            <a:endParaRPr sz="1600" dirty="0">
+              <a:solidFill>
+                <a:srgbClr val="57068C"/>
+              </a:solidFill>
+              <a:uFill>
+                <a:solidFill/>
+              </a:uFill>
+              <a:latin typeface="Arial Unicode MS" panose="020B0604020202020204" pitchFamily="34" charset="-128"/>
+              <a:ea typeface="Arial Unicode MS" panose="020B0604020202020204" pitchFamily="34" charset="-128"/>
+              <a:cs typeface="Arial Unicode MS" panose="020B0604020202020204" pitchFamily="34" charset="-128"/>
+            </a:endParaRPr>
+          </a:p>
+        </p:txBody>
+      </p:sp>
+      <p:cxnSp>
+        <p:nvCxnSpPr>
+          <p:cNvPr id="39" name="Straight Arrow Connector 38">
+            <a:extLst>
+              <a:ext uri="{FF2B5EF4-FFF2-40B4-BE49-F238E27FC236}">
+                <a16:creationId xmlns:a16="http://schemas.microsoft.com/office/drawing/2014/main" id="{D2FA3985-F8E6-9663-C6CB-4D5045F9769A}"/>
+              </a:ext>
+            </a:extLst>
+          </p:cNvPr>
+          <p:cNvCxnSpPr>
+            <a:cxnSpLocks/>
+            <a:stCxn id="38" idx="0"/>
+          </p:cNvCxnSpPr>
+          <p:nvPr/>
+        </p:nvCxnSpPr>
+        <p:spPr>
+          <a:xfrm flipV="1">
+            <a:off x="5406040" y="2715394"/>
+            <a:ext cx="150285" cy="507801"/>
+          </a:xfrm>
+          <a:prstGeom prst="straightConnector1">
+            <a:avLst/>
+          </a:prstGeom>
+          <a:ln w="28575">
+            <a:solidFill>
+              <a:srgbClr val="57068C"/>
+            </a:solidFill>
+            <a:tailEnd type="triangle"/>
+          </a:ln>
+        </p:spPr>
+        <p:style>
+          <a:lnRef idx="1">
+            <a:schemeClr val="accent1"/>
+          </a:lnRef>
+          <a:fillRef idx="0">
+            <a:schemeClr val="accent1"/>
+          </a:fillRef>
+          <a:effectRef idx="0">
+            <a:schemeClr val="accent1"/>
+          </a:effectRef>
+          <a:fontRef idx="minor">
+            <a:schemeClr val="tx1"/>
+          </a:fontRef>
+        </p:style>
+      </p:cxnSp>
+      <p:cxnSp>
+        <p:nvCxnSpPr>
+          <p:cNvPr id="43" name="Straight Arrow Connector 42">
+            <a:extLst>
+              <a:ext uri="{FF2B5EF4-FFF2-40B4-BE49-F238E27FC236}">
+                <a16:creationId xmlns:a16="http://schemas.microsoft.com/office/drawing/2014/main" id="{1AC5363D-7900-035F-6E42-2623AACB6FD5}"/>
+              </a:ext>
+            </a:extLst>
+          </p:cNvPr>
+          <p:cNvCxnSpPr>
+            <a:cxnSpLocks/>
+          </p:cNvCxnSpPr>
+          <p:nvPr/>
+        </p:nvCxnSpPr>
+        <p:spPr>
+          <a:xfrm flipH="1" flipV="1">
+            <a:off x="3517751" y="2688614"/>
+            <a:ext cx="1148952" cy="1284163"/>
+          </a:xfrm>
+          <a:prstGeom prst="straightConnector1">
+            <a:avLst/>
+          </a:prstGeom>
+          <a:ln w="28575">
+            <a:solidFill>
+              <a:srgbClr val="57068C"/>
+            </a:solidFill>
+            <a:tailEnd type="triangle"/>
+          </a:ln>
+        </p:spPr>
+        <p:style>
+          <a:lnRef idx="1">
+            <a:schemeClr val="accent1"/>
+          </a:lnRef>
+          <a:fillRef idx="0">
+            <a:schemeClr val="accent1"/>
+          </a:fillRef>
+          <a:effectRef idx="0">
+            <a:schemeClr val="accent1"/>
+          </a:effectRef>
+          <a:fontRef idx="minor">
+            <a:schemeClr val="tx1"/>
+          </a:fontRef>
+        </p:style>
+      </p:cxnSp>
+      <p:sp>
+        <p:nvSpPr>
+          <p:cNvPr id="45" name="Shape 308">
+            <a:extLst>
+              <a:ext uri="{FF2B5EF4-FFF2-40B4-BE49-F238E27FC236}">
+                <a16:creationId xmlns:a16="http://schemas.microsoft.com/office/drawing/2014/main" id="{CA590042-44C0-554B-03A3-3122091B3B88}"/>
+              </a:ext>
+            </a:extLst>
+          </p:cNvPr>
+          <p:cNvSpPr/>
+          <p:nvPr/>
+        </p:nvSpPr>
+        <p:spPr>
+          <a:xfrm>
+            <a:off x="4606754" y="3942280"/>
+            <a:ext cx="1899142" cy="492443"/>
+          </a:xfrm>
+          <a:prstGeom prst="rect">
+            <a:avLst/>
+          </a:prstGeom>
+          <a:ln w="12700">
+            <a:miter lim="400000"/>
+          </a:ln>
+          <a:extLst>
+            <a:ext uri="{C572A759-6A51-4108-AA02-DFA0A04FC94B}">
+              <ma14:wrappingTextBoxFlag xmlns="" xmlns:ma14="http://schemas.microsoft.com/office/mac/drawingml/2011/main" val="1"/>
+            </a:ext>
+          </a:extLst>
+        </p:spPr>
+        <p:txBody>
+          <a:bodyPr wrap="square" lIns="0" tIns="0" rIns="0" bIns="0">
+            <a:spAutoFit/>
+          </a:bodyPr>
+          <a:lstStyle>
+            <a:lvl1pPr>
+              <a:defRPr>
+                <a:solidFill>
+                  <a:srgbClr val="FF2600"/>
+                </a:solidFill>
+              </a:defRPr>
+            </a:lvl1pPr>
+          </a:lstStyle>
+          <a:p>
+            <a:pPr lvl="0" algn="ctr">
+              <a:defRPr sz="1800">
+                <a:solidFill>
+                  <a:srgbClr val="000000"/>
+                </a:solidFill>
+                <a:uFillTx/>
+              </a:defRPr>
+            </a:pPr>
+            <a:r>
+              <a:rPr lang="en-US" sz="1600" b="1" dirty="0">
+                <a:solidFill>
+                  <a:srgbClr val="57068C"/>
+                </a:solidFill>
+                <a:uFill>
+                  <a:solidFill/>
+                </a:uFill>
+                <a:latin typeface="Arial Unicode MS" panose="020B0604020202020204" pitchFamily="34" charset="-128"/>
+                <a:ea typeface="Arial Unicode MS" panose="020B0604020202020204" pitchFamily="34" charset="-128"/>
+                <a:cs typeface="Arial Unicode MS" panose="020B0604020202020204" pitchFamily="34" charset="-128"/>
+              </a:rPr>
+              <a:t>Perpendicular line</a:t>
+            </a:r>
+            <a:br>
+              <a:rPr lang="en-US" sz="1600" b="1" dirty="0">
+                <a:solidFill>
+                  <a:srgbClr val="57068C"/>
+                </a:solidFill>
+                <a:uFill>
+                  <a:solidFill/>
+                </a:uFill>
+                <a:latin typeface="Arial Unicode MS" panose="020B0604020202020204" pitchFamily="34" charset="-128"/>
+                <a:ea typeface="Arial Unicode MS" panose="020B0604020202020204" pitchFamily="34" charset="-128"/>
+                <a:cs typeface="Arial Unicode MS" panose="020B0604020202020204" pitchFamily="34" charset="-128"/>
+              </a:rPr>
+            </a:br>
+            <a:r>
+              <a:rPr lang="en-US" sz="1600" dirty="0">
+                <a:solidFill>
+                  <a:srgbClr val="57068C"/>
+                </a:solidFill>
+                <a:latin typeface="Arial Unicode MS" panose="020B0604020202020204" pitchFamily="34" charset="-128"/>
+                <a:ea typeface="Arial Unicode MS" panose="020B0604020202020204" pitchFamily="34" charset="-128"/>
+                <a:cs typeface="Arial Unicode MS" panose="020B0604020202020204" pitchFamily="34" charset="-128"/>
+              </a:rPr>
+              <a:t>C</a:t>
+            </a:r>
+            <a:r>
+              <a:rPr lang="en-US" sz="1600" dirty="0">
+                <a:solidFill>
+                  <a:srgbClr val="57068C"/>
+                </a:solidFill>
+                <a:uFill>
+                  <a:solidFill/>
+                </a:uFill>
+                <a:latin typeface="Arial Unicode MS" panose="020B0604020202020204" pitchFamily="34" charset="-128"/>
+                <a:ea typeface="Arial Unicode MS" panose="020B0604020202020204" pitchFamily="34" charset="-128"/>
+                <a:cs typeface="Arial Unicode MS" panose="020B0604020202020204" pitchFamily="34" charset="-128"/>
+              </a:rPr>
+              <a:t>ardinality: One</a:t>
+            </a:r>
+            <a:endParaRPr sz="1600" dirty="0">
+              <a:solidFill>
+                <a:srgbClr val="57068C"/>
+              </a:solidFill>
+              <a:uFill>
+                <a:solidFill/>
+              </a:uFill>
               <a:latin typeface="Arial Unicode MS" panose="020B0604020202020204" pitchFamily="34" charset="-128"/>
               <a:ea typeface="Arial Unicode MS" panose="020B0604020202020204" pitchFamily="34" charset="-128"/>
               <a:cs typeface="Arial Unicode MS" panose="020B0604020202020204" pitchFamily="34" charset="-128"/>
@@ -8602,7 +9282,7 @@
           </a:ln>
           <a:extLst>
             <a:ext uri="{C572A759-6A51-4108-AA02-DFA0A04FC94B}">
-              <ma14:wrappingTextBoxFlag xmlns:ma14="http://schemas.microsoft.com/office/mac/drawingml/2011/main" xmlns="" val="1"/>
+              <ma14:wrappingTextBoxFlag xmlns="" xmlns:ma14="http://schemas.microsoft.com/office/mac/drawingml/2011/main" val="1"/>
             </a:ext>
           </a:extLst>
         </p:spPr>
@@ -8658,7 +9338,7 @@
         <p:spPr>
           <a:xfrm>
             <a:off x="461021" y="839198"/>
-            <a:ext cx="7591598" cy="5870838"/>
+            <a:ext cx="7757378" cy="5870838"/>
           </a:xfrm>
           <a:prstGeom prst="rect">
             <a:avLst/>
@@ -8668,7 +9348,7 @@
           </a:ln>
           <a:extLst>
             <a:ext uri="{C572A759-6A51-4108-AA02-DFA0A04FC94B}">
-              <ma14:wrappingTextBoxFlag xmlns:ma14="http://schemas.microsoft.com/office/mac/drawingml/2011/main" xmlns="" val="1"/>
+              <ma14:wrappingTextBoxFlag xmlns="" xmlns:ma14="http://schemas.microsoft.com/office/mac/drawingml/2011/main" val="1"/>
             </a:ext>
           </a:extLst>
         </p:spPr>
@@ -8973,7 +9653,7 @@
                 <a:cs typeface="Arial Unicode MS" panose="020B0604020202020204" pitchFamily="34" charset="-128"/>
                 <a:sym typeface="Iowan Old Style Roman"/>
               </a:rPr>
-              <a:t>( |   ). e.g., each department </a:t>
+              <a:t>(|   ). e.g., each department </a:t>
             </a:r>
             <a:r>
               <a:rPr lang="en-US" sz="2600" dirty="0">
@@ -9080,7 +9760,7 @@
                 <a:cs typeface="Arial Unicode MS" panose="020B0604020202020204" pitchFamily="34" charset="-128"/>
                 <a:sym typeface="Iowan Old Style Roman"/>
               </a:rPr>
-              <a:t>many </a:t>
+              <a:t>many</a:t>
             </a:r>
             <a:r>
               <a:rPr sz="2600" dirty="0">
@@ -9151,31 +9831,7 @@
                 <a:cs typeface="Arial Unicode MS" panose="020B0604020202020204" pitchFamily="34" charset="-128"/>
                 <a:sym typeface="Iowan Old Style Roman"/>
               </a:rPr>
-              <a:t>(0 ): </a:t>
-            </a:r>
-            <a:r>
-              <a:rPr lang="en-US" sz="2600" dirty="0" err="1">
-                <a:solidFill>
-                  <a:schemeClr val="tx1"/>
-                </a:solidFill>
-                <a:latin typeface="Arial Unicode MS" panose="020B0604020202020204" pitchFamily="34" charset="-128"/>
-                <a:ea typeface="Arial Unicode MS" panose="020B0604020202020204" pitchFamily="34" charset="-128"/>
-                <a:cs typeface="Arial Unicode MS" panose="020B0604020202020204" pitchFamily="34" charset="-128"/>
-                <a:sym typeface="Iowan Old Style Roman"/>
-              </a:rPr>
-              <a:t>eg</a:t>
-            </a:r>
-            <a:r>
-              <a:rPr lang="en-US" sz="2600" dirty="0">
-                <a:solidFill>
-                  <a:schemeClr val="tx1"/>
-                </a:solidFill>
-                <a:latin typeface="Arial Unicode MS" panose="020B0604020202020204" pitchFamily="34" charset="-128"/>
-                <a:ea typeface="Arial Unicode MS" panose="020B0604020202020204" pitchFamily="34" charset="-128"/>
-                <a:cs typeface="Arial Unicode MS" panose="020B0604020202020204" pitchFamily="34" charset="-128"/>
-                <a:sym typeface="Iowan Old Style Roman"/>
-              </a:rPr>
-              <a:t> a student may have 0 or 1 university email accounts</a:t>
+              <a:t>(0 ): e.g., a student may have 0 or 1 university email accounts</a:t>
             </a:r>
             <a:endParaRPr sz="2600" dirty="0">
               <a:solidFill>
@@ -9622,8 +10278,8 @@
         </p:nvSpPr>
         <p:spPr>
           <a:xfrm>
-            <a:off x="5782882" y="6059402"/>
-            <a:ext cx="155851" cy="0"/>
+            <a:off x="6247710" y="6059401"/>
+            <a:ext cx="228394" cy="0"/>
           </a:xfrm>
           <a:prstGeom prst="line">
             <a:avLst/>
@@ -9677,7 +10333,7 @@
         </p:nvSpPr>
         <p:spPr>
           <a:xfrm flipV="1">
-            <a:off x="5859787" y="5940968"/>
+            <a:off x="6333124" y="5929129"/>
             <a:ext cx="2" cy="260545"/>
           </a:xfrm>
           <a:prstGeom prst="line">
@@ -9769,7 +10425,7 @@
           </a:ln>
           <a:extLst>
             <a:ext uri="{C572A759-6A51-4108-AA02-DFA0A04FC94B}">
-              <ma14:wrappingTextBoxFlag xmlns:ma14="http://schemas.microsoft.com/office/mac/drawingml/2011/main" xmlns="" val="1"/>
+              <ma14:wrappingTextBoxFlag xmlns="" xmlns:ma14="http://schemas.microsoft.com/office/mac/drawingml/2011/main" val="1"/>
             </a:ext>
           </a:extLst>
         </p:spPr>
@@ -9835,7 +10491,7 @@
           </a:ln>
           <a:extLst>
             <a:ext uri="{C572A759-6A51-4108-AA02-DFA0A04FC94B}">
-              <ma14:wrappingTextBoxFlag xmlns:ma14="http://schemas.microsoft.com/office/mac/drawingml/2011/main" xmlns="" val="1"/>
+              <ma14:wrappingTextBoxFlag xmlns="" xmlns:ma14="http://schemas.microsoft.com/office/mac/drawingml/2011/main" val="1"/>
             </a:ext>
           </a:extLst>
         </p:spPr>
@@ -10056,989 +10712,209 @@
           </a:p>
         </p:txBody>
       </p:sp>
-      <p:grpSp>
-        <p:nvGrpSpPr>
-          <p:cNvPr id="455" name="Group 455"/>
-          <p:cNvGrpSpPr/>
-          <p:nvPr/>
-        </p:nvGrpSpPr>
-        <p:grpSpPr>
-          <a:xfrm>
-            <a:off x="1140797" y="1691005"/>
-            <a:ext cx="6248401" cy="1603178"/>
-            <a:chOff x="0" y="0"/>
-            <a:chExt cx="6248400" cy="1603177"/>
-          </a:xfrm>
-        </p:grpSpPr>
-        <p:grpSp>
-          <p:nvGrpSpPr>
-            <p:cNvPr id="442" name="Group 442"/>
-            <p:cNvGrpSpPr/>
-            <p:nvPr/>
-          </p:nvGrpSpPr>
-          <p:grpSpPr>
-            <a:xfrm>
-              <a:off x="0" y="0"/>
-              <a:ext cx="1295400" cy="1219200"/>
-              <a:chOff x="0" y="0"/>
-              <a:chExt cx="1295400" cy="1219200"/>
-            </a:xfrm>
-          </p:grpSpPr>
-          <p:sp>
-            <p:nvSpPr>
-              <p:cNvPr id="438" name="Shape 438"/>
-              <p:cNvSpPr/>
-              <p:nvPr/>
-            </p:nvSpPr>
-            <p:spPr>
-              <a:xfrm>
-                <a:off x="0" y="0"/>
-                <a:ext cx="1295400" cy="457200"/>
-              </a:xfrm>
-              <a:prstGeom prst="rect">
-                <a:avLst/>
-              </a:prstGeom>
-              <a:solidFill>
-                <a:srgbClr val="FFFFFF"/>
-              </a:solidFill>
-              <a:ln w="4763" cap="flat">
-                <a:solidFill>
-                  <a:srgbClr val="000000"/>
-                </a:solidFill>
-                <a:prstDash val="solid"/>
-                <a:round/>
-              </a:ln>
-              <a:effectLst/>
-            </p:spPr>
-            <p:txBody>
-              <a:bodyPr wrap="square" lIns="0" tIns="0" rIns="0" bIns="0" numCol="1" anchor="t">
-                <a:noAutofit/>
-              </a:bodyPr>
-              <a:lstStyle/>
-              <a:p>
-                <a:pPr lvl="0">
-                  <a:defRPr sz="1800">
-                    <a:solidFill>
-                      <a:srgbClr val="000000"/>
-                    </a:solidFill>
-                    <a:latin typeface="Palatino Linotype"/>
-                    <a:ea typeface="Palatino Linotype"/>
-                    <a:cs typeface="Palatino Linotype"/>
-                    <a:sym typeface="Palatino Linotype"/>
-                  </a:defRPr>
-                </a:pPr>
-                <a:endParaRPr dirty="0">
-                  <a:solidFill>
-                    <a:schemeClr val="tx1"/>
-                  </a:solidFill>
-                  <a:latin typeface="Arial Unicode MS" panose="020B0604020202020204" pitchFamily="34" charset="-128"/>
-                  <a:ea typeface="Arial Unicode MS" panose="020B0604020202020204" pitchFamily="34" charset="-128"/>
-                  <a:cs typeface="Arial Unicode MS" panose="020B0604020202020204" pitchFamily="34" charset="-128"/>
-                </a:endParaRPr>
-              </a:p>
-            </p:txBody>
-          </p:sp>
-          <p:sp>
-            <p:nvSpPr>
-              <p:cNvPr id="439" name="Shape 439"/>
-              <p:cNvSpPr/>
-              <p:nvPr/>
-            </p:nvSpPr>
-            <p:spPr>
-              <a:xfrm>
-                <a:off x="249237" y="49212"/>
-                <a:ext cx="883255" cy="307777"/>
-              </a:xfrm>
-              <a:prstGeom prst="rect">
-                <a:avLst/>
-              </a:prstGeom>
-              <a:noFill/>
-              <a:ln w="12700" cap="flat">
-                <a:noFill/>
-                <a:miter lim="400000"/>
-              </a:ln>
-              <a:effectLst/>
-              <a:extLst>
-                <a:ext uri="{C572A759-6A51-4108-AA02-DFA0A04FC94B}">
-                  <ma14:wrappingTextBoxFlag xmlns:ma14="http://schemas.microsoft.com/office/mac/drawingml/2011/main" xmlns="" val="1"/>
-                </a:ext>
-              </a:extLst>
-            </p:spPr>
-            <p:txBody>
-              <a:bodyPr wrap="none" lIns="0" tIns="0" rIns="0" bIns="0" numCol="1" anchor="t">
-                <a:spAutoFit/>
-              </a:bodyPr>
-              <a:lstStyle>
-                <a:lvl1pPr>
-                  <a:defRPr>
-                    <a:solidFill>
-                      <a:srgbClr val="000000"/>
-                    </a:solidFill>
-                    <a:latin typeface="Palatino Linotype"/>
-                    <a:ea typeface="Palatino Linotype"/>
-                    <a:cs typeface="Palatino Linotype"/>
-                    <a:sym typeface="Palatino Linotype"/>
-                  </a:defRPr>
-                </a:lvl1pPr>
-              </a:lstStyle>
-              <a:p>
-                <a:pPr lvl="0">
-                  <a:defRPr sz="1800">
-                    <a:uFillTx/>
-                  </a:defRPr>
-                </a:pPr>
-                <a:r>
-                  <a:rPr sz="2000" dirty="0">
-                    <a:solidFill>
-                      <a:schemeClr val="tx1"/>
-                    </a:solidFill>
-                    <a:uFill>
-                      <a:solidFill/>
-                    </a:uFill>
-                    <a:latin typeface="Arial Unicode MS" panose="020B0604020202020204" pitchFamily="34" charset="-128"/>
-                    <a:ea typeface="Arial Unicode MS" panose="020B0604020202020204" pitchFamily="34" charset="-128"/>
-                    <a:cs typeface="Arial Unicode MS" panose="020B0604020202020204" pitchFamily="34" charset="-128"/>
-                  </a:rPr>
-                  <a:t>Student</a:t>
-                </a:r>
-              </a:p>
-            </p:txBody>
-          </p:sp>
-          <p:sp>
-            <p:nvSpPr>
-              <p:cNvPr id="440" name="Shape 440"/>
-              <p:cNvSpPr/>
-              <p:nvPr/>
-            </p:nvSpPr>
-            <p:spPr>
-              <a:xfrm>
-                <a:off x="0" y="457200"/>
-                <a:ext cx="1295400" cy="762000"/>
-              </a:xfrm>
-              <a:prstGeom prst="rect">
-                <a:avLst/>
-              </a:prstGeom>
-              <a:solidFill>
-                <a:srgbClr val="FFFFFF"/>
-              </a:solidFill>
-              <a:ln w="4763" cap="flat">
-                <a:solidFill>
-                  <a:srgbClr val="000000"/>
-                </a:solidFill>
-                <a:prstDash val="solid"/>
-                <a:round/>
-              </a:ln>
-              <a:effectLst/>
-            </p:spPr>
-            <p:txBody>
-              <a:bodyPr wrap="square" lIns="0" tIns="0" rIns="0" bIns="0" numCol="1" anchor="t">
-                <a:noAutofit/>
-              </a:bodyPr>
-              <a:lstStyle/>
-              <a:p>
-                <a:pPr lvl="0">
-                  <a:defRPr sz="1800">
-                    <a:solidFill>
-                      <a:srgbClr val="000000"/>
-                    </a:solidFill>
-                    <a:latin typeface="Palatino Linotype"/>
-                    <a:ea typeface="Palatino Linotype"/>
-                    <a:cs typeface="Palatino Linotype"/>
-                    <a:sym typeface="Palatino Linotype"/>
-                  </a:defRPr>
-                </a:pPr>
-                <a:endParaRPr dirty="0">
-                  <a:solidFill>
-                    <a:schemeClr val="tx1"/>
-                  </a:solidFill>
-                  <a:latin typeface="Arial Unicode MS" panose="020B0604020202020204" pitchFamily="34" charset="-128"/>
-                  <a:ea typeface="Arial Unicode MS" panose="020B0604020202020204" pitchFamily="34" charset="-128"/>
-                  <a:cs typeface="Arial Unicode MS" panose="020B0604020202020204" pitchFamily="34" charset="-128"/>
-                </a:endParaRPr>
-              </a:p>
-            </p:txBody>
-          </p:sp>
-          <p:sp>
-            <p:nvSpPr>
-              <p:cNvPr id="441" name="Shape 441"/>
-              <p:cNvSpPr/>
-              <p:nvPr/>
-            </p:nvSpPr>
-            <p:spPr>
-              <a:xfrm>
-                <a:off x="76200" y="609600"/>
-                <a:ext cx="1096454" cy="307777"/>
-              </a:xfrm>
-              <a:prstGeom prst="rect">
-                <a:avLst/>
-              </a:prstGeom>
-              <a:noFill/>
-              <a:ln w="12700" cap="flat">
-                <a:noFill/>
-                <a:miter lim="400000"/>
-              </a:ln>
-              <a:effectLst/>
-              <a:extLst>
-                <a:ext uri="{C572A759-6A51-4108-AA02-DFA0A04FC94B}">
-                  <ma14:wrappingTextBoxFlag xmlns:ma14="http://schemas.microsoft.com/office/mac/drawingml/2011/main" xmlns="" val="1"/>
-                </a:ext>
-              </a:extLst>
-            </p:spPr>
-            <p:txBody>
-              <a:bodyPr wrap="none" lIns="0" tIns="0" rIns="0" bIns="0" numCol="1" anchor="t">
-                <a:spAutoFit/>
-              </a:bodyPr>
-              <a:lstStyle>
-                <a:lvl1pPr>
-                  <a:defRPr>
-                    <a:solidFill>
-                      <a:srgbClr val="000000"/>
-                    </a:solidFill>
-                    <a:latin typeface="Palatino Linotype"/>
-                    <a:ea typeface="Palatino Linotype"/>
-                    <a:cs typeface="Palatino Linotype"/>
-                    <a:sym typeface="Palatino Linotype"/>
-                  </a:defRPr>
-                </a:lvl1pPr>
-              </a:lstStyle>
-              <a:p>
-                <a:pPr lvl="0">
-                  <a:defRPr sz="1800">
-                    <a:uFillTx/>
-                  </a:defRPr>
-                </a:pPr>
-                <a:r>
-                  <a:rPr sz="2000" dirty="0" err="1">
-                    <a:solidFill>
-                      <a:schemeClr val="tx1"/>
-                    </a:solidFill>
-                    <a:uFill>
-                      <a:solidFill/>
-                    </a:uFill>
-                    <a:latin typeface="Arial Unicode MS" panose="020B0604020202020204" pitchFamily="34" charset="-128"/>
-                    <a:ea typeface="Arial Unicode MS" panose="020B0604020202020204" pitchFamily="34" charset="-128"/>
-                    <a:cs typeface="Arial Unicode MS" panose="020B0604020202020204" pitchFamily="34" charset="-128"/>
-                  </a:rPr>
-                  <a:t>studentID</a:t>
-                </a:r>
-                <a:endParaRPr sz="2000" dirty="0">
-                  <a:solidFill>
-                    <a:schemeClr val="tx1"/>
-                  </a:solidFill>
-                  <a:uFill>
-                    <a:solidFill/>
-                  </a:uFill>
-                  <a:latin typeface="Arial Unicode MS" panose="020B0604020202020204" pitchFamily="34" charset="-128"/>
-                  <a:ea typeface="Arial Unicode MS" panose="020B0604020202020204" pitchFamily="34" charset="-128"/>
-                  <a:cs typeface="Arial Unicode MS" panose="020B0604020202020204" pitchFamily="34" charset="-128"/>
-                </a:endParaRPr>
-              </a:p>
-            </p:txBody>
-          </p:sp>
-        </p:grpSp>
-        <p:sp>
-          <p:nvSpPr>
-            <p:cNvPr id="443" name="Shape 443"/>
-            <p:cNvSpPr/>
-            <p:nvPr/>
-          </p:nvSpPr>
-          <p:spPr>
-            <a:xfrm>
-              <a:off x="1346200" y="381000"/>
-              <a:ext cx="2895600" cy="0"/>
-            </a:xfrm>
-            <a:prstGeom prst="line">
-              <a:avLst/>
-            </a:prstGeom>
-            <a:noFill/>
-            <a:ln w="4826" cap="flat">
-              <a:solidFill>
-                <a:srgbClr val="000000"/>
-              </a:solidFill>
-              <a:prstDash val="dash"/>
-              <a:round/>
-            </a:ln>
-            <a:effectLst/>
-          </p:spPr>
-          <p:txBody>
-            <a:bodyPr wrap="square" lIns="0" tIns="0" rIns="0" bIns="0" numCol="1" anchor="t">
-              <a:noAutofit/>
-            </a:bodyPr>
-            <a:lstStyle/>
-            <a:p>
-              <a:pPr lvl="0" defTabSz="457200">
-                <a:defRPr sz="1200">
-                  <a:solidFill>
-                    <a:srgbClr val="000000"/>
-                  </a:solidFill>
-                  <a:uFillTx/>
-                  <a:latin typeface="+mj-lt"/>
-                  <a:ea typeface="+mj-ea"/>
-                  <a:cs typeface="+mj-cs"/>
-                  <a:sym typeface="Helvetica"/>
-                </a:defRPr>
-              </a:pPr>
-              <a:endParaRPr dirty="0">
-                <a:solidFill>
-                  <a:schemeClr val="tx1"/>
-                </a:solidFill>
-                <a:latin typeface="Arial Unicode MS" panose="020B0604020202020204" pitchFamily="34" charset="-128"/>
-                <a:ea typeface="Arial Unicode MS" panose="020B0604020202020204" pitchFamily="34" charset="-128"/>
-                <a:cs typeface="Arial Unicode MS" panose="020B0604020202020204" pitchFamily="34" charset="-128"/>
-              </a:endParaRPr>
-            </a:p>
-          </p:txBody>
-        </p:sp>
-        <p:sp>
-          <p:nvSpPr>
-            <p:cNvPr id="444" name="Shape 444"/>
-            <p:cNvSpPr/>
-            <p:nvPr/>
-          </p:nvSpPr>
-          <p:spPr>
-            <a:xfrm>
-              <a:off x="2590800" y="225425"/>
-              <a:ext cx="914400" cy="304800"/>
-            </a:xfrm>
-            <a:prstGeom prst="rect">
-              <a:avLst/>
-            </a:prstGeom>
-            <a:noFill/>
-            <a:ln w="12700" cap="flat">
-              <a:noFill/>
-              <a:miter lim="400000"/>
-            </a:ln>
-            <a:effectLst/>
+      <p:sp>
+        <p:nvSpPr>
+          <p:cNvPr id="4" name="Shape 308">
             <a:extLst>
-              <a:ext uri="{C572A759-6A51-4108-AA02-DFA0A04FC94B}">
-                <ma14:wrappingTextBoxFlag xmlns:ma14="http://schemas.microsoft.com/office/mac/drawingml/2011/main" xmlns="" val="1"/>
+              <a:ext uri="{FF2B5EF4-FFF2-40B4-BE49-F238E27FC236}">
+                <a16:creationId xmlns:a16="http://schemas.microsoft.com/office/drawing/2014/main" id="{564E9587-13E8-4DD6-95AE-233D345C10C3}"/>
               </a:ext>
             </a:extLst>
-          </p:spPr>
-          <p:txBody>
-            <a:bodyPr wrap="square" lIns="0" tIns="0" rIns="0" bIns="0" numCol="1" anchor="t">
-              <a:spAutoFit/>
-            </a:bodyPr>
-            <a:lstStyle>
-              <a:lvl1pPr>
-                <a:defRPr>
-                  <a:solidFill>
-                    <a:srgbClr val="000000"/>
-                  </a:solidFill>
-                  <a:latin typeface="Palatino Linotype"/>
-                  <a:ea typeface="Palatino Linotype"/>
-                  <a:cs typeface="Palatino Linotype"/>
-                  <a:sym typeface="Palatino Linotype"/>
-                </a:defRPr>
-              </a:lvl1pPr>
-            </a:lstStyle>
-            <a:p>
-              <a:pPr lvl="0">
-                <a:defRPr sz="1800">
-                  <a:uFillTx/>
-                </a:defRPr>
-              </a:pPr>
-              <a:r>
-                <a:rPr sz="2000" dirty="0">
-                  <a:solidFill>
-                    <a:schemeClr val="tx1"/>
-                  </a:solidFill>
-                  <a:uFill>
-                    <a:solidFill/>
-                  </a:uFill>
-                  <a:latin typeface="Arial Unicode MS" panose="020B0604020202020204" pitchFamily="34" charset="-128"/>
-                  <a:ea typeface="Arial Unicode MS" panose="020B0604020202020204" pitchFamily="34" charset="-128"/>
-                  <a:cs typeface="Arial Unicode MS" panose="020B0604020202020204" pitchFamily="34" charset="-128"/>
-                </a:rPr>
-                <a:t>Owns</a:t>
-              </a:r>
-            </a:p>
-          </p:txBody>
-        </p:sp>
-        <p:grpSp>
-          <p:nvGrpSpPr>
-            <p:cNvPr id="449" name="Group 449"/>
-            <p:cNvGrpSpPr/>
-            <p:nvPr/>
-          </p:nvGrpSpPr>
-          <p:grpSpPr>
-            <a:xfrm>
-              <a:off x="4267200" y="76200"/>
-              <a:ext cx="1981200" cy="1143000"/>
-              <a:chOff x="0" y="0"/>
-              <a:chExt cx="1981200" cy="1143000"/>
-            </a:xfrm>
-          </p:grpSpPr>
-          <p:sp>
-            <p:nvSpPr>
-              <p:cNvPr id="445" name="Shape 445"/>
-              <p:cNvSpPr/>
-              <p:nvPr/>
-            </p:nvSpPr>
-            <p:spPr>
-              <a:xfrm>
-                <a:off x="0" y="0"/>
-                <a:ext cx="1981200" cy="457200"/>
-              </a:xfrm>
-              <a:prstGeom prst="rect">
-                <a:avLst/>
-              </a:prstGeom>
+          </p:cNvPr>
+          <p:cNvSpPr/>
+          <p:nvPr/>
+        </p:nvSpPr>
+        <p:spPr>
+          <a:xfrm>
+            <a:off x="3485145" y="3685714"/>
+            <a:ext cx="1899142" cy="369332"/>
+          </a:xfrm>
+          <a:prstGeom prst="rect">
+            <a:avLst/>
+          </a:prstGeom>
+          <a:ln w="12700">
+            <a:miter lim="400000"/>
+          </a:ln>
+          <a:extLst>
+            <a:ext uri="{C572A759-6A51-4108-AA02-DFA0A04FC94B}">
+              <ma14:wrappingTextBoxFlag xmlns="" xmlns:ma14="http://schemas.microsoft.com/office/mac/drawingml/2011/main" val="1"/>
+            </a:ext>
+          </a:extLst>
+        </p:spPr>
+        <p:txBody>
+          <a:bodyPr wrap="square" lIns="0" tIns="0" rIns="0" bIns="0">
+            <a:spAutoFit/>
+          </a:bodyPr>
+          <a:lstStyle>
+            <a:lvl1pPr>
+              <a:defRPr>
+                <a:solidFill>
+                  <a:srgbClr val="FF2600"/>
+                </a:solidFill>
+              </a:defRPr>
+            </a:lvl1pPr>
+          </a:lstStyle>
+          <a:p>
+            <a:pPr lvl="0" algn="ctr">
+              <a:defRPr sz="1800">
+                <a:solidFill>
+                  <a:srgbClr val="000000"/>
+                </a:solidFill>
+                <a:uFillTx/>
+              </a:defRPr>
+            </a:pPr>
+            <a:r>
+              <a:rPr lang="en-US" sz="2400" b="1" dirty="0">
+                <a:solidFill>
+                  <a:srgbClr val="57068C"/>
+                </a:solidFill>
+                <a:uFill>
+                  <a:solidFill/>
+                </a:uFill>
+                <a:latin typeface="Arial Unicode MS" panose="020B0604020202020204" pitchFamily="34" charset="-128"/>
+                <a:ea typeface="Arial Unicode MS" panose="020B0604020202020204" pitchFamily="34" charset="-128"/>
+                <a:cs typeface="Arial Unicode MS" panose="020B0604020202020204" pitchFamily="34" charset="-128"/>
+              </a:rPr>
+              <a:t>Cardinalities</a:t>
+            </a:r>
+            <a:endParaRPr sz="2400" dirty="0">
               <a:solidFill>
-                <a:srgbClr val="FFFFFF"/>
+                <a:srgbClr val="57068C"/>
               </a:solidFill>
-              <a:ln w="4763" cap="flat">
-                <a:solidFill>
-                  <a:srgbClr val="000000"/>
-                </a:solidFill>
-                <a:prstDash val="solid"/>
-                <a:round/>
-              </a:ln>
-              <a:effectLst/>
-            </p:spPr>
-            <p:txBody>
-              <a:bodyPr wrap="square" lIns="0" tIns="0" rIns="0" bIns="0" numCol="1" anchor="t">
-                <a:noAutofit/>
-              </a:bodyPr>
-              <a:lstStyle/>
-              <a:p>
-                <a:pPr lvl="0">
-                  <a:defRPr sz="1800">
-                    <a:solidFill>
-                      <a:srgbClr val="000000"/>
-                    </a:solidFill>
-                    <a:latin typeface="Palatino Linotype"/>
-                    <a:ea typeface="Palatino Linotype"/>
-                    <a:cs typeface="Palatino Linotype"/>
-                    <a:sym typeface="Palatino Linotype"/>
-                  </a:defRPr>
-                </a:pPr>
-                <a:endParaRPr dirty="0">
-                  <a:solidFill>
-                    <a:schemeClr val="tx1"/>
-                  </a:solidFill>
-                  <a:latin typeface="Arial Unicode MS" panose="020B0604020202020204" pitchFamily="34" charset="-128"/>
-                  <a:ea typeface="Arial Unicode MS" panose="020B0604020202020204" pitchFamily="34" charset="-128"/>
-                  <a:cs typeface="Arial Unicode MS" panose="020B0604020202020204" pitchFamily="34" charset="-128"/>
-                </a:endParaRPr>
-              </a:p>
-            </p:txBody>
-          </p:sp>
-          <p:sp>
-            <p:nvSpPr>
-              <p:cNvPr id="446" name="Shape 446"/>
-              <p:cNvSpPr/>
-              <p:nvPr/>
-            </p:nvSpPr>
-            <p:spPr>
-              <a:xfrm>
-                <a:off x="58737" y="49212"/>
-                <a:ext cx="1809791" cy="307777"/>
-              </a:xfrm>
-              <a:prstGeom prst="rect">
-                <a:avLst/>
-              </a:prstGeom>
-              <a:noFill/>
-              <a:ln w="12700" cap="flat">
-                <a:noFill/>
-                <a:miter lim="400000"/>
-              </a:ln>
-              <a:effectLst/>
-              <a:extLst>
-                <a:ext uri="{C572A759-6A51-4108-AA02-DFA0A04FC94B}">
-                  <ma14:wrappingTextBoxFlag xmlns:ma14="http://schemas.microsoft.com/office/mac/drawingml/2011/main" xmlns="" val="1"/>
-                </a:ext>
-              </a:extLst>
-            </p:spPr>
-            <p:txBody>
-              <a:bodyPr wrap="none" lIns="0" tIns="0" rIns="0" bIns="0" numCol="1" anchor="t">
-                <a:spAutoFit/>
-              </a:bodyPr>
-              <a:lstStyle>
-                <a:lvl1pPr>
-                  <a:defRPr>
-                    <a:solidFill>
-                      <a:srgbClr val="000000"/>
-                    </a:solidFill>
-                    <a:latin typeface="Palatino Linotype"/>
-                    <a:ea typeface="Palatino Linotype"/>
-                    <a:cs typeface="Palatino Linotype"/>
-                    <a:sym typeface="Palatino Linotype"/>
-                  </a:defRPr>
-                </a:lvl1pPr>
-              </a:lstStyle>
-              <a:p>
-                <a:pPr lvl="0">
-                  <a:defRPr sz="1800">
-                    <a:uFillTx/>
-                  </a:defRPr>
-                </a:pPr>
-                <a:r>
-                  <a:rPr sz="2000" dirty="0" err="1">
-                    <a:solidFill>
-                      <a:schemeClr val="tx1"/>
-                    </a:solidFill>
-                    <a:uFill>
-                      <a:solidFill/>
-                    </a:uFill>
-                    <a:latin typeface="Arial Unicode MS" panose="020B0604020202020204" pitchFamily="34" charset="-128"/>
-                    <a:ea typeface="Arial Unicode MS" panose="020B0604020202020204" pitchFamily="34" charset="-128"/>
-                    <a:cs typeface="Arial Unicode MS" panose="020B0604020202020204" pitchFamily="34" charset="-128"/>
-                  </a:rPr>
-                  <a:t>StudentAccount</a:t>
-                </a:r>
-                <a:endParaRPr sz="2000" dirty="0">
-                  <a:solidFill>
-                    <a:schemeClr val="tx1"/>
-                  </a:solidFill>
-                  <a:uFill>
-                    <a:solidFill/>
-                  </a:uFill>
-                  <a:latin typeface="Arial Unicode MS" panose="020B0604020202020204" pitchFamily="34" charset="-128"/>
-                  <a:ea typeface="Arial Unicode MS" panose="020B0604020202020204" pitchFamily="34" charset="-128"/>
-                  <a:cs typeface="Arial Unicode MS" panose="020B0604020202020204" pitchFamily="34" charset="-128"/>
-                </a:endParaRPr>
-              </a:p>
-            </p:txBody>
-          </p:sp>
-          <p:sp>
-            <p:nvSpPr>
-              <p:cNvPr id="447" name="Shape 447"/>
-              <p:cNvSpPr/>
-              <p:nvPr/>
-            </p:nvSpPr>
-            <p:spPr>
-              <a:xfrm>
-                <a:off x="0" y="457200"/>
-                <a:ext cx="1981200" cy="685800"/>
-              </a:xfrm>
-              <a:prstGeom prst="rect">
-                <a:avLst/>
-              </a:prstGeom>
-              <a:solidFill>
-                <a:srgbClr val="FFFFFF"/>
-              </a:solidFill>
-              <a:ln w="4763" cap="flat">
-                <a:solidFill>
-                  <a:srgbClr val="000000"/>
-                </a:solidFill>
-                <a:prstDash val="solid"/>
-                <a:round/>
-              </a:ln>
-              <a:effectLst/>
-            </p:spPr>
-            <p:txBody>
-              <a:bodyPr wrap="square" lIns="0" tIns="0" rIns="0" bIns="0" numCol="1" anchor="t">
-                <a:noAutofit/>
-              </a:bodyPr>
-              <a:lstStyle/>
-              <a:p>
-                <a:pPr lvl="0">
-                  <a:defRPr sz="1800">
-                    <a:solidFill>
-                      <a:srgbClr val="000000"/>
-                    </a:solidFill>
-                    <a:latin typeface="Palatino Linotype"/>
-                    <a:ea typeface="Palatino Linotype"/>
-                    <a:cs typeface="Palatino Linotype"/>
-                    <a:sym typeface="Palatino Linotype"/>
-                  </a:defRPr>
-                </a:pPr>
-                <a:endParaRPr dirty="0">
-                  <a:solidFill>
-                    <a:schemeClr val="tx1"/>
-                  </a:solidFill>
-                  <a:latin typeface="Arial Unicode MS" panose="020B0604020202020204" pitchFamily="34" charset="-128"/>
-                  <a:ea typeface="Arial Unicode MS" panose="020B0604020202020204" pitchFamily="34" charset="-128"/>
-                  <a:cs typeface="Arial Unicode MS" panose="020B0604020202020204" pitchFamily="34" charset="-128"/>
-                </a:endParaRPr>
-              </a:p>
-            </p:txBody>
-          </p:sp>
-          <p:sp>
-            <p:nvSpPr>
-              <p:cNvPr id="448" name="Shape 448"/>
-              <p:cNvSpPr/>
-              <p:nvPr/>
-            </p:nvSpPr>
-            <p:spPr>
-              <a:xfrm>
-                <a:off x="152400" y="533400"/>
-                <a:ext cx="1611313" cy="304800"/>
-              </a:xfrm>
-              <a:prstGeom prst="rect">
-                <a:avLst/>
-              </a:prstGeom>
-              <a:noFill/>
-              <a:ln w="12700" cap="flat">
-                <a:noFill/>
-                <a:miter lim="400000"/>
-              </a:ln>
-              <a:effectLst/>
-              <a:extLst>
-                <a:ext uri="{C572A759-6A51-4108-AA02-DFA0A04FC94B}">
-                  <ma14:wrappingTextBoxFlag xmlns:ma14="http://schemas.microsoft.com/office/mac/drawingml/2011/main" xmlns="" val="1"/>
-                </a:ext>
-              </a:extLst>
-            </p:spPr>
-            <p:txBody>
-              <a:bodyPr wrap="square" lIns="0" tIns="0" rIns="0" bIns="0" numCol="1" anchor="t">
-                <a:spAutoFit/>
-              </a:bodyPr>
-              <a:lstStyle>
-                <a:lvl1pPr>
-                  <a:defRPr>
-                    <a:solidFill>
-                      <a:srgbClr val="000000"/>
-                    </a:solidFill>
-                    <a:latin typeface="Palatino Linotype"/>
-                    <a:ea typeface="Palatino Linotype"/>
-                    <a:cs typeface="Palatino Linotype"/>
-                    <a:sym typeface="Palatino Linotype"/>
-                  </a:defRPr>
-                </a:lvl1pPr>
-              </a:lstStyle>
-              <a:p>
-                <a:pPr lvl="0">
-                  <a:defRPr sz="1800">
-                    <a:uFillTx/>
-                  </a:defRPr>
-                </a:pPr>
-                <a:r>
-                  <a:rPr sz="2000" dirty="0" err="1">
-                    <a:solidFill>
-                      <a:schemeClr val="tx1"/>
-                    </a:solidFill>
-                    <a:uFill>
-                      <a:solidFill/>
-                    </a:uFill>
-                    <a:latin typeface="Arial Unicode MS" panose="020B0604020202020204" pitchFamily="34" charset="-128"/>
-                    <a:ea typeface="Arial Unicode MS" panose="020B0604020202020204" pitchFamily="34" charset="-128"/>
-                    <a:cs typeface="Arial Unicode MS" panose="020B0604020202020204" pitchFamily="34" charset="-128"/>
-                  </a:rPr>
-                  <a:t>userID</a:t>
-                </a:r>
-                <a:endParaRPr sz="2000" dirty="0">
-                  <a:solidFill>
-                    <a:schemeClr val="tx1"/>
-                  </a:solidFill>
-                  <a:uFill>
-                    <a:solidFill/>
-                  </a:uFill>
-                  <a:latin typeface="Arial Unicode MS" panose="020B0604020202020204" pitchFamily="34" charset="-128"/>
-                  <a:ea typeface="Arial Unicode MS" panose="020B0604020202020204" pitchFamily="34" charset="-128"/>
-                  <a:cs typeface="Arial Unicode MS" panose="020B0604020202020204" pitchFamily="34" charset="-128"/>
-                </a:endParaRPr>
-              </a:p>
-            </p:txBody>
-          </p:sp>
-        </p:grpSp>
-        <p:sp>
-          <p:nvSpPr>
-            <p:cNvPr id="450" name="Shape 450"/>
-            <p:cNvSpPr/>
-            <p:nvPr/>
-          </p:nvSpPr>
-          <p:spPr>
-            <a:xfrm>
-              <a:off x="1371600" y="239712"/>
-              <a:ext cx="182742" cy="276999"/>
-            </a:xfrm>
-            <a:prstGeom prst="rect">
-              <a:avLst/>
-            </a:prstGeom>
-            <a:noFill/>
-            <a:ln w="12700" cap="flat">
-              <a:noFill/>
-              <a:miter lim="400000"/>
-            </a:ln>
-            <a:effectLst/>
+              <a:uFill>
+                <a:solidFill/>
+              </a:uFill>
+              <a:latin typeface="Arial Unicode MS" panose="020B0604020202020204" pitchFamily="34" charset="-128"/>
+              <a:ea typeface="Arial Unicode MS" panose="020B0604020202020204" pitchFamily="34" charset="-128"/>
+              <a:cs typeface="Arial Unicode MS" panose="020B0604020202020204" pitchFamily="34" charset="-128"/>
+            </a:endParaRPr>
+          </a:p>
+        </p:txBody>
+      </p:sp>
+      <p:cxnSp>
+        <p:nvCxnSpPr>
+          <p:cNvPr id="5" name="Straight Arrow Connector 4">
             <a:extLst>
-              <a:ext uri="{C572A759-6A51-4108-AA02-DFA0A04FC94B}">
-                <ma14:wrappingTextBoxFlag xmlns:ma14="http://schemas.microsoft.com/office/mac/drawingml/2011/main" xmlns="" val="1"/>
+              <a:ext uri="{FF2B5EF4-FFF2-40B4-BE49-F238E27FC236}">
+                <a16:creationId xmlns:a16="http://schemas.microsoft.com/office/drawing/2014/main" id="{8292801E-2586-E692-FB6B-10ED25F141B5}"/>
               </a:ext>
             </a:extLst>
-          </p:spPr>
-          <p:txBody>
-            <a:bodyPr wrap="none" lIns="0" tIns="0" rIns="0" bIns="0" numCol="1" anchor="t">
-              <a:spAutoFit/>
-            </a:bodyPr>
-            <a:lstStyle>
-              <a:lvl1pPr>
-                <a:defRPr sz="1800">
-                  <a:solidFill>
-                    <a:srgbClr val="000000"/>
-                  </a:solidFill>
-                  <a:latin typeface="Palatino Linotype"/>
-                  <a:ea typeface="Palatino Linotype"/>
-                  <a:cs typeface="Palatino Linotype"/>
-                  <a:sym typeface="Palatino Linotype"/>
-                </a:defRPr>
-              </a:lvl1pPr>
-            </a:lstStyle>
-            <a:p>
-              <a:pPr lvl="0">
-                <a:defRPr>
-                  <a:uFillTx/>
-                </a:defRPr>
-              </a:pPr>
-              <a:r>
-                <a:rPr dirty="0">
-                  <a:solidFill>
-                    <a:schemeClr val="tx1"/>
-                  </a:solidFill>
-                  <a:uFill>
-                    <a:solidFill/>
-                  </a:uFill>
-                  <a:latin typeface="Arial Unicode MS" panose="020B0604020202020204" pitchFamily="34" charset="-128"/>
-                  <a:ea typeface="Arial Unicode MS" panose="020B0604020202020204" pitchFamily="34" charset="-128"/>
-                  <a:cs typeface="Arial Unicode MS" panose="020B0604020202020204" pitchFamily="34" charset="-128"/>
-                </a:rPr>
-                <a:t>| |</a:t>
-              </a:r>
-            </a:p>
-          </p:txBody>
-        </p:sp>
-        <p:sp>
-          <p:nvSpPr>
-            <p:cNvPr id="451" name="Shape 451"/>
-            <p:cNvSpPr/>
-            <p:nvPr/>
-          </p:nvSpPr>
-          <p:spPr>
-            <a:xfrm>
-              <a:off x="2057400" y="1295400"/>
-              <a:ext cx="1213474" cy="307777"/>
-            </a:xfrm>
-            <a:prstGeom prst="rect">
-              <a:avLst/>
-            </a:prstGeom>
-            <a:noFill/>
-            <a:ln w="12700" cap="flat">
-              <a:noFill/>
-              <a:miter lim="400000"/>
-            </a:ln>
-            <a:effectLst/>
+          </p:cNvPr>
+          <p:cNvCxnSpPr>
+            <a:cxnSpLocks/>
+          </p:cNvCxnSpPr>
+          <p:nvPr/>
+        </p:nvCxnSpPr>
+        <p:spPr>
+          <a:xfrm flipH="1" flipV="1">
+            <a:off x="3065929" y="2883049"/>
+            <a:ext cx="957431" cy="802665"/>
+          </a:xfrm>
+          <a:prstGeom prst="straightConnector1">
+            <a:avLst/>
+          </a:prstGeom>
+          <a:ln w="28575">
+            <a:solidFill>
+              <a:srgbClr val="57068C"/>
+            </a:solidFill>
+            <a:tailEnd type="triangle"/>
+          </a:ln>
+        </p:spPr>
+        <p:style>
+          <a:lnRef idx="1">
+            <a:schemeClr val="accent1"/>
+          </a:lnRef>
+          <a:fillRef idx="0">
+            <a:schemeClr val="accent1"/>
+          </a:fillRef>
+          <a:effectRef idx="0">
+            <a:schemeClr val="accent1"/>
+          </a:effectRef>
+          <a:fontRef idx="minor">
+            <a:schemeClr val="tx1"/>
+          </a:fontRef>
+        </p:style>
+      </p:cxnSp>
+      <p:cxnSp>
+        <p:nvCxnSpPr>
+          <p:cNvPr id="6" name="Straight Arrow Connector 5">
             <a:extLst>
-              <a:ext uri="{C572A759-6A51-4108-AA02-DFA0A04FC94B}">
-                <ma14:wrappingTextBoxFlag xmlns:ma14="http://schemas.microsoft.com/office/mac/drawingml/2011/main" xmlns="" val="1"/>
+              <a:ext uri="{FF2B5EF4-FFF2-40B4-BE49-F238E27FC236}">
+                <a16:creationId xmlns:a16="http://schemas.microsoft.com/office/drawing/2014/main" id="{B12650EE-55B5-AA01-2CAE-10396D3A5131}"/>
               </a:ext>
             </a:extLst>
-          </p:spPr>
-          <p:txBody>
-            <a:bodyPr wrap="none" lIns="0" tIns="0" rIns="0" bIns="0" numCol="1" anchor="t">
-              <a:spAutoFit/>
-            </a:bodyPr>
-            <a:lstStyle>
-              <a:lvl1pPr>
-                <a:defRPr>
-                  <a:solidFill>
-                    <a:srgbClr val="000000"/>
-                  </a:solidFill>
-                  <a:latin typeface="Palatino Linotype"/>
-                  <a:ea typeface="Palatino Linotype"/>
-                  <a:cs typeface="Palatino Linotype"/>
-                  <a:sym typeface="Palatino Linotype"/>
-                </a:defRPr>
-              </a:lvl1pPr>
-            </a:lstStyle>
-            <a:p>
-              <a:pPr lvl="0">
-                <a:defRPr sz="1800">
-                  <a:uFillTx/>
-                </a:defRPr>
-              </a:pPr>
-              <a:r>
-                <a:rPr sz="2000" dirty="0">
-                  <a:solidFill>
-                    <a:schemeClr val="tx1"/>
-                  </a:solidFill>
-                  <a:uFill>
-                    <a:solidFill/>
-                  </a:uFill>
-                  <a:latin typeface="Arial Unicode MS" panose="020B0604020202020204" pitchFamily="34" charset="-128"/>
-                  <a:ea typeface="Arial Unicode MS" panose="020B0604020202020204" pitchFamily="34" charset="-128"/>
-                  <a:cs typeface="Arial Unicode MS" panose="020B0604020202020204" pitchFamily="34" charset="-128"/>
-                </a:rPr>
-                <a:t>Cardinality</a:t>
-              </a:r>
-            </a:p>
-          </p:txBody>
-        </p:sp>
-        <p:sp>
-          <p:nvSpPr>
-            <p:cNvPr id="452" name="Shape 452"/>
-            <p:cNvSpPr/>
-            <p:nvPr/>
-          </p:nvSpPr>
-          <p:spPr>
-            <a:xfrm>
-              <a:off x="3886200" y="228600"/>
-              <a:ext cx="338138" cy="276999"/>
-            </a:xfrm>
-            <a:prstGeom prst="rect">
-              <a:avLst/>
-            </a:prstGeom>
-            <a:noFill/>
-            <a:ln w="12700" cap="flat">
-              <a:noFill/>
-              <a:miter lim="400000"/>
-            </a:ln>
-            <a:effectLst/>
+          </p:cNvPr>
+          <p:cNvCxnSpPr>
+            <a:cxnSpLocks/>
+          </p:cNvCxnSpPr>
+          <p:nvPr/>
+        </p:nvCxnSpPr>
+        <p:spPr>
+          <a:xfrm flipV="1">
+            <a:off x="4959275" y="2883049"/>
+            <a:ext cx="962810" cy="802665"/>
+          </a:xfrm>
+          <a:prstGeom prst="straightConnector1">
+            <a:avLst/>
+          </a:prstGeom>
+          <a:ln w="28575">
+            <a:solidFill>
+              <a:srgbClr val="57068C"/>
+            </a:solidFill>
+            <a:tailEnd type="triangle"/>
+          </a:ln>
+        </p:spPr>
+        <p:style>
+          <a:lnRef idx="1">
+            <a:schemeClr val="accent1"/>
+          </a:lnRef>
+          <a:fillRef idx="0">
+            <a:schemeClr val="accent1"/>
+          </a:fillRef>
+          <a:effectRef idx="0">
+            <a:schemeClr val="accent1"/>
+          </a:effectRef>
+          <a:fontRef idx="minor">
+            <a:schemeClr val="tx1"/>
+          </a:fontRef>
+        </p:style>
+      </p:cxnSp>
+      <p:pic>
+        <p:nvPicPr>
+          <p:cNvPr id="12" name="Picture 11" descr="A screenshot of a computer&#10;&#10;Description automatically generated with low confidence">
             <a:extLst>
-              <a:ext uri="{C572A759-6A51-4108-AA02-DFA0A04FC94B}">
-                <ma14:wrappingTextBoxFlag xmlns:ma14="http://schemas.microsoft.com/office/mac/drawingml/2011/main" xmlns="" val="1"/>
+              <a:ext uri="{FF2B5EF4-FFF2-40B4-BE49-F238E27FC236}">
+                <a16:creationId xmlns:a16="http://schemas.microsoft.com/office/drawing/2014/main" id="{8E2DC53C-E183-EFD6-D481-3B7213E6649C}"/>
               </a:ext>
             </a:extLst>
-          </p:spPr>
-          <p:txBody>
-            <a:bodyPr wrap="square" lIns="0" tIns="0" rIns="0" bIns="0" numCol="1" anchor="t">
-              <a:spAutoFit/>
-            </a:bodyPr>
-            <a:lstStyle>
-              <a:lvl1pPr>
-                <a:defRPr sz="1800">
-                  <a:solidFill>
-                    <a:srgbClr val="000000"/>
-                  </a:solidFill>
-                  <a:latin typeface="Palatino Linotype"/>
-                  <a:ea typeface="Palatino Linotype"/>
-                  <a:cs typeface="Palatino Linotype"/>
-                  <a:sym typeface="Palatino Linotype"/>
-                </a:defRPr>
-              </a:lvl1pPr>
-            </a:lstStyle>
-            <a:p>
-              <a:pPr lvl="0">
-                <a:defRPr>
-                  <a:uFillTx/>
-                </a:defRPr>
-              </a:pPr>
-              <a:r>
-                <a:rPr dirty="0">
-                  <a:solidFill>
-                    <a:schemeClr val="tx1"/>
-                  </a:solidFill>
-                  <a:uFill>
-                    <a:solidFill/>
-                  </a:uFill>
-                  <a:latin typeface="Arial Unicode MS" panose="020B0604020202020204" pitchFamily="34" charset="-128"/>
-                  <a:ea typeface="Arial Unicode MS" panose="020B0604020202020204" pitchFamily="34" charset="-128"/>
-                  <a:cs typeface="Arial Unicode MS" panose="020B0604020202020204" pitchFamily="34" charset="-128"/>
-                </a:rPr>
-                <a:t>0 |</a:t>
-              </a:r>
-            </a:p>
-          </p:txBody>
-        </p:sp>
-        <p:sp>
-          <p:nvSpPr>
-            <p:cNvPr id="453" name="Shape 453"/>
-            <p:cNvSpPr/>
-            <p:nvPr/>
-          </p:nvSpPr>
-          <p:spPr>
-            <a:xfrm flipH="1" flipV="1">
-              <a:off x="1447799" y="533399"/>
-              <a:ext cx="914401" cy="762002"/>
-            </a:xfrm>
-            <a:prstGeom prst="line">
-              <a:avLst/>
-            </a:prstGeom>
-            <a:noFill/>
-            <a:ln w="9525" cap="flat">
-              <a:solidFill>
-                <a:srgbClr val="000000"/>
-              </a:solidFill>
-              <a:prstDash val="solid"/>
-              <a:round/>
-              <a:tailEnd type="triangle" w="med" len="med"/>
-            </a:ln>
-            <a:effectLst/>
-          </p:spPr>
-          <p:txBody>
-            <a:bodyPr wrap="square" lIns="0" tIns="0" rIns="0" bIns="0" numCol="1" anchor="t">
-              <a:noAutofit/>
-            </a:bodyPr>
-            <a:lstStyle/>
-            <a:p>
-              <a:pPr lvl="0" defTabSz="457200">
-                <a:defRPr sz="1200">
-                  <a:solidFill>
-                    <a:srgbClr val="000000"/>
-                  </a:solidFill>
-                  <a:uFillTx/>
-                  <a:latin typeface="+mj-lt"/>
-                  <a:ea typeface="+mj-ea"/>
-                  <a:cs typeface="+mj-cs"/>
-                  <a:sym typeface="Helvetica"/>
-                </a:defRPr>
-              </a:pPr>
-              <a:endParaRPr dirty="0">
-                <a:solidFill>
-                  <a:schemeClr val="tx1"/>
-                </a:solidFill>
-                <a:latin typeface="Arial Unicode MS" panose="020B0604020202020204" pitchFamily="34" charset="-128"/>
-                <a:ea typeface="Arial Unicode MS" panose="020B0604020202020204" pitchFamily="34" charset="-128"/>
-                <a:cs typeface="Arial Unicode MS" panose="020B0604020202020204" pitchFamily="34" charset="-128"/>
-              </a:endParaRPr>
-            </a:p>
-          </p:txBody>
-        </p:sp>
-        <p:sp>
-          <p:nvSpPr>
-            <p:cNvPr id="454" name="Shape 454"/>
-            <p:cNvSpPr/>
-            <p:nvPr/>
-          </p:nvSpPr>
-          <p:spPr>
-            <a:xfrm flipV="1">
-              <a:off x="2971800" y="533399"/>
-              <a:ext cx="1143001" cy="762002"/>
-            </a:xfrm>
-            <a:prstGeom prst="line">
-              <a:avLst/>
-            </a:prstGeom>
-            <a:noFill/>
-            <a:ln w="9525" cap="flat">
-              <a:solidFill>
-                <a:srgbClr val="000000"/>
-              </a:solidFill>
-              <a:prstDash val="solid"/>
-              <a:round/>
-              <a:tailEnd type="triangle" w="med" len="med"/>
-            </a:ln>
-            <a:effectLst/>
-          </p:spPr>
-          <p:txBody>
-            <a:bodyPr wrap="square" lIns="0" tIns="0" rIns="0" bIns="0" numCol="1" anchor="t">
-              <a:noAutofit/>
-            </a:bodyPr>
-            <a:lstStyle/>
-            <a:p>
-              <a:pPr lvl="0" defTabSz="457200">
-                <a:defRPr sz="1200">
-                  <a:solidFill>
-                    <a:srgbClr val="000000"/>
-                  </a:solidFill>
-                  <a:uFillTx/>
-                  <a:latin typeface="+mj-lt"/>
-                  <a:ea typeface="+mj-ea"/>
-                  <a:cs typeface="+mj-cs"/>
-                  <a:sym typeface="Helvetica"/>
-                </a:defRPr>
-              </a:pPr>
-              <a:endParaRPr dirty="0">
-                <a:solidFill>
-                  <a:schemeClr val="tx1"/>
-                </a:solidFill>
-                <a:latin typeface="Arial Unicode MS" panose="020B0604020202020204" pitchFamily="34" charset="-128"/>
-                <a:ea typeface="Arial Unicode MS" panose="020B0604020202020204" pitchFamily="34" charset="-128"/>
-                <a:cs typeface="Arial Unicode MS" panose="020B0604020202020204" pitchFamily="34" charset="-128"/>
-              </a:endParaRPr>
-            </a:p>
-          </p:txBody>
-        </p:sp>
-      </p:grpSp>
+          </p:cNvPr>
+          <p:cNvPicPr>
+            <a:picLocks noChangeAspect="1"/>
+          </p:cNvPicPr>
+          <p:nvPr/>
+        </p:nvPicPr>
+        <p:blipFill>
+          <a:blip r:embed="rId4">
+            <a:extLst>
+              <a:ext uri="{28A0092B-C50C-407E-A947-70E740481C1C}">
+                <a14:useLocalDpi xmlns:a14="http://schemas.microsoft.com/office/drawing/2010/main" val="0"/>
+              </a:ext>
+            </a:extLst>
+          </a:blip>
+          <a:stretch>
+            <a:fillRect/>
+          </a:stretch>
+        </p:blipFill>
+        <p:spPr>
+          <a:xfrm>
+            <a:off x="952051" y="654181"/>
+            <a:ext cx="7126941" cy="2598726"/>
+          </a:xfrm>
+          <a:prstGeom prst="rect">
+            <a:avLst/>
+          </a:prstGeom>
+        </p:spPr>
+      </p:pic>
     </p:spTree>
   </p:cSld>
   <p:clrMapOvr>
@@ -11084,7 +10960,7 @@
           </a:ln>
           <a:extLst>
             <a:ext uri="{C572A759-6A51-4108-AA02-DFA0A04FC94B}">
-              <ma14:wrappingTextBoxFlag xmlns:ma14="http://schemas.microsoft.com/office/mac/drawingml/2011/main" xmlns="" val="1"/>
+              <ma14:wrappingTextBoxFlag xmlns="" xmlns:ma14="http://schemas.microsoft.com/office/mac/drawingml/2011/main" val="1"/>
             </a:ext>
           </a:extLst>
         </p:spPr>
@@ -11139,7 +11015,7 @@
         </p:nvSpPr>
         <p:spPr>
           <a:xfrm>
-            <a:off x="442118" y="4104855"/>
+            <a:off x="474391" y="4449100"/>
             <a:ext cx="8034696" cy="1795363"/>
           </a:xfrm>
           <a:prstGeom prst="rect">
@@ -11150,7 +11026,7 @@
           </a:ln>
           <a:extLst>
             <a:ext uri="{C572A759-6A51-4108-AA02-DFA0A04FC94B}">
-              <ma14:wrappingTextBoxFlag xmlns:ma14="http://schemas.microsoft.com/office/mac/drawingml/2011/main" xmlns="" val="1"/>
+              <ma14:wrappingTextBoxFlag xmlns="" xmlns:ma14="http://schemas.microsoft.com/office/mac/drawingml/2011/main" val="1"/>
             </a:ext>
           </a:extLst>
         </p:spPr>
@@ -11288,7 +11164,7 @@
                 <a:ea typeface="Arial Unicode MS" panose="020B0604020202020204" pitchFamily="34" charset="-128"/>
                 <a:cs typeface="Arial Unicode MS" panose="020B0604020202020204" pitchFamily="34" charset="-128"/>
               </a:rPr>
-              <a:t>ach professor is affiliated with one and only one (expressed as “| |”) department.</a:t>
+              <a:t>ach professor is affiliated with one and only one (expressed as “| |”) department</a:t>
             </a:r>
           </a:p>
         </p:txBody>
@@ -11301,7 +11177,7 @@
         </p:nvSpPr>
         <p:spPr>
           <a:xfrm>
-            <a:off x="7852529" y="4695544"/>
+            <a:off x="7825634" y="5034411"/>
             <a:ext cx="164744" cy="1"/>
           </a:xfrm>
           <a:prstGeom prst="line">
@@ -11356,7 +11232,7 @@
         </p:nvSpPr>
         <p:spPr>
           <a:xfrm flipV="1">
-            <a:off x="7849801" y="4524322"/>
+            <a:off x="7822906" y="4863189"/>
             <a:ext cx="170201" cy="170200"/>
           </a:xfrm>
           <a:prstGeom prst="line">
@@ -11411,7 +11287,7 @@
         </p:nvSpPr>
         <p:spPr>
           <a:xfrm flipH="1" flipV="1">
-            <a:off x="7846229" y="4690091"/>
+            <a:off x="7819334" y="5028958"/>
             <a:ext cx="177346" cy="177346"/>
           </a:xfrm>
           <a:prstGeom prst="line">
@@ -11458,329 +11334,58 @@
           </a:p>
         </p:txBody>
       </p:sp>
-      <p:grpSp>
-        <p:nvGrpSpPr>
-          <p:cNvPr id="467" name="Group 467"/>
-          <p:cNvGrpSpPr/>
-          <p:nvPr/>
-        </p:nvGrpSpPr>
-        <p:grpSpPr>
-          <a:xfrm>
-            <a:off x="1690866" y="1821268"/>
-            <a:ext cx="1600201" cy="1196976"/>
-            <a:chOff x="0" y="0"/>
-            <a:chExt cx="1600200" cy="1196974"/>
-          </a:xfrm>
-        </p:grpSpPr>
-        <p:sp>
-          <p:nvSpPr>
-            <p:cNvPr id="463" name="Shape 463"/>
-            <p:cNvSpPr/>
-            <p:nvPr/>
-          </p:nvSpPr>
-          <p:spPr>
-            <a:xfrm>
-              <a:off x="0" y="0"/>
-              <a:ext cx="1600200" cy="369521"/>
-            </a:xfrm>
-            <a:prstGeom prst="rect">
-              <a:avLst/>
-            </a:prstGeom>
-            <a:solidFill>
-              <a:srgbClr val="FFFFFF"/>
-            </a:solidFill>
-            <a:ln w="4763" cap="flat">
-              <a:solidFill>
-                <a:srgbClr val="000000"/>
-              </a:solidFill>
-              <a:prstDash val="solid"/>
-              <a:round/>
-            </a:ln>
-            <a:effectLst/>
-          </p:spPr>
-          <p:txBody>
-            <a:bodyPr wrap="square" lIns="0" tIns="0" rIns="0" bIns="0" numCol="1" anchor="t">
-              <a:noAutofit/>
-            </a:bodyPr>
-            <a:lstStyle/>
-            <a:p>
-              <a:pPr lvl="0">
-                <a:defRPr sz="1800">
-                  <a:solidFill>
-                    <a:srgbClr val="000000"/>
-                  </a:solidFill>
-                  <a:latin typeface="Palatino Linotype"/>
-                  <a:ea typeface="Palatino Linotype"/>
-                  <a:cs typeface="Palatino Linotype"/>
-                  <a:sym typeface="Palatino Linotype"/>
-                </a:defRPr>
-              </a:pPr>
-              <a:endParaRPr dirty="0">
-                <a:solidFill>
-                  <a:schemeClr val="tx1"/>
-                </a:solidFill>
-                <a:latin typeface="Arial Unicode MS" panose="020B0604020202020204" pitchFamily="34" charset="-128"/>
-                <a:ea typeface="Arial Unicode MS" panose="020B0604020202020204" pitchFamily="34" charset="-128"/>
-                <a:cs typeface="Arial Unicode MS" panose="020B0604020202020204" pitchFamily="34" charset="-128"/>
-              </a:endParaRPr>
-            </a:p>
-          </p:txBody>
-        </p:sp>
-        <p:sp>
-          <p:nvSpPr>
-            <p:cNvPr id="464" name="Shape 464"/>
-            <p:cNvSpPr/>
-            <p:nvPr/>
-          </p:nvSpPr>
-          <p:spPr>
-            <a:xfrm>
-              <a:off x="76200" y="70276"/>
-              <a:ext cx="1511300" cy="304801"/>
-            </a:xfrm>
-            <a:prstGeom prst="rect">
-              <a:avLst/>
-            </a:prstGeom>
-            <a:noFill/>
-            <a:ln w="12700" cap="flat">
-              <a:noFill/>
-              <a:miter lim="400000"/>
-            </a:ln>
-            <a:effectLst/>
+      <p:pic>
+        <p:nvPicPr>
+          <p:cNvPr id="3" name="Picture 2" descr="A screenshot of a computer&#10;&#10;Description automatically generated with low confidence">
             <a:extLst>
-              <a:ext uri="{C572A759-6A51-4108-AA02-DFA0A04FC94B}">
-                <ma14:wrappingTextBoxFlag xmlns:ma14="http://schemas.microsoft.com/office/mac/drawingml/2011/main" xmlns="" val="1"/>
+              <a:ext uri="{FF2B5EF4-FFF2-40B4-BE49-F238E27FC236}">
+                <a16:creationId xmlns:a16="http://schemas.microsoft.com/office/drawing/2014/main" id="{BA6A552C-F1C7-89DF-5EA9-CD30CD78BB5B}"/>
               </a:ext>
             </a:extLst>
-          </p:spPr>
-          <p:txBody>
-            <a:bodyPr wrap="square" lIns="0" tIns="0" rIns="0" bIns="0" numCol="1" anchor="t">
-              <a:spAutoFit/>
-            </a:bodyPr>
-            <a:lstStyle>
-              <a:lvl1pPr>
-                <a:defRPr>
-                  <a:solidFill>
-                    <a:srgbClr val="000000"/>
-                  </a:solidFill>
-                  <a:latin typeface="Palatino Linotype"/>
-                  <a:ea typeface="Palatino Linotype"/>
-                  <a:cs typeface="Palatino Linotype"/>
-                  <a:sym typeface="Palatino Linotype"/>
-                </a:defRPr>
-              </a:lvl1pPr>
-            </a:lstStyle>
-            <a:p>
-              <a:pPr lvl="0">
-                <a:defRPr sz="1800">
-                  <a:uFillTx/>
-                </a:defRPr>
-              </a:pPr>
-              <a:r>
-                <a:rPr sz="2000" dirty="0">
-                  <a:solidFill>
-                    <a:schemeClr val="tx1"/>
-                  </a:solidFill>
-                  <a:uFill>
-                    <a:solidFill/>
-                  </a:uFill>
-                  <a:latin typeface="Arial Unicode MS" panose="020B0604020202020204" pitchFamily="34" charset="-128"/>
-                  <a:ea typeface="Arial Unicode MS" panose="020B0604020202020204" pitchFamily="34" charset="-128"/>
-                  <a:cs typeface="Arial Unicode MS" panose="020B0604020202020204" pitchFamily="34" charset="-128"/>
-                </a:rPr>
-                <a:t>Department</a:t>
-              </a:r>
-            </a:p>
-          </p:txBody>
-        </p:sp>
-        <p:sp>
-          <p:nvSpPr>
-            <p:cNvPr id="465" name="Shape 465"/>
-            <p:cNvSpPr/>
-            <p:nvPr/>
-          </p:nvSpPr>
-          <p:spPr>
-            <a:xfrm>
-              <a:off x="0" y="369520"/>
-              <a:ext cx="1600200" cy="827455"/>
-            </a:xfrm>
-            <a:prstGeom prst="rect">
-              <a:avLst/>
-            </a:prstGeom>
-            <a:solidFill>
-              <a:srgbClr val="FFFFFF"/>
-            </a:solidFill>
-            <a:ln w="4763" cap="flat">
-              <a:solidFill>
-                <a:srgbClr val="000000"/>
-              </a:solidFill>
-              <a:prstDash val="solid"/>
-              <a:round/>
-            </a:ln>
-            <a:effectLst/>
-          </p:spPr>
-          <p:txBody>
-            <a:bodyPr wrap="square" lIns="0" tIns="0" rIns="0" bIns="0" numCol="1" anchor="t">
-              <a:noAutofit/>
-            </a:bodyPr>
-            <a:lstStyle/>
-            <a:p>
-              <a:pPr lvl="0">
-                <a:defRPr sz="1800">
-                  <a:solidFill>
-                    <a:srgbClr val="000000"/>
-                  </a:solidFill>
-                  <a:latin typeface="Palatino Linotype"/>
-                  <a:ea typeface="Palatino Linotype"/>
-                  <a:cs typeface="Palatino Linotype"/>
-                  <a:sym typeface="Palatino Linotype"/>
-                </a:defRPr>
-              </a:pPr>
-              <a:endParaRPr dirty="0">
-                <a:solidFill>
-                  <a:schemeClr val="tx1"/>
-                </a:solidFill>
-                <a:latin typeface="Arial Unicode MS" panose="020B0604020202020204" pitchFamily="34" charset="-128"/>
-                <a:ea typeface="Arial Unicode MS" panose="020B0604020202020204" pitchFamily="34" charset="-128"/>
-                <a:cs typeface="Arial Unicode MS" panose="020B0604020202020204" pitchFamily="34" charset="-128"/>
-              </a:endParaRPr>
-            </a:p>
-          </p:txBody>
-        </p:sp>
-        <p:sp>
-          <p:nvSpPr>
-            <p:cNvPr id="466" name="Shape 466"/>
-            <p:cNvSpPr/>
-            <p:nvPr/>
-          </p:nvSpPr>
-          <p:spPr>
-            <a:xfrm>
-              <a:off x="185737" y="491938"/>
-              <a:ext cx="1338263" cy="304801"/>
-            </a:xfrm>
-            <a:prstGeom prst="rect">
-              <a:avLst/>
-            </a:prstGeom>
-            <a:noFill/>
-            <a:ln w="12700" cap="flat">
-              <a:noFill/>
-              <a:miter lim="400000"/>
-            </a:ln>
-            <a:effectLst/>
+          </p:cNvPr>
+          <p:cNvPicPr>
+            <a:picLocks noChangeAspect="1"/>
+          </p:cNvPicPr>
+          <p:nvPr/>
+        </p:nvPicPr>
+        <p:blipFill>
+          <a:blip r:embed="rId4" cstate="print">
             <a:extLst>
-              <a:ext uri="{C572A759-6A51-4108-AA02-DFA0A04FC94B}">
-                <ma14:wrappingTextBoxFlag xmlns:ma14="http://schemas.microsoft.com/office/mac/drawingml/2011/main" xmlns="" val="1"/>
+              <a:ext uri="{28A0092B-C50C-407E-A947-70E740481C1C}">
+                <a14:useLocalDpi xmlns:a14="http://schemas.microsoft.com/office/drawing/2010/main" val="0"/>
               </a:ext>
             </a:extLst>
-          </p:spPr>
-          <p:txBody>
-            <a:bodyPr wrap="square" lIns="0" tIns="0" rIns="0" bIns="0" numCol="1" anchor="t">
-              <a:spAutoFit/>
-            </a:bodyPr>
-            <a:lstStyle>
-              <a:lvl1pPr>
-                <a:defRPr>
-                  <a:solidFill>
-                    <a:srgbClr val="000000"/>
-                  </a:solidFill>
-                  <a:latin typeface="Palatino Linotype"/>
-                  <a:ea typeface="Palatino Linotype"/>
-                  <a:cs typeface="Palatino Linotype"/>
-                  <a:sym typeface="Palatino Linotype"/>
-                </a:defRPr>
-              </a:lvl1pPr>
-            </a:lstStyle>
-            <a:p>
-              <a:pPr lvl="0">
-                <a:defRPr sz="1800">
-                  <a:uFillTx/>
-                </a:defRPr>
-              </a:pPr>
-              <a:r>
-                <a:rPr sz="2000" dirty="0" err="1">
-                  <a:solidFill>
-                    <a:schemeClr val="tx1"/>
-                  </a:solidFill>
-                  <a:uFill>
-                    <a:solidFill/>
-                  </a:uFill>
-                  <a:latin typeface="Arial Unicode MS" panose="020B0604020202020204" pitchFamily="34" charset="-128"/>
-                  <a:ea typeface="Arial Unicode MS" panose="020B0604020202020204" pitchFamily="34" charset="-128"/>
-                  <a:cs typeface="Arial Unicode MS" panose="020B0604020202020204" pitchFamily="34" charset="-128"/>
-                </a:rPr>
-                <a:t>DeptNo</a:t>
-              </a:r>
-              <a:endParaRPr sz="2000" dirty="0">
-                <a:solidFill>
-                  <a:schemeClr val="tx1"/>
-                </a:solidFill>
-                <a:uFill>
-                  <a:solidFill/>
-                </a:uFill>
-                <a:latin typeface="Arial Unicode MS" panose="020B0604020202020204" pitchFamily="34" charset="-128"/>
-                <a:ea typeface="Arial Unicode MS" panose="020B0604020202020204" pitchFamily="34" charset="-128"/>
-                <a:cs typeface="Arial Unicode MS" panose="020B0604020202020204" pitchFamily="34" charset="-128"/>
-              </a:endParaRPr>
-            </a:p>
-          </p:txBody>
-        </p:sp>
-      </p:grpSp>
+          </a:blip>
+          <a:stretch>
+            <a:fillRect/>
+          </a:stretch>
+        </p:blipFill>
+        <p:spPr>
+          <a:xfrm>
+            <a:off x="1441525" y="858441"/>
+            <a:ext cx="5814508" cy="2158852"/>
+          </a:xfrm>
+          <a:prstGeom prst="rect">
+            <a:avLst/>
+          </a:prstGeom>
+        </p:spPr>
+      </p:pic>
       <p:sp>
         <p:nvSpPr>
-          <p:cNvPr id="468" name="Shape 468"/>
+          <p:cNvPr id="4" name="Shape 308">
+            <a:extLst>
+              <a:ext uri="{FF2B5EF4-FFF2-40B4-BE49-F238E27FC236}">
+                <a16:creationId xmlns:a16="http://schemas.microsoft.com/office/drawing/2014/main" id="{4E4D9E54-41A8-51B3-9F7E-BBA906B03C98}"/>
+              </a:ext>
+            </a:extLst>
+          </p:cNvPr>
           <p:cNvSpPr/>
           <p:nvPr/>
         </p:nvSpPr>
         <p:spPr>
           <a:xfrm>
-            <a:off x="3291066" y="2126068"/>
-            <a:ext cx="2336801" cy="1"/>
-          </a:xfrm>
-          <a:prstGeom prst="line">
-            <a:avLst/>
-          </a:prstGeom>
-          <a:ln w="4826">
-            <a:solidFill/>
-            <a:prstDash val="dash"/>
-            <a:round/>
-          </a:ln>
-        </p:spPr>
-        <p:txBody>
-          <a:bodyPr lIns="0" tIns="0" rIns="0" bIns="0"/>
-          <a:lstStyle/>
-          <a:p>
-            <a:pPr lvl="0" defTabSz="457200">
-              <a:defRPr sz="1200">
-                <a:solidFill>
-                  <a:srgbClr val="000000"/>
-                </a:solidFill>
-                <a:uFillTx/>
-                <a:latin typeface="+mj-lt"/>
-                <a:ea typeface="+mj-ea"/>
-                <a:cs typeface="+mj-cs"/>
-                <a:sym typeface="Helvetica"/>
-              </a:defRPr>
-            </a:pPr>
-            <a:endParaRPr dirty="0">
-              <a:solidFill>
-                <a:schemeClr val="tx1"/>
-              </a:solidFill>
-              <a:latin typeface="Arial Unicode MS" panose="020B0604020202020204" pitchFamily="34" charset="-128"/>
-              <a:ea typeface="Arial Unicode MS" panose="020B0604020202020204" pitchFamily="34" charset="-128"/>
-              <a:cs typeface="Arial Unicode MS" panose="020B0604020202020204" pitchFamily="34" charset="-128"/>
-            </a:endParaRPr>
-          </a:p>
-        </p:txBody>
-      </p:sp>
-      <p:sp>
-        <p:nvSpPr>
-          <p:cNvPr id="469" name="Shape 469"/>
-          <p:cNvSpPr/>
-          <p:nvPr/>
-        </p:nvSpPr>
-        <p:spPr>
-          <a:xfrm>
-            <a:off x="4129266" y="1973668"/>
-            <a:ext cx="457201" cy="304801"/>
+            <a:off x="3485145" y="3685714"/>
+            <a:ext cx="1899142" cy="369332"/>
           </a:xfrm>
           <a:prstGeom prst="rect">
             <a:avLst/>
@@ -11790,37 +11395,36 @@
           </a:ln>
           <a:extLst>
             <a:ext uri="{C572A759-6A51-4108-AA02-DFA0A04FC94B}">
-              <ma14:wrappingTextBoxFlag xmlns:ma14="http://schemas.microsoft.com/office/mac/drawingml/2011/main" xmlns="" val="1"/>
+              <ma14:wrappingTextBoxFlag xmlns="" xmlns:ma14="http://schemas.microsoft.com/office/mac/drawingml/2011/main" val="1"/>
             </a:ext>
           </a:extLst>
         </p:spPr>
         <p:txBody>
-          <a:bodyPr lIns="0" tIns="0" rIns="0" bIns="0">
+          <a:bodyPr wrap="square" lIns="0" tIns="0" rIns="0" bIns="0">
             <a:spAutoFit/>
           </a:bodyPr>
           <a:lstStyle>
             <a:lvl1pPr>
               <a:defRPr>
                 <a:solidFill>
-                  <a:srgbClr val="000000"/>
-                </a:solidFill>
-                <a:latin typeface="Palatino Linotype"/>
-                <a:ea typeface="Palatino Linotype"/>
-                <a:cs typeface="Palatino Linotype"/>
-                <a:sym typeface="Palatino Linotype"/>
+                  <a:srgbClr val="FF2600"/>
+                </a:solidFill>
               </a:defRPr>
             </a:lvl1pPr>
           </a:lstStyle>
           <a:p>
-            <a:pPr lvl="0">
+            <a:pPr lvl="0" algn="ctr">
               <a:defRPr sz="1800">
+                <a:solidFill>
+                  <a:srgbClr val="000000"/>
+                </a:solidFill>
                 <a:uFillTx/>
               </a:defRPr>
             </a:pPr>
             <a:r>
-              <a:rPr sz="2000" dirty="0">
-                <a:solidFill>
-                  <a:schemeClr val="tx1"/>
+              <a:rPr lang="en-US" sz="2400" b="1" dirty="0">
+                <a:solidFill>
+                  <a:srgbClr val="57068C"/>
                 </a:solidFill>
                 <a:uFill>
                   <a:solidFill/>
@@ -11829,506 +11433,15 @@
                 <a:ea typeface="Arial Unicode MS" panose="020B0604020202020204" pitchFamily="34" charset="-128"/>
                 <a:cs typeface="Arial Unicode MS" panose="020B0604020202020204" pitchFamily="34" charset="-128"/>
               </a:rPr>
-              <a:t>Has</a:t>
-            </a:r>
-          </a:p>
-        </p:txBody>
-      </p:sp>
-      <p:grpSp>
-        <p:nvGrpSpPr>
-          <p:cNvPr id="474" name="Group 474"/>
-          <p:cNvGrpSpPr/>
-          <p:nvPr/>
-        </p:nvGrpSpPr>
-        <p:grpSpPr>
-          <a:xfrm>
-            <a:off x="5653266" y="1821267"/>
-            <a:ext cx="1185864" cy="990602"/>
-            <a:chOff x="0" y="-1"/>
-            <a:chExt cx="1185863" cy="990601"/>
-          </a:xfrm>
-        </p:grpSpPr>
-        <p:sp>
-          <p:nvSpPr>
-            <p:cNvPr id="470" name="Shape 470"/>
-            <p:cNvSpPr/>
-            <p:nvPr/>
-          </p:nvSpPr>
-          <p:spPr>
-            <a:xfrm>
-              <a:off x="0" y="-1"/>
-              <a:ext cx="1185863" cy="432891"/>
-            </a:xfrm>
-            <a:prstGeom prst="rect">
-              <a:avLst/>
-            </a:prstGeom>
-            <a:solidFill>
-              <a:srgbClr val="FFFFFF"/>
-            </a:solidFill>
-            <a:ln w="4763" cap="flat">
+              <a:t>Cardinalities</a:t>
+            </a:r>
+            <a:endParaRPr sz="2400" dirty="0">
               <a:solidFill>
-                <a:srgbClr val="000000"/>
+                <a:srgbClr val="57068C"/>
               </a:solidFill>
-              <a:prstDash val="solid"/>
-              <a:round/>
-            </a:ln>
-            <a:effectLst/>
-          </p:spPr>
-          <p:txBody>
-            <a:bodyPr wrap="square" lIns="0" tIns="0" rIns="0" bIns="0" numCol="1" anchor="t">
-              <a:noAutofit/>
-            </a:bodyPr>
-            <a:lstStyle/>
-            <a:p>
-              <a:pPr lvl="0">
-                <a:defRPr sz="1800">
-                  <a:solidFill>
-                    <a:srgbClr val="000000"/>
-                  </a:solidFill>
-                  <a:latin typeface="Palatino Linotype"/>
-                  <a:ea typeface="Palatino Linotype"/>
-                  <a:cs typeface="Palatino Linotype"/>
-                  <a:sym typeface="Palatino Linotype"/>
-                </a:defRPr>
-              </a:pPr>
-              <a:endParaRPr dirty="0">
-                <a:solidFill>
-                  <a:schemeClr val="tx1"/>
-                </a:solidFill>
-                <a:latin typeface="Arial Unicode MS" panose="020B0604020202020204" pitchFamily="34" charset="-128"/>
-                <a:ea typeface="Arial Unicode MS" panose="020B0604020202020204" pitchFamily="34" charset="-128"/>
-                <a:cs typeface="Arial Unicode MS" panose="020B0604020202020204" pitchFamily="34" charset="-128"/>
-              </a:endParaRPr>
-            </a:p>
-          </p:txBody>
-        </p:sp>
-        <p:sp>
-          <p:nvSpPr>
-            <p:cNvPr id="471" name="Shape 471"/>
-            <p:cNvSpPr/>
-            <p:nvPr/>
-          </p:nvSpPr>
-          <p:spPr>
-            <a:xfrm>
-              <a:off x="58737" y="82328"/>
-              <a:ext cx="1096453" cy="307777"/>
-            </a:xfrm>
-            <a:prstGeom prst="rect">
-              <a:avLst/>
-            </a:prstGeom>
-            <a:noFill/>
-            <a:ln w="12700" cap="flat">
-              <a:noFill/>
-              <a:miter lim="400000"/>
-            </a:ln>
-            <a:effectLst/>
-            <a:extLst>
-              <a:ext uri="{C572A759-6A51-4108-AA02-DFA0A04FC94B}">
-                <ma14:wrappingTextBoxFlag xmlns:ma14="http://schemas.microsoft.com/office/mac/drawingml/2011/main" xmlns="" val="1"/>
-              </a:ext>
-            </a:extLst>
-          </p:spPr>
-          <p:txBody>
-            <a:bodyPr wrap="none" lIns="0" tIns="0" rIns="0" bIns="0" numCol="1" anchor="t">
-              <a:spAutoFit/>
-            </a:bodyPr>
-            <a:lstStyle>
-              <a:lvl1pPr>
-                <a:defRPr>
-                  <a:solidFill>
-                    <a:srgbClr val="000000"/>
-                  </a:solidFill>
-                  <a:latin typeface="Palatino Linotype"/>
-                  <a:ea typeface="Palatino Linotype"/>
-                  <a:cs typeface="Palatino Linotype"/>
-                  <a:sym typeface="Palatino Linotype"/>
-                </a:defRPr>
-              </a:lvl1pPr>
-            </a:lstStyle>
-            <a:p>
-              <a:pPr lvl="0">
-                <a:defRPr sz="1800">
-                  <a:uFillTx/>
-                </a:defRPr>
-              </a:pPr>
-              <a:r>
-                <a:rPr sz="2000" dirty="0">
-                  <a:solidFill>
-                    <a:schemeClr val="tx1"/>
-                  </a:solidFill>
-                  <a:uFill>
-                    <a:solidFill/>
-                  </a:uFill>
-                  <a:latin typeface="Arial Unicode MS" panose="020B0604020202020204" pitchFamily="34" charset="-128"/>
-                  <a:ea typeface="Arial Unicode MS" panose="020B0604020202020204" pitchFamily="34" charset="-128"/>
-                  <a:cs typeface="Arial Unicode MS" panose="020B0604020202020204" pitchFamily="34" charset="-128"/>
-                </a:rPr>
-                <a:t>Professor</a:t>
-              </a:r>
-            </a:p>
-          </p:txBody>
-        </p:sp>
-        <p:sp>
-          <p:nvSpPr>
-            <p:cNvPr id="472" name="Shape 472"/>
-            <p:cNvSpPr/>
-            <p:nvPr/>
-          </p:nvSpPr>
-          <p:spPr>
-            <a:xfrm>
-              <a:off x="0" y="432889"/>
-              <a:ext cx="1185863" cy="557711"/>
-            </a:xfrm>
-            <a:prstGeom prst="rect">
-              <a:avLst/>
-            </a:prstGeom>
-            <a:solidFill>
-              <a:srgbClr val="FFFFFF"/>
-            </a:solidFill>
-            <a:ln w="4763" cap="flat">
-              <a:solidFill>
-                <a:srgbClr val="000000"/>
-              </a:solidFill>
-              <a:prstDash val="solid"/>
-              <a:round/>
-            </a:ln>
-            <a:effectLst/>
-          </p:spPr>
-          <p:txBody>
-            <a:bodyPr wrap="square" lIns="0" tIns="0" rIns="0" bIns="0" numCol="1" anchor="t">
-              <a:noAutofit/>
-            </a:bodyPr>
-            <a:lstStyle/>
-            <a:p>
-              <a:pPr lvl="0">
-                <a:defRPr sz="1800">
-                  <a:solidFill>
-                    <a:srgbClr val="000000"/>
-                  </a:solidFill>
-                  <a:latin typeface="Palatino Linotype"/>
-                  <a:ea typeface="Palatino Linotype"/>
-                  <a:cs typeface="Palatino Linotype"/>
-                  <a:sym typeface="Palatino Linotype"/>
-                </a:defRPr>
-              </a:pPr>
-              <a:endParaRPr dirty="0">
-                <a:solidFill>
-                  <a:schemeClr val="tx1"/>
-                </a:solidFill>
-                <a:latin typeface="Arial Unicode MS" panose="020B0604020202020204" pitchFamily="34" charset="-128"/>
-                <a:ea typeface="Arial Unicode MS" panose="020B0604020202020204" pitchFamily="34" charset="-128"/>
-                <a:cs typeface="Arial Unicode MS" panose="020B0604020202020204" pitchFamily="34" charset="-128"/>
-              </a:endParaRPr>
-            </a:p>
-          </p:txBody>
-        </p:sp>
-        <p:sp>
-          <p:nvSpPr>
-            <p:cNvPr id="473" name="Shape 473"/>
-            <p:cNvSpPr/>
-            <p:nvPr/>
-          </p:nvSpPr>
-          <p:spPr>
-            <a:xfrm>
-              <a:off x="369887" y="576300"/>
-              <a:ext cx="726160" cy="307777"/>
-            </a:xfrm>
-            <a:prstGeom prst="rect">
-              <a:avLst/>
-            </a:prstGeom>
-            <a:noFill/>
-            <a:ln w="12700" cap="flat">
-              <a:noFill/>
-              <a:miter lim="400000"/>
-            </a:ln>
-            <a:effectLst/>
-            <a:extLst>
-              <a:ext uri="{C572A759-6A51-4108-AA02-DFA0A04FC94B}">
-                <ma14:wrappingTextBoxFlag xmlns:ma14="http://schemas.microsoft.com/office/mac/drawingml/2011/main" xmlns="" val="1"/>
-              </a:ext>
-            </a:extLst>
-          </p:spPr>
-          <p:txBody>
-            <a:bodyPr wrap="none" lIns="0" tIns="0" rIns="0" bIns="0" numCol="1" anchor="t">
-              <a:spAutoFit/>
-            </a:bodyPr>
-            <a:lstStyle>
-              <a:lvl1pPr>
-                <a:defRPr>
-                  <a:solidFill>
-                    <a:srgbClr val="000000"/>
-                  </a:solidFill>
-                  <a:latin typeface="Palatino Linotype"/>
-                  <a:ea typeface="Palatino Linotype"/>
-                  <a:cs typeface="Palatino Linotype"/>
-                  <a:sym typeface="Palatino Linotype"/>
-                </a:defRPr>
-              </a:lvl1pPr>
-            </a:lstStyle>
-            <a:p>
-              <a:pPr lvl="0">
-                <a:defRPr sz="1800">
-                  <a:uFillTx/>
-                </a:defRPr>
-              </a:pPr>
-              <a:r>
-                <a:rPr sz="2000" dirty="0" err="1">
-                  <a:solidFill>
-                    <a:schemeClr val="tx1"/>
-                  </a:solidFill>
-                  <a:uFill>
-                    <a:solidFill/>
-                  </a:uFill>
-                  <a:latin typeface="Arial Unicode MS" panose="020B0604020202020204" pitchFamily="34" charset="-128"/>
-                  <a:ea typeface="Arial Unicode MS" panose="020B0604020202020204" pitchFamily="34" charset="-128"/>
-                  <a:cs typeface="Arial Unicode MS" panose="020B0604020202020204" pitchFamily="34" charset="-128"/>
-                </a:rPr>
-                <a:t>ProfID</a:t>
-              </a:r>
-              <a:endParaRPr sz="2000" dirty="0">
-                <a:solidFill>
-                  <a:schemeClr val="tx1"/>
-                </a:solidFill>
-                <a:uFill>
-                  <a:solidFill/>
-                </a:uFill>
-                <a:latin typeface="Arial Unicode MS" panose="020B0604020202020204" pitchFamily="34" charset="-128"/>
-                <a:ea typeface="Arial Unicode MS" panose="020B0604020202020204" pitchFamily="34" charset="-128"/>
-                <a:cs typeface="Arial Unicode MS" panose="020B0604020202020204" pitchFamily="34" charset="-128"/>
-              </a:endParaRPr>
-            </a:p>
-          </p:txBody>
-        </p:sp>
-      </p:grpSp>
-      <p:sp>
-        <p:nvSpPr>
-          <p:cNvPr id="475" name="Shape 475"/>
-          <p:cNvSpPr/>
-          <p:nvPr/>
-        </p:nvSpPr>
-        <p:spPr>
-          <a:xfrm>
-            <a:off x="3367266" y="2005418"/>
-            <a:ext cx="304801" cy="276999"/>
-          </a:xfrm>
-          <a:prstGeom prst="rect">
-            <a:avLst/>
-          </a:prstGeom>
-          <a:ln w="12700">
-            <a:miter lim="400000"/>
-          </a:ln>
-          <a:extLst>
-            <a:ext uri="{C572A759-6A51-4108-AA02-DFA0A04FC94B}">
-              <ma14:wrappingTextBoxFlag xmlns:ma14="http://schemas.microsoft.com/office/mac/drawingml/2011/main" xmlns="" val="1"/>
-            </a:ext>
-          </a:extLst>
-        </p:spPr>
-        <p:txBody>
-          <a:bodyPr lIns="0" tIns="0" rIns="0" bIns="0">
-            <a:spAutoFit/>
-          </a:bodyPr>
-          <a:lstStyle>
-            <a:lvl1pPr>
-              <a:defRPr sz="1800">
-                <a:solidFill>
-                  <a:srgbClr val="000000"/>
-                </a:solidFill>
-                <a:latin typeface="Palatino Linotype"/>
-                <a:ea typeface="Palatino Linotype"/>
-                <a:cs typeface="Palatino Linotype"/>
-                <a:sym typeface="Palatino Linotype"/>
-              </a:defRPr>
-            </a:lvl1pPr>
-          </a:lstStyle>
-          <a:p>
-            <a:pPr lvl="0">
-              <a:defRPr>
-                <a:uFillTx/>
-              </a:defRPr>
-            </a:pPr>
-            <a:r>
-              <a:rPr dirty="0">
-                <a:solidFill>
-                  <a:schemeClr val="tx1"/>
-                </a:solidFill>
-                <a:uFill>
-                  <a:solidFill/>
-                </a:uFill>
-                <a:latin typeface="Arial Unicode MS" panose="020B0604020202020204" pitchFamily="34" charset="-128"/>
-                <a:ea typeface="Arial Unicode MS" panose="020B0604020202020204" pitchFamily="34" charset="-128"/>
-                <a:cs typeface="Arial Unicode MS" panose="020B0604020202020204" pitchFamily="34" charset="-128"/>
-              </a:rPr>
-              <a:t>| |</a:t>
-            </a:r>
-          </a:p>
-        </p:txBody>
-      </p:sp>
-      <p:sp>
-        <p:nvSpPr>
-          <p:cNvPr id="476" name="Shape 476"/>
-          <p:cNvSpPr/>
-          <p:nvPr/>
-        </p:nvSpPr>
-        <p:spPr>
-          <a:xfrm>
-            <a:off x="3824466" y="2964268"/>
-            <a:ext cx="1213474" cy="307777"/>
-          </a:xfrm>
-          <a:prstGeom prst="rect">
-            <a:avLst/>
-          </a:prstGeom>
-          <a:ln w="12700">
-            <a:miter lim="400000"/>
-          </a:ln>
-          <a:extLst>
-            <a:ext uri="{C572A759-6A51-4108-AA02-DFA0A04FC94B}">
-              <ma14:wrappingTextBoxFlag xmlns:ma14="http://schemas.microsoft.com/office/mac/drawingml/2011/main" xmlns="" val="1"/>
-            </a:ext>
-          </a:extLst>
-        </p:spPr>
-        <p:txBody>
-          <a:bodyPr wrap="none" lIns="0" tIns="0" rIns="0" bIns="0">
-            <a:spAutoFit/>
-          </a:bodyPr>
-          <a:lstStyle>
-            <a:lvl1pPr>
-              <a:defRPr>
-                <a:solidFill>
-                  <a:srgbClr val="000000"/>
-                </a:solidFill>
-                <a:latin typeface="Palatino Linotype"/>
-                <a:ea typeface="Palatino Linotype"/>
-                <a:cs typeface="Palatino Linotype"/>
-                <a:sym typeface="Palatino Linotype"/>
-              </a:defRPr>
-            </a:lvl1pPr>
-          </a:lstStyle>
-          <a:p>
-            <a:pPr lvl="0">
-              <a:defRPr sz="1800">
-                <a:uFillTx/>
-              </a:defRPr>
-            </a:pPr>
-            <a:r>
-              <a:rPr sz="2000" dirty="0">
-                <a:solidFill>
-                  <a:schemeClr val="tx1"/>
-                </a:solidFill>
-                <a:uFill>
-                  <a:solidFill/>
-                </a:uFill>
-                <a:latin typeface="Arial Unicode MS" panose="020B0604020202020204" pitchFamily="34" charset="-128"/>
-                <a:ea typeface="Arial Unicode MS" panose="020B0604020202020204" pitchFamily="34" charset="-128"/>
-                <a:cs typeface="Arial Unicode MS" panose="020B0604020202020204" pitchFamily="34" charset="-128"/>
-              </a:rPr>
-              <a:t>Cardinality</a:t>
-            </a:r>
-          </a:p>
-        </p:txBody>
-      </p:sp>
-      <p:sp>
-        <p:nvSpPr>
-          <p:cNvPr id="477" name="Shape 477"/>
-          <p:cNvSpPr/>
-          <p:nvPr/>
-        </p:nvSpPr>
-        <p:spPr>
-          <a:xfrm>
-            <a:off x="5415141" y="1916518"/>
-            <a:ext cx="228601" cy="276999"/>
-          </a:xfrm>
-          <a:prstGeom prst="rect">
-            <a:avLst/>
-          </a:prstGeom>
-          <a:ln w="12700">
-            <a:miter lim="400000"/>
-          </a:ln>
-          <a:extLst>
-            <a:ext uri="{C572A759-6A51-4108-AA02-DFA0A04FC94B}">
-              <ma14:wrappingTextBoxFlag xmlns:ma14="http://schemas.microsoft.com/office/mac/drawingml/2011/main" xmlns="" val="1"/>
-            </a:ext>
-          </a:extLst>
-        </p:spPr>
-        <p:txBody>
-          <a:bodyPr lIns="0" tIns="0" rIns="0" bIns="0">
-            <a:spAutoFit/>
-          </a:bodyPr>
-          <a:lstStyle>
-            <a:lvl1pPr>
-              <a:defRPr sz="1800">
-                <a:solidFill>
-                  <a:srgbClr val="000000"/>
-                </a:solidFill>
-                <a:latin typeface="Palatino Linotype"/>
-                <a:ea typeface="Palatino Linotype"/>
-                <a:cs typeface="Palatino Linotype"/>
-                <a:sym typeface="Palatino Linotype"/>
-              </a:defRPr>
-            </a:lvl1pPr>
-          </a:lstStyle>
-          <a:p>
-            <a:pPr lvl="0">
-              <a:defRPr>
-                <a:uFillTx/>
-              </a:defRPr>
-            </a:pPr>
-            <a:r>
-              <a:rPr dirty="0">
-                <a:solidFill>
-                  <a:schemeClr val="tx1"/>
-                </a:solidFill>
-                <a:uFill>
-                  <a:solidFill/>
-                </a:uFill>
-                <a:latin typeface="Arial Unicode MS" panose="020B0604020202020204" pitchFamily="34" charset="-128"/>
-                <a:ea typeface="Arial Unicode MS" panose="020B0604020202020204" pitchFamily="34" charset="-128"/>
-                <a:cs typeface="Arial Unicode MS" panose="020B0604020202020204" pitchFamily="34" charset="-128"/>
-              </a:rPr>
-              <a:t>| </a:t>
-            </a:r>
-          </a:p>
-        </p:txBody>
-      </p:sp>
-      <p:sp>
-        <p:nvSpPr>
-          <p:cNvPr id="478" name="Shape 478"/>
-          <p:cNvSpPr/>
-          <p:nvPr/>
-        </p:nvSpPr>
-        <p:spPr>
-          <a:xfrm flipH="1" flipV="1">
-            <a:off x="3443466" y="2202268"/>
-            <a:ext cx="838201" cy="685801"/>
-          </a:xfrm>
-          <a:prstGeom prst="line">
-            <a:avLst/>
-          </a:prstGeom>
-          <a:ln>
-            <a:solidFill/>
-            <a:round/>
-            <a:tailEnd type="triangle"/>
-          </a:ln>
-        </p:spPr>
-        <p:txBody>
-          <a:bodyPr lIns="0" tIns="0" rIns="0" bIns="0"/>
-          <a:lstStyle/>
-          <a:p>
-            <a:pPr lvl="0" defTabSz="457200">
-              <a:defRPr sz="1200">
-                <a:solidFill>
-                  <a:srgbClr val="000000"/>
-                </a:solidFill>
-                <a:uFillTx/>
-                <a:latin typeface="+mj-lt"/>
-                <a:ea typeface="+mj-ea"/>
-                <a:cs typeface="+mj-cs"/>
-                <a:sym typeface="Helvetica"/>
-              </a:defRPr>
-            </a:pPr>
-            <a:endParaRPr dirty="0">
-              <a:solidFill>
-                <a:schemeClr val="tx1"/>
-              </a:solidFill>
+              <a:uFill>
+                <a:solidFill/>
+              </a:uFill>
               <a:latin typeface="Arial Unicode MS" panose="020B0604020202020204" pitchFamily="34" charset="-128"/>
               <a:ea typeface="Arial Unicode MS" panose="020B0604020202020204" pitchFamily="34" charset="-128"/>
               <a:cs typeface="Arial Unicode MS" panose="020B0604020202020204" pitchFamily="34" charset="-128"/>
@@ -12336,242 +11449,94 @@
           </a:p>
         </p:txBody>
       </p:sp>
-      <p:sp>
-        <p:nvSpPr>
-          <p:cNvPr id="479" name="Shape 479"/>
-          <p:cNvSpPr/>
+      <p:cxnSp>
+        <p:nvCxnSpPr>
+          <p:cNvPr id="5" name="Straight Arrow Connector 4">
+            <a:extLst>
+              <a:ext uri="{FF2B5EF4-FFF2-40B4-BE49-F238E27FC236}">
+                <a16:creationId xmlns:a16="http://schemas.microsoft.com/office/drawing/2014/main" id="{7DA7E587-046C-B6D1-CB89-6EBE309C6BE8}"/>
+              </a:ext>
+            </a:extLst>
+          </p:cNvPr>
+          <p:cNvCxnSpPr>
+            <a:cxnSpLocks/>
+          </p:cNvCxnSpPr>
           <p:nvPr/>
-        </p:nvSpPr>
+        </p:nvCxnSpPr>
         <p:spPr>
-          <a:xfrm flipV="1">
-            <a:off x="4586466" y="2278468"/>
-            <a:ext cx="914401" cy="609601"/>
+          <a:xfrm flipH="1" flipV="1">
+            <a:off x="3173506" y="2721685"/>
+            <a:ext cx="849854" cy="964029"/>
           </a:xfrm>
-          <a:prstGeom prst="line">
+          <a:prstGeom prst="straightConnector1">
             <a:avLst/>
           </a:prstGeom>
-          <a:ln>
-            <a:solidFill/>
-            <a:round/>
+          <a:ln w="28575">
+            <a:solidFill>
+              <a:srgbClr val="57068C"/>
+            </a:solidFill>
             <a:tailEnd type="triangle"/>
           </a:ln>
         </p:spPr>
-        <p:txBody>
-          <a:bodyPr lIns="0" tIns="0" rIns="0" bIns="0"/>
-          <a:lstStyle/>
-          <a:p>
-            <a:pPr lvl="0" defTabSz="457200">
-              <a:defRPr sz="1200">
-                <a:solidFill>
-                  <a:srgbClr val="000000"/>
-                </a:solidFill>
-                <a:uFillTx/>
-                <a:latin typeface="+mj-lt"/>
-                <a:ea typeface="+mj-ea"/>
-                <a:cs typeface="+mj-cs"/>
-                <a:sym typeface="Helvetica"/>
-              </a:defRPr>
-            </a:pPr>
-            <a:endParaRPr dirty="0">
-              <a:solidFill>
-                <a:schemeClr val="tx1"/>
-              </a:solidFill>
-              <a:latin typeface="Arial Unicode MS" panose="020B0604020202020204" pitchFamily="34" charset="-128"/>
-              <a:ea typeface="Arial Unicode MS" panose="020B0604020202020204" pitchFamily="34" charset="-128"/>
-              <a:cs typeface="Arial Unicode MS" panose="020B0604020202020204" pitchFamily="34" charset="-128"/>
-            </a:endParaRPr>
-          </a:p>
-        </p:txBody>
-      </p:sp>
-      <p:grpSp>
-        <p:nvGrpSpPr>
-          <p:cNvPr id="484" name="Group 484"/>
-          <p:cNvGrpSpPr/>
+        <p:style>
+          <a:lnRef idx="1">
+            <a:schemeClr val="accent1"/>
+          </a:lnRef>
+          <a:fillRef idx="0">
+            <a:schemeClr val="accent1"/>
+          </a:fillRef>
+          <a:effectRef idx="0">
+            <a:schemeClr val="accent1"/>
+          </a:effectRef>
+          <a:fontRef idx="minor">
+            <a:schemeClr val="tx1"/>
+          </a:fontRef>
+        </p:style>
+      </p:cxnSp>
+      <p:cxnSp>
+        <p:nvCxnSpPr>
+          <p:cNvPr id="6" name="Straight Arrow Connector 5">
+            <a:extLst>
+              <a:ext uri="{FF2B5EF4-FFF2-40B4-BE49-F238E27FC236}">
+                <a16:creationId xmlns:a16="http://schemas.microsoft.com/office/drawing/2014/main" id="{954F98EE-A908-01CA-7EDB-DF3B33B11B91}"/>
+              </a:ext>
+            </a:extLst>
+          </p:cNvPr>
+          <p:cNvCxnSpPr>
+            <a:cxnSpLocks/>
+          </p:cNvCxnSpPr>
           <p:nvPr/>
-        </p:nvGrpSpPr>
-        <p:grpSpPr>
-          <a:xfrm>
-            <a:off x="5500866" y="2030818"/>
-            <a:ext cx="144463" cy="152401"/>
-            <a:chOff x="0" y="0"/>
-            <a:chExt cx="144462" cy="152400"/>
+        </p:nvCxnSpPr>
+        <p:spPr>
+          <a:xfrm flipV="1">
+            <a:off x="4959275" y="2721685"/>
+            <a:ext cx="640080" cy="964029"/>
           </a:xfrm>
-        </p:grpSpPr>
-        <p:sp>
-          <p:nvSpPr>
-            <p:cNvPr id="480" name="Shape 480"/>
-            <p:cNvSpPr/>
-            <p:nvPr/>
-          </p:nvSpPr>
-          <p:spPr>
-            <a:xfrm>
-              <a:off x="0" y="76200"/>
-              <a:ext cx="144463" cy="0"/>
-            </a:xfrm>
-            <a:prstGeom prst="line">
-              <a:avLst/>
-            </a:prstGeom>
-            <a:noFill/>
-            <a:ln w="25400" cap="flat">
-              <a:solidFill>
-                <a:srgbClr val="000000"/>
-              </a:solidFill>
-              <a:prstDash val="solid"/>
-              <a:round/>
-            </a:ln>
-            <a:effectLst/>
-          </p:spPr>
-          <p:txBody>
-            <a:bodyPr wrap="square" lIns="0" tIns="0" rIns="0" bIns="0" numCol="1" anchor="t">
-              <a:noAutofit/>
-            </a:bodyPr>
-            <a:lstStyle/>
-            <a:p>
-              <a:pPr lvl="0" defTabSz="457200">
-                <a:defRPr sz="1200">
-                  <a:solidFill>
-                    <a:srgbClr val="000000"/>
-                  </a:solidFill>
-                  <a:uFillTx/>
-                  <a:latin typeface="+mj-lt"/>
-                  <a:ea typeface="+mj-ea"/>
-                  <a:cs typeface="+mj-cs"/>
-                  <a:sym typeface="Helvetica"/>
-                </a:defRPr>
-              </a:pPr>
-              <a:endParaRPr dirty="0">
-                <a:solidFill>
-                  <a:schemeClr val="tx1"/>
-                </a:solidFill>
-                <a:latin typeface="Arial Unicode MS" panose="020B0604020202020204" pitchFamily="34" charset="-128"/>
-                <a:ea typeface="Arial Unicode MS" panose="020B0604020202020204" pitchFamily="34" charset="-128"/>
-                <a:cs typeface="Arial Unicode MS" panose="020B0604020202020204" pitchFamily="34" charset="-128"/>
-              </a:endParaRPr>
-            </a:p>
-          </p:txBody>
-        </p:sp>
-        <p:grpSp>
-          <p:nvGrpSpPr>
-            <p:cNvPr id="483" name="Group 483"/>
-            <p:cNvGrpSpPr/>
-            <p:nvPr/>
-          </p:nvGrpSpPr>
-          <p:grpSpPr>
-            <a:xfrm>
-              <a:off x="0" y="0"/>
-              <a:ext cx="125413" cy="152400"/>
-              <a:chOff x="0" y="0"/>
-              <a:chExt cx="125412" cy="152400"/>
-            </a:xfrm>
-          </p:grpSpPr>
-          <p:sp>
-            <p:nvSpPr>
-              <p:cNvPr id="481" name="Shape 481"/>
-              <p:cNvSpPr/>
-              <p:nvPr/>
-            </p:nvSpPr>
-            <p:spPr>
-              <a:xfrm flipV="1">
-                <a:off x="-1" y="-1"/>
-                <a:ext cx="125414" cy="76202"/>
-              </a:xfrm>
-              <a:prstGeom prst="line">
-                <a:avLst/>
-              </a:prstGeom>
-              <a:noFill/>
-              <a:ln w="25400" cap="flat">
-                <a:solidFill>
-                  <a:srgbClr val="000000"/>
-                </a:solidFill>
-                <a:prstDash val="solid"/>
-                <a:round/>
-              </a:ln>
-              <a:effectLst/>
-            </p:spPr>
-            <p:txBody>
-              <a:bodyPr wrap="square" lIns="0" tIns="0" rIns="0" bIns="0" numCol="1" anchor="t">
-                <a:noAutofit/>
-              </a:bodyPr>
-              <a:lstStyle/>
-              <a:p>
-                <a:pPr lvl="0" defTabSz="457200">
-                  <a:defRPr sz="1200">
-                    <a:solidFill>
-                      <a:srgbClr val="000000"/>
-                    </a:solidFill>
-                    <a:uFillTx/>
-                    <a:latin typeface="+mj-lt"/>
-                    <a:ea typeface="+mj-ea"/>
-                    <a:cs typeface="+mj-cs"/>
-                    <a:sym typeface="Helvetica"/>
-                  </a:defRPr>
-                </a:pPr>
-                <a:endParaRPr dirty="0">
-                  <a:solidFill>
-                    <a:schemeClr val="tx1"/>
-                  </a:solidFill>
-                  <a:latin typeface="Arial Unicode MS" panose="020B0604020202020204" pitchFamily="34" charset="-128"/>
-                  <a:ea typeface="Arial Unicode MS" panose="020B0604020202020204" pitchFamily="34" charset="-128"/>
-                  <a:cs typeface="Arial Unicode MS" panose="020B0604020202020204" pitchFamily="34" charset="-128"/>
-                </a:endParaRPr>
-              </a:p>
-            </p:txBody>
-          </p:sp>
-          <p:sp>
-            <p:nvSpPr>
-              <p:cNvPr id="482" name="Shape 482"/>
-              <p:cNvSpPr/>
-              <p:nvPr/>
-            </p:nvSpPr>
-            <p:spPr>
-              <a:xfrm>
-                <a:off x="-1" y="76199"/>
-                <a:ext cx="125414" cy="76202"/>
-              </a:xfrm>
-              <a:prstGeom prst="line">
-                <a:avLst/>
-              </a:prstGeom>
-              <a:noFill/>
-              <a:ln w="25400" cap="flat">
-                <a:solidFill>
-                  <a:srgbClr val="000000"/>
-                </a:solidFill>
-                <a:prstDash val="solid"/>
-                <a:round/>
-              </a:ln>
-              <a:effectLst/>
-            </p:spPr>
-            <p:txBody>
-              <a:bodyPr wrap="square" lIns="0" tIns="0" rIns="0" bIns="0" numCol="1" anchor="t">
-                <a:noAutofit/>
-              </a:bodyPr>
-              <a:lstStyle/>
-              <a:p>
-                <a:pPr lvl="0" defTabSz="457200">
-                  <a:defRPr sz="1200">
-                    <a:solidFill>
-                      <a:srgbClr val="000000"/>
-                    </a:solidFill>
-                    <a:uFillTx/>
-                    <a:latin typeface="+mj-lt"/>
-                    <a:ea typeface="+mj-ea"/>
-                    <a:cs typeface="+mj-cs"/>
-                    <a:sym typeface="Helvetica"/>
-                  </a:defRPr>
-                </a:pPr>
-                <a:endParaRPr dirty="0">
-                  <a:solidFill>
-                    <a:schemeClr val="tx1"/>
-                  </a:solidFill>
-                  <a:latin typeface="Arial Unicode MS" panose="020B0604020202020204" pitchFamily="34" charset="-128"/>
-                  <a:ea typeface="Arial Unicode MS" panose="020B0604020202020204" pitchFamily="34" charset="-128"/>
-                  <a:cs typeface="Arial Unicode MS" panose="020B0604020202020204" pitchFamily="34" charset="-128"/>
-                </a:endParaRPr>
-              </a:p>
-            </p:txBody>
-          </p:sp>
-        </p:grpSp>
-      </p:grpSp>
+          <a:prstGeom prst="straightConnector1">
+            <a:avLst/>
+          </a:prstGeom>
+          <a:ln w="28575">
+            <a:solidFill>
+              <a:srgbClr val="57068C"/>
+            </a:solidFill>
+            <a:tailEnd type="triangle"/>
+          </a:ln>
+        </p:spPr>
+        <p:style>
+          <a:lnRef idx="1">
+            <a:schemeClr val="accent1"/>
+          </a:lnRef>
+          <a:fillRef idx="0">
+            <a:schemeClr val="accent1"/>
+          </a:fillRef>
+          <a:effectRef idx="0">
+            <a:schemeClr val="accent1"/>
+          </a:effectRef>
+          <a:fontRef idx="minor">
+            <a:schemeClr val="tx1"/>
+          </a:fontRef>
+        </p:style>
+      </p:cxnSp>
     </p:spTree>
   </p:cSld>
   <p:clrMapOvr>
@@ -12617,7 +11582,7 @@
           </a:ln>
           <a:extLst>
             <a:ext uri="{C572A759-6A51-4108-AA02-DFA0A04FC94B}">
-              <ma14:wrappingTextBoxFlag xmlns:ma14="http://schemas.microsoft.com/office/mac/drawingml/2011/main" xmlns="" val="1"/>
+              <ma14:wrappingTextBoxFlag xmlns="" xmlns:ma14="http://schemas.microsoft.com/office/mac/drawingml/2011/main" val="1"/>
             </a:ext>
           </a:extLst>
         </p:spPr>
@@ -12672,8 +11637,8 @@
         </p:nvSpPr>
         <p:spPr>
           <a:xfrm>
-            <a:off x="386308" y="4211232"/>
-            <a:ext cx="7980790" cy="1241365"/>
+            <a:off x="386308" y="4674872"/>
+            <a:ext cx="7980790" cy="1808187"/>
           </a:xfrm>
           <a:prstGeom prst="rect">
             <a:avLst/>
@@ -12683,7 +11648,7 @@
           </a:ln>
           <a:extLst>
             <a:ext uri="{C572A759-6A51-4108-AA02-DFA0A04FC94B}">
-              <ma14:wrappingTextBoxFlag xmlns:ma14="http://schemas.microsoft.com/office/mac/drawingml/2011/main" xmlns="" val="1"/>
+              <ma14:wrappingTextBoxFlag xmlns="" xmlns:ma14="http://schemas.microsoft.com/office/mac/drawingml/2011/main" val="1"/>
             </a:ext>
           </a:extLst>
         </p:spPr>
@@ -12737,7 +11702,7 @@
               </a:defRPr>
             </a:pPr>
             <a:r>
-              <a:rPr sz="2300" dirty="0">
+              <a:rPr sz="2000" dirty="0">
                 <a:solidFill>
                   <a:schemeClr val="tx1"/>
                 </a:solidFill>
@@ -12751,7 +11716,7 @@
               <a:t>Many-to-many, e.g., many students </a:t>
             </a:r>
             <a:r>
-              <a:rPr lang="en-US" sz="2300" dirty="0">
+              <a:rPr lang="en-US" sz="2000" dirty="0">
                 <a:solidFill>
                   <a:schemeClr val="tx1"/>
                 </a:solidFill>
@@ -12765,7 +11730,7 @@
               <a:t>enroll in</a:t>
             </a:r>
             <a:r>
-              <a:rPr sz="2300" dirty="0">
+              <a:rPr sz="2000" dirty="0">
                 <a:solidFill>
                   <a:schemeClr val="tx1"/>
                 </a:solidFill>
@@ -12789,7 +11754,7 @@
               </a:defRPr>
             </a:pPr>
             <a:r>
-              <a:rPr sz="2300" dirty="0">
+              <a:rPr sz="2000" dirty="0">
                 <a:solidFill>
                   <a:schemeClr val="tx1"/>
                 </a:solidFill>
@@ -12803,7 +11768,7 @@
               <a:t>Each student can take </a:t>
             </a:r>
             <a:r>
-              <a:rPr lang="en-US" sz="2300" dirty="0">
+              <a:rPr lang="en-US" sz="2000" dirty="0">
                 <a:solidFill>
                   <a:schemeClr val="tx1"/>
                 </a:solidFill>
@@ -12817,7 +11782,7 @@
               <a:t>0</a:t>
             </a:r>
             <a:r>
-              <a:rPr sz="2300" dirty="0">
+              <a:rPr sz="2000" dirty="0">
                 <a:solidFill>
                   <a:schemeClr val="tx1"/>
                 </a:solidFill>
@@ -12830,7 +11795,7 @@
               </a:rPr>
               <a:t> or more courses</a:t>
             </a:r>
-            <a:endParaRPr lang="en-US" sz="2300" dirty="0">
+            <a:endParaRPr lang="en-US" sz="2000" dirty="0">
               <a:solidFill>
                 <a:schemeClr val="tx1"/>
               </a:solidFill>
@@ -12852,7 +11817,7 @@
               </a:defRPr>
             </a:pPr>
             <a:r>
-              <a:rPr lang="en-US" sz="2300" dirty="0">
+              <a:rPr lang="en-US" sz="2000" dirty="0">
                 <a:solidFill>
                   <a:schemeClr val="tx1"/>
                 </a:solidFill>
@@ -12866,7 +11831,7 @@
               <a:t>E</a:t>
             </a:r>
             <a:r>
-              <a:rPr sz="2300" dirty="0">
+              <a:rPr sz="2000" dirty="0">
                 <a:solidFill>
                   <a:schemeClr val="tx1"/>
                 </a:solidFill>
@@ -12880,7 +11845,7 @@
               <a:t>ach course can enroll</a:t>
             </a:r>
             <a:r>
-              <a:rPr lang="en-US" sz="2300" dirty="0">
+              <a:rPr lang="en-US" sz="2000" dirty="0">
                 <a:solidFill>
                   <a:schemeClr val="tx1"/>
                 </a:solidFill>
@@ -12894,7 +11859,7 @@
               <a:t> 0 to</a:t>
             </a:r>
             <a:r>
-              <a:rPr sz="2300" dirty="0">
+              <a:rPr sz="2000" dirty="0">
                 <a:solidFill>
                   <a:schemeClr val="tx1"/>
                 </a:solidFill>
@@ -12905,740 +11870,22 @@
                 <a:ea typeface="Arial Unicode MS" panose="020B0604020202020204" pitchFamily="34" charset="-128"/>
                 <a:cs typeface="Arial Unicode MS" panose="020B0604020202020204" pitchFamily="34" charset="-128"/>
               </a:rPr>
-              <a:t> many students.</a:t>
-            </a:r>
-          </a:p>
-        </p:txBody>
-      </p:sp>
-      <p:sp>
-        <p:nvSpPr>
-          <p:cNvPr id="489" name="Shape 489"/>
-          <p:cNvSpPr/>
-          <p:nvPr/>
-        </p:nvSpPr>
-        <p:spPr>
-          <a:xfrm>
-            <a:off x="1159240" y="2166028"/>
-            <a:ext cx="1905001" cy="1168336"/>
-          </a:xfrm>
-          <a:prstGeom prst="rect">
-            <a:avLst/>
-          </a:prstGeom>
-          <a:solidFill>
-            <a:srgbClr val="EBEBEB"/>
-          </a:solidFill>
-          <a:ln w="25400">
-            <a:solidFill>
-              <a:srgbClr val="011993"/>
-            </a:solidFill>
-            <a:round/>
-          </a:ln>
-          <a:extLst>
-            <a:ext uri="{C572A759-6A51-4108-AA02-DFA0A04FC94B}">
-              <ma14:wrappingTextBoxFlag xmlns:ma14="http://schemas.microsoft.com/office/mac/drawingml/2011/main" xmlns="" val="1"/>
-            </a:ext>
-          </a:extLst>
-        </p:spPr>
-        <p:txBody>
-          <a:bodyPr lIns="0" tIns="0" rIns="0" bIns="0"/>
-          <a:lstStyle/>
-          <a:p>
-            <a:pPr lvl="0">
-              <a:defRPr sz="1800">
-                <a:solidFill>
-                  <a:srgbClr val="000000"/>
-                </a:solidFill>
-                <a:uFillTx/>
-              </a:defRPr>
-            </a:pPr>
-            <a:r>
-              <a:rPr u="sng" dirty="0">
-                <a:solidFill>
-                  <a:schemeClr val="tx1"/>
-                </a:solidFill>
-                <a:uFill>
-                  <a:solidFill/>
-                </a:uFill>
-                <a:latin typeface="Arial Unicode MS" panose="020B0604020202020204" pitchFamily="34" charset="-128"/>
-                <a:ea typeface="Arial Unicode MS" panose="020B0604020202020204" pitchFamily="34" charset="-128"/>
-                <a:cs typeface="Arial Unicode MS" panose="020B0604020202020204" pitchFamily="34" charset="-128"/>
-                <a:sym typeface="Arial"/>
-              </a:rPr>
-              <a:t>Student Id</a:t>
-            </a:r>
-          </a:p>
-          <a:p>
-            <a:pPr lvl="0">
-              <a:defRPr sz="1800">
-                <a:solidFill>
-                  <a:srgbClr val="000000"/>
-                </a:solidFill>
-                <a:uFillTx/>
-              </a:defRPr>
-            </a:pPr>
-            <a:r>
-              <a:rPr dirty="0">
-                <a:solidFill>
-                  <a:schemeClr val="tx1"/>
-                </a:solidFill>
-                <a:uFill>
-                  <a:solidFill/>
-                </a:uFill>
-                <a:latin typeface="Arial Unicode MS" panose="020B0604020202020204" pitchFamily="34" charset="-128"/>
-                <a:ea typeface="Arial Unicode MS" panose="020B0604020202020204" pitchFamily="34" charset="-128"/>
-                <a:cs typeface="Arial Unicode MS" panose="020B0604020202020204" pitchFamily="34" charset="-128"/>
-                <a:sym typeface="Arial"/>
-              </a:rPr>
-              <a:t>Student name Age </a:t>
-            </a:r>
-          </a:p>
-          <a:p>
-            <a:pPr lvl="0">
-              <a:defRPr sz="1800">
-                <a:solidFill>
-                  <a:srgbClr val="000000"/>
-                </a:solidFill>
-                <a:uFillTx/>
-              </a:defRPr>
-            </a:pPr>
-            <a:r>
-              <a:rPr dirty="0">
-                <a:solidFill>
-                  <a:schemeClr val="tx1"/>
-                </a:solidFill>
-                <a:uFill>
-                  <a:solidFill/>
-                </a:uFill>
-                <a:latin typeface="Arial Unicode MS" panose="020B0604020202020204" pitchFamily="34" charset="-128"/>
-                <a:ea typeface="Arial Unicode MS" panose="020B0604020202020204" pitchFamily="34" charset="-128"/>
-                <a:cs typeface="Arial Unicode MS" panose="020B0604020202020204" pitchFamily="34" charset="-128"/>
-                <a:sym typeface="Arial"/>
-              </a:rPr>
-              <a:t>Sex</a:t>
-            </a:r>
-          </a:p>
-        </p:txBody>
-      </p:sp>
-      <p:sp>
-        <p:nvSpPr>
-          <p:cNvPr id="490" name="Shape 490"/>
-          <p:cNvSpPr/>
-          <p:nvPr/>
-        </p:nvSpPr>
-        <p:spPr>
-          <a:xfrm>
-            <a:off x="1159240" y="1815235"/>
-            <a:ext cx="1905001" cy="349820"/>
-          </a:xfrm>
-          <a:prstGeom prst="rect">
-            <a:avLst/>
-          </a:prstGeom>
-          <a:solidFill>
-            <a:srgbClr val="C0C0C0"/>
-          </a:solidFill>
-          <a:ln w="25400">
-            <a:solidFill>
-              <a:srgbClr val="011993"/>
-            </a:solidFill>
-            <a:round/>
-          </a:ln>
-          <a:extLst>
-            <a:ext uri="{C572A759-6A51-4108-AA02-DFA0A04FC94B}">
-              <ma14:wrappingTextBoxFlag xmlns:ma14="http://schemas.microsoft.com/office/mac/drawingml/2011/main" xmlns="" val="1"/>
-            </a:ext>
-          </a:extLst>
-        </p:spPr>
-        <p:txBody>
-          <a:bodyPr lIns="0" tIns="0" rIns="0" bIns="0"/>
-          <a:lstStyle>
-            <a:lvl1pPr algn="ctr">
-              <a:defRPr sz="1800">
-                <a:solidFill>
-                  <a:srgbClr val="011993"/>
-                </a:solidFill>
-                <a:latin typeface="+mn-lt"/>
-                <a:ea typeface="+mn-ea"/>
-                <a:cs typeface="+mn-cs"/>
-                <a:sym typeface="Arial"/>
-              </a:defRPr>
-            </a:lvl1pPr>
-          </a:lstStyle>
-          <a:p>
-            <a:pPr lvl="0">
-              <a:defRPr>
-                <a:solidFill>
-                  <a:srgbClr val="000000"/>
-                </a:solidFill>
-                <a:uFillTx/>
-              </a:defRPr>
-            </a:pPr>
-            <a:r>
-              <a:rPr dirty="0">
-                <a:solidFill>
-                  <a:schemeClr val="tx1"/>
-                </a:solidFill>
-                <a:uFill>
-                  <a:solidFill/>
-                </a:uFill>
-                <a:latin typeface="Arial Unicode MS" panose="020B0604020202020204" pitchFamily="34" charset="-128"/>
-              </a:rPr>
-              <a:t>Students</a:t>
-            </a:r>
-          </a:p>
-        </p:txBody>
-      </p:sp>
-      <p:sp>
-        <p:nvSpPr>
-          <p:cNvPr id="491" name="Shape 491"/>
-          <p:cNvSpPr/>
-          <p:nvPr/>
-        </p:nvSpPr>
-        <p:spPr>
-          <a:xfrm>
-            <a:off x="5524402" y="2132536"/>
-            <a:ext cx="2108201" cy="1168336"/>
-          </a:xfrm>
-          <a:prstGeom prst="rect">
-            <a:avLst/>
-          </a:prstGeom>
-          <a:solidFill>
-            <a:srgbClr val="EBEBEB"/>
-          </a:solidFill>
-          <a:ln w="25400">
-            <a:solidFill>
-              <a:srgbClr val="011993"/>
-            </a:solidFill>
-            <a:round/>
-          </a:ln>
-          <a:extLst>
-            <a:ext uri="{C572A759-6A51-4108-AA02-DFA0A04FC94B}">
-              <ma14:wrappingTextBoxFlag xmlns:ma14="http://schemas.microsoft.com/office/mac/drawingml/2011/main" xmlns="" val="1"/>
-            </a:ext>
-          </a:extLst>
-        </p:spPr>
-        <p:txBody>
-          <a:bodyPr lIns="0" tIns="0" rIns="0" bIns="0"/>
-          <a:lstStyle/>
-          <a:p>
-            <a:pPr lvl="0">
-              <a:defRPr sz="1800">
-                <a:solidFill>
-                  <a:srgbClr val="000000"/>
-                </a:solidFill>
-                <a:uFillTx/>
-              </a:defRPr>
-            </a:pPr>
-            <a:r>
-              <a:rPr u="sng" dirty="0">
-                <a:solidFill>
-                  <a:schemeClr val="tx1"/>
-                </a:solidFill>
-                <a:uFill>
-                  <a:solidFill/>
-                </a:uFill>
-                <a:latin typeface="Arial Unicode MS" panose="020B0604020202020204" pitchFamily="34" charset="-128"/>
-                <a:ea typeface="Arial Unicode MS" panose="020B0604020202020204" pitchFamily="34" charset="-128"/>
-                <a:cs typeface="Arial Unicode MS" panose="020B0604020202020204" pitchFamily="34" charset="-128"/>
-                <a:sym typeface="Arial"/>
-              </a:rPr>
-              <a:t>Course Id</a:t>
-            </a:r>
-          </a:p>
-          <a:p>
-            <a:pPr lvl="0">
-              <a:defRPr sz="1800">
-                <a:solidFill>
-                  <a:srgbClr val="000000"/>
-                </a:solidFill>
-                <a:uFillTx/>
-              </a:defRPr>
-            </a:pPr>
-            <a:r>
-              <a:rPr u="sng" dirty="0">
-                <a:solidFill>
-                  <a:schemeClr val="tx1"/>
-                </a:solidFill>
-                <a:uFill>
-                  <a:solidFill/>
-                </a:uFill>
-                <a:latin typeface="Arial Unicode MS" panose="020B0604020202020204" pitchFamily="34" charset="-128"/>
-                <a:ea typeface="Arial Unicode MS" panose="020B0604020202020204" pitchFamily="34" charset="-128"/>
-                <a:cs typeface="Arial Unicode MS" panose="020B0604020202020204" pitchFamily="34" charset="-128"/>
-                <a:sym typeface="Arial"/>
-              </a:rPr>
-              <a:t>Section Id</a:t>
-            </a:r>
-          </a:p>
-          <a:p>
-            <a:pPr lvl="0">
-              <a:defRPr sz="1800">
-                <a:solidFill>
-                  <a:srgbClr val="000000"/>
-                </a:solidFill>
-                <a:uFillTx/>
-              </a:defRPr>
-            </a:pPr>
-            <a:r>
-              <a:rPr dirty="0">
-                <a:solidFill>
-                  <a:schemeClr val="tx1"/>
-                </a:solidFill>
-                <a:uFill>
-                  <a:solidFill/>
-                </a:uFill>
-                <a:latin typeface="Arial Unicode MS" panose="020B0604020202020204" pitchFamily="34" charset="-128"/>
-                <a:ea typeface="Arial Unicode MS" panose="020B0604020202020204" pitchFamily="34" charset="-128"/>
-                <a:cs typeface="Arial Unicode MS" panose="020B0604020202020204" pitchFamily="34" charset="-128"/>
-                <a:sym typeface="Arial"/>
-              </a:rPr>
-              <a:t>Course Description</a:t>
-            </a:r>
-          </a:p>
-          <a:p>
-            <a:pPr lvl="0">
-              <a:defRPr sz="1800">
-                <a:solidFill>
-                  <a:srgbClr val="000000"/>
-                </a:solidFill>
-                <a:uFillTx/>
-              </a:defRPr>
-            </a:pPr>
-            <a:r>
-              <a:rPr dirty="0">
-                <a:solidFill>
-                  <a:schemeClr val="tx1"/>
-                </a:solidFill>
-                <a:uFill>
-                  <a:solidFill/>
-                </a:uFill>
-                <a:latin typeface="Arial Unicode MS" panose="020B0604020202020204" pitchFamily="34" charset="-128"/>
-                <a:ea typeface="Arial Unicode MS" panose="020B0604020202020204" pitchFamily="34" charset="-128"/>
-                <a:cs typeface="Arial Unicode MS" panose="020B0604020202020204" pitchFamily="34" charset="-128"/>
-                <a:sym typeface="Arial"/>
-              </a:rPr>
-              <a:t>Location</a:t>
-            </a:r>
-          </a:p>
-        </p:txBody>
-      </p:sp>
-      <p:sp>
-        <p:nvSpPr>
-          <p:cNvPr id="492" name="Shape 492"/>
-          <p:cNvSpPr/>
-          <p:nvPr/>
-        </p:nvSpPr>
-        <p:spPr>
-          <a:xfrm>
-            <a:off x="5524402" y="1781743"/>
-            <a:ext cx="2108201" cy="349819"/>
-          </a:xfrm>
-          <a:prstGeom prst="rect">
-            <a:avLst/>
-          </a:prstGeom>
-          <a:solidFill>
-            <a:srgbClr val="C0C0C0"/>
-          </a:solidFill>
-          <a:ln w="25400">
-            <a:solidFill>
-              <a:srgbClr val="011993"/>
-            </a:solidFill>
-            <a:round/>
-          </a:ln>
-          <a:extLst>
-            <a:ext uri="{C572A759-6A51-4108-AA02-DFA0A04FC94B}">
-              <ma14:wrappingTextBoxFlag xmlns:ma14="http://schemas.microsoft.com/office/mac/drawingml/2011/main" xmlns="" val="1"/>
-            </a:ext>
-          </a:extLst>
-        </p:spPr>
-        <p:txBody>
-          <a:bodyPr lIns="0" tIns="0" rIns="0" bIns="0"/>
-          <a:lstStyle>
-            <a:lvl1pPr algn="ctr">
-              <a:defRPr sz="1800">
-                <a:solidFill>
-                  <a:srgbClr val="011993"/>
-                </a:solidFill>
-                <a:latin typeface="+mn-lt"/>
-                <a:ea typeface="+mn-ea"/>
-                <a:cs typeface="+mn-cs"/>
-                <a:sym typeface="Arial"/>
-              </a:defRPr>
-            </a:lvl1pPr>
-          </a:lstStyle>
-          <a:p>
-            <a:pPr lvl="0">
-              <a:defRPr>
-                <a:solidFill>
-                  <a:srgbClr val="000000"/>
-                </a:solidFill>
-                <a:uFillTx/>
-              </a:defRPr>
-            </a:pPr>
-            <a:r>
-              <a:rPr dirty="0">
-                <a:solidFill>
-                  <a:schemeClr val="tx1"/>
-                </a:solidFill>
-                <a:uFill>
-                  <a:solidFill/>
-                </a:uFill>
-                <a:latin typeface="Arial Unicode MS" panose="020B0604020202020204" pitchFamily="34" charset="-128"/>
-              </a:rPr>
-              <a:t>Courses</a:t>
-            </a:r>
-          </a:p>
-        </p:txBody>
-      </p:sp>
-      <p:sp>
-        <p:nvSpPr>
-          <p:cNvPr id="493" name="Shape 493"/>
-          <p:cNvSpPr/>
-          <p:nvPr/>
-        </p:nvSpPr>
-        <p:spPr>
-          <a:xfrm flipV="1">
-            <a:off x="3411200" y="2586257"/>
-            <a:ext cx="1766243" cy="1"/>
-          </a:xfrm>
-          <a:prstGeom prst="line">
-            <a:avLst/>
-          </a:prstGeom>
-          <a:ln w="25400">
-            <a:solidFill>
-              <a:srgbClr val="011993"/>
-            </a:solidFill>
-            <a:round/>
-          </a:ln>
-          <a:effectLst>
-            <a:outerShdw blurRad="38100" dist="20000" dir="5400000" rotWithShape="0">
-              <a:srgbClr val="000000">
-                <a:alpha val="38000"/>
-              </a:srgbClr>
-            </a:outerShdw>
-          </a:effectLst>
-        </p:spPr>
-        <p:txBody>
-          <a:bodyPr lIns="0" tIns="0" rIns="0" bIns="0"/>
-          <a:lstStyle/>
-          <a:p>
-            <a:pPr lvl="0" defTabSz="457200">
-              <a:defRPr sz="1200">
-                <a:solidFill>
-                  <a:srgbClr val="000000"/>
-                </a:solidFill>
-                <a:uFillTx/>
-                <a:latin typeface="+mj-lt"/>
-                <a:ea typeface="+mj-ea"/>
-                <a:cs typeface="+mj-cs"/>
-                <a:sym typeface="Helvetica"/>
-              </a:defRPr>
-            </a:pPr>
-            <a:endParaRPr dirty="0">
+              <a:t> many students</a:t>
+            </a:r>
+            <a:endParaRPr lang="en-US" sz="2000" dirty="0">
               <a:solidFill>
                 <a:schemeClr val="tx1"/>
               </a:solidFill>
+              <a:uFill>
+                <a:solidFill/>
+              </a:uFill>
               <a:latin typeface="Arial Unicode MS" panose="020B0604020202020204" pitchFamily="34" charset="-128"/>
               <a:ea typeface="Arial Unicode MS" panose="020B0604020202020204" pitchFamily="34" charset="-128"/>
               <a:cs typeface="Arial Unicode MS" panose="020B0604020202020204" pitchFamily="34" charset="-128"/>
             </a:endParaRPr>
           </a:p>
-        </p:txBody>
-      </p:sp>
-      <p:sp>
-        <p:nvSpPr>
-          <p:cNvPr id="494" name="Shape 494"/>
-          <p:cNvSpPr/>
-          <p:nvPr/>
-        </p:nvSpPr>
-        <p:spPr>
-          <a:xfrm>
-            <a:off x="5176857" y="2485464"/>
-            <a:ext cx="139344" cy="201586"/>
-          </a:xfrm>
-          <a:custGeom>
-            <a:avLst/>
-            <a:gdLst/>
-            <a:ahLst/>
-            <a:cxnLst>
-              <a:cxn ang="0">
-                <a:pos x="wd2" y="hd2"/>
-              </a:cxn>
-              <a:cxn ang="5400000">
-                <a:pos x="wd2" y="hd2"/>
-              </a:cxn>
-              <a:cxn ang="10800000">
-                <a:pos x="wd2" y="hd2"/>
-              </a:cxn>
-              <a:cxn ang="16200000">
-                <a:pos x="wd2" y="hd2"/>
-              </a:cxn>
-            </a:cxnLst>
-            <a:rect l="0" t="0" r="r" b="b"/>
-            <a:pathLst>
-              <a:path w="19679" h="19679" extrusionOk="0">
-                <a:moveTo>
-                  <a:pt x="16796" y="2882"/>
-                </a:moveTo>
-                <a:cubicBezTo>
-                  <a:pt x="20639" y="6724"/>
-                  <a:pt x="20639" y="12954"/>
-                  <a:pt x="16796" y="16796"/>
-                </a:cubicBezTo>
-                <a:cubicBezTo>
-                  <a:pt x="12954" y="20639"/>
-                  <a:pt x="6724" y="20639"/>
-                  <a:pt x="2882" y="16796"/>
-                </a:cubicBezTo>
-                <a:cubicBezTo>
-                  <a:pt x="-961" y="12954"/>
-                  <a:pt x="-961" y="6724"/>
-                  <a:pt x="2882" y="2882"/>
-                </a:cubicBezTo>
-                <a:cubicBezTo>
-                  <a:pt x="6724" y="-961"/>
-                  <a:pt x="12954" y="-961"/>
-                  <a:pt x="16796" y="2882"/>
-                </a:cubicBezTo>
-                <a:close/>
-              </a:path>
-            </a:pathLst>
-          </a:custGeom>
-          <a:ln w="25400">
-            <a:solidFill>
-              <a:srgbClr val="011993"/>
-            </a:solidFill>
-            <a:round/>
-          </a:ln>
-        </p:spPr>
-        <p:txBody>
-          <a:bodyPr lIns="0" tIns="0" rIns="0" bIns="0"/>
-          <a:lstStyle/>
-          <a:p>
-            <a:pPr lvl="0">
-              <a:defRPr sz="1800">
-                <a:solidFill>
-                  <a:srgbClr val="011993"/>
-                </a:solidFill>
-                <a:latin typeface="+mn-lt"/>
-                <a:ea typeface="+mn-ea"/>
-                <a:cs typeface="+mn-cs"/>
-                <a:sym typeface="Arial"/>
-              </a:defRPr>
-            </a:pPr>
-            <a:endParaRPr dirty="0">
-              <a:solidFill>
-                <a:schemeClr val="tx1"/>
-              </a:solidFill>
-              <a:latin typeface="Arial Unicode MS" panose="020B0604020202020204" pitchFamily="34" charset="-128"/>
-              <a:ea typeface="Arial Unicode MS" panose="020B0604020202020204" pitchFamily="34" charset="-128"/>
-              <a:cs typeface="Arial Unicode MS" panose="020B0604020202020204" pitchFamily="34" charset="-128"/>
-            </a:endParaRPr>
-          </a:p>
-        </p:txBody>
-      </p:sp>
-      <p:sp>
-        <p:nvSpPr>
-          <p:cNvPr id="495" name="Shape 495"/>
-          <p:cNvSpPr/>
-          <p:nvPr/>
-        </p:nvSpPr>
-        <p:spPr>
-          <a:xfrm>
-            <a:off x="5337930" y="2586257"/>
-            <a:ext cx="164744" cy="1"/>
-          </a:xfrm>
-          <a:prstGeom prst="line">
-            <a:avLst/>
-          </a:prstGeom>
-          <a:ln w="25400">
-            <a:solidFill>
-              <a:srgbClr val="011993"/>
-            </a:solidFill>
-            <a:round/>
-          </a:ln>
-          <a:effectLst>
-            <a:outerShdw blurRad="38100" dist="20000" dir="5400000" rotWithShape="0">
-              <a:srgbClr val="000000">
-                <a:alpha val="38000"/>
-              </a:srgbClr>
-            </a:outerShdw>
-          </a:effectLst>
-        </p:spPr>
-        <p:txBody>
-          <a:bodyPr lIns="0" tIns="0" rIns="0" bIns="0"/>
-          <a:lstStyle/>
-          <a:p>
-            <a:pPr lvl="0" defTabSz="457200">
-              <a:defRPr sz="1200">
-                <a:solidFill>
-                  <a:srgbClr val="000000"/>
-                </a:solidFill>
-                <a:uFillTx/>
-                <a:latin typeface="+mj-lt"/>
-                <a:ea typeface="+mj-ea"/>
-                <a:cs typeface="+mj-cs"/>
-                <a:sym typeface="Helvetica"/>
-              </a:defRPr>
-            </a:pPr>
-            <a:endParaRPr dirty="0">
-              <a:solidFill>
-                <a:schemeClr val="tx1"/>
-              </a:solidFill>
-              <a:latin typeface="Arial Unicode MS" panose="020B0604020202020204" pitchFamily="34" charset="-128"/>
-              <a:ea typeface="Arial Unicode MS" panose="020B0604020202020204" pitchFamily="34" charset="-128"/>
-              <a:cs typeface="Arial Unicode MS" panose="020B0604020202020204" pitchFamily="34" charset="-128"/>
-            </a:endParaRPr>
-          </a:p>
-        </p:txBody>
-      </p:sp>
-      <p:sp>
-        <p:nvSpPr>
-          <p:cNvPr id="496" name="Shape 496"/>
-          <p:cNvSpPr/>
-          <p:nvPr/>
-        </p:nvSpPr>
-        <p:spPr>
-          <a:xfrm flipV="1">
-            <a:off x="5335201" y="2402334"/>
-            <a:ext cx="170201" cy="170201"/>
-          </a:xfrm>
-          <a:prstGeom prst="line">
-            <a:avLst/>
-          </a:prstGeom>
-          <a:ln w="25400">
-            <a:solidFill>
-              <a:srgbClr val="011993"/>
-            </a:solidFill>
-            <a:round/>
-          </a:ln>
-          <a:effectLst>
-            <a:outerShdw blurRad="38100" dist="20000" dir="5400000" rotWithShape="0">
-              <a:srgbClr val="000000">
-                <a:alpha val="38000"/>
-              </a:srgbClr>
-            </a:outerShdw>
-          </a:effectLst>
-        </p:spPr>
-        <p:txBody>
-          <a:bodyPr lIns="0" tIns="0" rIns="0" bIns="0"/>
-          <a:lstStyle/>
-          <a:p>
-            <a:pPr lvl="0" defTabSz="457200">
-              <a:defRPr sz="1200">
-                <a:solidFill>
-                  <a:srgbClr val="000000"/>
-                </a:solidFill>
-                <a:uFillTx/>
-                <a:latin typeface="+mj-lt"/>
-                <a:ea typeface="+mj-ea"/>
-                <a:cs typeface="+mj-cs"/>
-                <a:sym typeface="Helvetica"/>
-              </a:defRPr>
-            </a:pPr>
-            <a:endParaRPr dirty="0">
-              <a:solidFill>
-                <a:schemeClr val="tx1"/>
-              </a:solidFill>
-              <a:latin typeface="Arial Unicode MS" panose="020B0604020202020204" pitchFamily="34" charset="-128"/>
-              <a:ea typeface="Arial Unicode MS" panose="020B0604020202020204" pitchFamily="34" charset="-128"/>
-              <a:cs typeface="Arial Unicode MS" panose="020B0604020202020204" pitchFamily="34" charset="-128"/>
-            </a:endParaRPr>
-          </a:p>
-        </p:txBody>
-      </p:sp>
-      <p:sp>
-        <p:nvSpPr>
-          <p:cNvPr id="497" name="Shape 497"/>
-          <p:cNvSpPr/>
-          <p:nvPr/>
-        </p:nvSpPr>
-        <p:spPr>
-          <a:xfrm flipH="1" flipV="1">
-            <a:off x="5331629" y="2580803"/>
-            <a:ext cx="177346" cy="177347"/>
-          </a:xfrm>
-          <a:prstGeom prst="line">
-            <a:avLst/>
-          </a:prstGeom>
-          <a:ln w="25400">
-            <a:solidFill>
-              <a:srgbClr val="011993"/>
-            </a:solidFill>
-            <a:round/>
-          </a:ln>
-          <a:effectLst>
-            <a:outerShdw blurRad="38100" dist="20000" dir="5400000" rotWithShape="0">
-              <a:srgbClr val="000000">
-                <a:alpha val="38000"/>
-              </a:srgbClr>
-            </a:outerShdw>
-          </a:effectLst>
-        </p:spPr>
-        <p:txBody>
-          <a:bodyPr lIns="0" tIns="0" rIns="0" bIns="0"/>
-          <a:lstStyle/>
-          <a:p>
-            <a:pPr lvl="0" defTabSz="457200">
-              <a:defRPr sz="1200">
-                <a:solidFill>
-                  <a:srgbClr val="000000"/>
-                </a:solidFill>
-                <a:uFillTx/>
-                <a:latin typeface="+mj-lt"/>
-                <a:ea typeface="+mj-ea"/>
-                <a:cs typeface="+mj-cs"/>
-                <a:sym typeface="Helvetica"/>
-              </a:defRPr>
-            </a:pPr>
-            <a:endParaRPr dirty="0">
-              <a:solidFill>
-                <a:schemeClr val="tx1"/>
-              </a:solidFill>
-              <a:latin typeface="Arial Unicode MS" panose="020B0604020202020204" pitchFamily="34" charset="-128"/>
-              <a:ea typeface="Arial Unicode MS" panose="020B0604020202020204" pitchFamily="34" charset="-128"/>
-              <a:cs typeface="Arial Unicode MS" panose="020B0604020202020204" pitchFamily="34" charset="-128"/>
-            </a:endParaRPr>
-          </a:p>
-        </p:txBody>
-      </p:sp>
-      <p:sp>
-        <p:nvSpPr>
-          <p:cNvPr id="498" name="Shape 498"/>
-          <p:cNvSpPr/>
-          <p:nvPr/>
-        </p:nvSpPr>
-        <p:spPr>
-          <a:xfrm>
-            <a:off x="3881467" y="2093714"/>
-            <a:ext cx="785471" cy="307777"/>
-          </a:xfrm>
-          <a:prstGeom prst="rect">
-            <a:avLst/>
-          </a:prstGeom>
-          <a:ln w="12700">
-            <a:miter lim="400000"/>
-          </a:ln>
-          <a:extLst>
-            <a:ext uri="{C572A759-6A51-4108-AA02-DFA0A04FC94B}">
-              <ma14:wrappingTextBoxFlag xmlns:ma14="http://schemas.microsoft.com/office/mac/drawingml/2011/main" xmlns="" val="1"/>
-            </a:ext>
-          </a:extLst>
-        </p:spPr>
-        <p:txBody>
-          <a:bodyPr wrap="none" lIns="0" tIns="0" rIns="0" bIns="0">
-            <a:spAutoFit/>
-          </a:bodyPr>
-          <a:lstStyle>
-            <a:lvl1pPr>
-              <a:defRPr>
-                <a:solidFill>
-                  <a:srgbClr val="941100"/>
-                </a:solidFill>
-              </a:defRPr>
-            </a:lvl1pPr>
-          </a:lstStyle>
-          <a:p>
-            <a:pPr lvl="0">
+          <a:p>
+            <a:pPr>
               <a:defRPr sz="1800">
                 <a:solidFill>
                   <a:srgbClr val="000000"/>
@@ -13651,14 +11898,11 @@
                 <a:solidFill>
                   <a:schemeClr val="tx1"/>
                 </a:solidFill>
-                <a:uFill>
-                  <a:solidFill/>
-                </a:uFill>
-                <a:latin typeface="Arial Unicode MS" panose="020B0604020202020204" pitchFamily="34" charset="-128"/>
-                <a:ea typeface="Arial Unicode MS" panose="020B0604020202020204" pitchFamily="34" charset="-128"/>
-                <a:cs typeface="Arial Unicode MS" panose="020B0604020202020204" pitchFamily="34" charset="-128"/>
-              </a:rPr>
-              <a:t>Enrolls</a:t>
+                <a:latin typeface="Arial Unicode MS" panose="020B0604020202020204" pitchFamily="34" charset="-128"/>
+                <a:ea typeface="Arial Unicode MS" panose="020B0604020202020204" pitchFamily="34" charset="-128"/>
+                <a:cs typeface="Arial Unicode MS" panose="020B0604020202020204" pitchFamily="34" charset="-128"/>
+              </a:rPr>
+              <a:t>This is the most flexible relationship, but too much flexibility may result in various data quality problems</a:t>
             </a:r>
             <a:endParaRPr sz="2000" dirty="0">
               <a:solidFill>
@@ -13674,91 +11918,114 @@
           </a:p>
         </p:txBody>
       </p:sp>
+      <p:pic>
+        <p:nvPicPr>
+          <p:cNvPr id="5" name="Picture 4" descr="Diagram&#10;&#10;Description automatically generated with low confidence">
+            <a:extLst>
+              <a:ext uri="{FF2B5EF4-FFF2-40B4-BE49-F238E27FC236}">
+                <a16:creationId xmlns:a16="http://schemas.microsoft.com/office/drawing/2014/main" id="{F998ACF6-331D-1CD2-1B5F-F2A446540E58}"/>
+              </a:ext>
+            </a:extLst>
+          </p:cNvPr>
+          <p:cNvPicPr>
+            <a:picLocks noChangeAspect="1"/>
+          </p:cNvPicPr>
+          <p:nvPr/>
+        </p:nvPicPr>
+        <p:blipFill>
+          <a:blip r:embed="rId4">
+            <a:extLst>
+              <a:ext uri="{28A0092B-C50C-407E-A947-70E740481C1C}">
+                <a14:useLocalDpi xmlns:a14="http://schemas.microsoft.com/office/drawing/2010/main" val="0"/>
+              </a:ext>
+            </a:extLst>
+          </a:blip>
+          <a:stretch>
+            <a:fillRect/>
+          </a:stretch>
+        </p:blipFill>
+        <p:spPr>
+          <a:xfrm>
+            <a:off x="1347983" y="1170135"/>
+            <a:ext cx="6845121" cy="2524562"/>
+          </a:xfrm>
+          <a:prstGeom prst="rect">
+            <a:avLst/>
+          </a:prstGeom>
+        </p:spPr>
+      </p:pic>
       <p:sp>
         <p:nvSpPr>
-          <p:cNvPr id="499" name="Shape 499"/>
+          <p:cNvPr id="6" name="Shape 308">
+            <a:extLst>
+              <a:ext uri="{FF2B5EF4-FFF2-40B4-BE49-F238E27FC236}">
+                <a16:creationId xmlns:a16="http://schemas.microsoft.com/office/drawing/2014/main" id="{D7F21414-FCA8-51A2-E012-8306D4D8BE3F}"/>
+              </a:ext>
+            </a:extLst>
+          </p:cNvPr>
           <p:cNvSpPr/>
           <p:nvPr/>
         </p:nvSpPr>
         <p:spPr>
           <a:xfrm>
-            <a:off x="3259157" y="2485464"/>
-            <a:ext cx="139344" cy="201586"/>
+            <a:off x="3929466" y="3898311"/>
+            <a:ext cx="1899142" cy="369332"/>
           </a:xfrm>
-          <a:custGeom>
+          <a:prstGeom prst="rect">
             <a:avLst/>
-            <a:gdLst/>
-            <a:ahLst/>
-            <a:cxnLst>
-              <a:cxn ang="0">
-                <a:pos x="wd2" y="hd2"/>
-              </a:cxn>
-              <a:cxn ang="5400000">
-                <a:pos x="wd2" y="hd2"/>
-              </a:cxn>
-              <a:cxn ang="10800000">
-                <a:pos x="wd2" y="hd2"/>
-              </a:cxn>
-              <a:cxn ang="16200000">
-                <a:pos x="wd2" y="hd2"/>
-              </a:cxn>
-            </a:cxnLst>
-            <a:rect l="0" t="0" r="r" b="b"/>
-            <a:pathLst>
-              <a:path w="19679" h="19679" extrusionOk="0">
-                <a:moveTo>
-                  <a:pt x="16796" y="2882"/>
-                </a:moveTo>
-                <a:cubicBezTo>
-                  <a:pt x="20639" y="6724"/>
-                  <a:pt x="20639" y="12954"/>
-                  <a:pt x="16796" y="16796"/>
-                </a:cubicBezTo>
-                <a:cubicBezTo>
-                  <a:pt x="12954" y="20639"/>
-                  <a:pt x="6724" y="20639"/>
-                  <a:pt x="2882" y="16796"/>
-                </a:cubicBezTo>
-                <a:cubicBezTo>
-                  <a:pt x="-961" y="12954"/>
-                  <a:pt x="-961" y="6724"/>
-                  <a:pt x="2882" y="2882"/>
-                </a:cubicBezTo>
-                <a:cubicBezTo>
-                  <a:pt x="6724" y="-961"/>
-                  <a:pt x="12954" y="-961"/>
-                  <a:pt x="16796" y="2882"/>
-                </a:cubicBezTo>
-                <a:close/>
-              </a:path>
-            </a:pathLst>
-          </a:custGeom>
-          <a:ln w="25400">
-            <a:solidFill>
-              <a:srgbClr val="011993"/>
-            </a:solidFill>
-            <a:round/>
+          </a:prstGeom>
+          <a:ln w="12700">
+            <a:miter lim="400000"/>
           </a:ln>
+          <a:extLst>
+            <a:ext uri="{C572A759-6A51-4108-AA02-DFA0A04FC94B}">
+              <ma14:wrappingTextBoxFlag xmlns="" xmlns:ma14="http://schemas.microsoft.com/office/mac/drawingml/2011/main" val="1"/>
+            </a:ext>
+          </a:extLst>
         </p:spPr>
         <p:txBody>
-          <a:bodyPr lIns="0" tIns="0" rIns="0" bIns="0"/>
-          <a:lstStyle/>
-          <a:p>
-            <a:pPr lvl="0">
+          <a:bodyPr wrap="square" lIns="0" tIns="0" rIns="0" bIns="0">
+            <a:spAutoFit/>
+          </a:bodyPr>
+          <a:lstStyle>
+            <a:lvl1pPr>
+              <a:defRPr>
+                <a:solidFill>
+                  <a:srgbClr val="FF2600"/>
+                </a:solidFill>
+              </a:defRPr>
+            </a:lvl1pPr>
+          </a:lstStyle>
+          <a:p>
+            <a:pPr lvl="0" algn="ctr">
               <a:defRPr sz="1800">
                 <a:solidFill>
-                  <a:srgbClr val="011993"/>
-                </a:solidFill>
-                <a:latin typeface="+mn-lt"/>
-                <a:ea typeface="+mn-ea"/>
-                <a:cs typeface="+mn-cs"/>
-                <a:sym typeface="Arial"/>
+                  <a:srgbClr val="000000"/>
+                </a:solidFill>
+                <a:uFillTx/>
               </a:defRPr>
             </a:pPr>
-            <a:endParaRPr dirty="0">
+            <a:r>
+              <a:rPr lang="en-US" sz="2400" b="1" dirty="0">
+                <a:solidFill>
+                  <a:srgbClr val="57068C"/>
+                </a:solidFill>
+                <a:uFill>
+                  <a:solidFill/>
+                </a:uFill>
+                <a:latin typeface="Arial Unicode MS" panose="020B0604020202020204" pitchFamily="34" charset="-128"/>
+                <a:ea typeface="Arial Unicode MS" panose="020B0604020202020204" pitchFamily="34" charset="-128"/>
+                <a:cs typeface="Arial Unicode MS" panose="020B0604020202020204" pitchFamily="34" charset="-128"/>
+              </a:rPr>
+              <a:t>Cardinalities</a:t>
+            </a:r>
+            <a:endParaRPr sz="2400" dirty="0">
               <a:solidFill>
-                <a:schemeClr val="tx1"/>
+                <a:srgbClr val="57068C"/>
               </a:solidFill>
+              <a:uFill>
+                <a:solidFill/>
+              </a:uFill>
               <a:latin typeface="Arial Unicode MS" panose="020B0604020202020204" pitchFamily="34" charset="-128"/>
               <a:ea typeface="Arial Unicode MS" panose="020B0604020202020204" pitchFamily="34" charset="-128"/>
               <a:cs typeface="Arial Unicode MS" panose="020B0604020202020204" pitchFamily="34" charset="-128"/>
@@ -13766,171 +12033,94 @@
           </a:p>
         </p:txBody>
       </p:sp>
-      <p:sp>
-        <p:nvSpPr>
-          <p:cNvPr id="500" name="Shape 500"/>
-          <p:cNvSpPr/>
+      <p:cxnSp>
+        <p:nvCxnSpPr>
+          <p:cNvPr id="7" name="Straight Arrow Connector 6">
+            <a:extLst>
+              <a:ext uri="{FF2B5EF4-FFF2-40B4-BE49-F238E27FC236}">
+                <a16:creationId xmlns:a16="http://schemas.microsoft.com/office/drawing/2014/main" id="{17C11B2A-A8C7-ED37-298D-289EC1CC2F00}"/>
+              </a:ext>
+            </a:extLst>
+          </p:cNvPr>
+          <p:cNvCxnSpPr>
+            <a:cxnSpLocks/>
+          </p:cNvCxnSpPr>
           <p:nvPr/>
-        </p:nvSpPr>
+        </p:nvCxnSpPr>
+        <p:spPr>
+          <a:xfrm flipH="1" flipV="1">
+            <a:off x="3515932" y="3314490"/>
+            <a:ext cx="951749" cy="583821"/>
+          </a:xfrm>
+          <a:prstGeom prst="straightConnector1">
+            <a:avLst/>
+          </a:prstGeom>
+          <a:ln w="28575">
+            <a:solidFill>
+              <a:srgbClr val="57068C"/>
+            </a:solidFill>
+            <a:tailEnd type="triangle"/>
+          </a:ln>
+        </p:spPr>
+        <p:style>
+          <a:lnRef idx="1">
+            <a:schemeClr val="accent1"/>
+          </a:lnRef>
+          <a:fillRef idx="0">
+            <a:schemeClr val="accent1"/>
+          </a:fillRef>
+          <a:effectRef idx="0">
+            <a:schemeClr val="accent1"/>
+          </a:effectRef>
+          <a:fontRef idx="minor">
+            <a:schemeClr val="tx1"/>
+          </a:fontRef>
+        </p:style>
+      </p:cxnSp>
+      <p:cxnSp>
+        <p:nvCxnSpPr>
+          <p:cNvPr id="8" name="Straight Arrow Connector 7">
+            <a:extLst>
+              <a:ext uri="{FF2B5EF4-FFF2-40B4-BE49-F238E27FC236}">
+                <a16:creationId xmlns:a16="http://schemas.microsoft.com/office/drawing/2014/main" id="{7A5AF13D-2AD3-72BD-D20A-4DE723235A67}"/>
+              </a:ext>
+            </a:extLst>
+          </p:cNvPr>
+          <p:cNvCxnSpPr>
+            <a:cxnSpLocks/>
+          </p:cNvCxnSpPr>
+          <p:nvPr/>
+        </p:nvCxnSpPr>
         <p:spPr>
           <a:xfrm flipV="1">
-            <a:off x="3067960" y="2584376"/>
-            <a:ext cx="170200" cy="170201"/>
+            <a:off x="5403596" y="3380704"/>
+            <a:ext cx="758945" cy="517607"/>
           </a:xfrm>
-          <a:prstGeom prst="line">
+          <a:prstGeom prst="straightConnector1">
             <a:avLst/>
           </a:prstGeom>
-          <a:ln w="25400">
+          <a:ln w="28575">
             <a:solidFill>
-              <a:srgbClr val="011993"/>
+              <a:srgbClr val="57068C"/>
             </a:solidFill>
-            <a:round/>
+            <a:tailEnd type="triangle"/>
           </a:ln>
-          <a:effectLst>
-            <a:outerShdw blurRad="38100" dist="20000" dir="5400000" rotWithShape="0">
-              <a:srgbClr val="000000">
-                <a:alpha val="38000"/>
-              </a:srgbClr>
-            </a:outerShdw>
-          </a:effectLst>
         </p:spPr>
-        <p:txBody>
-          <a:bodyPr lIns="0" tIns="0" rIns="0" bIns="0"/>
-          <a:lstStyle/>
-          <a:p>
-            <a:pPr lvl="0" defTabSz="457200">
-              <a:defRPr sz="1200">
-                <a:solidFill>
-                  <a:srgbClr val="000000"/>
-                </a:solidFill>
-                <a:uFillTx/>
-                <a:latin typeface="+mj-lt"/>
-                <a:ea typeface="+mj-ea"/>
-                <a:cs typeface="+mj-cs"/>
-                <a:sym typeface="Helvetica"/>
-              </a:defRPr>
-            </a:pPr>
-            <a:endParaRPr dirty="0">
-              <a:solidFill>
-                <a:schemeClr val="tx1"/>
-              </a:solidFill>
-              <a:latin typeface="Arial Unicode MS" panose="020B0604020202020204" pitchFamily="34" charset="-128"/>
-              <a:ea typeface="Arial Unicode MS" panose="020B0604020202020204" pitchFamily="34" charset="-128"/>
-              <a:cs typeface="Arial Unicode MS" panose="020B0604020202020204" pitchFamily="34" charset="-128"/>
-            </a:endParaRPr>
-          </a:p>
-        </p:txBody>
-      </p:sp>
-      <p:sp>
-        <p:nvSpPr>
-          <p:cNvPr id="501" name="Shape 501"/>
-          <p:cNvSpPr/>
-          <p:nvPr/>
-        </p:nvSpPr>
-        <p:spPr>
-          <a:xfrm>
-            <a:off x="3079327" y="2586257"/>
-            <a:ext cx="164744" cy="1"/>
-          </a:xfrm>
-          <a:prstGeom prst="line">
-            <a:avLst/>
-          </a:prstGeom>
-          <a:ln w="25400">
-            <a:solidFill>
-              <a:srgbClr val="011993"/>
-            </a:solidFill>
-            <a:round/>
-          </a:ln>
-          <a:effectLst>
-            <a:outerShdw blurRad="38100" dist="20000" dir="5400000" rotWithShape="0">
-              <a:srgbClr val="000000">
-                <a:alpha val="38000"/>
-              </a:srgbClr>
-            </a:outerShdw>
-          </a:effectLst>
-        </p:spPr>
-        <p:txBody>
-          <a:bodyPr lIns="0" tIns="0" rIns="0" bIns="0"/>
-          <a:lstStyle/>
-          <a:p>
-            <a:pPr lvl="0" defTabSz="457200">
-              <a:defRPr sz="1200">
-                <a:solidFill>
-                  <a:srgbClr val="000000"/>
-                </a:solidFill>
-                <a:uFillTx/>
-                <a:latin typeface="+mj-lt"/>
-                <a:ea typeface="+mj-ea"/>
-                <a:cs typeface="+mj-cs"/>
-                <a:sym typeface="Helvetica"/>
-              </a:defRPr>
-            </a:pPr>
-            <a:endParaRPr dirty="0">
-              <a:solidFill>
-                <a:schemeClr val="tx1"/>
-              </a:solidFill>
-              <a:latin typeface="Arial Unicode MS" panose="020B0604020202020204" pitchFamily="34" charset="-128"/>
-              <a:ea typeface="Arial Unicode MS" panose="020B0604020202020204" pitchFamily="34" charset="-128"/>
-              <a:cs typeface="Arial Unicode MS" panose="020B0604020202020204" pitchFamily="34" charset="-128"/>
-            </a:endParaRPr>
-          </a:p>
-        </p:txBody>
-      </p:sp>
-      <p:sp>
-        <p:nvSpPr>
-          <p:cNvPr id="502" name="Shape 502"/>
-          <p:cNvSpPr/>
-          <p:nvPr/>
-        </p:nvSpPr>
-        <p:spPr>
-          <a:xfrm flipH="1" flipV="1">
-            <a:off x="3064387" y="2402334"/>
-            <a:ext cx="177346" cy="177346"/>
-          </a:xfrm>
-          <a:prstGeom prst="line">
-            <a:avLst/>
-          </a:prstGeom>
-          <a:ln w="25400">
-            <a:solidFill>
-              <a:srgbClr val="011993"/>
-            </a:solidFill>
-            <a:round/>
-          </a:ln>
-          <a:effectLst>
-            <a:outerShdw blurRad="38100" dist="20000" dir="5400000" rotWithShape="0">
-              <a:srgbClr val="000000">
-                <a:alpha val="38000"/>
-              </a:srgbClr>
-            </a:outerShdw>
-          </a:effectLst>
-        </p:spPr>
-        <p:txBody>
-          <a:bodyPr lIns="0" tIns="0" rIns="0" bIns="0"/>
-          <a:lstStyle/>
-          <a:p>
-            <a:pPr lvl="0" defTabSz="457200">
-              <a:defRPr sz="1200">
-                <a:solidFill>
-                  <a:srgbClr val="000000"/>
-                </a:solidFill>
-                <a:uFillTx/>
-                <a:latin typeface="+mj-lt"/>
-                <a:ea typeface="+mj-ea"/>
-                <a:cs typeface="+mj-cs"/>
-                <a:sym typeface="Helvetica"/>
-              </a:defRPr>
-            </a:pPr>
-            <a:endParaRPr dirty="0">
-              <a:solidFill>
-                <a:schemeClr val="tx1"/>
-              </a:solidFill>
-              <a:latin typeface="Arial Unicode MS" panose="020B0604020202020204" pitchFamily="34" charset="-128"/>
-              <a:ea typeface="Arial Unicode MS" panose="020B0604020202020204" pitchFamily="34" charset="-128"/>
-              <a:cs typeface="Arial Unicode MS" panose="020B0604020202020204" pitchFamily="34" charset="-128"/>
-            </a:endParaRPr>
-          </a:p>
-        </p:txBody>
-      </p:sp>
+        <p:style>
+          <a:lnRef idx="1">
+            <a:schemeClr val="accent1"/>
+          </a:lnRef>
+          <a:fillRef idx="0">
+            <a:schemeClr val="accent1"/>
+          </a:fillRef>
+          <a:effectRef idx="0">
+            <a:schemeClr val="accent1"/>
+          </a:effectRef>
+          <a:fontRef idx="minor">
+            <a:schemeClr val="tx1"/>
+          </a:fontRef>
+        </p:style>
+      </p:cxnSp>
     </p:spTree>
   </p:cSld>
   <p:clrMapOvr>
@@ -13976,7 +12166,7 @@
           </a:ln>
           <a:extLst>
             <a:ext uri="{C572A759-6A51-4108-AA02-DFA0A04FC94B}">
-              <ma14:wrappingTextBoxFlag xmlns:ma14="http://schemas.microsoft.com/office/mac/drawingml/2011/main" xmlns="" val="1"/>
+              <ma14:wrappingTextBoxFlag xmlns="" xmlns:ma14="http://schemas.microsoft.com/office/mac/drawingml/2011/main" val="1"/>
             </a:ext>
           </a:extLst>
         </p:spPr>
@@ -14042,7 +12232,7 @@
           </a:ln>
           <a:extLst>
             <a:ext uri="{C572A759-6A51-4108-AA02-DFA0A04FC94B}">
-              <ma14:wrappingTextBoxFlag xmlns:ma14="http://schemas.microsoft.com/office/mac/drawingml/2011/main" xmlns="" val="1"/>
+              <ma14:wrappingTextBoxFlag xmlns="" xmlns:ma14="http://schemas.microsoft.com/office/mac/drawingml/2011/main" val="1"/>
             </a:ext>
           </a:extLst>
         </p:spPr>
@@ -14353,7 +12543,7 @@
           </a:ln>
           <a:extLst>
             <a:ext uri="{C572A759-6A51-4108-AA02-DFA0A04FC94B}">
-              <ma14:wrappingTextBoxFlag xmlns:ma14="http://schemas.microsoft.com/office/mac/drawingml/2011/main" xmlns="" val="1"/>
+              <ma14:wrappingTextBoxFlag xmlns="" xmlns:ma14="http://schemas.microsoft.com/office/mac/drawingml/2011/main" val="1"/>
             </a:ext>
           </a:extLst>
         </p:spPr>
@@ -14520,7 +12710,7 @@
           </a:ln>
           <a:extLst>
             <a:ext uri="{C572A759-6A51-4108-AA02-DFA0A04FC94B}">
-              <ma14:wrappingTextBoxFlag xmlns:ma14="http://schemas.microsoft.com/office/mac/drawingml/2011/main" xmlns="" val="1"/>
+              <ma14:wrappingTextBoxFlag xmlns="" xmlns:ma14="http://schemas.microsoft.com/office/mac/drawingml/2011/main" val="1"/>
             </a:ext>
           </a:extLst>
         </p:spPr>
@@ -14702,7 +12892,7 @@
           </a:ln>
           <a:extLst>
             <a:ext uri="{C572A759-6A51-4108-AA02-DFA0A04FC94B}">
-              <ma14:wrappingTextBoxFlag xmlns:ma14="http://schemas.microsoft.com/office/mac/drawingml/2011/main" xmlns="" val="1"/>
+              <ma14:wrappingTextBoxFlag xmlns="" xmlns:ma14="http://schemas.microsoft.com/office/mac/drawingml/2011/main" val="1"/>
             </a:ext>
           </a:extLst>
         </p:spPr>
@@ -14849,7 +13039,7 @@
           </a:ln>
           <a:extLst>
             <a:ext uri="{C572A759-6A51-4108-AA02-DFA0A04FC94B}">
-              <ma14:wrappingTextBoxFlag xmlns:ma14="http://schemas.microsoft.com/office/mac/drawingml/2011/main" xmlns="" val="1"/>
+              <ma14:wrappingTextBoxFlag xmlns="" xmlns:ma14="http://schemas.microsoft.com/office/mac/drawingml/2011/main" val="1"/>
             </a:ext>
           </a:extLst>
         </p:spPr>
@@ -14960,7 +13150,7 @@
           </a:ln>
           <a:extLst>
             <a:ext uri="{C572A759-6A51-4108-AA02-DFA0A04FC94B}">
-              <ma14:wrappingTextBoxFlag xmlns:ma14="http://schemas.microsoft.com/office/mac/drawingml/2011/main" xmlns="" val="1"/>
+              <ma14:wrappingTextBoxFlag xmlns="" xmlns:ma14="http://schemas.microsoft.com/office/mac/drawingml/2011/main" val="1"/>
             </a:ext>
           </a:extLst>
         </p:spPr>
@@ -15184,7 +13374,7 @@
           </a:ln>
           <a:extLst>
             <a:ext uri="{C572A759-6A51-4108-AA02-DFA0A04FC94B}">
-              <ma14:wrappingTextBoxFlag xmlns:ma14="http://schemas.microsoft.com/office/mac/drawingml/2011/main" xmlns="" val="1"/>
+              <ma14:wrappingTextBoxFlag xmlns="" xmlns:ma14="http://schemas.microsoft.com/office/mac/drawingml/2011/main" val="1"/>
             </a:ext>
           </a:extLst>
         </p:spPr>
@@ -15410,10 +13600,10 @@
       </p:grpSpPr>
       <p:pic>
         <p:nvPicPr>
-          <p:cNvPr id="11" name="Picture 10">
+          <p:cNvPr id="3" name="Picture 2" descr="Circle&#10;&#10;Description automatically generated">
             <a:extLst>
               <a:ext uri="{FF2B5EF4-FFF2-40B4-BE49-F238E27FC236}">
-                <a16:creationId xmlns:a16="http://schemas.microsoft.com/office/drawing/2014/main" id="{2610076F-9519-5A55-0325-49C565054A76}"/>
+                <a16:creationId xmlns:a16="http://schemas.microsoft.com/office/drawing/2014/main" id="{DC6777B5-D9D6-93C3-F79C-DFD5BC4F5F83}"/>
               </a:ext>
             </a:extLst>
           </p:cNvPr>
@@ -15423,45 +13613,21 @@
           <p:nvPr/>
         </p:nvPicPr>
         <p:blipFill>
-          <a:blip r:embed="rId3"/>
+          <a:blip r:embed="rId3" cstate="print">
+            <a:extLst>
+              <a:ext uri="{28A0092B-C50C-407E-A947-70E740481C1C}">
+                <a14:useLocalDpi xmlns:a14="http://schemas.microsoft.com/office/drawing/2010/main" val="0"/>
+              </a:ext>
+            </a:extLst>
+          </a:blip>
           <a:stretch>
             <a:fillRect/>
           </a:stretch>
         </p:blipFill>
         <p:spPr>
           <a:xfrm>
-            <a:off x="5313905" y="3594588"/>
-            <a:ext cx="3287670" cy="1471405"/>
-          </a:xfrm>
-          <a:prstGeom prst="rect">
-            <a:avLst/>
-          </a:prstGeom>
-        </p:spPr>
-      </p:pic>
-      <p:pic>
-        <p:nvPicPr>
-          <p:cNvPr id="7" name="Picture 6">
-            <a:extLst>
-              <a:ext uri="{FF2B5EF4-FFF2-40B4-BE49-F238E27FC236}">
-                <a16:creationId xmlns:a16="http://schemas.microsoft.com/office/drawing/2014/main" id="{472B416E-4B64-39AA-9A9C-ADBAC749F634}"/>
-              </a:ext>
-            </a:extLst>
-          </p:cNvPr>
-          <p:cNvPicPr>
-            <a:picLocks noChangeAspect="1"/>
-          </p:cNvPicPr>
-          <p:nvPr/>
-        </p:nvPicPr>
-        <p:blipFill>
-          <a:blip r:embed="rId4"/>
-          <a:stretch>
-            <a:fillRect/>
-          </a:stretch>
-        </p:blipFill>
-        <p:spPr>
-          <a:xfrm>
-            <a:off x="47359" y="3280632"/>
-            <a:ext cx="4388286" cy="1862470"/>
+            <a:off x="10845" y="3518998"/>
+            <a:ext cx="9144000" cy="1662545"/>
           </a:xfrm>
           <a:prstGeom prst="rect">
             <a:avLst/>
@@ -15487,7 +13653,7 @@
           </a:ln>
           <a:extLst>
             <a:ext uri="{C572A759-6A51-4108-AA02-DFA0A04FC94B}">
-              <ma14:wrappingTextBoxFlag xmlns:ma14="http://schemas.microsoft.com/office/mac/drawingml/2011/main" xmlns="" val="1"/>
+              <ma14:wrappingTextBoxFlag xmlns="" xmlns:ma14="http://schemas.microsoft.com/office/mac/drawingml/2011/main" val="1"/>
             </a:ext>
           </a:extLst>
         </p:spPr>
@@ -15593,7 +13759,7 @@
           </a:ln>
           <a:extLst>
             <a:ext uri="{C572A759-6A51-4108-AA02-DFA0A04FC94B}">
-              <ma14:wrappingTextBoxFlag xmlns:ma14="http://schemas.microsoft.com/office/mac/drawingml/2011/main" xmlns="" val="1"/>
+              <ma14:wrappingTextBoxFlag xmlns="" xmlns:ma14="http://schemas.microsoft.com/office/mac/drawingml/2011/main" val="1"/>
             </a:ext>
           </a:extLst>
         </p:spPr>
@@ -15609,7 +13775,7 @@
               </a:spcBef>
               <a:buSzPct val="50000"/>
               <a:buBlip>
-                <a:blip r:embed="rId5"/>
+                <a:blip r:embed="rId4"/>
               </a:buBlip>
               <a:defRPr sz="1800">
                 <a:solidFill>
@@ -15686,7 +13852,7 @@
               </a:spcBef>
               <a:buSzPct val="50000"/>
               <a:buBlip>
-                <a:blip r:embed="rId5"/>
+                <a:blip r:embed="rId4"/>
               </a:buBlip>
               <a:defRPr sz="1800">
                 <a:solidFill>
@@ -15727,7 +13893,7 @@
               </a:spcBef>
               <a:buSzPct val="50000"/>
               <a:buBlip>
-                <a:blip r:embed="rId5"/>
+                <a:blip r:embed="rId4"/>
               </a:buBlip>
               <a:defRPr sz="1800">
                 <a:solidFill>
@@ -15828,8 +13994,8 @@
         </p:nvSpPr>
         <p:spPr>
           <a:xfrm>
-            <a:off x="207655" y="3559033"/>
-            <a:ext cx="4259208" cy="847867"/>
+            <a:off x="32361" y="3559033"/>
+            <a:ext cx="4718836" cy="882803"/>
           </a:xfrm>
           <a:prstGeom prst="rect">
             <a:avLst/>
@@ -15886,7 +14052,7 @@
           </a:ln>
           <a:extLst>
             <a:ext uri="{C572A759-6A51-4108-AA02-DFA0A04FC94B}">
-              <ma14:wrappingTextBoxFlag xmlns:ma14="http://schemas.microsoft.com/office/mac/drawingml/2011/main" xmlns="" val="1"/>
+              <ma14:wrappingTextBoxFlag xmlns="" xmlns:ma14="http://schemas.microsoft.com/office/mac/drawingml/2011/main" val="1"/>
             </a:ext>
           </a:extLst>
         </p:spPr>
@@ -15948,7 +14114,7 @@
           </a:ln>
           <a:extLst>
             <a:ext uri="{C572A759-6A51-4108-AA02-DFA0A04FC94B}">
-              <ma14:wrappingTextBoxFlag xmlns:ma14="http://schemas.microsoft.com/office/mac/drawingml/2011/main" xmlns="" val="1"/>
+              <ma14:wrappingTextBoxFlag xmlns="" xmlns:ma14="http://schemas.microsoft.com/office/mac/drawingml/2011/main" val="1"/>
             </a:ext>
           </a:extLst>
         </p:spPr>
@@ -15964,7 +14130,7 @@
               </a:spcBef>
               <a:buSzPct val="50000"/>
               <a:buBlip>
-                <a:blip r:embed="rId5"/>
+                <a:blip r:embed="rId4"/>
               </a:buBlip>
               <a:defRPr sz="1800">
                 <a:solidFill>
@@ -16433,7 +14599,7 @@
           </a:ln>
           <a:extLst>
             <a:ext uri="{C572A759-6A51-4108-AA02-DFA0A04FC94B}">
-              <ma14:wrappingTextBoxFlag xmlns:ma14="http://schemas.microsoft.com/office/mac/drawingml/2011/main" xmlns="" val="1"/>
+              <ma14:wrappingTextBoxFlag xmlns="" xmlns:ma14="http://schemas.microsoft.com/office/mac/drawingml/2011/main" val="1"/>
             </a:ext>
           </a:extLst>
         </p:spPr>
@@ -16518,8 +14684,8 @@
         </p:nvCxnSpPr>
         <p:spPr>
           <a:xfrm flipV="1">
-            <a:off x="4941896" y="4819153"/>
-            <a:ext cx="1491691" cy="385996"/>
+            <a:off x="4941896" y="4814047"/>
+            <a:ext cx="1698901" cy="391102"/>
           </a:xfrm>
           <a:prstGeom prst="straightConnector1">
             <a:avLst/>
@@ -16571,7 +14737,7 @@
           </a:ln>
           <a:extLst>
             <a:ext uri="{C572A759-6A51-4108-AA02-DFA0A04FC94B}">
-              <ma14:wrappingTextBoxFlag xmlns:ma14="http://schemas.microsoft.com/office/mac/drawingml/2011/main" xmlns="" val="1"/>
+              <ma14:wrappingTextBoxFlag xmlns="" xmlns:ma14="http://schemas.microsoft.com/office/mac/drawingml/2011/main" val="1"/>
             </a:ext>
           </a:extLst>
         </p:spPr>
@@ -16684,8 +14850,8 @@
         </p:nvSpPr>
         <p:spPr>
           <a:xfrm>
-            <a:off x="5205886" y="3671697"/>
-            <a:ext cx="3580334" cy="648929"/>
+            <a:off x="5448749" y="3594589"/>
+            <a:ext cx="3684406" cy="691250"/>
           </a:xfrm>
           <a:prstGeom prst="rect">
             <a:avLst/>
@@ -16793,7 +14959,7 @@
           </a:ln>
           <a:extLst>
             <a:ext uri="{C572A759-6A51-4108-AA02-DFA0A04FC94B}">
-              <ma14:wrappingTextBoxFlag xmlns:ma14="http://schemas.microsoft.com/office/mac/drawingml/2011/main" xmlns="" val="1"/>
+              <ma14:wrappingTextBoxFlag xmlns="" xmlns:ma14="http://schemas.microsoft.com/office/mac/drawingml/2011/main" val="1"/>
             </a:ext>
           </a:extLst>
         </p:spPr>
@@ -16924,8 +15090,8 @@
         </p:nvCxnSpPr>
         <p:spPr>
           <a:xfrm flipH="1">
-            <a:off x="4466863" y="3259676"/>
-            <a:ext cx="1374459" cy="723291"/>
+            <a:off x="4751197" y="3259676"/>
+            <a:ext cx="1090125" cy="740759"/>
           </a:xfrm>
           <a:prstGeom prst="straightConnector1">
             <a:avLst/>
@@ -16964,14 +15130,14 @@
           <p:cNvCxnSpPr>
             <a:cxnSpLocks/>
             <a:stCxn id="308" idx="2"/>
-            <a:endCxn id="11" idx="0"/>
+            <a:endCxn id="17" idx="0"/>
           </p:cNvCxnSpPr>
           <p:nvPr/>
         </p:nvCxnSpPr>
         <p:spPr>
           <a:xfrm>
             <a:off x="5841322" y="3259676"/>
-            <a:ext cx="1116418" cy="334912"/>
+            <a:ext cx="1449630" cy="334913"/>
           </a:xfrm>
           <a:prstGeom prst="straightConnector1">
             <a:avLst/>
@@ -17048,7 +15214,7 @@
           </a:ln>
           <a:extLst>
             <a:ext uri="{C572A759-6A51-4108-AA02-DFA0A04FC94B}">
-              <ma14:wrappingTextBoxFlag xmlns:ma14="http://schemas.microsoft.com/office/mac/drawingml/2011/main" xmlns="" val="1"/>
+              <ma14:wrappingTextBoxFlag xmlns="" xmlns:ma14="http://schemas.microsoft.com/office/mac/drawingml/2011/main" val="1"/>
             </a:ext>
           </a:extLst>
         </p:spPr>
@@ -17114,7 +15280,7 @@
           </a:ln>
           <a:extLst>
             <a:ext uri="{C572A759-6A51-4108-AA02-DFA0A04FC94B}">
-              <ma14:wrappingTextBoxFlag xmlns:ma14="http://schemas.microsoft.com/office/mac/drawingml/2011/main" xmlns="" val="1"/>
+              <ma14:wrappingTextBoxFlag xmlns="" xmlns:ma14="http://schemas.microsoft.com/office/mac/drawingml/2011/main" val="1"/>
             </a:ext>
           </a:extLst>
         </p:spPr>
@@ -17412,7 +15578,7 @@
           </a:ln>
           <a:extLst>
             <a:ext uri="{C572A759-6A51-4108-AA02-DFA0A04FC94B}">
-              <ma14:wrappingTextBoxFlag xmlns:ma14="http://schemas.microsoft.com/office/mac/drawingml/2011/main" xmlns="" val="1"/>
+              <ma14:wrappingTextBoxFlag xmlns="" xmlns:ma14="http://schemas.microsoft.com/office/mac/drawingml/2011/main" val="1"/>
             </a:ext>
           </a:extLst>
         </p:spPr>
@@ -17460,7 +15626,7 @@
         </p:nvSpPr>
         <p:spPr>
           <a:xfrm>
-            <a:off x="7608375" y="6147780"/>
+            <a:off x="7059735" y="5249843"/>
             <a:ext cx="1396216" cy="615553"/>
           </a:xfrm>
           <a:prstGeom prst="rect">
@@ -17471,7 +15637,7 @@
           </a:ln>
           <a:extLst>
             <a:ext uri="{C572A759-6A51-4108-AA02-DFA0A04FC94B}">
-              <ma14:wrappingTextBoxFlag xmlns:ma14="http://schemas.microsoft.com/office/mac/drawingml/2011/main" xmlns="" val="1"/>
+              <ma14:wrappingTextBoxFlag xmlns="" xmlns:ma14="http://schemas.microsoft.com/office/mac/drawingml/2011/main" val="1"/>
             </a:ext>
           </a:extLst>
         </p:spPr>
@@ -17532,36 +15698,6 @@
           </a:p>
         </p:txBody>
       </p:sp>
-      <p:pic>
-        <p:nvPicPr>
-          <p:cNvPr id="3" name="Picture 2">
-            <a:extLst>
-              <a:ext uri="{FF2B5EF4-FFF2-40B4-BE49-F238E27FC236}">
-                <a16:creationId xmlns:a16="http://schemas.microsoft.com/office/drawing/2014/main" id="{BD0CF40A-C8B7-FEE3-30DB-2802FE6AFDCB}"/>
-              </a:ext>
-            </a:extLst>
-          </p:cNvPr>
-          <p:cNvPicPr>
-            <a:picLocks noChangeAspect="1"/>
-          </p:cNvPicPr>
-          <p:nvPr/>
-        </p:nvPicPr>
-        <p:blipFill>
-          <a:blip r:embed="rId4"/>
-          <a:stretch>
-            <a:fillRect/>
-          </a:stretch>
-        </p:blipFill>
-        <p:spPr>
-          <a:xfrm>
-            <a:off x="4540595" y="609161"/>
-            <a:ext cx="4463996" cy="1995669"/>
-          </a:xfrm>
-          <a:prstGeom prst="rect">
-            <a:avLst/>
-          </a:prstGeom>
-        </p:spPr>
-      </p:pic>
       <p:sp>
         <p:nvSpPr>
           <p:cNvPr id="9" name="TextBox 8">
@@ -17619,10 +15755,10 @@
       </p:sp>
       <p:pic>
         <p:nvPicPr>
-          <p:cNvPr id="14" name="Picture 13">
+          <p:cNvPr id="4" name="Picture 3" descr="Circle&#10;&#10;Description automatically generated">
             <a:extLst>
               <a:ext uri="{FF2B5EF4-FFF2-40B4-BE49-F238E27FC236}">
-                <a16:creationId xmlns:a16="http://schemas.microsoft.com/office/drawing/2014/main" id="{4787FCCF-0C2D-B00B-AC66-FFAFEC5C5414}"/>
+                <a16:creationId xmlns:a16="http://schemas.microsoft.com/office/drawing/2014/main" id="{5EA9FDC9-87F1-8A72-913C-33507F4786C4}"/>
               </a:ext>
             </a:extLst>
           </p:cNvPr>
@@ -17631,16 +15767,56 @@
           </p:cNvPicPr>
           <p:nvPr/>
         </p:nvPicPr>
-        <p:blipFill>
-          <a:blip r:embed="rId5"/>
-          <a:stretch>
-            <a:fillRect/>
-          </a:stretch>
+        <p:blipFill rotWithShape="1">
+          <a:blip r:embed="rId4" cstate="print">
+            <a:extLst>
+              <a:ext uri="{28A0092B-C50C-407E-A947-70E740481C1C}">
+                <a14:useLocalDpi xmlns:a14="http://schemas.microsoft.com/office/drawing/2010/main" val="0"/>
+              </a:ext>
+            </a:extLst>
+          </a:blip>
+          <a:srcRect r="50566"/>
+          <a:stretch/>
         </p:blipFill>
         <p:spPr>
           <a:xfrm>
-            <a:off x="4362111" y="3227735"/>
-            <a:ext cx="4677747" cy="1995669"/>
+            <a:off x="4484364" y="997767"/>
+            <a:ext cx="4520227" cy="2212258"/>
+          </a:xfrm>
+          <a:prstGeom prst="rect">
+            <a:avLst/>
+          </a:prstGeom>
+        </p:spPr>
+      </p:pic>
+      <p:pic>
+        <p:nvPicPr>
+          <p:cNvPr id="6" name="Picture 5" descr="Circle&#10;&#10;Description automatically generated">
+            <a:extLst>
+              <a:ext uri="{FF2B5EF4-FFF2-40B4-BE49-F238E27FC236}">
+                <a16:creationId xmlns:a16="http://schemas.microsoft.com/office/drawing/2014/main" id="{6F3E0632-BC92-434A-AEA1-53DC9F455633}"/>
+              </a:ext>
+            </a:extLst>
+          </p:cNvPr>
+          <p:cNvPicPr>
+            <a:picLocks noChangeAspect="1"/>
+          </p:cNvPicPr>
+          <p:nvPr/>
+        </p:nvPicPr>
+        <p:blipFill rotWithShape="1">
+          <a:blip r:embed="rId4" cstate="print">
+            <a:extLst>
+              <a:ext uri="{28A0092B-C50C-407E-A947-70E740481C1C}">
+                <a14:useLocalDpi xmlns:a14="http://schemas.microsoft.com/office/drawing/2010/main" val="0"/>
+              </a:ext>
+            </a:extLst>
+          </a:blip>
+          <a:srcRect l="55728"/>
+          <a:stretch/>
+        </p:blipFill>
+        <p:spPr>
+          <a:xfrm>
+            <a:off x="4484364" y="3003090"/>
+            <a:ext cx="4048217" cy="2212258"/>
           </a:xfrm>
           <a:prstGeom prst="rect">
             <a:avLst/>
@@ -17675,10 +15851,10 @@
       </p:grpSpPr>
       <p:pic>
         <p:nvPicPr>
-          <p:cNvPr id="4" name="Picture 3">
+          <p:cNvPr id="3" name="Picture 2" descr="Shape&#10;&#10;Description automatically generated">
             <a:extLst>
               <a:ext uri="{FF2B5EF4-FFF2-40B4-BE49-F238E27FC236}">
-                <a16:creationId xmlns:a16="http://schemas.microsoft.com/office/drawing/2014/main" id="{4F16526B-445F-CFF3-D256-13572DEE5263}"/>
+                <a16:creationId xmlns:a16="http://schemas.microsoft.com/office/drawing/2014/main" id="{25E42DCB-8893-C8DA-A62A-DEB05CB8569C}"/>
               </a:ext>
             </a:extLst>
           </p:cNvPr>
@@ -17688,15 +15864,21 @@
           <p:nvPr/>
         </p:nvPicPr>
         <p:blipFill>
-          <a:blip r:embed="rId3"/>
+          <a:blip r:embed="rId3" cstate="print">
+            <a:extLst>
+              <a:ext uri="{28A0092B-C50C-407E-A947-70E740481C1C}">
+                <a14:useLocalDpi xmlns:a14="http://schemas.microsoft.com/office/drawing/2010/main" val="0"/>
+              </a:ext>
+            </a:extLst>
+          </a:blip>
           <a:stretch>
             <a:fillRect/>
           </a:stretch>
         </p:blipFill>
         <p:spPr>
           <a:xfrm>
-            <a:off x="105648" y="2621129"/>
-            <a:ext cx="8812484" cy="2544189"/>
+            <a:off x="0" y="2747798"/>
+            <a:ext cx="9144000" cy="2212258"/>
           </a:xfrm>
           <a:prstGeom prst="rect">
             <a:avLst/>
@@ -17722,7 +15904,7 @@
           </a:ln>
           <a:extLst>
             <a:ext uri="{C572A759-6A51-4108-AA02-DFA0A04FC94B}">
-              <ma14:wrappingTextBoxFlag xmlns:ma14="http://schemas.microsoft.com/office/mac/drawingml/2011/main" xmlns="" val="1"/>
+              <ma14:wrappingTextBoxFlag xmlns="" xmlns:ma14="http://schemas.microsoft.com/office/mac/drawingml/2011/main" val="1"/>
             </a:ext>
           </a:extLst>
         </p:spPr>
@@ -17788,7 +15970,7 @@
           </a:ln>
           <a:extLst>
             <a:ext uri="{C572A759-6A51-4108-AA02-DFA0A04FC94B}">
-              <ma14:wrappingTextBoxFlag xmlns:ma14="http://schemas.microsoft.com/office/mac/drawingml/2011/main" xmlns="" val="1"/>
+              <ma14:wrappingTextBoxFlag xmlns="" xmlns:ma14="http://schemas.microsoft.com/office/mac/drawingml/2011/main" val="1"/>
             </a:ext>
           </a:extLst>
         </p:spPr>
@@ -17940,7 +16122,7 @@
           </a:ln>
           <a:extLst>
             <a:ext uri="{C572A759-6A51-4108-AA02-DFA0A04FC94B}">
-              <ma14:wrappingTextBoxFlag xmlns:ma14="http://schemas.microsoft.com/office/mac/drawingml/2011/main" xmlns="" val="1"/>
+              <ma14:wrappingTextBoxFlag xmlns="" xmlns:ma14="http://schemas.microsoft.com/office/mac/drawingml/2011/main" val="1"/>
             </a:ext>
           </a:extLst>
         </p:spPr>
@@ -18124,6 +16306,42 @@
           <a:chExt cx="0" cy="0"/>
         </a:xfrm>
       </p:grpSpPr>
+      <p:pic>
+        <p:nvPicPr>
+          <p:cNvPr id="3" name="Picture 2" descr="Shape, circle&#10;&#10;Description automatically generated">
+            <a:extLst>
+              <a:ext uri="{FF2B5EF4-FFF2-40B4-BE49-F238E27FC236}">
+                <a16:creationId xmlns:a16="http://schemas.microsoft.com/office/drawing/2014/main" id="{FD2C1A7A-09CA-EF59-BF0A-0884B5DF3722}"/>
+              </a:ext>
+            </a:extLst>
+          </p:cNvPr>
+          <p:cNvPicPr>
+            <a:picLocks noChangeAspect="1"/>
+          </p:cNvPicPr>
+          <p:nvPr/>
+        </p:nvPicPr>
+        <p:blipFill>
+          <a:blip r:embed="rId3" cstate="print">
+            <a:extLst>
+              <a:ext uri="{28A0092B-C50C-407E-A947-70E740481C1C}">
+                <a14:useLocalDpi xmlns:a14="http://schemas.microsoft.com/office/drawing/2010/main" val="0"/>
+              </a:ext>
+            </a:extLst>
+          </a:blip>
+          <a:stretch>
+            <a:fillRect/>
+          </a:stretch>
+        </p:blipFill>
+        <p:spPr>
+          <a:xfrm>
+            <a:off x="0" y="3429000"/>
+            <a:ext cx="9144000" cy="2246671"/>
+          </a:xfrm>
+          <a:prstGeom prst="rect">
+            <a:avLst/>
+          </a:prstGeom>
+        </p:spPr>
+      </p:pic>
       <p:sp>
         <p:nvSpPr>
           <p:cNvPr id="354" name="Shape 354"/>
@@ -18143,7 +16361,7 @@
           </a:ln>
           <a:extLst>
             <a:ext uri="{C572A759-6A51-4108-AA02-DFA0A04FC94B}">
-              <ma14:wrappingTextBoxFlag xmlns:ma14="http://schemas.microsoft.com/office/mac/drawingml/2011/main" xmlns="" val="1"/>
+              <ma14:wrappingTextBoxFlag xmlns="" xmlns:ma14="http://schemas.microsoft.com/office/mac/drawingml/2011/main" val="1"/>
             </a:ext>
           </a:extLst>
         </p:spPr>
@@ -18238,7 +16456,7 @@
           </a:ln>
           <a:extLst>
             <a:ext uri="{C572A759-6A51-4108-AA02-DFA0A04FC94B}">
-              <ma14:wrappingTextBoxFlag xmlns:ma14="http://schemas.microsoft.com/office/mac/drawingml/2011/main" xmlns="" val="1"/>
+              <ma14:wrappingTextBoxFlag xmlns="" xmlns:ma14="http://schemas.microsoft.com/office/mac/drawingml/2011/main" val="1"/>
             </a:ext>
           </a:extLst>
         </p:spPr>
@@ -18254,7 +16472,7 @@
               </a:spcBef>
               <a:buSzPct val="50000"/>
               <a:buBlip>
-                <a:blip r:embed="rId3"/>
+                <a:blip r:embed="rId4"/>
               </a:buBlip>
               <a:defRPr sz="1800">
                 <a:solidFill>
@@ -18455,36 +16673,6 @@
           </a:p>
         </p:txBody>
       </p:sp>
-      <p:pic>
-        <p:nvPicPr>
-          <p:cNvPr id="6" name="Picture 5">
-            <a:extLst>
-              <a:ext uri="{FF2B5EF4-FFF2-40B4-BE49-F238E27FC236}">
-                <a16:creationId xmlns:a16="http://schemas.microsoft.com/office/drawing/2014/main" id="{DF143D22-4B2F-CAD1-4194-054F16900F3E}"/>
-              </a:ext>
-            </a:extLst>
-          </p:cNvPr>
-          <p:cNvPicPr>
-            <a:picLocks noChangeAspect="1"/>
-          </p:cNvPicPr>
-          <p:nvPr/>
-        </p:nvPicPr>
-        <p:blipFill>
-          <a:blip r:embed="rId4"/>
-          <a:stretch>
-            <a:fillRect/>
-          </a:stretch>
-        </p:blipFill>
-        <p:spPr>
-          <a:xfrm>
-            <a:off x="79244" y="3177357"/>
-            <a:ext cx="9064756" cy="2657796"/>
-          </a:xfrm>
-          <a:prstGeom prst="rect">
-            <a:avLst/>
-          </a:prstGeom>
-        </p:spPr>
-      </p:pic>
       <p:sp>
         <p:nvSpPr>
           <p:cNvPr id="7" name="Shape 306">
@@ -18588,7 +16776,7 @@
           </a:ln>
           <a:extLst>
             <a:ext uri="{C572A759-6A51-4108-AA02-DFA0A04FC94B}">
-              <ma14:wrappingTextBoxFlag xmlns:ma14="http://schemas.microsoft.com/office/mac/drawingml/2011/main" xmlns="" val="1"/>
+              <ma14:wrappingTextBoxFlag xmlns="" xmlns:ma14="http://schemas.microsoft.com/office/mac/drawingml/2011/main" val="1"/>
             </a:ext>
           </a:extLst>
         </p:spPr>
@@ -18699,7 +16887,7 @@
           </a:ln>
           <a:extLst>
             <a:ext uri="{C572A759-6A51-4108-AA02-DFA0A04FC94B}">
-              <ma14:wrappingTextBoxFlag xmlns:ma14="http://schemas.microsoft.com/office/mac/drawingml/2011/main" xmlns="" val="1"/>
+              <ma14:wrappingTextBoxFlag xmlns="" xmlns:ma14="http://schemas.microsoft.com/office/mac/drawingml/2011/main" val="1"/>
             </a:ext>
           </a:extLst>
         </p:spPr>
@@ -19472,7 +17660,7 @@
           </a:ln>
           <a:extLst>
             <a:ext uri="{C572A759-6A51-4108-AA02-DFA0A04FC94B}">
-              <ma14:wrappingTextBoxFlag xmlns:ma14="http://schemas.microsoft.com/office/mac/drawingml/2011/main" xmlns="" val="1"/>
+              <ma14:wrappingTextBoxFlag xmlns="" xmlns:ma14="http://schemas.microsoft.com/office/mac/drawingml/2011/main" val="1"/>
             </a:ext>
           </a:extLst>
         </p:spPr>
@@ -20529,7 +18717,7 @@
           </a:ln>
           <a:extLst>
             <a:ext uri="{C572A759-6A51-4108-AA02-DFA0A04FC94B}">
-              <ma14:wrappingTextBoxFlag xmlns:ma14="http://schemas.microsoft.com/office/mac/drawingml/2011/main" xmlns="" val="1"/>
+              <ma14:wrappingTextBoxFlag xmlns="" xmlns:ma14="http://schemas.microsoft.com/office/mac/drawingml/2011/main" val="1"/>
             </a:ext>
           </a:extLst>
         </p:spPr>
@@ -20640,7 +18828,7 @@
           </a:ln>
           <a:extLst>
             <a:ext uri="{C572A759-6A51-4108-AA02-DFA0A04FC94B}">
-              <ma14:wrappingTextBoxFlag xmlns:ma14="http://schemas.microsoft.com/office/mac/drawingml/2011/main" xmlns="" val="1"/>
+              <ma14:wrappingTextBoxFlag xmlns="" xmlns:ma14="http://schemas.microsoft.com/office/mac/drawingml/2011/main" val="1"/>
             </a:ext>
           </a:extLst>
         </p:spPr>
@@ -21483,7 +19671,7 @@
           </a:ln>
           <a:extLst>
             <a:ext uri="{C572A759-6A51-4108-AA02-DFA0A04FC94B}">
-              <ma14:wrappingTextBoxFlag xmlns:ma14="http://schemas.microsoft.com/office/mac/drawingml/2011/main" xmlns="" val="1"/>
+              <ma14:wrappingTextBoxFlag xmlns="" xmlns:ma14="http://schemas.microsoft.com/office/mac/drawingml/2011/main" val="1"/>
             </a:ext>
           </a:extLst>
         </p:spPr>
